--- a/Docs/images/New Microsoft PowerPoint Presentation.pptx
+++ b/Docs/images/New Microsoft PowerPoint Presentation.pptx
@@ -7,6 +7,7 @@
   <p:sldIdLst>
     <p:sldId id="256" r:id="rId2"/>
     <p:sldId id="257" r:id="rId3"/>
+    <p:sldId id="258" r:id="rId4"/>
   </p:sldIdLst>
   <p:sldSz cx="12192000" cy="6858000"/>
   <p:notesSz cx="6858000" cy="9144000"/>
@@ -105,6 +106,11 @@
       </a:defRPr>
     </a:lvl9pPr>
   </p:defaultTextStyle>
+  <p:extLst>
+    <p:ext uri="{EFAFB233-063F-42B5-8137-9DF3F51BA10A}">
+      <p15:sldGuideLst xmlns:p15="http://schemas.microsoft.com/office/powerpoint/2012/main"/>
+    </p:ext>
+  </p:extLst>
 </p:presentation>
 </file>
 
@@ -255,7 +261,7 @@
           <a:p>
             <a:fld id="{D3372D3B-FF1E-40D4-AFA5-7E302EC565F0}" type="datetimeFigureOut">
               <a:rPr lang="en-US" smtClean="0"/>
-              <a:t>11/11/2018</a:t>
+              <a:t>11/25/2018</a:t>
             </a:fld>
             <a:endParaRPr lang="en-US"/>
           </a:p>
@@ -453,7 +459,7 @@
           <a:p>
             <a:fld id="{D3372D3B-FF1E-40D4-AFA5-7E302EC565F0}" type="datetimeFigureOut">
               <a:rPr lang="en-US" smtClean="0"/>
-              <a:t>11/11/2018</a:t>
+              <a:t>11/25/2018</a:t>
             </a:fld>
             <a:endParaRPr lang="en-US"/>
           </a:p>
@@ -661,7 +667,7 @@
           <a:p>
             <a:fld id="{D3372D3B-FF1E-40D4-AFA5-7E302EC565F0}" type="datetimeFigureOut">
               <a:rPr lang="en-US" smtClean="0"/>
-              <a:t>11/11/2018</a:t>
+              <a:t>11/25/2018</a:t>
             </a:fld>
             <a:endParaRPr lang="en-US"/>
           </a:p>
@@ -859,7 +865,7 @@
           <a:p>
             <a:fld id="{D3372D3B-FF1E-40D4-AFA5-7E302EC565F0}" type="datetimeFigureOut">
               <a:rPr lang="en-US" smtClean="0"/>
-              <a:t>11/11/2018</a:t>
+              <a:t>11/25/2018</a:t>
             </a:fld>
             <a:endParaRPr lang="en-US"/>
           </a:p>
@@ -1134,7 +1140,7 @@
           <a:p>
             <a:fld id="{D3372D3B-FF1E-40D4-AFA5-7E302EC565F0}" type="datetimeFigureOut">
               <a:rPr lang="en-US" smtClean="0"/>
-              <a:t>11/11/2018</a:t>
+              <a:t>11/25/2018</a:t>
             </a:fld>
             <a:endParaRPr lang="en-US"/>
           </a:p>
@@ -1399,7 +1405,7 @@
           <a:p>
             <a:fld id="{D3372D3B-FF1E-40D4-AFA5-7E302EC565F0}" type="datetimeFigureOut">
               <a:rPr lang="en-US" smtClean="0"/>
-              <a:t>11/11/2018</a:t>
+              <a:t>11/25/2018</a:t>
             </a:fld>
             <a:endParaRPr lang="en-US"/>
           </a:p>
@@ -1811,7 +1817,7 @@
           <a:p>
             <a:fld id="{D3372D3B-FF1E-40D4-AFA5-7E302EC565F0}" type="datetimeFigureOut">
               <a:rPr lang="en-US" smtClean="0"/>
-              <a:t>11/11/2018</a:t>
+              <a:t>11/25/2018</a:t>
             </a:fld>
             <a:endParaRPr lang="en-US"/>
           </a:p>
@@ -1952,7 +1958,7 @@
           <a:p>
             <a:fld id="{D3372D3B-FF1E-40D4-AFA5-7E302EC565F0}" type="datetimeFigureOut">
               <a:rPr lang="en-US" smtClean="0"/>
-              <a:t>11/11/2018</a:t>
+              <a:t>11/25/2018</a:t>
             </a:fld>
             <a:endParaRPr lang="en-US"/>
           </a:p>
@@ -2065,7 +2071,7 @@
           <a:p>
             <a:fld id="{D3372D3B-FF1E-40D4-AFA5-7E302EC565F0}" type="datetimeFigureOut">
               <a:rPr lang="en-US" smtClean="0"/>
-              <a:t>11/11/2018</a:t>
+              <a:t>11/25/2018</a:t>
             </a:fld>
             <a:endParaRPr lang="en-US"/>
           </a:p>
@@ -2376,7 +2382,7 @@
           <a:p>
             <a:fld id="{D3372D3B-FF1E-40D4-AFA5-7E302EC565F0}" type="datetimeFigureOut">
               <a:rPr lang="en-US" smtClean="0"/>
-              <a:t>11/11/2018</a:t>
+              <a:t>11/25/2018</a:t>
             </a:fld>
             <a:endParaRPr lang="en-US"/>
           </a:p>
@@ -2664,7 +2670,7 @@
           <a:p>
             <a:fld id="{D3372D3B-FF1E-40D4-AFA5-7E302EC565F0}" type="datetimeFigureOut">
               <a:rPr lang="en-US" smtClean="0"/>
-              <a:t>11/11/2018</a:t>
+              <a:t>11/25/2018</a:t>
             </a:fld>
             <a:endParaRPr lang="en-US"/>
           </a:p>
@@ -2905,7 +2911,7 @@
           <a:p>
             <a:fld id="{D3372D3B-FF1E-40D4-AFA5-7E302EC565F0}" type="datetimeFigureOut">
               <a:rPr lang="en-US" smtClean="0"/>
-              <a:t>11/11/2018</a:t>
+              <a:t>11/25/2018</a:t>
             </a:fld>
             <a:endParaRPr lang="en-US"/>
           </a:p>
@@ -4172,6 +4178,890 @@
 </p:sld>
 </file>
 
+<file path=ppt/slides/slide3.xml><?xml version="1.0" encoding="utf-8"?>
+<p:sld xmlns:a="http://schemas.openxmlformats.org/drawingml/2006/main" xmlns:r="http://schemas.openxmlformats.org/officeDocument/2006/relationships" xmlns:p="http://schemas.openxmlformats.org/presentationml/2006/main">
+  <p:cSld>
+    <p:spTree>
+      <p:nvGrpSpPr>
+        <p:cNvPr id="1" name=""/>
+        <p:cNvGrpSpPr/>
+        <p:nvPr/>
+      </p:nvGrpSpPr>
+      <p:grpSpPr>
+        <a:xfrm>
+          <a:off x="0" y="0"/>
+          <a:ext cx="0" cy="0"/>
+          <a:chOff x="0" y="0"/>
+          <a:chExt cx="0" cy="0"/>
+        </a:xfrm>
+      </p:grpSpPr>
+      <p:grpSp>
+        <p:nvGrpSpPr>
+          <p:cNvPr id="42" name="Group 41">
+            <a:extLst>
+              <a:ext uri="{FF2B5EF4-FFF2-40B4-BE49-F238E27FC236}">
+                <a16:creationId xmlns:a16="http://schemas.microsoft.com/office/drawing/2014/main" id="{02A5DFE0-C0EB-4922-B450-8A505A92F47D}"/>
+              </a:ext>
+            </a:extLst>
+          </p:cNvPr>
+          <p:cNvGrpSpPr/>
+          <p:nvPr/>
+        </p:nvGrpSpPr>
+        <p:grpSpPr>
+          <a:xfrm>
+            <a:off x="616302" y="822960"/>
+            <a:ext cx="11049947" cy="4974336"/>
+            <a:chOff x="616302" y="822960"/>
+            <a:chExt cx="11049947" cy="4974336"/>
+          </a:xfrm>
+        </p:grpSpPr>
+        <p:sp>
+          <p:nvSpPr>
+            <p:cNvPr id="4" name="Rectangle 3">
+              <a:extLst>
+                <a:ext uri="{FF2B5EF4-FFF2-40B4-BE49-F238E27FC236}">
+                  <a16:creationId xmlns:a16="http://schemas.microsoft.com/office/drawing/2014/main" id="{F81348EC-B15F-4464-9533-AC4FC4A24FCB}"/>
+                </a:ext>
+              </a:extLst>
+            </p:cNvPr>
+            <p:cNvSpPr/>
+            <p:nvPr/>
+          </p:nvSpPr>
+          <p:spPr>
+            <a:xfrm>
+              <a:off x="616302" y="822960"/>
+              <a:ext cx="11049947" cy="4974336"/>
+            </a:xfrm>
+            <a:prstGeom prst="rect">
+              <a:avLst/>
+            </a:prstGeom>
+            <a:solidFill>
+              <a:schemeClr val="tx1">
+                <a:lumMod val="75000"/>
+                <a:lumOff val="25000"/>
+              </a:schemeClr>
+            </a:solidFill>
+          </p:spPr>
+          <p:style>
+            <a:lnRef idx="2">
+              <a:schemeClr val="accent3">
+                <a:shade val="50000"/>
+              </a:schemeClr>
+            </a:lnRef>
+            <a:fillRef idx="1">
+              <a:schemeClr val="accent3"/>
+            </a:fillRef>
+            <a:effectRef idx="0">
+              <a:schemeClr val="accent3"/>
+            </a:effectRef>
+            <a:fontRef idx="minor">
+              <a:schemeClr val="lt1"/>
+            </a:fontRef>
+          </p:style>
+          <p:txBody>
+            <a:bodyPr rtlCol="0" anchor="ctr"/>
+            <a:lstStyle/>
+            <a:p>
+              <a:pPr algn="ctr"/>
+              <a:endParaRPr lang="en-US" dirty="0"/>
+            </a:p>
+          </p:txBody>
+        </p:sp>
+        <p:sp>
+          <p:nvSpPr>
+            <p:cNvPr id="5" name="Rectangle 4">
+              <a:extLst>
+                <a:ext uri="{FF2B5EF4-FFF2-40B4-BE49-F238E27FC236}">
+                  <a16:creationId xmlns:a16="http://schemas.microsoft.com/office/drawing/2014/main" id="{1B3D62FF-4999-468C-BA11-7FC60709E56B}"/>
+                </a:ext>
+              </a:extLst>
+            </p:cNvPr>
+            <p:cNvSpPr/>
+            <p:nvPr/>
+          </p:nvSpPr>
+          <p:spPr>
+            <a:xfrm>
+              <a:off x="5619565" y="1162975"/>
+              <a:ext cx="914400" cy="381740"/>
+            </a:xfrm>
+            <a:prstGeom prst="rect">
+              <a:avLst/>
+            </a:prstGeom>
+          </p:spPr>
+          <p:style>
+            <a:lnRef idx="2">
+              <a:schemeClr val="accent1">
+                <a:shade val="50000"/>
+              </a:schemeClr>
+            </a:lnRef>
+            <a:fillRef idx="1">
+              <a:schemeClr val="accent1"/>
+            </a:fillRef>
+            <a:effectRef idx="0">
+              <a:schemeClr val="accent1"/>
+            </a:effectRef>
+            <a:fontRef idx="minor">
+              <a:schemeClr val="lt1"/>
+            </a:fontRef>
+          </p:style>
+          <p:txBody>
+            <a:bodyPr rtlCol="0" anchor="ctr"/>
+            <a:lstStyle/>
+            <a:p>
+              <a:pPr algn="ctr"/>
+              <a:r>
+                <a:rPr lang="en-US" dirty="0">
+                  <a:solidFill>
+                    <a:schemeClr val="accent4"/>
+                  </a:solidFill>
+                </a:rPr>
+                <a:t>Iterator</a:t>
+              </a:r>
+            </a:p>
+          </p:txBody>
+        </p:sp>
+        <p:sp>
+          <p:nvSpPr>
+            <p:cNvPr id="6" name="Rectangle 5">
+              <a:extLst>
+                <a:ext uri="{FF2B5EF4-FFF2-40B4-BE49-F238E27FC236}">
+                  <a16:creationId xmlns:a16="http://schemas.microsoft.com/office/drawing/2014/main" id="{E884BAC8-965E-4372-992A-119387BF31D6}"/>
+                </a:ext>
+              </a:extLst>
+            </p:cNvPr>
+            <p:cNvSpPr/>
+            <p:nvPr/>
+          </p:nvSpPr>
+          <p:spPr>
+            <a:xfrm>
+              <a:off x="2855028" y="1955455"/>
+              <a:ext cx="1442651" cy="381740"/>
+            </a:xfrm>
+            <a:prstGeom prst="rect">
+              <a:avLst/>
+            </a:prstGeom>
+          </p:spPr>
+          <p:style>
+            <a:lnRef idx="2">
+              <a:schemeClr val="accent1">
+                <a:shade val="50000"/>
+              </a:schemeClr>
+            </a:lnRef>
+            <a:fillRef idx="1">
+              <a:schemeClr val="accent1"/>
+            </a:fillRef>
+            <a:effectRef idx="0">
+              <a:schemeClr val="accent1"/>
+            </a:effectRef>
+            <a:fontRef idx="minor">
+              <a:schemeClr val="lt1"/>
+            </a:fontRef>
+          </p:style>
+          <p:txBody>
+            <a:bodyPr rtlCol="0" anchor="ctr"/>
+            <a:lstStyle/>
+            <a:p>
+              <a:pPr algn="ctr"/>
+              <a:r>
+                <a:rPr lang="en-US" dirty="0">
+                  <a:solidFill>
+                    <a:schemeClr val="accent4"/>
+                  </a:solidFill>
+                </a:rPr>
+                <a:t>Pixel Space</a:t>
+              </a:r>
+            </a:p>
+          </p:txBody>
+        </p:sp>
+        <p:sp>
+          <p:nvSpPr>
+            <p:cNvPr id="7" name="Rectangle 6">
+              <a:extLst>
+                <a:ext uri="{FF2B5EF4-FFF2-40B4-BE49-F238E27FC236}">
+                  <a16:creationId xmlns:a16="http://schemas.microsoft.com/office/drawing/2014/main" id="{CCD2C2FD-D6AF-4B5A-8A4B-50A3BB542646}"/>
+                </a:ext>
+              </a:extLst>
+            </p:cNvPr>
+            <p:cNvSpPr/>
+            <p:nvPr/>
+          </p:nvSpPr>
+          <p:spPr>
+            <a:xfrm>
+              <a:off x="7879558" y="1955454"/>
+              <a:ext cx="1523997" cy="381740"/>
+            </a:xfrm>
+            <a:prstGeom prst="rect">
+              <a:avLst/>
+            </a:prstGeom>
+          </p:spPr>
+          <p:style>
+            <a:lnRef idx="2">
+              <a:schemeClr val="accent1">
+                <a:shade val="50000"/>
+              </a:schemeClr>
+            </a:lnRef>
+            <a:fillRef idx="1">
+              <a:schemeClr val="accent1"/>
+            </a:fillRef>
+            <a:effectRef idx="0">
+              <a:schemeClr val="accent1"/>
+            </a:effectRef>
+            <a:fontRef idx="minor">
+              <a:schemeClr val="lt1"/>
+            </a:fontRef>
+          </p:style>
+          <p:txBody>
+            <a:bodyPr rtlCol="0" anchor="ctr"/>
+            <a:lstStyle/>
+            <a:p>
+              <a:pPr algn="ctr"/>
+              <a:r>
+                <a:rPr lang="en-US" dirty="0">
+                  <a:solidFill>
+                    <a:schemeClr val="accent4"/>
+                  </a:solidFill>
+                </a:rPr>
+                <a:t>Photon Space</a:t>
+              </a:r>
+            </a:p>
+          </p:txBody>
+        </p:sp>
+        <p:cxnSp>
+          <p:nvCxnSpPr>
+            <p:cNvPr id="9" name="Connector: Elbow 8">
+              <a:extLst>
+                <a:ext uri="{FF2B5EF4-FFF2-40B4-BE49-F238E27FC236}">
+                  <a16:creationId xmlns:a16="http://schemas.microsoft.com/office/drawing/2014/main" id="{D58F145A-7430-4A44-B277-B06FEEB22A01}"/>
+                </a:ext>
+              </a:extLst>
+            </p:cNvPr>
+            <p:cNvCxnSpPr>
+              <a:stCxn id="6" idx="0"/>
+              <a:endCxn id="5" idx="2"/>
+            </p:cNvCxnSpPr>
+            <p:nvPr/>
+          </p:nvCxnSpPr>
+          <p:spPr>
+            <a:xfrm rot="5400000" flipH="1" flipV="1">
+              <a:off x="4621189" y="499880"/>
+              <a:ext cx="410740" cy="2500411"/>
+            </a:xfrm>
+            <a:prstGeom prst="bentConnector3">
+              <a:avLst/>
+            </a:prstGeom>
+          </p:spPr>
+          <p:style>
+            <a:lnRef idx="3">
+              <a:schemeClr val="accent2"/>
+            </a:lnRef>
+            <a:fillRef idx="0">
+              <a:schemeClr val="accent2"/>
+            </a:fillRef>
+            <a:effectRef idx="2">
+              <a:schemeClr val="accent2"/>
+            </a:effectRef>
+            <a:fontRef idx="minor">
+              <a:schemeClr val="tx1"/>
+            </a:fontRef>
+          </p:style>
+        </p:cxnSp>
+        <p:cxnSp>
+          <p:nvCxnSpPr>
+            <p:cNvPr id="11" name="Connector: Elbow 10">
+              <a:extLst>
+                <a:ext uri="{FF2B5EF4-FFF2-40B4-BE49-F238E27FC236}">
+                  <a16:creationId xmlns:a16="http://schemas.microsoft.com/office/drawing/2014/main" id="{84615003-26DA-4C86-9A4D-AB25A107F317}"/>
+                </a:ext>
+              </a:extLst>
+            </p:cNvPr>
+            <p:cNvCxnSpPr>
+              <a:cxnSpLocks/>
+              <a:endCxn id="7" idx="0"/>
+            </p:cNvCxnSpPr>
+            <p:nvPr/>
+          </p:nvCxnSpPr>
+          <p:spPr>
+            <a:xfrm>
+              <a:off x="6076765" y="1750084"/>
+              <a:ext cx="2564792" cy="205370"/>
+            </a:xfrm>
+            <a:prstGeom prst="bentConnector2">
+              <a:avLst/>
+            </a:prstGeom>
+          </p:spPr>
+          <p:style>
+            <a:lnRef idx="3">
+              <a:schemeClr val="accent2"/>
+            </a:lnRef>
+            <a:fillRef idx="0">
+              <a:schemeClr val="accent2"/>
+            </a:fillRef>
+            <a:effectRef idx="2">
+              <a:schemeClr val="accent2"/>
+            </a:effectRef>
+            <a:fontRef idx="minor">
+              <a:schemeClr val="tx1"/>
+            </a:fontRef>
+          </p:style>
+        </p:cxnSp>
+        <p:pic>
+          <p:nvPicPr>
+            <p:cNvPr id="17" name="Picture 16">
+              <a:extLst>
+                <a:ext uri="{FF2B5EF4-FFF2-40B4-BE49-F238E27FC236}">
+                  <a16:creationId xmlns:a16="http://schemas.microsoft.com/office/drawing/2014/main" id="{4E5DCBBE-005F-41BE-98F1-E129C87C2D5E}"/>
+                </a:ext>
+              </a:extLst>
+            </p:cNvPr>
+            <p:cNvPicPr>
+              <a:picLocks noChangeAspect="1"/>
+            </p:cNvPicPr>
+            <p:nvPr/>
+          </p:nvPicPr>
+          <p:blipFill>
+            <a:blip r:embed="rId2">
+              <a:extLst>
+                <a:ext uri="{28A0092B-C50C-407E-A947-70E740481C1C}">
+                  <a14:useLocalDpi xmlns:a14="http://schemas.microsoft.com/office/drawing/2010/main" val="0"/>
+                </a:ext>
+              </a:extLst>
+            </a:blip>
+            <a:stretch>
+              <a:fillRect/>
+            </a:stretch>
+          </p:blipFill>
+          <p:spPr>
+            <a:xfrm>
+              <a:off x="6577203" y="3873323"/>
+              <a:ext cx="4578729" cy="950172"/>
+            </a:xfrm>
+            <a:prstGeom prst="rect">
+              <a:avLst/>
+            </a:prstGeom>
+          </p:spPr>
+        </p:pic>
+        <p:pic>
+          <p:nvPicPr>
+            <p:cNvPr id="19" name="Picture 18">
+              <a:extLst>
+                <a:ext uri="{FF2B5EF4-FFF2-40B4-BE49-F238E27FC236}">
+                  <a16:creationId xmlns:a16="http://schemas.microsoft.com/office/drawing/2014/main" id="{31B85449-1F70-4E87-A45A-09D24BCD1F44}"/>
+                </a:ext>
+              </a:extLst>
+            </p:cNvPr>
+            <p:cNvPicPr>
+              <a:picLocks noChangeAspect="1"/>
+            </p:cNvPicPr>
+            <p:nvPr/>
+          </p:nvPicPr>
+          <p:blipFill>
+            <a:blip r:embed="rId3">
+              <a:extLst>
+                <a:ext uri="{28A0092B-C50C-407E-A947-70E740481C1C}">
+                  <a14:useLocalDpi xmlns:a14="http://schemas.microsoft.com/office/drawing/2010/main" val="0"/>
+                </a:ext>
+              </a:extLst>
+            </a:blip>
+            <a:stretch>
+              <a:fillRect/>
+            </a:stretch>
+          </p:blipFill>
+          <p:spPr>
+            <a:xfrm>
+              <a:off x="1260413" y="3873323"/>
+              <a:ext cx="4880863" cy="1287904"/>
+            </a:xfrm>
+            <a:prstGeom prst="rect">
+              <a:avLst/>
+            </a:prstGeom>
+          </p:spPr>
+        </p:pic>
+        <p:grpSp>
+          <p:nvGrpSpPr>
+            <p:cNvPr id="27" name="Group 26">
+              <a:extLst>
+                <a:ext uri="{FF2B5EF4-FFF2-40B4-BE49-F238E27FC236}">
+                  <a16:creationId xmlns:a16="http://schemas.microsoft.com/office/drawing/2014/main" id="{119B7AAE-D3E8-43B4-B8B1-D9B8B2AE140B}"/>
+                </a:ext>
+              </a:extLst>
+            </p:cNvPr>
+            <p:cNvGrpSpPr/>
+            <p:nvPr/>
+          </p:nvGrpSpPr>
+          <p:grpSpPr>
+            <a:xfrm>
+              <a:off x="1614964" y="2618469"/>
+              <a:ext cx="3922776" cy="810531"/>
+              <a:chOff x="1490472" y="2618469"/>
+              <a:chExt cx="3922776" cy="810531"/>
+            </a:xfrm>
+          </p:grpSpPr>
+          <p:sp>
+            <p:nvSpPr>
+              <p:cNvPr id="20" name="Rectangle 19">
+                <a:extLst>
+                  <a:ext uri="{FF2B5EF4-FFF2-40B4-BE49-F238E27FC236}">
+                    <a16:creationId xmlns:a16="http://schemas.microsoft.com/office/drawing/2014/main" id="{12BAC3F6-43E9-4987-95F9-C946506BB7AD}"/>
+                  </a:ext>
+                </a:extLst>
+              </p:cNvPr>
+              <p:cNvSpPr/>
+              <p:nvPr/>
+            </p:nvSpPr>
+            <p:spPr>
+              <a:xfrm>
+                <a:off x="1490472" y="2618469"/>
+                <a:ext cx="3922776" cy="810531"/>
+              </a:xfrm>
+              <a:prstGeom prst="rect">
+                <a:avLst/>
+              </a:prstGeom>
+            </p:spPr>
+            <p:style>
+              <a:lnRef idx="2">
+                <a:schemeClr val="accent5"/>
+              </a:lnRef>
+              <a:fillRef idx="1">
+                <a:schemeClr val="lt1"/>
+              </a:fillRef>
+              <a:effectRef idx="0">
+                <a:schemeClr val="accent5"/>
+              </a:effectRef>
+              <a:fontRef idx="minor">
+                <a:schemeClr val="dk1"/>
+              </a:fontRef>
+            </p:style>
+            <p:txBody>
+              <a:bodyPr rtlCol="0" anchor="ctr"/>
+              <a:lstStyle/>
+              <a:p>
+                <a:pPr algn="ctr"/>
+                <a:endParaRPr lang="en-US"/>
+              </a:p>
+            </p:txBody>
+          </p:sp>
+          <p:sp>
+            <p:nvSpPr>
+              <p:cNvPr id="21" name="Rectangle 20">
+                <a:extLst>
+                  <a:ext uri="{FF2B5EF4-FFF2-40B4-BE49-F238E27FC236}">
+                    <a16:creationId xmlns:a16="http://schemas.microsoft.com/office/drawing/2014/main" id="{36ED28A5-B4F0-4B6C-8982-AA5D51F3FCB1}"/>
+                  </a:ext>
+                </a:extLst>
+              </p:cNvPr>
+              <p:cNvSpPr/>
+              <p:nvPr/>
+            </p:nvSpPr>
+            <p:spPr>
+              <a:xfrm>
+                <a:off x="1490472" y="2619417"/>
+                <a:ext cx="2085881" cy="410741"/>
+              </a:xfrm>
+              <a:prstGeom prst="rect">
+                <a:avLst/>
+              </a:prstGeom>
+            </p:spPr>
+            <p:style>
+              <a:lnRef idx="2">
+                <a:schemeClr val="accent4">
+                  <a:shade val="50000"/>
+                </a:schemeClr>
+              </a:lnRef>
+              <a:fillRef idx="1">
+                <a:schemeClr val="accent4"/>
+              </a:fillRef>
+              <a:effectRef idx="0">
+                <a:schemeClr val="accent4"/>
+              </a:effectRef>
+              <a:fontRef idx="minor">
+                <a:schemeClr val="lt1"/>
+              </a:fontRef>
+            </p:style>
+            <p:txBody>
+              <a:bodyPr rtlCol="0" anchor="ctr"/>
+              <a:lstStyle/>
+              <a:p>
+                <a:r>
+                  <a:rPr lang="en-US" dirty="0"/>
+                  <a:t>Performance</a:t>
+                </a:r>
+              </a:p>
+            </p:txBody>
+          </p:sp>
+          <p:sp>
+            <p:nvSpPr>
+              <p:cNvPr id="22" name="Rectangle 21">
+                <a:extLst>
+                  <a:ext uri="{FF2B5EF4-FFF2-40B4-BE49-F238E27FC236}">
+                    <a16:creationId xmlns:a16="http://schemas.microsoft.com/office/drawing/2014/main" id="{D7D5A5E5-F917-46FF-B00A-DE5F10808745}"/>
+                  </a:ext>
+                </a:extLst>
+              </p:cNvPr>
+              <p:cNvSpPr/>
+              <p:nvPr/>
+            </p:nvSpPr>
+            <p:spPr>
+              <a:xfrm>
+                <a:off x="1490472" y="3018259"/>
+                <a:ext cx="3785616" cy="410741"/>
+              </a:xfrm>
+              <a:prstGeom prst="rect">
+                <a:avLst/>
+              </a:prstGeom>
+            </p:spPr>
+            <p:style>
+              <a:lnRef idx="2">
+                <a:schemeClr val="accent6">
+                  <a:shade val="50000"/>
+                </a:schemeClr>
+              </a:lnRef>
+              <a:fillRef idx="1">
+                <a:schemeClr val="accent6"/>
+              </a:fillRef>
+              <a:effectRef idx="0">
+                <a:schemeClr val="accent6"/>
+              </a:effectRef>
+              <a:fontRef idx="minor">
+                <a:schemeClr val="lt1"/>
+              </a:fontRef>
+            </p:style>
+            <p:txBody>
+              <a:bodyPr rtlCol="0" anchor="ctr"/>
+              <a:lstStyle/>
+              <a:p>
+                <a:r>
+                  <a:rPr lang="en-US" dirty="0"/>
+                  <a:t>Quality</a:t>
+                </a:r>
+              </a:p>
+            </p:txBody>
+          </p:sp>
+        </p:grpSp>
+        <p:grpSp>
+          <p:nvGrpSpPr>
+            <p:cNvPr id="32" name="Group 31">
+              <a:extLst>
+                <a:ext uri="{FF2B5EF4-FFF2-40B4-BE49-F238E27FC236}">
+                  <a16:creationId xmlns:a16="http://schemas.microsoft.com/office/drawing/2014/main" id="{65C042DF-F3C9-4E67-914D-A1C96477DF24}"/>
+                </a:ext>
+              </a:extLst>
+            </p:cNvPr>
+            <p:cNvGrpSpPr/>
+            <p:nvPr/>
+          </p:nvGrpSpPr>
+          <p:grpSpPr>
+            <a:xfrm>
+              <a:off x="6654260" y="2624892"/>
+              <a:ext cx="3922776" cy="810531"/>
+              <a:chOff x="1490472" y="2618469"/>
+              <a:chExt cx="3922776" cy="810531"/>
+            </a:xfrm>
+          </p:grpSpPr>
+          <p:sp>
+            <p:nvSpPr>
+              <p:cNvPr id="33" name="Rectangle 32">
+                <a:extLst>
+                  <a:ext uri="{FF2B5EF4-FFF2-40B4-BE49-F238E27FC236}">
+                    <a16:creationId xmlns:a16="http://schemas.microsoft.com/office/drawing/2014/main" id="{EDA4FA5A-1144-40F7-8D61-FE1D32A4BEA5}"/>
+                  </a:ext>
+                </a:extLst>
+              </p:cNvPr>
+              <p:cNvSpPr/>
+              <p:nvPr/>
+            </p:nvSpPr>
+            <p:spPr>
+              <a:xfrm>
+                <a:off x="1490472" y="2618469"/>
+                <a:ext cx="3922776" cy="810531"/>
+              </a:xfrm>
+              <a:prstGeom prst="rect">
+                <a:avLst/>
+              </a:prstGeom>
+            </p:spPr>
+            <p:style>
+              <a:lnRef idx="2">
+                <a:schemeClr val="accent5"/>
+              </a:lnRef>
+              <a:fillRef idx="1">
+                <a:schemeClr val="lt1"/>
+              </a:fillRef>
+              <a:effectRef idx="0">
+                <a:schemeClr val="accent5"/>
+              </a:effectRef>
+              <a:fontRef idx="minor">
+                <a:schemeClr val="dk1"/>
+              </a:fontRef>
+            </p:style>
+            <p:txBody>
+              <a:bodyPr rtlCol="0" anchor="ctr"/>
+              <a:lstStyle/>
+              <a:p>
+                <a:pPr algn="ctr"/>
+                <a:endParaRPr lang="en-US"/>
+              </a:p>
+            </p:txBody>
+          </p:sp>
+          <p:sp>
+            <p:nvSpPr>
+              <p:cNvPr id="34" name="Rectangle 33">
+                <a:extLst>
+                  <a:ext uri="{FF2B5EF4-FFF2-40B4-BE49-F238E27FC236}">
+                    <a16:creationId xmlns:a16="http://schemas.microsoft.com/office/drawing/2014/main" id="{6360AAF6-9D34-4385-AEC1-B43520331BEC}"/>
+                  </a:ext>
+                </a:extLst>
+              </p:cNvPr>
+              <p:cNvSpPr/>
+              <p:nvPr/>
+            </p:nvSpPr>
+            <p:spPr>
+              <a:xfrm>
+                <a:off x="1490472" y="2619417"/>
+                <a:ext cx="3785616" cy="410741"/>
+              </a:xfrm>
+              <a:prstGeom prst="rect">
+                <a:avLst/>
+              </a:prstGeom>
+            </p:spPr>
+            <p:style>
+              <a:lnRef idx="2">
+                <a:schemeClr val="accent4">
+                  <a:shade val="50000"/>
+                </a:schemeClr>
+              </a:lnRef>
+              <a:fillRef idx="1">
+                <a:schemeClr val="accent4"/>
+              </a:fillRef>
+              <a:effectRef idx="0">
+                <a:schemeClr val="accent4"/>
+              </a:effectRef>
+              <a:fontRef idx="minor">
+                <a:schemeClr val="lt1"/>
+              </a:fontRef>
+            </p:style>
+            <p:txBody>
+              <a:bodyPr rtlCol="0" anchor="ctr"/>
+              <a:lstStyle/>
+              <a:p>
+                <a:r>
+                  <a:rPr lang="en-US" dirty="0"/>
+                  <a:t>Performance</a:t>
+                </a:r>
+              </a:p>
+            </p:txBody>
+          </p:sp>
+          <p:sp>
+            <p:nvSpPr>
+              <p:cNvPr id="35" name="Rectangle 34">
+                <a:extLst>
+                  <a:ext uri="{FF2B5EF4-FFF2-40B4-BE49-F238E27FC236}">
+                    <a16:creationId xmlns:a16="http://schemas.microsoft.com/office/drawing/2014/main" id="{A71C75B9-0480-4DC9-BAE1-1B202D31AD4B}"/>
+                  </a:ext>
+                </a:extLst>
+              </p:cNvPr>
+              <p:cNvSpPr/>
+              <p:nvPr/>
+            </p:nvSpPr>
+            <p:spPr>
+              <a:xfrm>
+                <a:off x="1490472" y="3018259"/>
+                <a:ext cx="1987297" cy="410741"/>
+              </a:xfrm>
+              <a:prstGeom prst="rect">
+                <a:avLst/>
+              </a:prstGeom>
+            </p:spPr>
+            <p:style>
+              <a:lnRef idx="2">
+                <a:schemeClr val="accent6">
+                  <a:shade val="50000"/>
+                </a:schemeClr>
+              </a:lnRef>
+              <a:fillRef idx="1">
+                <a:schemeClr val="accent6"/>
+              </a:fillRef>
+              <a:effectRef idx="0">
+                <a:schemeClr val="accent6"/>
+              </a:effectRef>
+              <a:fontRef idx="minor">
+                <a:schemeClr val="lt1"/>
+              </a:fontRef>
+            </p:style>
+            <p:txBody>
+              <a:bodyPr rtlCol="0" anchor="ctr"/>
+              <a:lstStyle/>
+              <a:p>
+                <a:r>
+                  <a:rPr lang="en-US" dirty="0"/>
+                  <a:t>Quality</a:t>
+                </a:r>
+              </a:p>
+            </p:txBody>
+          </p:sp>
+        </p:grpSp>
+        <p:cxnSp>
+          <p:nvCxnSpPr>
+            <p:cNvPr id="37" name="Straight Connector 36">
+              <a:extLst>
+                <a:ext uri="{FF2B5EF4-FFF2-40B4-BE49-F238E27FC236}">
+                  <a16:creationId xmlns:a16="http://schemas.microsoft.com/office/drawing/2014/main" id="{E1DCE5C8-0A4A-47C6-9E2D-60167DD0EE48}"/>
+                </a:ext>
+              </a:extLst>
+            </p:cNvPr>
+            <p:cNvCxnSpPr>
+              <a:endCxn id="6" idx="2"/>
+            </p:cNvCxnSpPr>
+            <p:nvPr/>
+          </p:nvCxnSpPr>
+          <p:spPr>
+            <a:xfrm flipV="1">
+              <a:off x="3576352" y="2337195"/>
+              <a:ext cx="2" cy="287697"/>
+            </a:xfrm>
+            <a:prstGeom prst="line">
+              <a:avLst/>
+            </a:prstGeom>
+          </p:spPr>
+          <p:style>
+            <a:lnRef idx="3">
+              <a:schemeClr val="accent2"/>
+            </a:lnRef>
+            <a:fillRef idx="0">
+              <a:schemeClr val="accent2"/>
+            </a:fillRef>
+            <a:effectRef idx="2">
+              <a:schemeClr val="accent2"/>
+            </a:effectRef>
+            <a:fontRef idx="minor">
+              <a:schemeClr val="tx1"/>
+            </a:fontRef>
+          </p:style>
+        </p:cxnSp>
+        <p:cxnSp>
+          <p:nvCxnSpPr>
+            <p:cNvPr id="38" name="Straight Connector 37">
+              <a:extLst>
+                <a:ext uri="{FF2B5EF4-FFF2-40B4-BE49-F238E27FC236}">
+                  <a16:creationId xmlns:a16="http://schemas.microsoft.com/office/drawing/2014/main" id="{6BB84F6B-99F4-4359-85D3-00F14C61CE49}"/>
+                </a:ext>
+              </a:extLst>
+            </p:cNvPr>
+            <p:cNvCxnSpPr>
+              <a:cxnSpLocks/>
+            </p:cNvCxnSpPr>
+            <p:nvPr/>
+          </p:nvCxnSpPr>
+          <p:spPr>
+            <a:xfrm flipV="1">
+              <a:off x="3576352" y="3429000"/>
+              <a:ext cx="0" cy="450745"/>
+            </a:xfrm>
+            <a:prstGeom prst="line">
+              <a:avLst/>
+            </a:prstGeom>
+          </p:spPr>
+          <p:style>
+            <a:lnRef idx="3">
+              <a:schemeClr val="accent2"/>
+            </a:lnRef>
+            <a:fillRef idx="0">
+              <a:schemeClr val="accent2"/>
+            </a:fillRef>
+            <a:effectRef idx="2">
+              <a:schemeClr val="accent2"/>
+            </a:effectRef>
+            <a:fontRef idx="minor">
+              <a:schemeClr val="tx1"/>
+            </a:fontRef>
+          </p:style>
+        </p:cxnSp>
+        <p:cxnSp>
+          <p:nvCxnSpPr>
+            <p:cNvPr id="40" name="Straight Connector 39">
+              <a:extLst>
+                <a:ext uri="{FF2B5EF4-FFF2-40B4-BE49-F238E27FC236}">
+                  <a16:creationId xmlns:a16="http://schemas.microsoft.com/office/drawing/2014/main" id="{69AA4999-AD4C-49CA-B0F2-6D23D5FE6CF5}"/>
+                </a:ext>
+              </a:extLst>
+            </p:cNvPr>
+            <p:cNvCxnSpPr>
+              <a:cxnSpLocks/>
+            </p:cNvCxnSpPr>
+            <p:nvPr/>
+          </p:nvCxnSpPr>
+          <p:spPr>
+            <a:xfrm flipV="1">
+              <a:off x="8642032" y="3429000"/>
+              <a:ext cx="0" cy="450745"/>
+            </a:xfrm>
+            <a:prstGeom prst="line">
+              <a:avLst/>
+            </a:prstGeom>
+          </p:spPr>
+          <p:style>
+            <a:lnRef idx="3">
+              <a:schemeClr val="accent2"/>
+            </a:lnRef>
+            <a:fillRef idx="0">
+              <a:schemeClr val="accent2"/>
+            </a:fillRef>
+            <a:effectRef idx="2">
+              <a:schemeClr val="accent2"/>
+            </a:effectRef>
+            <a:fontRef idx="minor">
+              <a:schemeClr val="tx1"/>
+            </a:fontRef>
+          </p:style>
+        </p:cxnSp>
+        <p:cxnSp>
+          <p:nvCxnSpPr>
+            <p:cNvPr id="41" name="Straight Connector 40">
+              <a:extLst>
+                <a:ext uri="{FF2B5EF4-FFF2-40B4-BE49-F238E27FC236}">
+                  <a16:creationId xmlns:a16="http://schemas.microsoft.com/office/drawing/2014/main" id="{EA63CB4A-D468-47D9-A27A-083B8B063090}"/>
+                </a:ext>
+              </a:extLst>
+            </p:cNvPr>
+            <p:cNvCxnSpPr/>
+            <p:nvPr/>
+          </p:nvCxnSpPr>
+          <p:spPr>
+            <a:xfrm flipV="1">
+              <a:off x="8641556" y="2358768"/>
+              <a:ext cx="2" cy="287697"/>
+            </a:xfrm>
+            <a:prstGeom prst="line">
+              <a:avLst/>
+            </a:prstGeom>
+          </p:spPr>
+          <p:style>
+            <a:lnRef idx="3">
+              <a:schemeClr val="accent2"/>
+            </a:lnRef>
+            <a:fillRef idx="0">
+              <a:schemeClr val="accent2"/>
+            </a:fillRef>
+            <a:effectRef idx="2">
+              <a:schemeClr val="accent2"/>
+            </a:effectRef>
+            <a:fontRef idx="minor">
+              <a:schemeClr val="tx1"/>
+            </a:fontRef>
+          </p:style>
+        </p:cxnSp>
+      </p:grpSp>
+    </p:spTree>
+    <p:extLst>
+      <p:ext uri="{BB962C8B-B14F-4D97-AF65-F5344CB8AC3E}">
+        <p14:creationId xmlns:p14="http://schemas.microsoft.com/office/powerpoint/2010/main" val="3185806524"/>
+      </p:ext>
+    </p:extLst>
+  </p:cSld>
+  <p:clrMapOvr>
+    <a:masterClrMapping/>
+  </p:clrMapOvr>
+</p:sld>
+</file>
+
 <file path=ppt/theme/theme1.xml><?xml version="1.0" encoding="utf-8"?>
 <a:theme xmlns:a="http://schemas.openxmlformats.org/drawingml/2006/main" name="Office Theme">
   <a:themeElements>

--- a/Docs/images/New Microsoft PowerPoint Presentation.pptx
+++ b/Docs/images/New Microsoft PowerPoint Presentation.pptx
@@ -8,6 +8,9 @@
     <p:sldId id="256" r:id="rId2"/>
     <p:sldId id="257" r:id="rId3"/>
     <p:sldId id="258" r:id="rId4"/>
+    <p:sldId id="259" r:id="rId5"/>
+    <p:sldId id="260" r:id="rId6"/>
+    <p:sldId id="261" r:id="rId7"/>
   </p:sldIdLst>
   <p:sldSz cx="12192000" cy="6858000"/>
   <p:notesSz cx="6858000" cy="9144000"/>
@@ -261,7 +264,7 @@
           <a:p>
             <a:fld id="{D3372D3B-FF1E-40D4-AFA5-7E302EC565F0}" type="datetimeFigureOut">
               <a:rPr lang="en-US" smtClean="0"/>
-              <a:t>11/25/2018</a:t>
+              <a:t>11/26/2018</a:t>
             </a:fld>
             <a:endParaRPr lang="en-US"/>
           </a:p>
@@ -459,7 +462,7 @@
           <a:p>
             <a:fld id="{D3372D3B-FF1E-40D4-AFA5-7E302EC565F0}" type="datetimeFigureOut">
               <a:rPr lang="en-US" smtClean="0"/>
-              <a:t>11/25/2018</a:t>
+              <a:t>11/26/2018</a:t>
             </a:fld>
             <a:endParaRPr lang="en-US"/>
           </a:p>
@@ -667,7 +670,7 @@
           <a:p>
             <a:fld id="{D3372D3B-FF1E-40D4-AFA5-7E302EC565F0}" type="datetimeFigureOut">
               <a:rPr lang="en-US" smtClean="0"/>
-              <a:t>11/25/2018</a:t>
+              <a:t>11/26/2018</a:t>
             </a:fld>
             <a:endParaRPr lang="en-US"/>
           </a:p>
@@ -865,7 +868,7 @@
           <a:p>
             <a:fld id="{D3372D3B-FF1E-40D4-AFA5-7E302EC565F0}" type="datetimeFigureOut">
               <a:rPr lang="en-US" smtClean="0"/>
-              <a:t>11/25/2018</a:t>
+              <a:t>11/26/2018</a:t>
             </a:fld>
             <a:endParaRPr lang="en-US"/>
           </a:p>
@@ -1140,7 +1143,7 @@
           <a:p>
             <a:fld id="{D3372D3B-FF1E-40D4-AFA5-7E302EC565F0}" type="datetimeFigureOut">
               <a:rPr lang="en-US" smtClean="0"/>
-              <a:t>11/25/2018</a:t>
+              <a:t>11/26/2018</a:t>
             </a:fld>
             <a:endParaRPr lang="en-US"/>
           </a:p>
@@ -1405,7 +1408,7 @@
           <a:p>
             <a:fld id="{D3372D3B-FF1E-40D4-AFA5-7E302EC565F0}" type="datetimeFigureOut">
               <a:rPr lang="en-US" smtClean="0"/>
-              <a:t>11/25/2018</a:t>
+              <a:t>11/26/2018</a:t>
             </a:fld>
             <a:endParaRPr lang="en-US"/>
           </a:p>
@@ -1817,7 +1820,7 @@
           <a:p>
             <a:fld id="{D3372D3B-FF1E-40D4-AFA5-7E302EC565F0}" type="datetimeFigureOut">
               <a:rPr lang="en-US" smtClean="0"/>
-              <a:t>11/25/2018</a:t>
+              <a:t>11/26/2018</a:t>
             </a:fld>
             <a:endParaRPr lang="en-US"/>
           </a:p>
@@ -1958,7 +1961,7 @@
           <a:p>
             <a:fld id="{D3372D3B-FF1E-40D4-AFA5-7E302EC565F0}" type="datetimeFigureOut">
               <a:rPr lang="en-US" smtClean="0"/>
-              <a:t>11/25/2018</a:t>
+              <a:t>11/26/2018</a:t>
             </a:fld>
             <a:endParaRPr lang="en-US"/>
           </a:p>
@@ -2071,7 +2074,7 @@
           <a:p>
             <a:fld id="{D3372D3B-FF1E-40D4-AFA5-7E302EC565F0}" type="datetimeFigureOut">
               <a:rPr lang="en-US" smtClean="0"/>
-              <a:t>11/25/2018</a:t>
+              <a:t>11/26/2018</a:t>
             </a:fld>
             <a:endParaRPr lang="en-US"/>
           </a:p>
@@ -2382,7 +2385,7 @@
           <a:p>
             <a:fld id="{D3372D3B-FF1E-40D4-AFA5-7E302EC565F0}" type="datetimeFigureOut">
               <a:rPr lang="en-US" smtClean="0"/>
-              <a:t>11/25/2018</a:t>
+              <a:t>11/26/2018</a:t>
             </a:fld>
             <a:endParaRPr lang="en-US"/>
           </a:p>
@@ -2670,7 +2673,7 @@
           <a:p>
             <a:fld id="{D3372D3B-FF1E-40D4-AFA5-7E302EC565F0}" type="datetimeFigureOut">
               <a:rPr lang="en-US" smtClean="0"/>
-              <a:t>11/25/2018</a:t>
+              <a:t>11/26/2018</a:t>
             </a:fld>
             <a:endParaRPr lang="en-US"/>
           </a:p>
@@ -2911,7 +2914,7 @@
           <a:p>
             <a:fld id="{D3372D3B-FF1E-40D4-AFA5-7E302EC565F0}" type="datetimeFigureOut">
               <a:rPr lang="en-US" smtClean="0"/>
-              <a:t>11/25/2018</a:t>
+              <a:t>11/26/2018</a:t>
             </a:fld>
             <a:endParaRPr lang="en-US"/>
           </a:p>
@@ -5062,6 +5065,4373 @@
 </p:sld>
 </file>
 
+<file path=ppt/slides/slide4.xml><?xml version="1.0" encoding="utf-8"?>
+<p:sld xmlns:a="http://schemas.openxmlformats.org/drawingml/2006/main" xmlns:r="http://schemas.openxmlformats.org/officeDocument/2006/relationships" xmlns:p="http://schemas.openxmlformats.org/presentationml/2006/main">
+  <p:cSld>
+    <p:spTree>
+      <p:nvGrpSpPr>
+        <p:cNvPr id="1" name=""/>
+        <p:cNvGrpSpPr/>
+        <p:nvPr/>
+      </p:nvGrpSpPr>
+      <p:grpSpPr>
+        <a:xfrm>
+          <a:off x="0" y="0"/>
+          <a:ext cx="0" cy="0"/>
+          <a:chOff x="0" y="0"/>
+          <a:chExt cx="0" cy="0"/>
+        </a:xfrm>
+      </p:grpSpPr>
+      <p:grpSp>
+        <p:nvGrpSpPr>
+          <p:cNvPr id="92" name="Group 91">
+            <a:extLst>
+              <a:ext uri="{FF2B5EF4-FFF2-40B4-BE49-F238E27FC236}">
+                <a16:creationId xmlns:a16="http://schemas.microsoft.com/office/drawing/2014/main" id="{4F13A41C-E1C2-42C2-AF54-E2A01AC095F7}"/>
+              </a:ext>
+            </a:extLst>
+          </p:cNvPr>
+          <p:cNvGrpSpPr/>
+          <p:nvPr/>
+        </p:nvGrpSpPr>
+        <p:grpSpPr>
+          <a:xfrm>
+            <a:off x="571026" y="275208"/>
+            <a:ext cx="10720034" cy="5424434"/>
+            <a:chOff x="571026" y="275208"/>
+            <a:chExt cx="10720034" cy="5424434"/>
+          </a:xfrm>
+        </p:grpSpPr>
+        <p:sp>
+          <p:nvSpPr>
+            <p:cNvPr id="5" name="Rectangle 4">
+              <a:extLst>
+                <a:ext uri="{FF2B5EF4-FFF2-40B4-BE49-F238E27FC236}">
+                  <a16:creationId xmlns:a16="http://schemas.microsoft.com/office/drawing/2014/main" id="{AAA8EC57-4693-4870-8E82-9F99703A88F7}"/>
+                </a:ext>
+              </a:extLst>
+            </p:cNvPr>
+            <p:cNvSpPr/>
+            <p:nvPr/>
+          </p:nvSpPr>
+          <p:spPr>
+            <a:xfrm>
+              <a:off x="571026" y="275208"/>
+              <a:ext cx="8555219" cy="5424434"/>
+            </a:xfrm>
+            <a:prstGeom prst="rect">
+              <a:avLst/>
+            </a:prstGeom>
+            <a:solidFill>
+              <a:schemeClr val="tx1">
+                <a:lumMod val="75000"/>
+                <a:lumOff val="25000"/>
+              </a:schemeClr>
+            </a:solidFill>
+          </p:spPr>
+          <p:style>
+            <a:lnRef idx="2">
+              <a:schemeClr val="accent3">
+                <a:shade val="50000"/>
+              </a:schemeClr>
+            </a:lnRef>
+            <a:fillRef idx="1">
+              <a:schemeClr val="accent3"/>
+            </a:fillRef>
+            <a:effectRef idx="0">
+              <a:schemeClr val="accent3"/>
+            </a:effectRef>
+            <a:fontRef idx="minor">
+              <a:schemeClr val="lt1"/>
+            </a:fontRef>
+          </p:style>
+          <p:txBody>
+            <a:bodyPr rtlCol="0" anchor="ctr"/>
+            <a:lstStyle/>
+            <a:p>
+              <a:pPr algn="ctr"/>
+              <a:endParaRPr lang="en-US" dirty="0"/>
+            </a:p>
+          </p:txBody>
+        </p:sp>
+        <p:sp>
+          <p:nvSpPr>
+            <p:cNvPr id="29" name="Rectangle 28">
+              <a:extLst>
+                <a:ext uri="{FF2B5EF4-FFF2-40B4-BE49-F238E27FC236}">
+                  <a16:creationId xmlns:a16="http://schemas.microsoft.com/office/drawing/2014/main" id="{7B7F99E5-13FB-4B92-B961-25C491E6BA21}"/>
+                </a:ext>
+              </a:extLst>
+            </p:cNvPr>
+            <p:cNvSpPr/>
+            <p:nvPr/>
+          </p:nvSpPr>
+          <p:spPr>
+            <a:xfrm>
+              <a:off x="5058632" y="2796540"/>
+              <a:ext cx="1857608" cy="2748485"/>
+            </a:xfrm>
+            <a:prstGeom prst="rect">
+              <a:avLst/>
+            </a:prstGeom>
+          </p:spPr>
+          <p:style>
+            <a:lnRef idx="2">
+              <a:schemeClr val="accent6">
+                <a:shade val="50000"/>
+              </a:schemeClr>
+            </a:lnRef>
+            <a:fillRef idx="1">
+              <a:schemeClr val="accent6"/>
+            </a:fillRef>
+            <a:effectRef idx="0">
+              <a:schemeClr val="accent6"/>
+            </a:effectRef>
+            <a:fontRef idx="minor">
+              <a:schemeClr val="lt1"/>
+            </a:fontRef>
+          </p:style>
+          <p:txBody>
+            <a:bodyPr rtlCol="0" anchor="ctr"/>
+            <a:lstStyle/>
+            <a:p>
+              <a:pPr algn="ctr"/>
+              <a:endParaRPr lang="en-US" dirty="0"/>
+            </a:p>
+          </p:txBody>
+        </p:sp>
+        <p:grpSp>
+          <p:nvGrpSpPr>
+            <p:cNvPr id="75" name="Group 74">
+              <a:extLst>
+                <a:ext uri="{FF2B5EF4-FFF2-40B4-BE49-F238E27FC236}">
+                  <a16:creationId xmlns:a16="http://schemas.microsoft.com/office/drawing/2014/main" id="{30CFE205-650C-4469-91E1-A83A770D827F}"/>
+                </a:ext>
+              </a:extLst>
+            </p:cNvPr>
+            <p:cNvGrpSpPr/>
+            <p:nvPr/>
+          </p:nvGrpSpPr>
+          <p:grpSpPr>
+            <a:xfrm>
+              <a:off x="9203286" y="275208"/>
+              <a:ext cx="2087774" cy="5424434"/>
+              <a:chOff x="9203286" y="275208"/>
+              <a:chExt cx="2087774" cy="5424434"/>
+            </a:xfrm>
+          </p:grpSpPr>
+          <p:sp>
+            <p:nvSpPr>
+              <p:cNvPr id="34" name="Rectangle 33">
+                <a:extLst>
+                  <a:ext uri="{FF2B5EF4-FFF2-40B4-BE49-F238E27FC236}">
+                    <a16:creationId xmlns:a16="http://schemas.microsoft.com/office/drawing/2014/main" id="{230793B6-5CC8-47A3-A106-15ADD3382388}"/>
+                  </a:ext>
+                </a:extLst>
+              </p:cNvPr>
+              <p:cNvSpPr/>
+              <p:nvPr/>
+            </p:nvSpPr>
+            <p:spPr>
+              <a:xfrm>
+                <a:off x="9203286" y="275208"/>
+                <a:ext cx="2071471" cy="5424434"/>
+              </a:xfrm>
+              <a:prstGeom prst="rect">
+                <a:avLst/>
+              </a:prstGeom>
+            </p:spPr>
+            <p:style>
+              <a:lnRef idx="2">
+                <a:schemeClr val="dk1"/>
+              </a:lnRef>
+              <a:fillRef idx="1">
+                <a:schemeClr val="lt1"/>
+              </a:fillRef>
+              <a:effectRef idx="0">
+                <a:schemeClr val="dk1"/>
+              </a:effectRef>
+              <a:fontRef idx="minor">
+                <a:schemeClr val="dk1"/>
+              </a:fontRef>
+            </p:style>
+            <p:txBody>
+              <a:bodyPr rtlCol="0" anchor="ctr"/>
+              <a:lstStyle/>
+              <a:p>
+                <a:pPr algn="ctr"/>
+                <a:endParaRPr lang="en-US"/>
+              </a:p>
+            </p:txBody>
+          </p:sp>
+          <p:sp>
+            <p:nvSpPr>
+              <p:cNvPr id="30" name="Rectangle 29">
+                <a:extLst>
+                  <a:ext uri="{FF2B5EF4-FFF2-40B4-BE49-F238E27FC236}">
+                    <a16:creationId xmlns:a16="http://schemas.microsoft.com/office/drawing/2014/main" id="{1D7095D5-931D-4229-8724-4632A942FD05}"/>
+                  </a:ext>
+                </a:extLst>
+              </p:cNvPr>
+              <p:cNvSpPr/>
+              <p:nvPr/>
+            </p:nvSpPr>
+            <p:spPr>
+              <a:xfrm>
+                <a:off x="9283273" y="2197312"/>
+                <a:ext cx="301841" cy="248575"/>
+              </a:xfrm>
+              <a:prstGeom prst="rect">
+                <a:avLst/>
+              </a:prstGeom>
+            </p:spPr>
+            <p:style>
+              <a:lnRef idx="2">
+                <a:schemeClr val="accent1">
+                  <a:shade val="50000"/>
+                </a:schemeClr>
+              </a:lnRef>
+              <a:fillRef idx="1">
+                <a:schemeClr val="accent1"/>
+              </a:fillRef>
+              <a:effectRef idx="0">
+                <a:schemeClr val="accent1"/>
+              </a:effectRef>
+              <a:fontRef idx="minor">
+                <a:schemeClr val="lt1"/>
+              </a:fontRef>
+            </p:style>
+            <p:txBody>
+              <a:bodyPr rtlCol="0" anchor="ctr"/>
+              <a:lstStyle/>
+              <a:p>
+                <a:pPr algn="ctr"/>
+                <a:endParaRPr lang="en-US"/>
+              </a:p>
+            </p:txBody>
+          </p:sp>
+          <p:sp>
+            <p:nvSpPr>
+              <p:cNvPr id="31" name="Rectangle 30">
+                <a:extLst>
+                  <a:ext uri="{FF2B5EF4-FFF2-40B4-BE49-F238E27FC236}">
+                    <a16:creationId xmlns:a16="http://schemas.microsoft.com/office/drawing/2014/main" id="{D874102D-4BA9-47E9-9935-3526FE791A4F}"/>
+                  </a:ext>
+                </a:extLst>
+              </p:cNvPr>
+              <p:cNvSpPr/>
+              <p:nvPr/>
+            </p:nvSpPr>
+            <p:spPr>
+              <a:xfrm>
+                <a:off x="9292063" y="2738850"/>
+                <a:ext cx="301841" cy="248575"/>
+              </a:xfrm>
+              <a:prstGeom prst="rect">
+                <a:avLst/>
+              </a:prstGeom>
+            </p:spPr>
+            <p:style>
+              <a:lnRef idx="2">
+                <a:schemeClr val="accent2">
+                  <a:shade val="50000"/>
+                </a:schemeClr>
+              </a:lnRef>
+              <a:fillRef idx="1">
+                <a:schemeClr val="accent2"/>
+              </a:fillRef>
+              <a:effectRef idx="0">
+                <a:schemeClr val="accent2"/>
+              </a:effectRef>
+              <a:fontRef idx="minor">
+                <a:schemeClr val="lt1"/>
+              </a:fontRef>
+            </p:style>
+            <p:txBody>
+              <a:bodyPr rtlCol="0" anchor="ctr"/>
+              <a:lstStyle/>
+              <a:p>
+                <a:pPr algn="ctr"/>
+                <a:endParaRPr lang="en-US"/>
+              </a:p>
+            </p:txBody>
+          </p:sp>
+          <p:sp>
+            <p:nvSpPr>
+              <p:cNvPr id="32" name="Rectangle 31">
+                <a:extLst>
+                  <a:ext uri="{FF2B5EF4-FFF2-40B4-BE49-F238E27FC236}">
+                    <a16:creationId xmlns:a16="http://schemas.microsoft.com/office/drawing/2014/main" id="{D770BE93-2D48-4F96-AD26-47E725C98100}"/>
+                  </a:ext>
+                </a:extLst>
+              </p:cNvPr>
+              <p:cNvSpPr/>
+              <p:nvPr/>
+            </p:nvSpPr>
+            <p:spPr>
+              <a:xfrm>
+                <a:off x="9292063" y="3280388"/>
+                <a:ext cx="301841" cy="248575"/>
+              </a:xfrm>
+              <a:prstGeom prst="rect">
+                <a:avLst/>
+              </a:prstGeom>
+            </p:spPr>
+            <p:style>
+              <a:lnRef idx="2">
+                <a:schemeClr val="accent6">
+                  <a:shade val="50000"/>
+                </a:schemeClr>
+              </a:lnRef>
+              <a:fillRef idx="1">
+                <a:schemeClr val="accent6"/>
+              </a:fillRef>
+              <a:effectRef idx="0">
+                <a:schemeClr val="accent6"/>
+              </a:effectRef>
+              <a:fontRef idx="minor">
+                <a:schemeClr val="lt1"/>
+              </a:fontRef>
+            </p:style>
+            <p:txBody>
+              <a:bodyPr rtlCol="0" anchor="ctr"/>
+              <a:lstStyle/>
+              <a:p>
+                <a:pPr algn="ctr"/>
+                <a:endParaRPr lang="en-US"/>
+              </a:p>
+            </p:txBody>
+          </p:sp>
+          <p:sp>
+            <p:nvSpPr>
+              <p:cNvPr id="44" name="TextBox 43">
+                <a:extLst>
+                  <a:ext uri="{FF2B5EF4-FFF2-40B4-BE49-F238E27FC236}">
+                    <a16:creationId xmlns:a16="http://schemas.microsoft.com/office/drawing/2014/main" id="{C9D39837-B77A-4394-B9AD-FB7073069E29}"/>
+                  </a:ext>
+                </a:extLst>
+              </p:cNvPr>
+              <p:cNvSpPr txBox="1"/>
+              <p:nvPr/>
+            </p:nvSpPr>
+            <p:spPr>
+              <a:xfrm>
+                <a:off x="9630156" y="2172680"/>
+                <a:ext cx="1660904" cy="276999"/>
+              </a:xfrm>
+              <a:prstGeom prst="rect">
+                <a:avLst/>
+              </a:prstGeom>
+              <a:noFill/>
+            </p:spPr>
+            <p:txBody>
+              <a:bodyPr wrap="none" rtlCol="0">
+                <a:spAutoFit/>
+              </a:bodyPr>
+              <a:lstStyle/>
+              <a:p>
+                <a:r>
+                  <a:rPr lang="en-US" sz="1200" dirty="0"/>
+                  <a:t>Unordered Access View</a:t>
+                </a:r>
+              </a:p>
+            </p:txBody>
+          </p:sp>
+          <p:sp>
+            <p:nvSpPr>
+              <p:cNvPr id="45" name="TextBox 44">
+                <a:extLst>
+                  <a:ext uri="{FF2B5EF4-FFF2-40B4-BE49-F238E27FC236}">
+                    <a16:creationId xmlns:a16="http://schemas.microsoft.com/office/drawing/2014/main" id="{F6C4F473-E2A6-440E-8CA8-766E35C69E16}"/>
+                  </a:ext>
+                </a:extLst>
+              </p:cNvPr>
+              <p:cNvSpPr txBox="1"/>
+              <p:nvPr/>
+            </p:nvSpPr>
+            <p:spPr>
+              <a:xfrm>
+                <a:off x="9629423" y="2724637"/>
+                <a:ext cx="1571969" cy="276999"/>
+              </a:xfrm>
+              <a:prstGeom prst="rect">
+                <a:avLst/>
+              </a:prstGeom>
+              <a:noFill/>
+            </p:spPr>
+            <p:txBody>
+              <a:bodyPr wrap="none" rtlCol="0">
+                <a:spAutoFit/>
+              </a:bodyPr>
+              <a:lstStyle/>
+              <a:p>
+                <a:r>
+                  <a:rPr lang="en-US" sz="1200" dirty="0"/>
+                  <a:t>Shader Resource View</a:t>
+                </a:r>
+              </a:p>
+            </p:txBody>
+          </p:sp>
+          <p:sp>
+            <p:nvSpPr>
+              <p:cNvPr id="46" name="TextBox 45">
+                <a:extLst>
+                  <a:ext uri="{FF2B5EF4-FFF2-40B4-BE49-F238E27FC236}">
+                    <a16:creationId xmlns:a16="http://schemas.microsoft.com/office/drawing/2014/main" id="{1E285210-74DB-4730-A998-41B25D02561F}"/>
+                  </a:ext>
+                </a:extLst>
+              </p:cNvPr>
+              <p:cNvSpPr txBox="1"/>
+              <p:nvPr/>
+            </p:nvSpPr>
+            <p:spPr>
+              <a:xfrm>
+                <a:off x="9629423" y="3278623"/>
+                <a:ext cx="1500860" cy="276999"/>
+              </a:xfrm>
+              <a:prstGeom prst="rect">
+                <a:avLst/>
+              </a:prstGeom>
+              <a:noFill/>
+            </p:spPr>
+            <p:txBody>
+              <a:bodyPr wrap="none" rtlCol="0">
+                <a:spAutoFit/>
+              </a:bodyPr>
+              <a:lstStyle/>
+              <a:p>
+                <a:r>
+                  <a:rPr lang="en-US" sz="1200" dirty="0"/>
+                  <a:t>Constant Buffer View</a:t>
+                </a:r>
+              </a:p>
+            </p:txBody>
+          </p:sp>
+        </p:grpSp>
+        <p:grpSp>
+          <p:nvGrpSpPr>
+            <p:cNvPr id="71" name="Group 70">
+              <a:extLst>
+                <a:ext uri="{FF2B5EF4-FFF2-40B4-BE49-F238E27FC236}">
+                  <a16:creationId xmlns:a16="http://schemas.microsoft.com/office/drawing/2014/main" id="{520D36E9-F282-4B81-93FE-865E1965C096}"/>
+                </a:ext>
+              </a:extLst>
+            </p:cNvPr>
+            <p:cNvGrpSpPr/>
+            <p:nvPr/>
+          </p:nvGrpSpPr>
+          <p:grpSpPr>
+            <a:xfrm>
+              <a:off x="681336" y="949911"/>
+              <a:ext cx="1822168" cy="1642369"/>
+              <a:chOff x="681336" y="949911"/>
+              <a:chExt cx="1822168" cy="1642369"/>
+            </a:xfrm>
+          </p:grpSpPr>
+          <p:sp>
+            <p:nvSpPr>
+              <p:cNvPr id="25" name="Rectangle 24">
+                <a:extLst>
+                  <a:ext uri="{FF2B5EF4-FFF2-40B4-BE49-F238E27FC236}">
+                    <a16:creationId xmlns:a16="http://schemas.microsoft.com/office/drawing/2014/main" id="{ED209FF5-7E8F-4D39-8551-D829E6A85F78}"/>
+                  </a:ext>
+                </a:extLst>
+              </p:cNvPr>
+              <p:cNvSpPr/>
+              <p:nvPr/>
+            </p:nvSpPr>
+            <p:spPr>
+              <a:xfrm>
+                <a:off x="681336" y="949911"/>
+                <a:ext cx="1822168" cy="1642369"/>
+              </a:xfrm>
+              <a:prstGeom prst="rect">
+                <a:avLst/>
+              </a:prstGeom>
+            </p:spPr>
+            <p:style>
+              <a:lnRef idx="2">
+                <a:schemeClr val="accent1">
+                  <a:shade val="50000"/>
+                </a:schemeClr>
+              </a:lnRef>
+              <a:fillRef idx="1">
+                <a:schemeClr val="accent1"/>
+              </a:fillRef>
+              <a:effectRef idx="0">
+                <a:schemeClr val="accent1"/>
+              </a:effectRef>
+              <a:fontRef idx="minor">
+                <a:schemeClr val="lt1"/>
+              </a:fontRef>
+            </p:style>
+            <p:txBody>
+              <a:bodyPr rtlCol="0" anchor="ctr"/>
+              <a:lstStyle/>
+              <a:p>
+                <a:pPr algn="ctr"/>
+                <a:endParaRPr lang="en-US" dirty="0"/>
+              </a:p>
+            </p:txBody>
+          </p:sp>
+          <p:sp>
+            <p:nvSpPr>
+              <p:cNvPr id="35" name="TextBox 34">
+                <a:extLst>
+                  <a:ext uri="{FF2B5EF4-FFF2-40B4-BE49-F238E27FC236}">
+                    <a16:creationId xmlns:a16="http://schemas.microsoft.com/office/drawing/2014/main" id="{65BB890E-896E-412D-BF0B-EDD0C3E2B9FC}"/>
+                  </a:ext>
+                </a:extLst>
+              </p:cNvPr>
+              <p:cNvSpPr txBox="1"/>
+              <p:nvPr/>
+            </p:nvSpPr>
+            <p:spPr>
+              <a:xfrm>
+                <a:off x="867637" y="978748"/>
+                <a:ext cx="1440331" cy="369332"/>
+              </a:xfrm>
+              <a:prstGeom prst="rect">
+                <a:avLst/>
+              </a:prstGeom>
+              <a:noFill/>
+            </p:spPr>
+            <p:txBody>
+              <a:bodyPr wrap="none" rtlCol="0">
+                <a:spAutoFit/>
+              </a:bodyPr>
+              <a:lstStyle/>
+              <a:p>
+                <a:r>
+                  <a:rPr lang="en-US" dirty="0"/>
+                  <a:t>RenderTarget</a:t>
+                </a:r>
+              </a:p>
+            </p:txBody>
+          </p:sp>
+          <p:sp>
+            <p:nvSpPr>
+              <p:cNvPr id="47" name="TextBox 46">
+                <a:extLst>
+                  <a:ext uri="{FF2B5EF4-FFF2-40B4-BE49-F238E27FC236}">
+                    <a16:creationId xmlns:a16="http://schemas.microsoft.com/office/drawing/2014/main" id="{178F5F23-D956-4EB1-8CC2-E4EB99D7D708}"/>
+                  </a:ext>
+                </a:extLst>
+              </p:cNvPr>
+              <p:cNvSpPr txBox="1"/>
+              <p:nvPr/>
+            </p:nvSpPr>
+            <p:spPr>
+              <a:xfrm>
+                <a:off x="917243" y="1384831"/>
+                <a:ext cx="1201290" cy="461665"/>
+              </a:xfrm>
+              <a:prstGeom prst="rect">
+                <a:avLst/>
+              </a:prstGeom>
+              <a:noFill/>
+            </p:spPr>
+            <p:txBody>
+              <a:bodyPr wrap="none" rtlCol="0">
+                <a:spAutoFit/>
+              </a:bodyPr>
+              <a:lstStyle/>
+              <a:p>
+                <a:pPr algn="ctr"/>
+                <a:r>
+                  <a:rPr lang="en-US" sz="1200" b="1" dirty="0"/>
+                  <a:t>Format</a:t>
+                </a:r>
+                <a:br>
+                  <a:rPr lang="en-US" sz="1200" dirty="0"/>
+                </a:br>
+                <a:r>
+                  <a:rPr lang="en-US" sz="1200" dirty="0"/>
+                  <a:t> RGBA UNORM8</a:t>
+                </a:r>
+              </a:p>
+            </p:txBody>
+          </p:sp>
+          <p:sp>
+            <p:nvSpPr>
+              <p:cNvPr id="48" name="TextBox 47">
+                <a:extLst>
+                  <a:ext uri="{FF2B5EF4-FFF2-40B4-BE49-F238E27FC236}">
+                    <a16:creationId xmlns:a16="http://schemas.microsoft.com/office/drawing/2014/main" id="{82EED7B0-A137-4749-A64C-F04F2E72350F}"/>
+                  </a:ext>
+                </a:extLst>
+              </p:cNvPr>
+              <p:cNvSpPr txBox="1"/>
+              <p:nvPr/>
+            </p:nvSpPr>
+            <p:spPr>
+              <a:xfrm>
+                <a:off x="818234" y="1857929"/>
+                <a:ext cx="1539139" cy="461665"/>
+              </a:xfrm>
+              <a:prstGeom prst="rect">
+                <a:avLst/>
+              </a:prstGeom>
+              <a:noFill/>
+            </p:spPr>
+            <p:txBody>
+              <a:bodyPr wrap="none" rtlCol="0">
+                <a:spAutoFit/>
+              </a:bodyPr>
+              <a:lstStyle/>
+              <a:p>
+                <a:pPr algn="ctr"/>
+                <a:r>
+                  <a:rPr lang="en-US" sz="1200" b="1" dirty="0"/>
+                  <a:t>Width</a:t>
+                </a:r>
+                <a:r>
+                  <a:rPr lang="en-US" sz="1200" dirty="0"/>
+                  <a:t>: Screen Width</a:t>
+                </a:r>
+              </a:p>
+              <a:p>
+                <a:pPr algn="ctr"/>
+                <a:r>
+                  <a:rPr lang="en-US" sz="1200" b="1" dirty="0"/>
+                  <a:t>Height</a:t>
+                </a:r>
+                <a:r>
+                  <a:rPr lang="en-US" sz="1200" dirty="0"/>
+                  <a:t>: Screen Height</a:t>
+                </a:r>
+              </a:p>
+            </p:txBody>
+          </p:sp>
+        </p:grpSp>
+        <p:grpSp>
+          <p:nvGrpSpPr>
+            <p:cNvPr id="72" name="Group 71">
+              <a:extLst>
+                <a:ext uri="{FF2B5EF4-FFF2-40B4-BE49-F238E27FC236}">
+                  <a16:creationId xmlns:a16="http://schemas.microsoft.com/office/drawing/2014/main" id="{C7ECA9FC-EABB-4962-8258-8DEF3E703F9D}"/>
+                </a:ext>
+              </a:extLst>
+            </p:cNvPr>
+            <p:cNvGrpSpPr/>
+            <p:nvPr/>
+          </p:nvGrpSpPr>
+          <p:grpSpPr>
+            <a:xfrm>
+              <a:off x="2634919" y="939125"/>
+              <a:ext cx="1776890" cy="1642369"/>
+              <a:chOff x="2707860" y="949911"/>
+              <a:chExt cx="1776890" cy="1642369"/>
+            </a:xfrm>
+          </p:grpSpPr>
+          <p:sp>
+            <p:nvSpPr>
+              <p:cNvPr id="26" name="Rectangle 25">
+                <a:extLst>
+                  <a:ext uri="{FF2B5EF4-FFF2-40B4-BE49-F238E27FC236}">
+                    <a16:creationId xmlns:a16="http://schemas.microsoft.com/office/drawing/2014/main" id="{A0EFE290-6101-4D8E-BA29-F5B43A402C90}"/>
+                  </a:ext>
+                </a:extLst>
+              </p:cNvPr>
+              <p:cNvSpPr/>
+              <p:nvPr/>
+            </p:nvSpPr>
+            <p:spPr>
+              <a:xfrm>
+                <a:off x="2707860" y="949911"/>
+                <a:ext cx="1776890" cy="1642369"/>
+              </a:xfrm>
+              <a:prstGeom prst="rect">
+                <a:avLst/>
+              </a:prstGeom>
+            </p:spPr>
+            <p:style>
+              <a:lnRef idx="2">
+                <a:schemeClr val="accent1">
+                  <a:shade val="50000"/>
+                </a:schemeClr>
+              </a:lnRef>
+              <a:fillRef idx="1">
+                <a:schemeClr val="accent1"/>
+              </a:fillRef>
+              <a:effectRef idx="0">
+                <a:schemeClr val="accent1"/>
+              </a:effectRef>
+              <a:fontRef idx="minor">
+                <a:schemeClr val="lt1"/>
+              </a:fontRef>
+            </p:style>
+            <p:txBody>
+              <a:bodyPr rtlCol="0" anchor="ctr"/>
+              <a:lstStyle/>
+              <a:p>
+                <a:pPr algn="ctr"/>
+                <a:endParaRPr lang="en-US" dirty="0"/>
+              </a:p>
+            </p:txBody>
+          </p:sp>
+          <p:sp>
+            <p:nvSpPr>
+              <p:cNvPr id="36" name="TextBox 35">
+                <a:extLst>
+                  <a:ext uri="{FF2B5EF4-FFF2-40B4-BE49-F238E27FC236}">
+                    <a16:creationId xmlns:a16="http://schemas.microsoft.com/office/drawing/2014/main" id="{D8BF7E7B-E2A1-424F-8427-27C4232F14EF}"/>
+                  </a:ext>
+                </a:extLst>
+              </p:cNvPr>
+              <p:cNvSpPr txBox="1"/>
+              <p:nvPr/>
+            </p:nvSpPr>
+            <p:spPr>
+              <a:xfrm>
+                <a:off x="2907734" y="950517"/>
+                <a:ext cx="1443408" cy="369332"/>
+              </a:xfrm>
+              <a:prstGeom prst="rect">
+                <a:avLst/>
+              </a:prstGeom>
+              <a:noFill/>
+            </p:spPr>
+            <p:txBody>
+              <a:bodyPr wrap="none" rtlCol="0">
+                <a:spAutoFit/>
+              </a:bodyPr>
+              <a:lstStyle/>
+              <a:p>
+                <a:r>
+                  <a:rPr lang="en-US" dirty="0"/>
+                  <a:t>StagingBuffer</a:t>
+                </a:r>
+              </a:p>
+            </p:txBody>
+          </p:sp>
+          <p:sp>
+            <p:nvSpPr>
+              <p:cNvPr id="49" name="TextBox 48">
+                <a:extLst>
+                  <a:ext uri="{FF2B5EF4-FFF2-40B4-BE49-F238E27FC236}">
+                    <a16:creationId xmlns:a16="http://schemas.microsoft.com/office/drawing/2014/main" id="{4CE2A858-90F6-4ABC-BE18-95ABA11BD2D6}"/>
+                  </a:ext>
+                </a:extLst>
+              </p:cNvPr>
+              <p:cNvSpPr txBox="1"/>
+              <p:nvPr/>
+            </p:nvSpPr>
+            <p:spPr>
+              <a:xfrm>
+                <a:off x="2977165" y="1309430"/>
+                <a:ext cx="1148841" cy="461665"/>
+              </a:xfrm>
+              <a:prstGeom prst="rect">
+                <a:avLst/>
+              </a:prstGeom>
+              <a:noFill/>
+            </p:spPr>
+            <p:txBody>
+              <a:bodyPr wrap="none" rtlCol="0">
+                <a:spAutoFit/>
+              </a:bodyPr>
+              <a:lstStyle/>
+              <a:p>
+                <a:pPr algn="ctr"/>
+                <a:r>
+                  <a:rPr lang="en-US" sz="1200" b="1" dirty="0"/>
+                  <a:t>Format</a:t>
+                </a:r>
+                <a:br>
+                  <a:rPr lang="en-US" sz="1200" dirty="0"/>
+                </a:br>
+                <a:r>
+                  <a:rPr lang="en-US" sz="1200" dirty="0"/>
+                  <a:t> RGBA FLOAT32</a:t>
+                </a:r>
+              </a:p>
+            </p:txBody>
+          </p:sp>
+          <p:sp>
+            <p:nvSpPr>
+              <p:cNvPr id="50" name="TextBox 49">
+                <a:extLst>
+                  <a:ext uri="{FF2B5EF4-FFF2-40B4-BE49-F238E27FC236}">
+                    <a16:creationId xmlns:a16="http://schemas.microsoft.com/office/drawing/2014/main" id="{7186D229-7914-4827-8ED3-209253F54228}"/>
+                  </a:ext>
+                </a:extLst>
+              </p:cNvPr>
+              <p:cNvSpPr txBox="1"/>
+              <p:nvPr/>
+            </p:nvSpPr>
+            <p:spPr>
+              <a:xfrm>
+                <a:off x="2903775" y="1720022"/>
+                <a:ext cx="1385059" cy="461665"/>
+              </a:xfrm>
+              <a:prstGeom prst="rect">
+                <a:avLst/>
+              </a:prstGeom>
+              <a:noFill/>
+            </p:spPr>
+            <p:txBody>
+              <a:bodyPr wrap="none" rtlCol="0">
+                <a:spAutoFit/>
+              </a:bodyPr>
+              <a:lstStyle/>
+              <a:p>
+                <a:pPr algn="ctr"/>
+                <a:r>
+                  <a:rPr lang="en-US" sz="1200" b="1" dirty="0"/>
+                  <a:t>RGB</a:t>
+                </a:r>
+                <a:r>
+                  <a:rPr lang="en-US" sz="1200" dirty="0"/>
+                  <a:t> – Screen Color</a:t>
+                </a:r>
+              </a:p>
+              <a:p>
+                <a:pPr algn="ctr"/>
+                <a:r>
+                  <a:rPr lang="en-US" sz="1200" b="1" dirty="0"/>
+                  <a:t>A</a:t>
+                </a:r>
+                <a:r>
+                  <a:rPr lang="en-US" sz="1200" dirty="0"/>
+                  <a:t> – Num Photons</a:t>
+                </a:r>
+              </a:p>
+            </p:txBody>
+          </p:sp>
+          <p:sp>
+            <p:nvSpPr>
+              <p:cNvPr id="52" name="TextBox 51">
+                <a:extLst>
+                  <a:ext uri="{FF2B5EF4-FFF2-40B4-BE49-F238E27FC236}">
+                    <a16:creationId xmlns:a16="http://schemas.microsoft.com/office/drawing/2014/main" id="{CB7D6052-4EE9-4DE2-A1A9-C9FD2B80DDA2}"/>
+                  </a:ext>
+                </a:extLst>
+              </p:cNvPr>
+              <p:cNvSpPr txBox="1"/>
+              <p:nvPr/>
+            </p:nvSpPr>
+            <p:spPr>
+              <a:xfrm>
+                <a:off x="2826734" y="2120195"/>
+                <a:ext cx="1539139" cy="461665"/>
+              </a:xfrm>
+              <a:prstGeom prst="rect">
+                <a:avLst/>
+              </a:prstGeom>
+              <a:noFill/>
+            </p:spPr>
+            <p:txBody>
+              <a:bodyPr wrap="none" rtlCol="0">
+                <a:spAutoFit/>
+              </a:bodyPr>
+              <a:lstStyle/>
+              <a:p>
+                <a:pPr algn="ctr"/>
+                <a:r>
+                  <a:rPr lang="en-US" sz="1200" b="1" dirty="0"/>
+                  <a:t>Width</a:t>
+                </a:r>
+                <a:r>
+                  <a:rPr lang="en-US" sz="1200" dirty="0"/>
+                  <a:t>: Screen Width</a:t>
+                </a:r>
+              </a:p>
+              <a:p>
+                <a:pPr algn="ctr"/>
+                <a:r>
+                  <a:rPr lang="en-US" sz="1200" b="1" dirty="0"/>
+                  <a:t>Height</a:t>
+                </a:r>
+                <a:r>
+                  <a:rPr lang="en-US" sz="1200" dirty="0"/>
+                  <a:t>: Screen Height</a:t>
+                </a:r>
+              </a:p>
+            </p:txBody>
+          </p:sp>
+        </p:grpSp>
+        <p:sp>
+          <p:nvSpPr>
+            <p:cNvPr id="27" name="Rectangle 26">
+              <a:extLst>
+                <a:ext uri="{FF2B5EF4-FFF2-40B4-BE49-F238E27FC236}">
+                  <a16:creationId xmlns:a16="http://schemas.microsoft.com/office/drawing/2014/main" id="{2C397E8B-E827-4375-89C1-9A6EBDBA4DBF}"/>
+                </a:ext>
+              </a:extLst>
+            </p:cNvPr>
+            <p:cNvSpPr/>
+            <p:nvPr/>
+          </p:nvSpPr>
+          <p:spPr>
+            <a:xfrm>
+              <a:off x="681337" y="2821876"/>
+              <a:ext cx="4240053" cy="2723150"/>
+            </a:xfrm>
+            <a:prstGeom prst="rect">
+              <a:avLst/>
+            </a:prstGeom>
+          </p:spPr>
+          <p:style>
+            <a:lnRef idx="2">
+              <a:schemeClr val="accent1">
+                <a:shade val="50000"/>
+              </a:schemeClr>
+            </a:lnRef>
+            <a:fillRef idx="1">
+              <a:schemeClr val="accent1"/>
+            </a:fillRef>
+            <a:effectRef idx="0">
+              <a:schemeClr val="accent1"/>
+            </a:effectRef>
+            <a:fontRef idx="minor">
+              <a:schemeClr val="lt1"/>
+            </a:fontRef>
+          </p:style>
+          <p:txBody>
+            <a:bodyPr rtlCol="0" anchor="ctr"/>
+            <a:lstStyle/>
+            <a:p>
+              <a:pPr algn="ctr"/>
+              <a:endParaRPr lang="en-US" dirty="0"/>
+            </a:p>
+          </p:txBody>
+        </p:sp>
+        <p:sp>
+          <p:nvSpPr>
+            <p:cNvPr id="37" name="TextBox 36">
+              <a:extLst>
+                <a:ext uri="{FF2B5EF4-FFF2-40B4-BE49-F238E27FC236}">
+                  <a16:creationId xmlns:a16="http://schemas.microsoft.com/office/drawing/2014/main" id="{FE716224-61FC-4AFD-B164-EB9DD875B339}"/>
+                </a:ext>
+              </a:extLst>
+            </p:cNvPr>
+            <p:cNvSpPr txBox="1"/>
+            <p:nvPr/>
+          </p:nvSpPr>
+          <p:spPr>
+            <a:xfrm>
+              <a:off x="621462" y="2942932"/>
+              <a:ext cx="964559" cy="369332"/>
+            </a:xfrm>
+            <a:prstGeom prst="rect">
+              <a:avLst/>
+            </a:prstGeom>
+            <a:noFill/>
+          </p:spPr>
+          <p:txBody>
+            <a:bodyPr wrap="none" rtlCol="0">
+              <a:spAutoFit/>
+            </a:bodyPr>
+            <a:lstStyle/>
+            <a:p>
+              <a:r>
+                <a:rPr lang="en-US" dirty="0"/>
+                <a:t>PBuffers</a:t>
+              </a:r>
+            </a:p>
+          </p:txBody>
+        </p:sp>
+        <p:sp>
+          <p:nvSpPr>
+            <p:cNvPr id="55" name="Rectangle 54">
+              <a:extLst>
+                <a:ext uri="{FF2B5EF4-FFF2-40B4-BE49-F238E27FC236}">
+                  <a16:creationId xmlns:a16="http://schemas.microsoft.com/office/drawing/2014/main" id="{0444B37E-FD37-42FC-98A5-013A555CEEF7}"/>
+                </a:ext>
+              </a:extLst>
+            </p:cNvPr>
+            <p:cNvSpPr/>
+            <p:nvPr/>
+          </p:nvSpPr>
+          <p:spPr>
+            <a:xfrm>
+              <a:off x="3408547" y="2943774"/>
+              <a:ext cx="1008660" cy="793811"/>
+            </a:xfrm>
+            <a:prstGeom prst="rect">
+              <a:avLst/>
+            </a:prstGeom>
+          </p:spPr>
+          <p:style>
+            <a:lnRef idx="1">
+              <a:schemeClr val="accent1"/>
+            </a:lnRef>
+            <a:fillRef idx="2">
+              <a:schemeClr val="accent1"/>
+            </a:fillRef>
+            <a:effectRef idx="1">
+              <a:schemeClr val="accent1"/>
+            </a:effectRef>
+            <a:fontRef idx="minor">
+              <a:schemeClr val="dk1"/>
+            </a:fontRef>
+          </p:style>
+          <p:txBody>
+            <a:bodyPr rtlCol="0" anchor="ctr"/>
+            <a:lstStyle/>
+            <a:p>
+              <a:pPr algn="ctr"/>
+              <a:endParaRPr lang="en-US"/>
+            </a:p>
+          </p:txBody>
+        </p:sp>
+        <p:sp>
+          <p:nvSpPr>
+            <p:cNvPr id="56" name="Rectangle 55">
+              <a:extLst>
+                <a:ext uri="{FF2B5EF4-FFF2-40B4-BE49-F238E27FC236}">
+                  <a16:creationId xmlns:a16="http://schemas.microsoft.com/office/drawing/2014/main" id="{39D4D8E2-13A4-4D53-BAE9-2374AECECF55}"/>
+                </a:ext>
+              </a:extLst>
+            </p:cNvPr>
+            <p:cNvSpPr/>
+            <p:nvPr/>
+          </p:nvSpPr>
+          <p:spPr>
+            <a:xfrm>
+              <a:off x="1579964" y="2943774"/>
+              <a:ext cx="1008660" cy="793811"/>
+            </a:xfrm>
+            <a:prstGeom prst="rect">
+              <a:avLst/>
+            </a:prstGeom>
+          </p:spPr>
+          <p:style>
+            <a:lnRef idx="1">
+              <a:schemeClr val="accent1"/>
+            </a:lnRef>
+            <a:fillRef idx="2">
+              <a:schemeClr val="accent1"/>
+            </a:fillRef>
+            <a:effectRef idx="1">
+              <a:schemeClr val="accent1"/>
+            </a:effectRef>
+            <a:fontRef idx="minor">
+              <a:schemeClr val="dk1"/>
+            </a:fontRef>
+          </p:style>
+          <p:txBody>
+            <a:bodyPr rtlCol="0" anchor="ctr"/>
+            <a:lstStyle/>
+            <a:p>
+              <a:pPr algn="ctr"/>
+              <a:endParaRPr lang="en-US"/>
+            </a:p>
+          </p:txBody>
+        </p:sp>
+        <p:sp>
+          <p:nvSpPr>
+            <p:cNvPr id="57" name="TextBox 56">
+              <a:extLst>
+                <a:ext uri="{FF2B5EF4-FFF2-40B4-BE49-F238E27FC236}">
+                  <a16:creationId xmlns:a16="http://schemas.microsoft.com/office/drawing/2014/main" id="{211209C8-1E51-43F9-BB48-86667DDAAD4C}"/>
+                </a:ext>
+              </a:extLst>
+            </p:cNvPr>
+            <p:cNvSpPr txBox="1"/>
+            <p:nvPr/>
+          </p:nvSpPr>
+          <p:spPr>
+            <a:xfrm>
+              <a:off x="1629575" y="3145913"/>
+              <a:ext cx="893450" cy="276999"/>
+            </a:xfrm>
+            <a:prstGeom prst="rect">
+              <a:avLst/>
+            </a:prstGeom>
+            <a:noFill/>
+          </p:spPr>
+          <p:txBody>
+            <a:bodyPr wrap="none" rtlCol="0">
+              <a:spAutoFit/>
+            </a:bodyPr>
+            <a:lstStyle/>
+            <a:p>
+              <a:pPr algn="ctr"/>
+              <a:r>
+                <a:rPr lang="en-US" sz="1200" dirty="0"/>
+                <a:t>Photon Pos</a:t>
+              </a:r>
+            </a:p>
+          </p:txBody>
+        </p:sp>
+        <p:sp>
+          <p:nvSpPr>
+            <p:cNvPr id="59" name="TextBox 58">
+              <a:extLst>
+                <a:ext uri="{FF2B5EF4-FFF2-40B4-BE49-F238E27FC236}">
+                  <a16:creationId xmlns:a16="http://schemas.microsoft.com/office/drawing/2014/main" id="{F5B3464B-B958-4DB2-91B5-6CC4C6138B1C}"/>
+                </a:ext>
+              </a:extLst>
+            </p:cNvPr>
+            <p:cNvSpPr txBox="1"/>
+            <p:nvPr/>
+          </p:nvSpPr>
+          <p:spPr>
+            <a:xfrm>
+              <a:off x="3400553" y="3159996"/>
+              <a:ext cx="1007135" cy="276999"/>
+            </a:xfrm>
+            <a:prstGeom prst="rect">
+              <a:avLst/>
+            </a:prstGeom>
+            <a:noFill/>
+          </p:spPr>
+          <p:txBody>
+            <a:bodyPr wrap="none" rtlCol="0">
+              <a:spAutoFit/>
+            </a:bodyPr>
+            <a:lstStyle/>
+            <a:p>
+              <a:pPr algn="ctr"/>
+              <a:r>
+                <a:rPr lang="en-US" sz="1200" dirty="0"/>
+                <a:t>Photon Color</a:t>
+              </a:r>
+            </a:p>
+          </p:txBody>
+        </p:sp>
+        <p:sp>
+          <p:nvSpPr>
+            <p:cNvPr id="60" name="TextBox 59">
+              <a:extLst>
+                <a:ext uri="{FF2B5EF4-FFF2-40B4-BE49-F238E27FC236}">
+                  <a16:creationId xmlns:a16="http://schemas.microsoft.com/office/drawing/2014/main" id="{E7C964D0-19B8-46DB-9EFA-3D71ED392832}"/>
+                </a:ext>
+              </a:extLst>
+            </p:cNvPr>
+            <p:cNvSpPr txBox="1"/>
+            <p:nvPr/>
+          </p:nvSpPr>
+          <p:spPr>
+            <a:xfrm>
+              <a:off x="1451889" y="3755901"/>
+              <a:ext cx="1148841" cy="461665"/>
+            </a:xfrm>
+            <a:prstGeom prst="rect">
+              <a:avLst/>
+            </a:prstGeom>
+            <a:noFill/>
+          </p:spPr>
+          <p:txBody>
+            <a:bodyPr wrap="none" rtlCol="0">
+              <a:spAutoFit/>
+            </a:bodyPr>
+            <a:lstStyle/>
+            <a:p>
+              <a:pPr algn="ctr"/>
+              <a:r>
+                <a:rPr lang="en-US" sz="1200" b="1" dirty="0"/>
+                <a:t>Format</a:t>
+              </a:r>
+              <a:br>
+                <a:rPr lang="en-US" sz="1200" dirty="0"/>
+              </a:br>
+              <a:r>
+                <a:rPr lang="en-US" sz="1200" dirty="0"/>
+                <a:t> RGBA FLOAT32</a:t>
+              </a:r>
+            </a:p>
+          </p:txBody>
+        </p:sp>
+        <p:sp>
+          <p:nvSpPr>
+            <p:cNvPr id="61" name="TextBox 60">
+              <a:extLst>
+                <a:ext uri="{FF2B5EF4-FFF2-40B4-BE49-F238E27FC236}">
+                  <a16:creationId xmlns:a16="http://schemas.microsoft.com/office/drawing/2014/main" id="{A4359D40-5213-4A85-98A6-78BD7F1983E9}"/>
+                </a:ext>
+              </a:extLst>
+            </p:cNvPr>
+            <p:cNvSpPr txBox="1"/>
+            <p:nvPr/>
+          </p:nvSpPr>
+          <p:spPr>
+            <a:xfrm>
+              <a:off x="3338456" y="3739510"/>
+              <a:ext cx="1148841" cy="461665"/>
+            </a:xfrm>
+            <a:prstGeom prst="rect">
+              <a:avLst/>
+            </a:prstGeom>
+            <a:noFill/>
+          </p:spPr>
+          <p:txBody>
+            <a:bodyPr wrap="none" rtlCol="0">
+              <a:spAutoFit/>
+            </a:bodyPr>
+            <a:lstStyle/>
+            <a:p>
+              <a:pPr algn="ctr"/>
+              <a:r>
+                <a:rPr lang="en-US" sz="1200" b="1" dirty="0"/>
+                <a:t>Format</a:t>
+              </a:r>
+              <a:br>
+                <a:rPr lang="en-US" sz="1200" dirty="0"/>
+              </a:br>
+              <a:r>
+                <a:rPr lang="en-US" sz="1200" dirty="0"/>
+                <a:t> RGBA FLOAT32</a:t>
+              </a:r>
+            </a:p>
+          </p:txBody>
+        </p:sp>
+        <p:sp>
+          <p:nvSpPr>
+            <p:cNvPr id="63" name="TextBox 62">
+              <a:extLst>
+                <a:ext uri="{FF2B5EF4-FFF2-40B4-BE49-F238E27FC236}">
+                  <a16:creationId xmlns:a16="http://schemas.microsoft.com/office/drawing/2014/main" id="{2A8118A5-215E-4725-83D8-532FBDCBB88A}"/>
+                </a:ext>
+              </a:extLst>
+            </p:cNvPr>
+            <p:cNvSpPr txBox="1"/>
+            <p:nvPr/>
+          </p:nvSpPr>
+          <p:spPr>
+            <a:xfrm>
+              <a:off x="1196318" y="4679519"/>
+              <a:ext cx="1808829" cy="646331"/>
+            </a:xfrm>
+            <a:prstGeom prst="rect">
+              <a:avLst/>
+            </a:prstGeom>
+            <a:noFill/>
+          </p:spPr>
+          <p:txBody>
+            <a:bodyPr wrap="none" rtlCol="0">
+              <a:spAutoFit/>
+            </a:bodyPr>
+            <a:lstStyle/>
+            <a:p>
+              <a:pPr algn="ctr"/>
+              <a:r>
+                <a:rPr lang="en-US" sz="1200" b="1" dirty="0"/>
+                <a:t>Width</a:t>
+              </a:r>
+              <a:r>
+                <a:rPr lang="en-US" sz="1200" dirty="0"/>
+                <a:t>: sqrt(numPhotons)</a:t>
+              </a:r>
+            </a:p>
+            <a:p>
+              <a:pPr algn="ctr"/>
+              <a:r>
+                <a:rPr lang="en-US" sz="1200" b="1" dirty="0"/>
+                <a:t>Height</a:t>
+              </a:r>
+              <a:r>
+                <a:rPr lang="en-US" sz="1200" dirty="0"/>
+                <a:t>: sqrt(numPhotons)</a:t>
+              </a:r>
+            </a:p>
+            <a:p>
+              <a:pPr algn="ctr"/>
+              <a:r>
+                <a:rPr lang="en-US" sz="1200" b="1" dirty="0"/>
+                <a:t>ArraySize</a:t>
+              </a:r>
+              <a:r>
+                <a:rPr lang="en-US" sz="1200" dirty="0"/>
+                <a:t>: Max Bounces</a:t>
+              </a:r>
+            </a:p>
+          </p:txBody>
+        </p:sp>
+        <p:sp>
+          <p:nvSpPr>
+            <p:cNvPr id="64" name="TextBox 63">
+              <a:extLst>
+                <a:ext uri="{FF2B5EF4-FFF2-40B4-BE49-F238E27FC236}">
+                  <a16:creationId xmlns:a16="http://schemas.microsoft.com/office/drawing/2014/main" id="{048BC624-6E3D-4908-940D-2C612DB788EC}"/>
+                </a:ext>
+              </a:extLst>
+            </p:cNvPr>
+            <p:cNvSpPr txBox="1"/>
+            <p:nvPr/>
+          </p:nvSpPr>
+          <p:spPr>
+            <a:xfrm>
+              <a:off x="3112561" y="4693120"/>
+              <a:ext cx="1808829" cy="646331"/>
+            </a:xfrm>
+            <a:prstGeom prst="rect">
+              <a:avLst/>
+            </a:prstGeom>
+            <a:noFill/>
+          </p:spPr>
+          <p:txBody>
+            <a:bodyPr wrap="none" rtlCol="0">
+              <a:spAutoFit/>
+            </a:bodyPr>
+            <a:lstStyle/>
+            <a:p>
+              <a:pPr algn="ctr"/>
+              <a:r>
+                <a:rPr lang="en-US" sz="1200" b="1" dirty="0"/>
+                <a:t>Width</a:t>
+              </a:r>
+              <a:r>
+                <a:rPr lang="en-US" sz="1200" dirty="0"/>
+                <a:t>: sqrt(numPhotons)</a:t>
+              </a:r>
+            </a:p>
+            <a:p>
+              <a:pPr algn="ctr"/>
+              <a:r>
+                <a:rPr lang="en-US" sz="1200" b="1" dirty="0"/>
+                <a:t>Height</a:t>
+              </a:r>
+              <a:r>
+                <a:rPr lang="en-US" sz="1200" dirty="0"/>
+                <a:t>: sqrt(numPhotons)</a:t>
+              </a:r>
+            </a:p>
+            <a:p>
+              <a:pPr algn="ctr"/>
+              <a:r>
+                <a:rPr lang="en-US" sz="1200" b="1" dirty="0"/>
+                <a:t>ArraySize</a:t>
+              </a:r>
+              <a:r>
+                <a:rPr lang="en-US" sz="1200" dirty="0"/>
+                <a:t>: Max Bounces</a:t>
+              </a:r>
+            </a:p>
+          </p:txBody>
+        </p:sp>
+        <p:sp>
+          <p:nvSpPr>
+            <p:cNvPr id="65" name="TextBox 64">
+              <a:extLst>
+                <a:ext uri="{FF2B5EF4-FFF2-40B4-BE49-F238E27FC236}">
+                  <a16:creationId xmlns:a16="http://schemas.microsoft.com/office/drawing/2014/main" id="{C66D00F0-413F-4A18-AD6A-678B47D32FD2}"/>
+                </a:ext>
+              </a:extLst>
+            </p:cNvPr>
+            <p:cNvSpPr txBox="1"/>
+            <p:nvPr/>
+          </p:nvSpPr>
+          <p:spPr>
+            <a:xfrm>
+              <a:off x="1401275" y="4199538"/>
+              <a:ext cx="1350050" cy="461665"/>
+            </a:xfrm>
+            <a:prstGeom prst="rect">
+              <a:avLst/>
+            </a:prstGeom>
+            <a:noFill/>
+          </p:spPr>
+          <p:txBody>
+            <a:bodyPr wrap="none" rtlCol="0">
+              <a:spAutoFit/>
+            </a:bodyPr>
+            <a:lstStyle/>
+            <a:p>
+              <a:pPr algn="ctr"/>
+              <a:r>
+                <a:rPr lang="en-US" sz="1200" b="1" dirty="0"/>
+                <a:t>RGB</a:t>
+              </a:r>
+              <a:r>
+                <a:rPr lang="en-US" sz="1200" dirty="0"/>
+                <a:t> – World Pos</a:t>
+              </a:r>
+            </a:p>
+            <a:p>
+              <a:pPr algn="ctr"/>
+              <a:r>
+                <a:rPr lang="en-US" sz="1200" b="1" dirty="0"/>
+                <a:t>A</a:t>
+              </a:r>
+              <a:r>
+                <a:rPr lang="en-US" sz="1200" dirty="0"/>
+                <a:t> – 1/0 Hit or Miss</a:t>
+              </a:r>
+            </a:p>
+          </p:txBody>
+        </p:sp>
+        <p:grpSp>
+          <p:nvGrpSpPr>
+            <p:cNvPr id="73" name="Group 72">
+              <a:extLst>
+                <a:ext uri="{FF2B5EF4-FFF2-40B4-BE49-F238E27FC236}">
+                  <a16:creationId xmlns:a16="http://schemas.microsoft.com/office/drawing/2014/main" id="{276074B3-F7CE-4D03-A79F-56EC06DA1152}"/>
+                </a:ext>
+              </a:extLst>
+            </p:cNvPr>
+            <p:cNvGrpSpPr/>
+            <p:nvPr/>
+          </p:nvGrpSpPr>
+          <p:grpSpPr>
+            <a:xfrm>
+              <a:off x="4543224" y="952556"/>
+              <a:ext cx="4367866" cy="1602747"/>
+              <a:chOff x="4778013" y="978747"/>
+              <a:chExt cx="4206190" cy="1602747"/>
+            </a:xfrm>
+          </p:grpSpPr>
+          <p:sp>
+            <p:nvSpPr>
+              <p:cNvPr id="28" name="Rectangle 27">
+                <a:extLst>
+                  <a:ext uri="{FF2B5EF4-FFF2-40B4-BE49-F238E27FC236}">
+                    <a16:creationId xmlns:a16="http://schemas.microsoft.com/office/drawing/2014/main" id="{F24B26A3-F7D3-4473-877F-672EA0E35144}"/>
+                  </a:ext>
+                </a:extLst>
+              </p:cNvPr>
+              <p:cNvSpPr/>
+              <p:nvPr/>
+            </p:nvSpPr>
+            <p:spPr>
+              <a:xfrm>
+                <a:off x="4778013" y="978747"/>
+                <a:ext cx="4206190" cy="1602747"/>
+              </a:xfrm>
+              <a:prstGeom prst="rect">
+                <a:avLst/>
+              </a:prstGeom>
+            </p:spPr>
+            <p:style>
+              <a:lnRef idx="2">
+                <a:schemeClr val="accent2">
+                  <a:shade val="50000"/>
+                </a:schemeClr>
+              </a:lnRef>
+              <a:fillRef idx="1">
+                <a:schemeClr val="accent2"/>
+              </a:fillRef>
+              <a:effectRef idx="0">
+                <a:schemeClr val="accent2"/>
+              </a:effectRef>
+              <a:fontRef idx="minor">
+                <a:schemeClr val="lt1"/>
+              </a:fontRef>
+            </p:style>
+            <p:txBody>
+              <a:bodyPr rtlCol="0" anchor="ctr"/>
+              <a:lstStyle/>
+              <a:p>
+                <a:pPr algn="ctr"/>
+                <a:endParaRPr lang="en-US" dirty="0"/>
+              </a:p>
+            </p:txBody>
+          </p:sp>
+          <p:sp>
+            <p:nvSpPr>
+              <p:cNvPr id="66" name="Rectangle 65">
+                <a:extLst>
+                  <a:ext uri="{FF2B5EF4-FFF2-40B4-BE49-F238E27FC236}">
+                    <a16:creationId xmlns:a16="http://schemas.microsoft.com/office/drawing/2014/main" id="{5F8F1801-A5C7-4D47-96AC-7510CEBEAA75}"/>
+                  </a:ext>
+                </a:extLst>
+              </p:cNvPr>
+              <p:cNvSpPr/>
+              <p:nvPr/>
+            </p:nvSpPr>
+            <p:spPr>
+              <a:xfrm>
+                <a:off x="4923429" y="1055385"/>
+                <a:ext cx="1913857" cy="703931"/>
+              </a:xfrm>
+              <a:prstGeom prst="rect">
+                <a:avLst/>
+              </a:prstGeom>
+            </p:spPr>
+            <p:style>
+              <a:lnRef idx="1">
+                <a:schemeClr val="accent2"/>
+              </a:lnRef>
+              <a:fillRef idx="2">
+                <a:schemeClr val="accent2"/>
+              </a:fillRef>
+              <a:effectRef idx="1">
+                <a:schemeClr val="accent2"/>
+              </a:effectRef>
+              <a:fontRef idx="minor">
+                <a:schemeClr val="dk1"/>
+              </a:fontRef>
+            </p:style>
+            <p:txBody>
+              <a:bodyPr rtlCol="0" anchor="ctr"/>
+              <a:lstStyle/>
+              <a:p>
+                <a:pPr algn="ctr"/>
+                <a:r>
+                  <a:rPr lang="en-US" dirty="0"/>
+                  <a:t>AccelerationStruct</a:t>
+                </a:r>
+              </a:p>
+            </p:txBody>
+          </p:sp>
+          <p:sp>
+            <p:nvSpPr>
+              <p:cNvPr id="67" name="Rectangle 66">
+                <a:extLst>
+                  <a:ext uri="{FF2B5EF4-FFF2-40B4-BE49-F238E27FC236}">
+                    <a16:creationId xmlns:a16="http://schemas.microsoft.com/office/drawing/2014/main" id="{E455CB18-F4F1-488D-B4E6-0BCE8390D09A}"/>
+                  </a:ext>
+                </a:extLst>
+              </p:cNvPr>
+              <p:cNvSpPr/>
+              <p:nvPr/>
+            </p:nvSpPr>
+            <p:spPr>
+              <a:xfrm>
+                <a:off x="4923429" y="1808935"/>
+                <a:ext cx="1913857" cy="703931"/>
+              </a:xfrm>
+              <a:prstGeom prst="rect">
+                <a:avLst/>
+              </a:prstGeom>
+            </p:spPr>
+            <p:style>
+              <a:lnRef idx="1">
+                <a:schemeClr val="accent2"/>
+              </a:lnRef>
+              <a:fillRef idx="2">
+                <a:schemeClr val="accent2"/>
+              </a:fillRef>
+              <a:effectRef idx="1">
+                <a:schemeClr val="accent2"/>
+              </a:effectRef>
+              <a:fontRef idx="minor">
+                <a:schemeClr val="dk1"/>
+              </a:fontRef>
+            </p:style>
+            <p:txBody>
+              <a:bodyPr rtlCol="0" anchor="ctr"/>
+              <a:lstStyle/>
+              <a:p>
+                <a:pPr algn="ctr"/>
+                <a:r>
+                  <a:rPr lang="en-US" dirty="0"/>
+                  <a:t>Textures</a:t>
+                </a:r>
+              </a:p>
+            </p:txBody>
+          </p:sp>
+          <p:sp>
+            <p:nvSpPr>
+              <p:cNvPr id="68" name="Rectangle 67">
+                <a:extLst>
+                  <a:ext uri="{FF2B5EF4-FFF2-40B4-BE49-F238E27FC236}">
+                    <a16:creationId xmlns:a16="http://schemas.microsoft.com/office/drawing/2014/main" id="{2066F91A-17CB-4E39-9ED5-29D062058367}"/>
+                  </a:ext>
+                </a:extLst>
+              </p:cNvPr>
+              <p:cNvSpPr/>
+              <p:nvPr/>
+            </p:nvSpPr>
+            <p:spPr>
+              <a:xfrm>
+                <a:off x="6963837" y="1828619"/>
+                <a:ext cx="1913857" cy="703931"/>
+              </a:xfrm>
+              <a:prstGeom prst="rect">
+                <a:avLst/>
+              </a:prstGeom>
+            </p:spPr>
+            <p:style>
+              <a:lnRef idx="1">
+                <a:schemeClr val="accent2"/>
+              </a:lnRef>
+              <a:fillRef idx="2">
+                <a:schemeClr val="accent2"/>
+              </a:fillRef>
+              <a:effectRef idx="1">
+                <a:schemeClr val="accent2"/>
+              </a:effectRef>
+              <a:fontRef idx="minor">
+                <a:schemeClr val="dk1"/>
+              </a:fontRef>
+            </p:style>
+            <p:txBody>
+              <a:bodyPr rtlCol="0" anchor="ctr"/>
+              <a:lstStyle/>
+              <a:p>
+                <a:pPr algn="ctr"/>
+                <a:r>
+                  <a:rPr lang="en-US" dirty="0"/>
+                  <a:t>Indices</a:t>
+                </a:r>
+              </a:p>
+            </p:txBody>
+          </p:sp>
+          <p:sp>
+            <p:nvSpPr>
+              <p:cNvPr id="69" name="Rectangle 68">
+                <a:extLst>
+                  <a:ext uri="{FF2B5EF4-FFF2-40B4-BE49-F238E27FC236}">
+                    <a16:creationId xmlns:a16="http://schemas.microsoft.com/office/drawing/2014/main" id="{34707975-E7D3-4F3E-944A-6411788F2AEA}"/>
+                  </a:ext>
+                </a:extLst>
+              </p:cNvPr>
+              <p:cNvSpPr/>
+              <p:nvPr/>
+            </p:nvSpPr>
+            <p:spPr>
+              <a:xfrm>
+                <a:off x="6962604" y="1075454"/>
+                <a:ext cx="1913857" cy="703931"/>
+              </a:xfrm>
+              <a:prstGeom prst="rect">
+                <a:avLst/>
+              </a:prstGeom>
+            </p:spPr>
+            <p:style>
+              <a:lnRef idx="1">
+                <a:schemeClr val="accent2"/>
+              </a:lnRef>
+              <a:fillRef idx="2">
+                <a:schemeClr val="accent2"/>
+              </a:fillRef>
+              <a:effectRef idx="1">
+                <a:schemeClr val="accent2"/>
+              </a:effectRef>
+              <a:fontRef idx="minor">
+                <a:schemeClr val="dk1"/>
+              </a:fontRef>
+            </p:style>
+            <p:txBody>
+              <a:bodyPr rtlCol="0" anchor="ctr"/>
+              <a:lstStyle/>
+              <a:p>
+                <a:pPr algn="ctr"/>
+                <a:r>
+                  <a:rPr lang="en-US" dirty="0"/>
+                  <a:t>Vertices</a:t>
+                </a:r>
+              </a:p>
+            </p:txBody>
+          </p:sp>
+        </p:grpSp>
+        <p:sp>
+          <p:nvSpPr>
+            <p:cNvPr id="74" name="Rectangle 73">
+              <a:extLst>
+                <a:ext uri="{FF2B5EF4-FFF2-40B4-BE49-F238E27FC236}">
+                  <a16:creationId xmlns:a16="http://schemas.microsoft.com/office/drawing/2014/main" id="{0D539D67-DA45-42DD-8B95-E0856EC2D6B6}"/>
+                </a:ext>
+              </a:extLst>
+            </p:cNvPr>
+            <p:cNvSpPr/>
+            <p:nvPr/>
+          </p:nvSpPr>
+          <p:spPr>
+            <a:xfrm>
+              <a:off x="7053482" y="2796540"/>
+              <a:ext cx="1857608" cy="2748485"/>
+            </a:xfrm>
+            <a:prstGeom prst="rect">
+              <a:avLst/>
+            </a:prstGeom>
+          </p:spPr>
+          <p:style>
+            <a:lnRef idx="2">
+              <a:schemeClr val="accent4">
+                <a:shade val="50000"/>
+              </a:schemeClr>
+            </a:lnRef>
+            <a:fillRef idx="1">
+              <a:schemeClr val="accent4"/>
+            </a:fillRef>
+            <a:effectRef idx="0">
+              <a:schemeClr val="accent4"/>
+            </a:effectRef>
+            <a:fontRef idx="minor">
+              <a:schemeClr val="lt1"/>
+            </a:fontRef>
+          </p:style>
+          <p:txBody>
+            <a:bodyPr rtlCol="0" anchor="ctr"/>
+            <a:lstStyle/>
+            <a:p>
+              <a:pPr algn="ctr"/>
+              <a:endParaRPr lang="en-US" dirty="0"/>
+            </a:p>
+          </p:txBody>
+        </p:sp>
+        <p:sp>
+          <p:nvSpPr>
+            <p:cNvPr id="76" name="Rectangle 75">
+              <a:extLst>
+                <a:ext uri="{FF2B5EF4-FFF2-40B4-BE49-F238E27FC236}">
+                  <a16:creationId xmlns:a16="http://schemas.microsoft.com/office/drawing/2014/main" id="{179598C1-DCED-44D2-9F11-A68D8D0F1759}"/>
+                </a:ext>
+              </a:extLst>
+            </p:cNvPr>
+            <p:cNvSpPr/>
+            <p:nvPr/>
+          </p:nvSpPr>
+          <p:spPr>
+            <a:xfrm>
+              <a:off x="9292063" y="3811741"/>
+              <a:ext cx="301841" cy="248575"/>
+            </a:xfrm>
+            <a:prstGeom prst="rect">
+              <a:avLst/>
+            </a:prstGeom>
+          </p:spPr>
+          <p:style>
+            <a:lnRef idx="2">
+              <a:schemeClr val="accent4">
+                <a:shade val="50000"/>
+              </a:schemeClr>
+            </a:lnRef>
+            <a:fillRef idx="1">
+              <a:schemeClr val="accent4"/>
+            </a:fillRef>
+            <a:effectRef idx="0">
+              <a:schemeClr val="accent4"/>
+            </a:effectRef>
+            <a:fontRef idx="minor">
+              <a:schemeClr val="lt1"/>
+            </a:fontRef>
+          </p:style>
+          <p:txBody>
+            <a:bodyPr rtlCol="0" anchor="ctr"/>
+            <a:lstStyle/>
+            <a:p>
+              <a:pPr algn="ctr"/>
+              <a:endParaRPr lang="en-US"/>
+            </a:p>
+          </p:txBody>
+        </p:sp>
+        <p:sp>
+          <p:nvSpPr>
+            <p:cNvPr id="77" name="TextBox 76">
+              <a:extLst>
+                <a:ext uri="{FF2B5EF4-FFF2-40B4-BE49-F238E27FC236}">
+                  <a16:creationId xmlns:a16="http://schemas.microsoft.com/office/drawing/2014/main" id="{03187978-4A88-4004-8519-E01F151815D1}"/>
+                </a:ext>
+              </a:extLst>
+            </p:cNvPr>
+            <p:cNvSpPr txBox="1"/>
+            <p:nvPr/>
+          </p:nvSpPr>
+          <p:spPr>
+            <a:xfrm>
+              <a:off x="9629423" y="3809976"/>
+              <a:ext cx="930576" cy="276999"/>
+            </a:xfrm>
+            <a:prstGeom prst="rect">
+              <a:avLst/>
+            </a:prstGeom>
+            <a:noFill/>
+          </p:spPr>
+          <p:txBody>
+            <a:bodyPr wrap="none" rtlCol="0">
+              <a:spAutoFit/>
+            </a:bodyPr>
+            <a:lstStyle/>
+            <a:p>
+              <a:r>
+                <a:rPr lang="en-US" sz="1200" dirty="0"/>
+                <a:t>Ray Payload</a:t>
+              </a:r>
+            </a:p>
+          </p:txBody>
+        </p:sp>
+        <p:sp>
+          <p:nvSpPr>
+            <p:cNvPr id="78" name="Rectangle 77">
+              <a:extLst>
+                <a:ext uri="{FF2B5EF4-FFF2-40B4-BE49-F238E27FC236}">
+                  <a16:creationId xmlns:a16="http://schemas.microsoft.com/office/drawing/2014/main" id="{17A0D647-432F-4418-9AFB-F2A1ACDEDA28}"/>
+                </a:ext>
+              </a:extLst>
+            </p:cNvPr>
+            <p:cNvSpPr/>
+            <p:nvPr/>
+          </p:nvSpPr>
+          <p:spPr>
+            <a:xfrm>
+              <a:off x="5200107" y="2893139"/>
+              <a:ext cx="1574657" cy="427193"/>
+            </a:xfrm>
+            <a:prstGeom prst="rect">
+              <a:avLst/>
+            </a:prstGeom>
+          </p:spPr>
+          <p:style>
+            <a:lnRef idx="1">
+              <a:schemeClr val="accent6"/>
+            </a:lnRef>
+            <a:fillRef idx="2">
+              <a:schemeClr val="accent6"/>
+            </a:fillRef>
+            <a:effectRef idx="1">
+              <a:schemeClr val="accent6"/>
+            </a:effectRef>
+            <a:fontRef idx="minor">
+              <a:schemeClr val="dk1"/>
+            </a:fontRef>
+          </p:style>
+          <p:txBody>
+            <a:bodyPr rtlCol="0" anchor="ctr"/>
+            <a:lstStyle/>
+            <a:p>
+              <a:pPr algn="ctr"/>
+              <a:r>
+                <a:rPr lang="en-US" sz="1400" dirty="0"/>
+                <a:t>mat4 ViewProj</a:t>
+              </a:r>
+            </a:p>
+          </p:txBody>
+        </p:sp>
+        <p:sp>
+          <p:nvSpPr>
+            <p:cNvPr id="81" name="Rectangle 80">
+              <a:extLst>
+                <a:ext uri="{FF2B5EF4-FFF2-40B4-BE49-F238E27FC236}">
+                  <a16:creationId xmlns:a16="http://schemas.microsoft.com/office/drawing/2014/main" id="{3725B44E-CDC5-4ED0-9ACB-8A98FCCF1C0C}"/>
+                </a:ext>
+              </a:extLst>
+            </p:cNvPr>
+            <p:cNvSpPr/>
+            <p:nvPr/>
+          </p:nvSpPr>
+          <p:spPr>
+            <a:xfrm>
+              <a:off x="5200106" y="3422912"/>
+              <a:ext cx="1574657" cy="427193"/>
+            </a:xfrm>
+            <a:prstGeom prst="rect">
+              <a:avLst/>
+            </a:prstGeom>
+          </p:spPr>
+          <p:style>
+            <a:lnRef idx="1">
+              <a:schemeClr val="accent6"/>
+            </a:lnRef>
+            <a:fillRef idx="2">
+              <a:schemeClr val="accent6"/>
+            </a:fillRef>
+            <a:effectRef idx="1">
+              <a:schemeClr val="accent6"/>
+            </a:effectRef>
+            <a:fontRef idx="minor">
+              <a:schemeClr val="dk1"/>
+            </a:fontRef>
+          </p:style>
+          <p:txBody>
+            <a:bodyPr rtlCol="0" anchor="ctr"/>
+            <a:lstStyle/>
+            <a:p>
+              <a:pPr algn="ctr"/>
+              <a:r>
+                <a:rPr lang="en-US" sz="1400" dirty="0"/>
+                <a:t>mat4 InvViewProj</a:t>
+              </a:r>
+            </a:p>
+          </p:txBody>
+        </p:sp>
+        <p:sp>
+          <p:nvSpPr>
+            <p:cNvPr id="82" name="Rectangle 81">
+              <a:extLst>
+                <a:ext uri="{FF2B5EF4-FFF2-40B4-BE49-F238E27FC236}">
+                  <a16:creationId xmlns:a16="http://schemas.microsoft.com/office/drawing/2014/main" id="{71D02216-F08D-47AF-9A5D-5E6C56B8C853}"/>
+                </a:ext>
+              </a:extLst>
+            </p:cNvPr>
+            <p:cNvSpPr/>
+            <p:nvPr/>
+          </p:nvSpPr>
+          <p:spPr>
+            <a:xfrm>
+              <a:off x="5200105" y="3965253"/>
+              <a:ext cx="1574657" cy="427193"/>
+            </a:xfrm>
+            <a:prstGeom prst="rect">
+              <a:avLst/>
+            </a:prstGeom>
+          </p:spPr>
+          <p:style>
+            <a:lnRef idx="1">
+              <a:schemeClr val="accent6"/>
+            </a:lnRef>
+            <a:fillRef idx="2">
+              <a:schemeClr val="accent6"/>
+            </a:fillRef>
+            <a:effectRef idx="1">
+              <a:schemeClr val="accent6"/>
+            </a:effectRef>
+            <a:fontRef idx="minor">
+              <a:schemeClr val="dk1"/>
+            </a:fontRef>
+          </p:style>
+          <p:txBody>
+            <a:bodyPr rtlCol="0" anchor="ctr"/>
+            <a:lstStyle/>
+            <a:p>
+              <a:pPr algn="ctr"/>
+              <a:r>
+                <a:rPr lang="en-US" sz="1400" dirty="0"/>
+                <a:t>vec4 CameraPos</a:t>
+              </a:r>
+            </a:p>
+          </p:txBody>
+        </p:sp>
+        <p:sp>
+          <p:nvSpPr>
+            <p:cNvPr id="83" name="Rectangle 82">
+              <a:extLst>
+                <a:ext uri="{FF2B5EF4-FFF2-40B4-BE49-F238E27FC236}">
+                  <a16:creationId xmlns:a16="http://schemas.microsoft.com/office/drawing/2014/main" id="{6D76E4EF-7C2E-4EBC-BDE2-DDBE78AA2802}"/>
+                </a:ext>
+              </a:extLst>
+            </p:cNvPr>
+            <p:cNvSpPr/>
+            <p:nvPr/>
+          </p:nvSpPr>
+          <p:spPr>
+            <a:xfrm>
+              <a:off x="5200105" y="4501928"/>
+              <a:ext cx="1574657" cy="427193"/>
+            </a:xfrm>
+            <a:prstGeom prst="rect">
+              <a:avLst/>
+            </a:prstGeom>
+          </p:spPr>
+          <p:style>
+            <a:lnRef idx="1">
+              <a:schemeClr val="accent6"/>
+            </a:lnRef>
+            <a:fillRef idx="2">
+              <a:schemeClr val="accent6"/>
+            </a:fillRef>
+            <a:effectRef idx="1">
+              <a:schemeClr val="accent6"/>
+            </a:effectRef>
+            <a:fontRef idx="minor">
+              <a:schemeClr val="dk1"/>
+            </a:fontRef>
+          </p:style>
+          <p:txBody>
+            <a:bodyPr rtlCol="0" anchor="ctr"/>
+            <a:lstStyle/>
+            <a:p>
+              <a:pPr algn="ctr"/>
+              <a:r>
+                <a:rPr lang="en-US" sz="1400" dirty="0"/>
+                <a:t>vec4 LightPos</a:t>
+              </a:r>
+            </a:p>
+          </p:txBody>
+        </p:sp>
+        <p:sp>
+          <p:nvSpPr>
+            <p:cNvPr id="84" name="Rectangle 83">
+              <a:extLst>
+                <a:ext uri="{FF2B5EF4-FFF2-40B4-BE49-F238E27FC236}">
+                  <a16:creationId xmlns:a16="http://schemas.microsoft.com/office/drawing/2014/main" id="{AE7B81D4-C7C5-41ED-9F38-40B83743C6FA}"/>
+                </a:ext>
+              </a:extLst>
+            </p:cNvPr>
+            <p:cNvSpPr/>
+            <p:nvPr/>
+          </p:nvSpPr>
+          <p:spPr>
+            <a:xfrm>
+              <a:off x="5200104" y="5010750"/>
+              <a:ext cx="1574657" cy="427193"/>
+            </a:xfrm>
+            <a:prstGeom prst="rect">
+              <a:avLst/>
+            </a:prstGeom>
+          </p:spPr>
+          <p:style>
+            <a:lnRef idx="1">
+              <a:schemeClr val="accent6"/>
+            </a:lnRef>
+            <a:fillRef idx="2">
+              <a:schemeClr val="accent6"/>
+            </a:fillRef>
+            <a:effectRef idx="1">
+              <a:schemeClr val="accent6"/>
+            </a:effectRef>
+            <a:fontRef idx="minor">
+              <a:schemeClr val="dk1"/>
+            </a:fontRef>
+          </p:style>
+          <p:txBody>
+            <a:bodyPr rtlCol="0" anchor="ctr"/>
+            <a:lstStyle/>
+            <a:p>
+              <a:pPr algn="ctr"/>
+              <a:r>
+                <a:rPr lang="en-US" sz="1400" dirty="0"/>
+                <a:t>vec4 AmbientLight</a:t>
+              </a:r>
+            </a:p>
+          </p:txBody>
+        </p:sp>
+        <p:sp>
+          <p:nvSpPr>
+            <p:cNvPr id="85" name="Rectangle 84">
+              <a:extLst>
+                <a:ext uri="{FF2B5EF4-FFF2-40B4-BE49-F238E27FC236}">
+                  <a16:creationId xmlns:a16="http://schemas.microsoft.com/office/drawing/2014/main" id="{76F74D15-A5ED-4286-BA46-C95FAF030C3A}"/>
+                </a:ext>
+              </a:extLst>
+            </p:cNvPr>
+            <p:cNvSpPr/>
+            <p:nvPr/>
+          </p:nvSpPr>
+          <p:spPr>
+            <a:xfrm>
+              <a:off x="7200898" y="2905235"/>
+              <a:ext cx="1574657" cy="427193"/>
+            </a:xfrm>
+            <a:prstGeom prst="rect">
+              <a:avLst/>
+            </a:prstGeom>
+          </p:spPr>
+          <p:style>
+            <a:lnRef idx="1">
+              <a:schemeClr val="accent4"/>
+            </a:lnRef>
+            <a:fillRef idx="2">
+              <a:schemeClr val="accent4"/>
+            </a:fillRef>
+            <a:effectRef idx="1">
+              <a:schemeClr val="accent4"/>
+            </a:effectRef>
+            <a:fontRef idx="minor">
+              <a:schemeClr val="dk1"/>
+            </a:fontRef>
+          </p:style>
+          <p:txBody>
+            <a:bodyPr rtlCol="0" anchor="ctr"/>
+            <a:lstStyle/>
+            <a:p>
+              <a:pPr algn="ctr"/>
+              <a:r>
+                <a:rPr lang="en-US" sz="1400" dirty="0"/>
+                <a:t>vec4 color</a:t>
+              </a:r>
+            </a:p>
+          </p:txBody>
+        </p:sp>
+        <p:sp>
+          <p:nvSpPr>
+            <p:cNvPr id="86" name="Rectangle 85">
+              <a:extLst>
+                <a:ext uri="{FF2B5EF4-FFF2-40B4-BE49-F238E27FC236}">
+                  <a16:creationId xmlns:a16="http://schemas.microsoft.com/office/drawing/2014/main" id="{994F27E1-13FB-4F5D-8ABA-294322C1268B}"/>
+                </a:ext>
+              </a:extLst>
+            </p:cNvPr>
+            <p:cNvSpPr/>
+            <p:nvPr/>
+          </p:nvSpPr>
+          <p:spPr>
+            <a:xfrm>
+              <a:off x="7200897" y="3435008"/>
+              <a:ext cx="1574657" cy="427193"/>
+            </a:xfrm>
+            <a:prstGeom prst="rect">
+              <a:avLst/>
+            </a:prstGeom>
+          </p:spPr>
+          <p:style>
+            <a:lnRef idx="1">
+              <a:schemeClr val="accent4"/>
+            </a:lnRef>
+            <a:fillRef idx="2">
+              <a:schemeClr val="accent4"/>
+            </a:fillRef>
+            <a:effectRef idx="1">
+              <a:schemeClr val="accent4"/>
+            </a:effectRef>
+            <a:fontRef idx="minor">
+              <a:schemeClr val="dk1"/>
+            </a:fontRef>
+          </p:style>
+          <p:txBody>
+            <a:bodyPr rtlCol="0" anchor="ctr"/>
+            <a:lstStyle/>
+            <a:p>
+              <a:pPr algn="ctr"/>
+              <a:r>
+                <a:rPr lang="en-US" sz="1400" dirty="0"/>
+                <a:t>vec4 position</a:t>
+              </a:r>
+            </a:p>
+          </p:txBody>
+        </p:sp>
+        <p:sp>
+          <p:nvSpPr>
+            <p:cNvPr id="87" name="Rectangle 86">
+              <a:extLst>
+                <a:ext uri="{FF2B5EF4-FFF2-40B4-BE49-F238E27FC236}">
+                  <a16:creationId xmlns:a16="http://schemas.microsoft.com/office/drawing/2014/main" id="{41281C0B-671A-4138-9178-0D3A19BAFFC7}"/>
+                </a:ext>
+              </a:extLst>
+            </p:cNvPr>
+            <p:cNvSpPr/>
+            <p:nvPr/>
+          </p:nvSpPr>
+          <p:spPr>
+            <a:xfrm>
+              <a:off x="7200896" y="3977349"/>
+              <a:ext cx="1574657" cy="427193"/>
+            </a:xfrm>
+            <a:prstGeom prst="rect">
+              <a:avLst/>
+            </a:prstGeom>
+          </p:spPr>
+          <p:style>
+            <a:lnRef idx="1">
+              <a:schemeClr val="accent4"/>
+            </a:lnRef>
+            <a:fillRef idx="2">
+              <a:schemeClr val="accent4"/>
+            </a:fillRef>
+            <a:effectRef idx="1">
+              <a:schemeClr val="accent4"/>
+            </a:effectRef>
+            <a:fontRef idx="minor">
+              <a:schemeClr val="dk1"/>
+            </a:fontRef>
+          </p:style>
+          <p:txBody>
+            <a:bodyPr rtlCol="0" anchor="ctr"/>
+            <a:lstStyle/>
+            <a:p>
+              <a:pPr algn="ctr"/>
+              <a:r>
+                <a:rPr lang="en-US" sz="1400" dirty="0"/>
+                <a:t>vec4 throughput</a:t>
+              </a:r>
+            </a:p>
+          </p:txBody>
+        </p:sp>
+        <p:sp>
+          <p:nvSpPr>
+            <p:cNvPr id="88" name="Rectangle 87">
+              <a:extLst>
+                <a:ext uri="{FF2B5EF4-FFF2-40B4-BE49-F238E27FC236}">
+                  <a16:creationId xmlns:a16="http://schemas.microsoft.com/office/drawing/2014/main" id="{96E39CB8-8B56-421B-8153-A4C18F8C5DA2}"/>
+                </a:ext>
+              </a:extLst>
+            </p:cNvPr>
+            <p:cNvSpPr/>
+            <p:nvPr/>
+          </p:nvSpPr>
+          <p:spPr>
+            <a:xfrm>
+              <a:off x="7200896" y="4514024"/>
+              <a:ext cx="1574657" cy="427193"/>
+            </a:xfrm>
+            <a:prstGeom prst="rect">
+              <a:avLst/>
+            </a:prstGeom>
+          </p:spPr>
+          <p:style>
+            <a:lnRef idx="1">
+              <a:schemeClr val="accent4"/>
+            </a:lnRef>
+            <a:fillRef idx="2">
+              <a:schemeClr val="accent4"/>
+            </a:fillRef>
+            <a:effectRef idx="1">
+              <a:schemeClr val="accent4"/>
+            </a:effectRef>
+            <a:fontRef idx="minor">
+              <a:schemeClr val="dk1"/>
+            </a:fontRef>
+          </p:style>
+          <p:txBody>
+            <a:bodyPr rtlCol="0" anchor="ctr"/>
+            <a:lstStyle/>
+            <a:p>
+              <a:pPr algn="ctr"/>
+              <a:r>
+                <a:rPr lang="en-US" sz="1400" dirty="0"/>
+                <a:t>vec4 nextDirection</a:t>
+              </a:r>
+            </a:p>
+          </p:txBody>
+        </p:sp>
+        <p:sp>
+          <p:nvSpPr>
+            <p:cNvPr id="89" name="Rectangle 88">
+              <a:extLst>
+                <a:ext uri="{FF2B5EF4-FFF2-40B4-BE49-F238E27FC236}">
+                  <a16:creationId xmlns:a16="http://schemas.microsoft.com/office/drawing/2014/main" id="{69C73245-DB98-4D36-A5DA-F7E90E449D7C}"/>
+                </a:ext>
+              </a:extLst>
+            </p:cNvPr>
+            <p:cNvSpPr/>
+            <p:nvPr/>
+          </p:nvSpPr>
+          <p:spPr>
+            <a:xfrm>
+              <a:off x="7200895" y="5022846"/>
+              <a:ext cx="1574657" cy="427193"/>
+            </a:xfrm>
+            <a:prstGeom prst="rect">
+              <a:avLst/>
+            </a:prstGeom>
+          </p:spPr>
+          <p:style>
+            <a:lnRef idx="1">
+              <a:schemeClr val="accent4"/>
+            </a:lnRef>
+            <a:fillRef idx="2">
+              <a:schemeClr val="accent4"/>
+            </a:fillRef>
+            <a:effectRef idx="1">
+              <a:schemeClr val="accent4"/>
+            </a:effectRef>
+            <a:fontRef idx="minor">
+              <a:schemeClr val="dk1"/>
+            </a:fontRef>
+          </p:style>
+          <p:txBody>
+            <a:bodyPr rtlCol="0" anchor="ctr"/>
+            <a:lstStyle/>
+            <a:p>
+              <a:pPr algn="ctr"/>
+              <a:r>
+                <a:rPr lang="en-US" sz="1400" dirty="0"/>
+                <a:t>vec4 info bundle</a:t>
+              </a:r>
+            </a:p>
+          </p:txBody>
+        </p:sp>
+        <p:sp>
+          <p:nvSpPr>
+            <p:cNvPr id="90" name="TextBox 89">
+              <a:extLst>
+                <a:ext uri="{FF2B5EF4-FFF2-40B4-BE49-F238E27FC236}">
+                  <a16:creationId xmlns:a16="http://schemas.microsoft.com/office/drawing/2014/main" id="{2954FDB8-483D-4114-8F1D-C0A753CC4A25}"/>
+                </a:ext>
+              </a:extLst>
+            </p:cNvPr>
+            <p:cNvSpPr txBox="1"/>
+            <p:nvPr/>
+          </p:nvSpPr>
+          <p:spPr>
+            <a:xfrm>
+              <a:off x="2523025" y="373749"/>
+              <a:ext cx="4335610" cy="369332"/>
+            </a:xfrm>
+            <a:prstGeom prst="rect">
+              <a:avLst/>
+            </a:prstGeom>
+            <a:noFill/>
+          </p:spPr>
+          <p:txBody>
+            <a:bodyPr wrap="none" rtlCol="0">
+              <a:spAutoFit/>
+            </a:bodyPr>
+            <a:lstStyle/>
+            <a:p>
+              <a:r>
+                <a:rPr lang="en-US" b="1" dirty="0">
+                  <a:solidFill>
+                    <a:schemeClr val="bg1"/>
+                  </a:solidFill>
+                </a:rPr>
+                <a:t>DXR Based Photon Mapper Memory Layout</a:t>
+              </a:r>
+            </a:p>
+          </p:txBody>
+        </p:sp>
+        <p:sp>
+          <p:nvSpPr>
+            <p:cNvPr id="91" name="TextBox 90">
+              <a:extLst>
+                <a:ext uri="{FF2B5EF4-FFF2-40B4-BE49-F238E27FC236}">
+                  <a16:creationId xmlns:a16="http://schemas.microsoft.com/office/drawing/2014/main" id="{2A7F692A-01D3-4001-85FF-16231514BFC3}"/>
+                </a:ext>
+              </a:extLst>
+            </p:cNvPr>
+            <p:cNvSpPr txBox="1"/>
+            <p:nvPr/>
+          </p:nvSpPr>
+          <p:spPr>
+            <a:xfrm>
+              <a:off x="9608271" y="1632962"/>
+              <a:ext cx="1261499" cy="369332"/>
+            </a:xfrm>
+            <a:prstGeom prst="rect">
+              <a:avLst/>
+            </a:prstGeom>
+            <a:noFill/>
+          </p:spPr>
+          <p:txBody>
+            <a:bodyPr wrap="none" rtlCol="0">
+              <a:spAutoFit/>
+            </a:bodyPr>
+            <a:lstStyle/>
+            <a:p>
+              <a:r>
+                <a:rPr lang="en-US" b="1" dirty="0"/>
+                <a:t>View Types</a:t>
+              </a:r>
+            </a:p>
+          </p:txBody>
+        </p:sp>
+      </p:grpSp>
+    </p:spTree>
+    <p:extLst>
+      <p:ext uri="{BB962C8B-B14F-4D97-AF65-F5344CB8AC3E}">
+        <p14:creationId xmlns:p14="http://schemas.microsoft.com/office/powerpoint/2010/main" val="2331682294"/>
+      </p:ext>
+    </p:extLst>
+  </p:cSld>
+  <p:clrMapOvr>
+    <a:masterClrMapping/>
+  </p:clrMapOvr>
+</p:sld>
+</file>
+
+<file path=ppt/slides/slide5.xml><?xml version="1.0" encoding="utf-8"?>
+<p:sld xmlns:a="http://schemas.openxmlformats.org/drawingml/2006/main" xmlns:r="http://schemas.openxmlformats.org/officeDocument/2006/relationships" xmlns:p="http://schemas.openxmlformats.org/presentationml/2006/main">
+  <p:cSld>
+    <p:spTree>
+      <p:nvGrpSpPr>
+        <p:cNvPr id="1" name=""/>
+        <p:cNvGrpSpPr/>
+        <p:nvPr/>
+      </p:nvGrpSpPr>
+      <p:grpSpPr>
+        <a:xfrm>
+          <a:off x="0" y="0"/>
+          <a:ext cx="0" cy="0"/>
+          <a:chOff x="0" y="0"/>
+          <a:chExt cx="0" cy="0"/>
+        </a:xfrm>
+      </p:grpSpPr>
+      <p:grpSp>
+        <p:nvGrpSpPr>
+          <p:cNvPr id="80" name="Group 79">
+            <a:extLst>
+              <a:ext uri="{FF2B5EF4-FFF2-40B4-BE49-F238E27FC236}">
+                <a16:creationId xmlns:a16="http://schemas.microsoft.com/office/drawing/2014/main" id="{3887334E-EB64-42B7-B2D0-DAD7A64F6CDE}"/>
+              </a:ext>
+            </a:extLst>
+          </p:cNvPr>
+          <p:cNvGrpSpPr/>
+          <p:nvPr/>
+        </p:nvGrpSpPr>
+        <p:grpSpPr>
+          <a:xfrm>
+            <a:off x="1207362" y="1198486"/>
+            <a:ext cx="9194278" cy="4492102"/>
+            <a:chOff x="1207362" y="1198486"/>
+            <a:chExt cx="9194278" cy="4492102"/>
+          </a:xfrm>
+        </p:grpSpPr>
+        <p:sp>
+          <p:nvSpPr>
+            <p:cNvPr id="4" name="Rectangle 3">
+              <a:extLst>
+                <a:ext uri="{FF2B5EF4-FFF2-40B4-BE49-F238E27FC236}">
+                  <a16:creationId xmlns:a16="http://schemas.microsoft.com/office/drawing/2014/main" id="{1ECD46F7-0F18-453B-ABBE-891E0835635A}"/>
+                </a:ext>
+              </a:extLst>
+            </p:cNvPr>
+            <p:cNvSpPr/>
+            <p:nvPr/>
+          </p:nvSpPr>
+          <p:spPr>
+            <a:xfrm>
+              <a:off x="1207362" y="1198486"/>
+              <a:ext cx="9194278" cy="4492102"/>
+            </a:xfrm>
+            <a:prstGeom prst="rect">
+              <a:avLst/>
+            </a:prstGeom>
+            <a:solidFill>
+              <a:schemeClr val="tx1">
+                <a:lumMod val="75000"/>
+                <a:lumOff val="25000"/>
+              </a:schemeClr>
+            </a:solidFill>
+          </p:spPr>
+          <p:style>
+            <a:lnRef idx="2">
+              <a:schemeClr val="accent3">
+                <a:shade val="50000"/>
+              </a:schemeClr>
+            </a:lnRef>
+            <a:fillRef idx="1">
+              <a:schemeClr val="accent3"/>
+            </a:fillRef>
+            <a:effectRef idx="0">
+              <a:schemeClr val="accent3"/>
+            </a:effectRef>
+            <a:fontRef idx="minor">
+              <a:schemeClr val="lt1"/>
+            </a:fontRef>
+          </p:style>
+          <p:txBody>
+            <a:bodyPr rtlCol="0" anchor="ctr"/>
+            <a:lstStyle/>
+            <a:p>
+              <a:pPr algn="ctr"/>
+              <a:endParaRPr lang="en-US" dirty="0"/>
+            </a:p>
+          </p:txBody>
+        </p:sp>
+        <p:sp>
+          <p:nvSpPr>
+            <p:cNvPr id="5" name="Rectangle 4">
+              <a:extLst>
+                <a:ext uri="{FF2B5EF4-FFF2-40B4-BE49-F238E27FC236}">
+                  <a16:creationId xmlns:a16="http://schemas.microsoft.com/office/drawing/2014/main" id="{94755375-D01E-4405-8426-23B8BA689894}"/>
+                </a:ext>
+              </a:extLst>
+            </p:cNvPr>
+            <p:cNvSpPr/>
+            <p:nvPr/>
+          </p:nvSpPr>
+          <p:spPr>
+            <a:xfrm>
+              <a:off x="2876365" y="1979722"/>
+              <a:ext cx="7261934" cy="1633490"/>
+            </a:xfrm>
+            <a:prstGeom prst="rect">
+              <a:avLst/>
+            </a:prstGeom>
+          </p:spPr>
+          <p:style>
+            <a:lnRef idx="2">
+              <a:schemeClr val="accent1">
+                <a:shade val="50000"/>
+              </a:schemeClr>
+            </a:lnRef>
+            <a:fillRef idx="1">
+              <a:schemeClr val="accent1"/>
+            </a:fillRef>
+            <a:effectRef idx="0">
+              <a:schemeClr val="accent1"/>
+            </a:effectRef>
+            <a:fontRef idx="minor">
+              <a:schemeClr val="lt1"/>
+            </a:fontRef>
+          </p:style>
+          <p:txBody>
+            <a:bodyPr rtlCol="0" anchor="ctr"/>
+            <a:lstStyle/>
+            <a:p>
+              <a:pPr algn="ctr"/>
+              <a:endParaRPr lang="en-US"/>
+            </a:p>
+          </p:txBody>
+        </p:sp>
+        <p:sp>
+          <p:nvSpPr>
+            <p:cNvPr id="6" name="Rectangle 5">
+              <a:extLst>
+                <a:ext uri="{FF2B5EF4-FFF2-40B4-BE49-F238E27FC236}">
+                  <a16:creationId xmlns:a16="http://schemas.microsoft.com/office/drawing/2014/main" id="{70730980-1700-4ACA-B22A-8BA5F35A1B6E}"/>
+                </a:ext>
+              </a:extLst>
+            </p:cNvPr>
+            <p:cNvSpPr/>
+            <p:nvPr/>
+          </p:nvSpPr>
+          <p:spPr>
+            <a:xfrm>
+              <a:off x="3112362" y="2418469"/>
+              <a:ext cx="2691415" cy="1012056"/>
+            </a:xfrm>
+            <a:prstGeom prst="rect">
+              <a:avLst/>
+            </a:prstGeom>
+          </p:spPr>
+          <p:style>
+            <a:lnRef idx="1">
+              <a:schemeClr val="accent1"/>
+            </a:lnRef>
+            <a:fillRef idx="2">
+              <a:schemeClr val="accent1"/>
+            </a:fillRef>
+            <a:effectRef idx="1">
+              <a:schemeClr val="accent1"/>
+            </a:effectRef>
+            <a:fontRef idx="minor">
+              <a:schemeClr val="dk1"/>
+            </a:fontRef>
+          </p:style>
+          <p:txBody>
+            <a:bodyPr rtlCol="0" anchor="ctr"/>
+            <a:lstStyle/>
+            <a:p>
+              <a:pPr algn="ctr"/>
+              <a:endParaRPr lang="en-US" dirty="0"/>
+            </a:p>
+          </p:txBody>
+        </p:sp>
+        <p:sp>
+          <p:nvSpPr>
+            <p:cNvPr id="7" name="Rectangle 6">
+              <a:extLst>
+                <a:ext uri="{FF2B5EF4-FFF2-40B4-BE49-F238E27FC236}">
+                  <a16:creationId xmlns:a16="http://schemas.microsoft.com/office/drawing/2014/main" id="{82A5F7BA-FC39-45F6-AEE7-A94882B49DD7}"/>
+                </a:ext>
+              </a:extLst>
+            </p:cNvPr>
+            <p:cNvSpPr/>
+            <p:nvPr/>
+          </p:nvSpPr>
+          <p:spPr>
+            <a:xfrm>
+              <a:off x="5956176" y="2418469"/>
+              <a:ext cx="4075591" cy="1012055"/>
+            </a:xfrm>
+            <a:prstGeom prst="rect">
+              <a:avLst/>
+            </a:prstGeom>
+          </p:spPr>
+          <p:style>
+            <a:lnRef idx="1">
+              <a:schemeClr val="accent1"/>
+            </a:lnRef>
+            <a:fillRef idx="2">
+              <a:schemeClr val="accent1"/>
+            </a:fillRef>
+            <a:effectRef idx="1">
+              <a:schemeClr val="accent1"/>
+            </a:effectRef>
+            <a:fontRef idx="minor">
+              <a:schemeClr val="dk1"/>
+            </a:fontRef>
+          </p:style>
+          <p:txBody>
+            <a:bodyPr rtlCol="0" anchor="ctr"/>
+            <a:lstStyle/>
+            <a:p>
+              <a:pPr algn="ctr"/>
+              <a:endParaRPr lang="en-US"/>
+            </a:p>
+          </p:txBody>
+        </p:sp>
+        <p:sp>
+          <p:nvSpPr>
+            <p:cNvPr id="8" name="Rectangle 7">
+              <a:extLst>
+                <a:ext uri="{FF2B5EF4-FFF2-40B4-BE49-F238E27FC236}">
+                  <a16:creationId xmlns:a16="http://schemas.microsoft.com/office/drawing/2014/main" id="{D11C6EAA-455C-4E3C-ABAD-FCBA70C8DA10}"/>
+                </a:ext>
+              </a:extLst>
+            </p:cNvPr>
+            <p:cNvSpPr/>
+            <p:nvPr/>
+          </p:nvSpPr>
+          <p:spPr>
+            <a:xfrm>
+              <a:off x="6149266" y="2569389"/>
+              <a:ext cx="1775534" cy="710214"/>
+            </a:xfrm>
+            <a:prstGeom prst="rect">
+              <a:avLst/>
+            </a:prstGeom>
+          </p:spPr>
+          <p:style>
+            <a:lnRef idx="2">
+              <a:schemeClr val="accent1">
+                <a:shade val="50000"/>
+              </a:schemeClr>
+            </a:lnRef>
+            <a:fillRef idx="1">
+              <a:schemeClr val="accent1"/>
+            </a:fillRef>
+            <a:effectRef idx="0">
+              <a:schemeClr val="accent1"/>
+            </a:effectRef>
+            <a:fontRef idx="minor">
+              <a:schemeClr val="lt1"/>
+            </a:fontRef>
+          </p:style>
+          <p:txBody>
+            <a:bodyPr rtlCol="0" anchor="ctr"/>
+            <a:lstStyle/>
+            <a:p>
+              <a:pPr algn="ctr"/>
+              <a:endParaRPr lang="en-US"/>
+            </a:p>
+          </p:txBody>
+        </p:sp>
+        <p:sp>
+          <p:nvSpPr>
+            <p:cNvPr id="9" name="Rectangle 8">
+              <a:extLst>
+                <a:ext uri="{FF2B5EF4-FFF2-40B4-BE49-F238E27FC236}">
+                  <a16:creationId xmlns:a16="http://schemas.microsoft.com/office/drawing/2014/main" id="{77263497-9374-445A-9EF0-AEC93CDF9DB8}"/>
+                </a:ext>
+              </a:extLst>
+            </p:cNvPr>
+            <p:cNvSpPr/>
+            <p:nvPr/>
+          </p:nvSpPr>
+          <p:spPr>
+            <a:xfrm>
+              <a:off x="8135645" y="2569389"/>
+              <a:ext cx="1775534" cy="710214"/>
+            </a:xfrm>
+            <a:prstGeom prst="rect">
+              <a:avLst/>
+            </a:prstGeom>
+          </p:spPr>
+          <p:style>
+            <a:lnRef idx="2">
+              <a:schemeClr val="accent1">
+                <a:shade val="50000"/>
+              </a:schemeClr>
+            </a:lnRef>
+            <a:fillRef idx="1">
+              <a:schemeClr val="accent1"/>
+            </a:fillRef>
+            <a:effectRef idx="0">
+              <a:schemeClr val="accent1"/>
+            </a:effectRef>
+            <a:fontRef idx="minor">
+              <a:schemeClr val="lt1"/>
+            </a:fontRef>
+          </p:style>
+          <p:txBody>
+            <a:bodyPr rtlCol="0" anchor="ctr"/>
+            <a:lstStyle/>
+            <a:p>
+              <a:pPr algn="ctr"/>
+              <a:endParaRPr lang="en-US"/>
+            </a:p>
+          </p:txBody>
+        </p:sp>
+        <p:sp>
+          <p:nvSpPr>
+            <p:cNvPr id="10" name="TextBox 9">
+              <a:extLst>
+                <a:ext uri="{FF2B5EF4-FFF2-40B4-BE49-F238E27FC236}">
+                  <a16:creationId xmlns:a16="http://schemas.microsoft.com/office/drawing/2014/main" id="{527F79EE-07C5-474D-B1A6-C9605593C995}"/>
+                </a:ext>
+              </a:extLst>
+            </p:cNvPr>
+            <p:cNvSpPr txBox="1"/>
+            <p:nvPr/>
+          </p:nvSpPr>
+          <p:spPr>
+            <a:xfrm>
+              <a:off x="3471004" y="2615515"/>
+              <a:ext cx="1974130" cy="646331"/>
+            </a:xfrm>
+            <a:prstGeom prst="rect">
+              <a:avLst/>
+            </a:prstGeom>
+            <a:noFill/>
+          </p:spPr>
+          <p:txBody>
+            <a:bodyPr wrap="none" rtlCol="0">
+              <a:spAutoFit/>
+            </a:bodyPr>
+            <a:lstStyle/>
+            <a:p>
+              <a:pPr algn="ctr"/>
+              <a:r>
+                <a:rPr lang="en-US" dirty="0"/>
+                <a:t>Photon Generation</a:t>
+              </a:r>
+              <a:br>
+                <a:rPr lang="en-US" dirty="0"/>
+              </a:br>
+              <a:r>
+                <a:rPr lang="en-US" dirty="0"/>
+                <a:t> and Traversal</a:t>
+              </a:r>
+            </a:p>
+          </p:txBody>
+        </p:sp>
+        <p:sp>
+          <p:nvSpPr>
+            <p:cNvPr id="11" name="TextBox 10">
+              <a:extLst>
+                <a:ext uri="{FF2B5EF4-FFF2-40B4-BE49-F238E27FC236}">
+                  <a16:creationId xmlns:a16="http://schemas.microsoft.com/office/drawing/2014/main" id="{F000DF1E-8DBD-4C5C-876E-F10967030F1F}"/>
+                </a:ext>
+              </a:extLst>
+            </p:cNvPr>
+            <p:cNvSpPr txBox="1"/>
+            <p:nvPr/>
+          </p:nvSpPr>
+          <p:spPr>
+            <a:xfrm>
+              <a:off x="6183978" y="2706086"/>
+              <a:ext cx="1706109" cy="369332"/>
+            </a:xfrm>
+            <a:prstGeom prst="rect">
+              <a:avLst/>
+            </a:prstGeom>
+            <a:noFill/>
+          </p:spPr>
+          <p:txBody>
+            <a:bodyPr wrap="none" rtlCol="0">
+              <a:spAutoFit/>
+            </a:bodyPr>
+            <a:lstStyle/>
+            <a:p>
+              <a:pPr algn="ctr"/>
+              <a:r>
+                <a:rPr lang="en-US" dirty="0"/>
+                <a:t>Screen Mapping</a:t>
+              </a:r>
+            </a:p>
+          </p:txBody>
+        </p:sp>
+        <p:sp>
+          <p:nvSpPr>
+            <p:cNvPr id="12" name="TextBox 11">
+              <a:extLst>
+                <a:ext uri="{FF2B5EF4-FFF2-40B4-BE49-F238E27FC236}">
+                  <a16:creationId xmlns:a16="http://schemas.microsoft.com/office/drawing/2014/main" id="{7DCC89AA-D51A-49E2-94AE-39FC61539A5B}"/>
+                </a:ext>
+              </a:extLst>
+            </p:cNvPr>
+            <p:cNvSpPr txBox="1"/>
+            <p:nvPr/>
+          </p:nvSpPr>
+          <p:spPr>
+            <a:xfrm>
+              <a:off x="8358261" y="2706086"/>
+              <a:ext cx="1330301" cy="369332"/>
+            </a:xfrm>
+            <a:prstGeom prst="rect">
+              <a:avLst/>
+            </a:prstGeom>
+            <a:noFill/>
+          </p:spPr>
+          <p:txBody>
+            <a:bodyPr wrap="none" rtlCol="0">
+              <a:spAutoFit/>
+            </a:bodyPr>
+            <a:lstStyle/>
+            <a:p>
+              <a:pPr algn="ctr"/>
+              <a:r>
+                <a:rPr lang="en-US" dirty="0"/>
+                <a:t>Final Gather</a:t>
+              </a:r>
+            </a:p>
+          </p:txBody>
+        </p:sp>
+        <p:sp>
+          <p:nvSpPr>
+            <p:cNvPr id="16" name="TextBox 15">
+              <a:extLst>
+                <a:ext uri="{FF2B5EF4-FFF2-40B4-BE49-F238E27FC236}">
+                  <a16:creationId xmlns:a16="http://schemas.microsoft.com/office/drawing/2014/main" id="{7D024A4D-EB40-437A-A95D-73C66EC9B5A3}"/>
+                </a:ext>
+              </a:extLst>
+            </p:cNvPr>
+            <p:cNvSpPr txBox="1"/>
+            <p:nvPr/>
+          </p:nvSpPr>
+          <p:spPr>
+            <a:xfrm>
+              <a:off x="1342951" y="4407282"/>
+              <a:ext cx="1382493" cy="646331"/>
+            </a:xfrm>
+            <a:prstGeom prst="rect">
+              <a:avLst/>
+            </a:prstGeom>
+            <a:noFill/>
+          </p:spPr>
+          <p:txBody>
+            <a:bodyPr wrap="none" rtlCol="0">
+              <a:spAutoFit/>
+            </a:bodyPr>
+            <a:lstStyle/>
+            <a:p>
+              <a:pPr algn="ctr"/>
+              <a:r>
+                <a:rPr lang="en-US" dirty="0">
+                  <a:solidFill>
+                    <a:schemeClr val="bg1"/>
+                  </a:solidFill>
+                </a:rPr>
+                <a:t>Ray Dispatch</a:t>
+              </a:r>
+              <a:br>
+                <a:rPr lang="en-US" dirty="0">
+                  <a:solidFill>
+                    <a:schemeClr val="bg1"/>
+                  </a:solidFill>
+                </a:rPr>
+              </a:br>
+              <a:r>
+                <a:rPr lang="en-US" dirty="0">
+                  <a:solidFill>
+                    <a:schemeClr val="bg1"/>
+                  </a:solidFill>
+                </a:rPr>
+                <a:t> Parameters</a:t>
+              </a:r>
+            </a:p>
+          </p:txBody>
+        </p:sp>
+        <p:grpSp>
+          <p:nvGrpSpPr>
+            <p:cNvPr id="51" name="Group 50">
+              <a:extLst>
+                <a:ext uri="{FF2B5EF4-FFF2-40B4-BE49-F238E27FC236}">
+                  <a16:creationId xmlns:a16="http://schemas.microsoft.com/office/drawing/2014/main" id="{F6ED9F50-CA19-426B-884B-99B7C0DB4E3D}"/>
+                </a:ext>
+              </a:extLst>
+            </p:cNvPr>
+            <p:cNvGrpSpPr/>
+            <p:nvPr/>
+          </p:nvGrpSpPr>
+          <p:grpSpPr>
+            <a:xfrm>
+              <a:off x="3530382" y="4082069"/>
+              <a:ext cx="1748772" cy="1262289"/>
+              <a:chOff x="2660371" y="2457455"/>
+              <a:chExt cx="1748772" cy="1262289"/>
+            </a:xfrm>
+          </p:grpSpPr>
+          <p:sp>
+            <p:nvSpPr>
+              <p:cNvPr id="45" name="Rectangle 44">
+                <a:extLst>
+                  <a:ext uri="{FF2B5EF4-FFF2-40B4-BE49-F238E27FC236}">
+                    <a16:creationId xmlns:a16="http://schemas.microsoft.com/office/drawing/2014/main" id="{805E7D3D-81C4-4A2B-819D-574FEB4F0DE1}"/>
+                  </a:ext>
+                </a:extLst>
+              </p:cNvPr>
+              <p:cNvSpPr/>
+              <p:nvPr/>
+            </p:nvSpPr>
+            <p:spPr>
+              <a:xfrm>
+                <a:off x="2660371" y="2457455"/>
+                <a:ext cx="1671963" cy="1262289"/>
+              </a:xfrm>
+              <a:prstGeom prst="rect">
+                <a:avLst/>
+              </a:prstGeom>
+            </p:spPr>
+            <p:style>
+              <a:lnRef idx="2">
+                <a:schemeClr val="accent1">
+                  <a:shade val="50000"/>
+                </a:schemeClr>
+              </a:lnRef>
+              <a:fillRef idx="1">
+                <a:schemeClr val="accent1"/>
+              </a:fillRef>
+              <a:effectRef idx="0">
+                <a:schemeClr val="accent1"/>
+              </a:effectRef>
+              <a:fontRef idx="minor">
+                <a:schemeClr val="lt1"/>
+              </a:fontRef>
+            </p:style>
+            <p:txBody>
+              <a:bodyPr rtlCol="0" anchor="ctr"/>
+              <a:lstStyle/>
+              <a:p>
+                <a:pPr algn="ctr"/>
+                <a:endParaRPr lang="en-US"/>
+              </a:p>
+            </p:txBody>
+          </p:sp>
+          <p:sp>
+            <p:nvSpPr>
+              <p:cNvPr id="46" name="TextBox 45">
+                <a:extLst>
+                  <a:ext uri="{FF2B5EF4-FFF2-40B4-BE49-F238E27FC236}">
+                    <a16:creationId xmlns:a16="http://schemas.microsoft.com/office/drawing/2014/main" id="{A88792EF-768E-4129-B663-09223EFBCB1D}"/>
+                  </a:ext>
+                </a:extLst>
+              </p:cNvPr>
+              <p:cNvSpPr txBox="1"/>
+              <p:nvPr/>
+            </p:nvSpPr>
+            <p:spPr>
+              <a:xfrm>
+                <a:off x="2700835" y="2457455"/>
+                <a:ext cx="1708308" cy="523220"/>
+              </a:xfrm>
+              <a:prstGeom prst="rect">
+                <a:avLst/>
+              </a:prstGeom>
+              <a:noFill/>
+            </p:spPr>
+            <p:txBody>
+              <a:bodyPr wrap="square" rtlCol="0">
+                <a:spAutoFit/>
+              </a:bodyPr>
+              <a:lstStyle/>
+              <a:p>
+                <a:pPr algn="ctr"/>
+                <a:r>
+                  <a:rPr lang="en-US" sz="1400" b="1" dirty="0"/>
+                  <a:t>Width</a:t>
+                </a:r>
+                <a:r>
+                  <a:rPr lang="en-US" sz="1400" dirty="0"/>
+                  <a:t> : sqrt(numPhotons)</a:t>
+                </a:r>
+              </a:p>
+            </p:txBody>
+          </p:sp>
+          <p:sp>
+            <p:nvSpPr>
+              <p:cNvPr id="49" name="TextBox 48">
+                <a:extLst>
+                  <a:ext uri="{FF2B5EF4-FFF2-40B4-BE49-F238E27FC236}">
+                    <a16:creationId xmlns:a16="http://schemas.microsoft.com/office/drawing/2014/main" id="{354A2C09-918E-45DA-8A3B-1AD0A4FED8FF}"/>
+                  </a:ext>
+                </a:extLst>
+              </p:cNvPr>
+              <p:cNvSpPr txBox="1"/>
+              <p:nvPr/>
+            </p:nvSpPr>
+            <p:spPr>
+              <a:xfrm>
+                <a:off x="2684494" y="2883471"/>
+                <a:ext cx="1708308" cy="523220"/>
+              </a:xfrm>
+              <a:prstGeom prst="rect">
+                <a:avLst/>
+              </a:prstGeom>
+              <a:noFill/>
+            </p:spPr>
+            <p:txBody>
+              <a:bodyPr wrap="square" rtlCol="0">
+                <a:spAutoFit/>
+              </a:bodyPr>
+              <a:lstStyle/>
+              <a:p>
+                <a:pPr algn="ctr"/>
+                <a:r>
+                  <a:rPr lang="en-US" sz="1400" b="1" dirty="0"/>
+                  <a:t>Height</a:t>
+                </a:r>
+                <a:r>
+                  <a:rPr lang="en-US" sz="1400" dirty="0"/>
+                  <a:t> : sqrt(numPhotons)</a:t>
+                </a:r>
+              </a:p>
+            </p:txBody>
+          </p:sp>
+          <p:sp>
+            <p:nvSpPr>
+              <p:cNvPr id="50" name="TextBox 49">
+                <a:extLst>
+                  <a:ext uri="{FF2B5EF4-FFF2-40B4-BE49-F238E27FC236}">
+                    <a16:creationId xmlns:a16="http://schemas.microsoft.com/office/drawing/2014/main" id="{70393A1C-8D95-4E0C-9274-2DE1D7A7E8AD}"/>
+                  </a:ext>
+                </a:extLst>
+              </p:cNvPr>
+              <p:cNvSpPr txBox="1"/>
+              <p:nvPr/>
+            </p:nvSpPr>
+            <p:spPr>
+              <a:xfrm>
+                <a:off x="2676712" y="3344424"/>
+                <a:ext cx="1708308" cy="307777"/>
+              </a:xfrm>
+              <a:prstGeom prst="rect">
+                <a:avLst/>
+              </a:prstGeom>
+              <a:noFill/>
+            </p:spPr>
+            <p:txBody>
+              <a:bodyPr wrap="square" rtlCol="0">
+                <a:spAutoFit/>
+              </a:bodyPr>
+              <a:lstStyle/>
+              <a:p>
+                <a:pPr algn="ctr"/>
+                <a:r>
+                  <a:rPr lang="en-US" sz="1400" b="1" dirty="0"/>
+                  <a:t>Depth</a:t>
+                </a:r>
+                <a:r>
+                  <a:rPr lang="en-US" sz="1400" dirty="0"/>
+                  <a:t> : MaxBounces</a:t>
+                </a:r>
+              </a:p>
+            </p:txBody>
+          </p:sp>
+        </p:grpSp>
+        <p:grpSp>
+          <p:nvGrpSpPr>
+            <p:cNvPr id="62" name="Group 61">
+              <a:extLst>
+                <a:ext uri="{FF2B5EF4-FFF2-40B4-BE49-F238E27FC236}">
+                  <a16:creationId xmlns:a16="http://schemas.microsoft.com/office/drawing/2014/main" id="{265EAACB-6FE3-48F0-88E8-F9BD16A77559}"/>
+                </a:ext>
+              </a:extLst>
+            </p:cNvPr>
+            <p:cNvGrpSpPr/>
+            <p:nvPr/>
+          </p:nvGrpSpPr>
+          <p:grpSpPr>
+            <a:xfrm>
+              <a:off x="6091624" y="4076490"/>
+              <a:ext cx="1748772" cy="1262289"/>
+              <a:chOff x="2660371" y="2457455"/>
+              <a:chExt cx="1748772" cy="1262289"/>
+            </a:xfrm>
+          </p:grpSpPr>
+          <p:sp>
+            <p:nvSpPr>
+              <p:cNvPr id="63" name="Rectangle 62">
+                <a:extLst>
+                  <a:ext uri="{FF2B5EF4-FFF2-40B4-BE49-F238E27FC236}">
+                    <a16:creationId xmlns:a16="http://schemas.microsoft.com/office/drawing/2014/main" id="{B4E371EF-E122-46EC-9082-F56CAB653179}"/>
+                  </a:ext>
+                </a:extLst>
+              </p:cNvPr>
+              <p:cNvSpPr/>
+              <p:nvPr/>
+            </p:nvSpPr>
+            <p:spPr>
+              <a:xfrm>
+                <a:off x="2660371" y="2457455"/>
+                <a:ext cx="1671963" cy="1262289"/>
+              </a:xfrm>
+              <a:prstGeom prst="rect">
+                <a:avLst/>
+              </a:prstGeom>
+            </p:spPr>
+            <p:style>
+              <a:lnRef idx="2">
+                <a:schemeClr val="accent1">
+                  <a:shade val="50000"/>
+                </a:schemeClr>
+              </a:lnRef>
+              <a:fillRef idx="1">
+                <a:schemeClr val="accent1"/>
+              </a:fillRef>
+              <a:effectRef idx="0">
+                <a:schemeClr val="accent1"/>
+              </a:effectRef>
+              <a:fontRef idx="minor">
+                <a:schemeClr val="lt1"/>
+              </a:fontRef>
+            </p:style>
+            <p:txBody>
+              <a:bodyPr rtlCol="0" anchor="ctr"/>
+              <a:lstStyle/>
+              <a:p>
+                <a:pPr algn="ctr"/>
+                <a:endParaRPr lang="en-US"/>
+              </a:p>
+            </p:txBody>
+          </p:sp>
+          <p:sp>
+            <p:nvSpPr>
+              <p:cNvPr id="64" name="TextBox 63">
+                <a:extLst>
+                  <a:ext uri="{FF2B5EF4-FFF2-40B4-BE49-F238E27FC236}">
+                    <a16:creationId xmlns:a16="http://schemas.microsoft.com/office/drawing/2014/main" id="{A1B7F314-1166-4012-ADF7-121773AED4AF}"/>
+                  </a:ext>
+                </a:extLst>
+              </p:cNvPr>
+              <p:cNvSpPr txBox="1"/>
+              <p:nvPr/>
+            </p:nvSpPr>
+            <p:spPr>
+              <a:xfrm>
+                <a:off x="2700835" y="2457455"/>
+                <a:ext cx="1708308" cy="523220"/>
+              </a:xfrm>
+              <a:prstGeom prst="rect">
+                <a:avLst/>
+              </a:prstGeom>
+              <a:noFill/>
+            </p:spPr>
+            <p:txBody>
+              <a:bodyPr wrap="square" rtlCol="0">
+                <a:spAutoFit/>
+              </a:bodyPr>
+              <a:lstStyle/>
+              <a:p>
+                <a:pPr algn="ctr"/>
+                <a:r>
+                  <a:rPr lang="en-US" sz="1400" b="1" dirty="0"/>
+                  <a:t>Width</a:t>
+                </a:r>
+                <a:r>
+                  <a:rPr lang="en-US" sz="1400" dirty="0"/>
+                  <a:t> : sqrt(numPhotons)</a:t>
+                </a:r>
+              </a:p>
+            </p:txBody>
+          </p:sp>
+          <p:sp>
+            <p:nvSpPr>
+              <p:cNvPr id="65" name="TextBox 64">
+                <a:extLst>
+                  <a:ext uri="{FF2B5EF4-FFF2-40B4-BE49-F238E27FC236}">
+                    <a16:creationId xmlns:a16="http://schemas.microsoft.com/office/drawing/2014/main" id="{E50D52A9-4D62-4B0E-B4A8-FB9430D38E7D}"/>
+                  </a:ext>
+                </a:extLst>
+              </p:cNvPr>
+              <p:cNvSpPr txBox="1"/>
+              <p:nvPr/>
+            </p:nvSpPr>
+            <p:spPr>
+              <a:xfrm>
+                <a:off x="2684494" y="2883471"/>
+                <a:ext cx="1708308" cy="523220"/>
+              </a:xfrm>
+              <a:prstGeom prst="rect">
+                <a:avLst/>
+              </a:prstGeom>
+              <a:noFill/>
+            </p:spPr>
+            <p:txBody>
+              <a:bodyPr wrap="square" rtlCol="0">
+                <a:spAutoFit/>
+              </a:bodyPr>
+              <a:lstStyle/>
+              <a:p>
+                <a:pPr algn="ctr"/>
+                <a:r>
+                  <a:rPr lang="en-US" sz="1400" b="1" dirty="0"/>
+                  <a:t>Height</a:t>
+                </a:r>
+                <a:r>
+                  <a:rPr lang="en-US" sz="1400" dirty="0"/>
+                  <a:t> : sqrt(numPhotons)</a:t>
+                </a:r>
+              </a:p>
+            </p:txBody>
+          </p:sp>
+          <p:sp>
+            <p:nvSpPr>
+              <p:cNvPr id="66" name="TextBox 65">
+                <a:extLst>
+                  <a:ext uri="{FF2B5EF4-FFF2-40B4-BE49-F238E27FC236}">
+                    <a16:creationId xmlns:a16="http://schemas.microsoft.com/office/drawing/2014/main" id="{6AC16830-698B-4F44-B6CA-5EB0DC39F43F}"/>
+                  </a:ext>
+                </a:extLst>
+              </p:cNvPr>
+              <p:cNvSpPr txBox="1"/>
+              <p:nvPr/>
+            </p:nvSpPr>
+            <p:spPr>
+              <a:xfrm>
+                <a:off x="2676712" y="3344424"/>
+                <a:ext cx="1708308" cy="307777"/>
+              </a:xfrm>
+              <a:prstGeom prst="rect">
+                <a:avLst/>
+              </a:prstGeom>
+              <a:noFill/>
+            </p:spPr>
+            <p:txBody>
+              <a:bodyPr wrap="square" rtlCol="0">
+                <a:spAutoFit/>
+              </a:bodyPr>
+              <a:lstStyle/>
+              <a:p>
+                <a:pPr algn="ctr"/>
+                <a:r>
+                  <a:rPr lang="en-US" sz="1400" b="1" dirty="0"/>
+                  <a:t>Depth</a:t>
+                </a:r>
+                <a:r>
+                  <a:rPr lang="en-US" sz="1400" dirty="0"/>
+                  <a:t> : MaxBounces</a:t>
+                </a:r>
+              </a:p>
+            </p:txBody>
+          </p:sp>
+        </p:grpSp>
+        <p:grpSp>
+          <p:nvGrpSpPr>
+            <p:cNvPr id="67" name="Group 66">
+              <a:extLst>
+                <a:ext uri="{FF2B5EF4-FFF2-40B4-BE49-F238E27FC236}">
+                  <a16:creationId xmlns:a16="http://schemas.microsoft.com/office/drawing/2014/main" id="{42C5AFB2-7C6F-4D0A-9AF3-377125D4455C}"/>
+                </a:ext>
+              </a:extLst>
+            </p:cNvPr>
+            <p:cNvGrpSpPr/>
+            <p:nvPr/>
+          </p:nvGrpSpPr>
+          <p:grpSpPr>
+            <a:xfrm>
+              <a:off x="8029353" y="4099302"/>
+              <a:ext cx="1838287" cy="1262289"/>
+              <a:chOff x="2611721" y="2457455"/>
+              <a:chExt cx="1838287" cy="1262289"/>
+            </a:xfrm>
+          </p:grpSpPr>
+          <p:sp>
+            <p:nvSpPr>
+              <p:cNvPr id="68" name="Rectangle 67">
+                <a:extLst>
+                  <a:ext uri="{FF2B5EF4-FFF2-40B4-BE49-F238E27FC236}">
+                    <a16:creationId xmlns:a16="http://schemas.microsoft.com/office/drawing/2014/main" id="{7E9FD372-3214-4916-A6EE-887179228AAE}"/>
+                  </a:ext>
+                </a:extLst>
+              </p:cNvPr>
+              <p:cNvSpPr/>
+              <p:nvPr/>
+            </p:nvSpPr>
+            <p:spPr>
+              <a:xfrm>
+                <a:off x="2660371" y="2457455"/>
+                <a:ext cx="1671963" cy="1262289"/>
+              </a:xfrm>
+              <a:prstGeom prst="rect">
+                <a:avLst/>
+              </a:prstGeom>
+            </p:spPr>
+            <p:style>
+              <a:lnRef idx="2">
+                <a:schemeClr val="accent1">
+                  <a:shade val="50000"/>
+                </a:schemeClr>
+              </a:lnRef>
+              <a:fillRef idx="1">
+                <a:schemeClr val="accent1"/>
+              </a:fillRef>
+              <a:effectRef idx="0">
+                <a:schemeClr val="accent1"/>
+              </a:effectRef>
+              <a:fontRef idx="minor">
+                <a:schemeClr val="lt1"/>
+              </a:fontRef>
+            </p:style>
+            <p:txBody>
+              <a:bodyPr rtlCol="0" anchor="ctr"/>
+              <a:lstStyle/>
+              <a:p>
+                <a:pPr algn="ctr"/>
+                <a:endParaRPr lang="en-US"/>
+              </a:p>
+            </p:txBody>
+          </p:sp>
+          <p:sp>
+            <p:nvSpPr>
+              <p:cNvPr id="69" name="TextBox 68">
+                <a:extLst>
+                  <a:ext uri="{FF2B5EF4-FFF2-40B4-BE49-F238E27FC236}">
+                    <a16:creationId xmlns:a16="http://schemas.microsoft.com/office/drawing/2014/main" id="{2C61262B-6017-4515-A45B-650223D7C4F5}"/>
+                  </a:ext>
+                </a:extLst>
+              </p:cNvPr>
+              <p:cNvSpPr txBox="1"/>
+              <p:nvPr/>
+            </p:nvSpPr>
+            <p:spPr>
+              <a:xfrm>
+                <a:off x="2639819" y="2476580"/>
+                <a:ext cx="1708308" cy="307777"/>
+              </a:xfrm>
+              <a:prstGeom prst="rect">
+                <a:avLst/>
+              </a:prstGeom>
+              <a:noFill/>
+            </p:spPr>
+            <p:txBody>
+              <a:bodyPr wrap="square" rtlCol="0">
+                <a:spAutoFit/>
+              </a:bodyPr>
+              <a:lstStyle/>
+              <a:p>
+                <a:r>
+                  <a:rPr lang="en-US" sz="1400" b="1" dirty="0"/>
+                  <a:t>Width</a:t>
+                </a:r>
+                <a:r>
+                  <a:rPr lang="en-US" sz="1400" dirty="0"/>
+                  <a:t> : ScreenWidth</a:t>
+                </a:r>
+              </a:p>
+            </p:txBody>
+          </p:sp>
+          <p:sp>
+            <p:nvSpPr>
+              <p:cNvPr id="70" name="TextBox 69">
+                <a:extLst>
+                  <a:ext uri="{FF2B5EF4-FFF2-40B4-BE49-F238E27FC236}">
+                    <a16:creationId xmlns:a16="http://schemas.microsoft.com/office/drawing/2014/main" id="{0BFD17F3-3E28-4DBF-8082-091F07ABFBE3}"/>
+                  </a:ext>
+                </a:extLst>
+              </p:cNvPr>
+              <p:cNvSpPr txBox="1"/>
+              <p:nvPr/>
+            </p:nvSpPr>
+            <p:spPr>
+              <a:xfrm>
+                <a:off x="2611721" y="2875695"/>
+                <a:ext cx="1838287" cy="307777"/>
+              </a:xfrm>
+              <a:prstGeom prst="rect">
+                <a:avLst/>
+              </a:prstGeom>
+              <a:noFill/>
+            </p:spPr>
+            <p:txBody>
+              <a:bodyPr wrap="square" rtlCol="0">
+                <a:spAutoFit/>
+              </a:bodyPr>
+              <a:lstStyle/>
+              <a:p>
+                <a:r>
+                  <a:rPr lang="en-US" sz="1400" b="1" dirty="0"/>
+                  <a:t>Height</a:t>
+                </a:r>
+                <a:r>
+                  <a:rPr lang="en-US" sz="1400" dirty="0"/>
+                  <a:t> : ScreenHeight</a:t>
+                </a:r>
+              </a:p>
+            </p:txBody>
+          </p:sp>
+          <p:sp>
+            <p:nvSpPr>
+              <p:cNvPr id="71" name="TextBox 70">
+                <a:extLst>
+                  <a:ext uri="{FF2B5EF4-FFF2-40B4-BE49-F238E27FC236}">
+                    <a16:creationId xmlns:a16="http://schemas.microsoft.com/office/drawing/2014/main" id="{57E33C97-6F07-4AA6-8769-4E491ED9116F}"/>
+                  </a:ext>
+                </a:extLst>
+              </p:cNvPr>
+              <p:cNvSpPr txBox="1"/>
+              <p:nvPr/>
+            </p:nvSpPr>
+            <p:spPr>
+              <a:xfrm>
+                <a:off x="2694450" y="3253203"/>
+                <a:ext cx="1708308" cy="307777"/>
+              </a:xfrm>
+              <a:prstGeom prst="rect">
+                <a:avLst/>
+              </a:prstGeom>
+              <a:noFill/>
+            </p:spPr>
+            <p:txBody>
+              <a:bodyPr wrap="square" rtlCol="0">
+                <a:spAutoFit/>
+              </a:bodyPr>
+              <a:lstStyle/>
+              <a:p>
+                <a:pPr algn="ctr"/>
+                <a:r>
+                  <a:rPr lang="en-US" sz="1400" b="1" dirty="0"/>
+                  <a:t>Depth</a:t>
+                </a:r>
+                <a:r>
+                  <a:rPr lang="en-US" sz="1400" dirty="0"/>
+                  <a:t> : 1</a:t>
+                </a:r>
+              </a:p>
+            </p:txBody>
+          </p:sp>
+        </p:grpSp>
+        <p:sp>
+          <p:nvSpPr>
+            <p:cNvPr id="77" name="TextBox 76">
+              <a:extLst>
+                <a:ext uri="{FF2B5EF4-FFF2-40B4-BE49-F238E27FC236}">
+                  <a16:creationId xmlns:a16="http://schemas.microsoft.com/office/drawing/2014/main" id="{607D87FC-4E76-4676-8002-59FD2C19DB96}"/>
+                </a:ext>
+              </a:extLst>
+            </p:cNvPr>
+            <p:cNvSpPr txBox="1"/>
+            <p:nvPr/>
+          </p:nvSpPr>
+          <p:spPr>
+            <a:xfrm>
+              <a:off x="3650103" y="2072375"/>
+              <a:ext cx="1604928" cy="369332"/>
+            </a:xfrm>
+            <a:prstGeom prst="rect">
+              <a:avLst/>
+            </a:prstGeom>
+            <a:noFill/>
+          </p:spPr>
+          <p:txBody>
+            <a:bodyPr wrap="none" rtlCol="0">
+              <a:spAutoFit/>
+            </a:bodyPr>
+            <a:lstStyle/>
+            <a:p>
+              <a:pPr algn="ctr"/>
+              <a:r>
+                <a:rPr lang="en-US" i="1" dirty="0">
+                  <a:solidFill>
+                    <a:schemeClr val="bg1"/>
+                  </a:solidFill>
+                </a:rPr>
+                <a:t>once per scene</a:t>
+              </a:r>
+            </a:p>
+          </p:txBody>
+        </p:sp>
+        <p:sp>
+          <p:nvSpPr>
+            <p:cNvPr id="78" name="TextBox 77">
+              <a:extLst>
+                <a:ext uri="{FF2B5EF4-FFF2-40B4-BE49-F238E27FC236}">
+                  <a16:creationId xmlns:a16="http://schemas.microsoft.com/office/drawing/2014/main" id="{ED8C8E61-5E37-4FA9-9B8D-44DF2CB82317}"/>
+                </a:ext>
+              </a:extLst>
+            </p:cNvPr>
+            <p:cNvSpPr txBox="1"/>
+            <p:nvPr/>
+          </p:nvSpPr>
+          <p:spPr>
+            <a:xfrm>
+              <a:off x="7319388" y="2049136"/>
+              <a:ext cx="1303306" cy="369332"/>
+            </a:xfrm>
+            <a:prstGeom prst="rect">
+              <a:avLst/>
+            </a:prstGeom>
+            <a:noFill/>
+          </p:spPr>
+          <p:txBody>
+            <a:bodyPr wrap="none" rtlCol="0">
+              <a:spAutoFit/>
+            </a:bodyPr>
+            <a:lstStyle/>
+            <a:p>
+              <a:pPr algn="ctr"/>
+              <a:r>
+                <a:rPr lang="en-US" i="1" dirty="0">
+                  <a:solidFill>
+                    <a:schemeClr val="bg1"/>
+                  </a:solidFill>
+                </a:rPr>
+                <a:t>every frame</a:t>
+              </a:r>
+            </a:p>
+          </p:txBody>
+        </p:sp>
+        <p:sp>
+          <p:nvSpPr>
+            <p:cNvPr id="79" name="TextBox 78">
+              <a:extLst>
+                <a:ext uri="{FF2B5EF4-FFF2-40B4-BE49-F238E27FC236}">
+                  <a16:creationId xmlns:a16="http://schemas.microsoft.com/office/drawing/2014/main" id="{9250683C-A166-429A-9B0A-75F34423C84E}"/>
+                </a:ext>
+              </a:extLst>
+            </p:cNvPr>
+            <p:cNvSpPr txBox="1"/>
+            <p:nvPr/>
+          </p:nvSpPr>
+          <p:spPr>
+            <a:xfrm>
+              <a:off x="4571806" y="1369040"/>
+              <a:ext cx="3224344" cy="369332"/>
+            </a:xfrm>
+            <a:prstGeom prst="rect">
+              <a:avLst/>
+            </a:prstGeom>
+            <a:noFill/>
+          </p:spPr>
+          <p:txBody>
+            <a:bodyPr wrap="none" rtlCol="0">
+              <a:spAutoFit/>
+            </a:bodyPr>
+            <a:lstStyle/>
+            <a:p>
+              <a:r>
+                <a:rPr lang="en-US" b="1" dirty="0">
+                  <a:solidFill>
+                    <a:schemeClr val="bg1"/>
+                  </a:solidFill>
+                </a:rPr>
+                <a:t>Photon Major Iterator Renderer</a:t>
+              </a:r>
+            </a:p>
+          </p:txBody>
+        </p:sp>
+      </p:grpSp>
+    </p:spTree>
+    <p:extLst>
+      <p:ext uri="{BB962C8B-B14F-4D97-AF65-F5344CB8AC3E}">
+        <p14:creationId xmlns:p14="http://schemas.microsoft.com/office/powerpoint/2010/main" val="3622798517"/>
+      </p:ext>
+    </p:extLst>
+  </p:cSld>
+  <p:clrMapOvr>
+    <a:masterClrMapping/>
+  </p:clrMapOvr>
+</p:sld>
+</file>
+
+<file path=ppt/slides/slide6.xml><?xml version="1.0" encoding="utf-8"?>
+<p:sld xmlns:a="http://schemas.openxmlformats.org/drawingml/2006/main" xmlns:r="http://schemas.openxmlformats.org/officeDocument/2006/relationships" xmlns:p="http://schemas.openxmlformats.org/presentationml/2006/main">
+  <p:cSld>
+    <p:spTree>
+      <p:nvGrpSpPr>
+        <p:cNvPr id="1" name=""/>
+        <p:cNvGrpSpPr/>
+        <p:nvPr/>
+      </p:nvGrpSpPr>
+      <p:grpSpPr>
+        <a:xfrm>
+          <a:off x="0" y="0"/>
+          <a:ext cx="0" cy="0"/>
+          <a:chOff x="0" y="0"/>
+          <a:chExt cx="0" cy="0"/>
+        </a:xfrm>
+      </p:grpSpPr>
+      <p:grpSp>
+        <p:nvGrpSpPr>
+          <p:cNvPr id="2" name="Group 1">
+            <a:extLst>
+              <a:ext uri="{FF2B5EF4-FFF2-40B4-BE49-F238E27FC236}">
+                <a16:creationId xmlns:a16="http://schemas.microsoft.com/office/drawing/2014/main" id="{E8046594-70B3-43A9-89FB-234FD11C3780}"/>
+              </a:ext>
+            </a:extLst>
+          </p:cNvPr>
+          <p:cNvGrpSpPr/>
+          <p:nvPr/>
+        </p:nvGrpSpPr>
+        <p:grpSpPr>
+          <a:xfrm>
+            <a:off x="1207362" y="1198486"/>
+            <a:ext cx="9194278" cy="4492102"/>
+            <a:chOff x="1207362" y="1198486"/>
+            <a:chExt cx="9194278" cy="4492102"/>
+          </a:xfrm>
+        </p:grpSpPr>
+        <p:sp>
+          <p:nvSpPr>
+            <p:cNvPr id="4" name="Rectangle 3">
+              <a:extLst>
+                <a:ext uri="{FF2B5EF4-FFF2-40B4-BE49-F238E27FC236}">
+                  <a16:creationId xmlns:a16="http://schemas.microsoft.com/office/drawing/2014/main" id="{1ECD46F7-0F18-453B-ABBE-891E0835635A}"/>
+                </a:ext>
+              </a:extLst>
+            </p:cNvPr>
+            <p:cNvSpPr/>
+            <p:nvPr/>
+          </p:nvSpPr>
+          <p:spPr>
+            <a:xfrm>
+              <a:off x="1207362" y="1198486"/>
+              <a:ext cx="9194278" cy="4492102"/>
+            </a:xfrm>
+            <a:prstGeom prst="rect">
+              <a:avLst/>
+            </a:prstGeom>
+            <a:solidFill>
+              <a:schemeClr val="tx1">
+                <a:lumMod val="75000"/>
+                <a:lumOff val="25000"/>
+              </a:schemeClr>
+            </a:solidFill>
+          </p:spPr>
+          <p:style>
+            <a:lnRef idx="2">
+              <a:schemeClr val="accent3">
+                <a:shade val="50000"/>
+              </a:schemeClr>
+            </a:lnRef>
+            <a:fillRef idx="1">
+              <a:schemeClr val="accent3"/>
+            </a:fillRef>
+            <a:effectRef idx="0">
+              <a:schemeClr val="accent3"/>
+            </a:effectRef>
+            <a:fontRef idx="minor">
+              <a:schemeClr val="lt1"/>
+            </a:fontRef>
+          </p:style>
+          <p:txBody>
+            <a:bodyPr rtlCol="0" anchor="ctr"/>
+            <a:lstStyle/>
+            <a:p>
+              <a:pPr algn="ctr"/>
+              <a:endParaRPr lang="en-US" dirty="0"/>
+            </a:p>
+          </p:txBody>
+        </p:sp>
+        <p:sp>
+          <p:nvSpPr>
+            <p:cNvPr id="5" name="Rectangle 4">
+              <a:extLst>
+                <a:ext uri="{FF2B5EF4-FFF2-40B4-BE49-F238E27FC236}">
+                  <a16:creationId xmlns:a16="http://schemas.microsoft.com/office/drawing/2014/main" id="{94755375-D01E-4405-8426-23B8BA689894}"/>
+                </a:ext>
+              </a:extLst>
+            </p:cNvPr>
+            <p:cNvSpPr/>
+            <p:nvPr/>
+          </p:nvSpPr>
+          <p:spPr>
+            <a:xfrm>
+              <a:off x="2876365" y="1979722"/>
+              <a:ext cx="5983550" cy="1633490"/>
+            </a:xfrm>
+            <a:prstGeom prst="rect">
+              <a:avLst/>
+            </a:prstGeom>
+          </p:spPr>
+          <p:style>
+            <a:lnRef idx="2">
+              <a:schemeClr val="accent1">
+                <a:shade val="50000"/>
+              </a:schemeClr>
+            </a:lnRef>
+            <a:fillRef idx="1">
+              <a:schemeClr val="accent1"/>
+            </a:fillRef>
+            <a:effectRef idx="0">
+              <a:schemeClr val="accent1"/>
+            </a:effectRef>
+            <a:fontRef idx="minor">
+              <a:schemeClr val="lt1"/>
+            </a:fontRef>
+          </p:style>
+          <p:txBody>
+            <a:bodyPr rtlCol="0" anchor="ctr"/>
+            <a:lstStyle/>
+            <a:p>
+              <a:pPr algn="ctr"/>
+              <a:endParaRPr lang="en-US"/>
+            </a:p>
+          </p:txBody>
+        </p:sp>
+        <p:sp>
+          <p:nvSpPr>
+            <p:cNvPr id="6" name="Rectangle 5">
+              <a:extLst>
+                <a:ext uri="{FF2B5EF4-FFF2-40B4-BE49-F238E27FC236}">
+                  <a16:creationId xmlns:a16="http://schemas.microsoft.com/office/drawing/2014/main" id="{70730980-1700-4ACA-B22A-8BA5F35A1B6E}"/>
+                </a:ext>
+              </a:extLst>
+            </p:cNvPr>
+            <p:cNvSpPr/>
+            <p:nvPr/>
+          </p:nvSpPr>
+          <p:spPr>
+            <a:xfrm>
+              <a:off x="3112362" y="2418469"/>
+              <a:ext cx="2691415" cy="1012056"/>
+            </a:xfrm>
+            <a:prstGeom prst="rect">
+              <a:avLst/>
+            </a:prstGeom>
+          </p:spPr>
+          <p:style>
+            <a:lnRef idx="1">
+              <a:schemeClr val="accent1"/>
+            </a:lnRef>
+            <a:fillRef idx="2">
+              <a:schemeClr val="accent1"/>
+            </a:fillRef>
+            <a:effectRef idx="1">
+              <a:schemeClr val="accent1"/>
+            </a:effectRef>
+            <a:fontRef idx="minor">
+              <a:schemeClr val="dk1"/>
+            </a:fontRef>
+          </p:style>
+          <p:txBody>
+            <a:bodyPr rtlCol="0" anchor="ctr"/>
+            <a:lstStyle/>
+            <a:p>
+              <a:pPr algn="ctr"/>
+              <a:endParaRPr lang="en-US" dirty="0"/>
+            </a:p>
+          </p:txBody>
+        </p:sp>
+        <p:sp>
+          <p:nvSpPr>
+            <p:cNvPr id="7" name="Rectangle 6">
+              <a:extLst>
+                <a:ext uri="{FF2B5EF4-FFF2-40B4-BE49-F238E27FC236}">
+                  <a16:creationId xmlns:a16="http://schemas.microsoft.com/office/drawing/2014/main" id="{82A5F7BA-FC39-45F6-AEE7-A94882B49DD7}"/>
+                </a:ext>
+              </a:extLst>
+            </p:cNvPr>
+            <p:cNvSpPr/>
+            <p:nvPr/>
+          </p:nvSpPr>
+          <p:spPr>
+            <a:xfrm>
+              <a:off x="5956177" y="2418469"/>
+              <a:ext cx="2691416" cy="1012055"/>
+            </a:xfrm>
+            <a:prstGeom prst="rect">
+              <a:avLst/>
+            </a:prstGeom>
+          </p:spPr>
+          <p:style>
+            <a:lnRef idx="1">
+              <a:schemeClr val="accent1"/>
+            </a:lnRef>
+            <a:fillRef idx="2">
+              <a:schemeClr val="accent1"/>
+            </a:fillRef>
+            <a:effectRef idx="1">
+              <a:schemeClr val="accent1"/>
+            </a:effectRef>
+            <a:fontRef idx="minor">
+              <a:schemeClr val="dk1"/>
+            </a:fontRef>
+          </p:style>
+          <p:txBody>
+            <a:bodyPr rtlCol="0" anchor="ctr"/>
+            <a:lstStyle/>
+            <a:p>
+              <a:pPr algn="ctr"/>
+              <a:endParaRPr lang="en-US"/>
+            </a:p>
+          </p:txBody>
+        </p:sp>
+        <p:sp>
+          <p:nvSpPr>
+            <p:cNvPr id="10" name="TextBox 9">
+              <a:extLst>
+                <a:ext uri="{FF2B5EF4-FFF2-40B4-BE49-F238E27FC236}">
+                  <a16:creationId xmlns:a16="http://schemas.microsoft.com/office/drawing/2014/main" id="{527F79EE-07C5-474D-B1A6-C9605593C995}"/>
+                </a:ext>
+              </a:extLst>
+            </p:cNvPr>
+            <p:cNvSpPr txBox="1"/>
+            <p:nvPr/>
+          </p:nvSpPr>
+          <p:spPr>
+            <a:xfrm>
+              <a:off x="3471004" y="2615515"/>
+              <a:ext cx="1974130" cy="646331"/>
+            </a:xfrm>
+            <a:prstGeom prst="rect">
+              <a:avLst/>
+            </a:prstGeom>
+            <a:noFill/>
+          </p:spPr>
+          <p:txBody>
+            <a:bodyPr wrap="none" rtlCol="0">
+              <a:spAutoFit/>
+            </a:bodyPr>
+            <a:lstStyle/>
+            <a:p>
+              <a:pPr algn="ctr"/>
+              <a:r>
+                <a:rPr lang="en-US" dirty="0"/>
+                <a:t>Photon Generation</a:t>
+              </a:r>
+              <a:br>
+                <a:rPr lang="en-US" dirty="0"/>
+              </a:br>
+              <a:r>
+                <a:rPr lang="en-US" dirty="0"/>
+                <a:t> and Traversal</a:t>
+              </a:r>
+            </a:p>
+          </p:txBody>
+        </p:sp>
+        <p:sp>
+          <p:nvSpPr>
+            <p:cNvPr id="12" name="TextBox 11">
+              <a:extLst>
+                <a:ext uri="{FF2B5EF4-FFF2-40B4-BE49-F238E27FC236}">
+                  <a16:creationId xmlns:a16="http://schemas.microsoft.com/office/drawing/2014/main" id="{7DCC89AA-D51A-49E2-94AE-39FC61539A5B}"/>
+                </a:ext>
+              </a:extLst>
+            </p:cNvPr>
+            <p:cNvSpPr txBox="1"/>
+            <p:nvPr/>
+          </p:nvSpPr>
+          <p:spPr>
+            <a:xfrm>
+              <a:off x="6515499" y="2739830"/>
+              <a:ext cx="1330301" cy="369332"/>
+            </a:xfrm>
+            <a:prstGeom prst="rect">
+              <a:avLst/>
+            </a:prstGeom>
+            <a:noFill/>
+          </p:spPr>
+          <p:txBody>
+            <a:bodyPr wrap="none" rtlCol="0">
+              <a:spAutoFit/>
+            </a:bodyPr>
+            <a:lstStyle/>
+            <a:p>
+              <a:pPr algn="ctr"/>
+              <a:r>
+                <a:rPr lang="en-US" dirty="0"/>
+                <a:t>Final Gather</a:t>
+              </a:r>
+            </a:p>
+          </p:txBody>
+        </p:sp>
+        <p:sp>
+          <p:nvSpPr>
+            <p:cNvPr id="16" name="TextBox 15">
+              <a:extLst>
+                <a:ext uri="{FF2B5EF4-FFF2-40B4-BE49-F238E27FC236}">
+                  <a16:creationId xmlns:a16="http://schemas.microsoft.com/office/drawing/2014/main" id="{7D024A4D-EB40-437A-A95D-73C66EC9B5A3}"/>
+                </a:ext>
+              </a:extLst>
+            </p:cNvPr>
+            <p:cNvSpPr txBox="1"/>
+            <p:nvPr/>
+          </p:nvSpPr>
+          <p:spPr>
+            <a:xfrm>
+              <a:off x="1342951" y="4407282"/>
+              <a:ext cx="1382493" cy="646331"/>
+            </a:xfrm>
+            <a:prstGeom prst="rect">
+              <a:avLst/>
+            </a:prstGeom>
+            <a:noFill/>
+          </p:spPr>
+          <p:txBody>
+            <a:bodyPr wrap="none" rtlCol="0">
+              <a:spAutoFit/>
+            </a:bodyPr>
+            <a:lstStyle/>
+            <a:p>
+              <a:pPr algn="ctr"/>
+              <a:r>
+                <a:rPr lang="en-US" dirty="0">
+                  <a:solidFill>
+                    <a:schemeClr val="bg1"/>
+                  </a:solidFill>
+                </a:rPr>
+                <a:t>Ray Dispatch</a:t>
+              </a:r>
+              <a:br>
+                <a:rPr lang="en-US" dirty="0">
+                  <a:solidFill>
+                    <a:schemeClr val="bg1"/>
+                  </a:solidFill>
+                </a:rPr>
+              </a:br>
+              <a:r>
+                <a:rPr lang="en-US" dirty="0">
+                  <a:solidFill>
+                    <a:schemeClr val="bg1"/>
+                  </a:solidFill>
+                </a:rPr>
+                <a:t> Parameters</a:t>
+              </a:r>
+            </a:p>
+          </p:txBody>
+        </p:sp>
+        <p:grpSp>
+          <p:nvGrpSpPr>
+            <p:cNvPr id="51" name="Group 50">
+              <a:extLst>
+                <a:ext uri="{FF2B5EF4-FFF2-40B4-BE49-F238E27FC236}">
+                  <a16:creationId xmlns:a16="http://schemas.microsoft.com/office/drawing/2014/main" id="{F6ED9F50-CA19-426B-884B-99B7C0DB4E3D}"/>
+                </a:ext>
+              </a:extLst>
+            </p:cNvPr>
+            <p:cNvGrpSpPr/>
+            <p:nvPr/>
+          </p:nvGrpSpPr>
+          <p:grpSpPr>
+            <a:xfrm>
+              <a:off x="3530382" y="4082069"/>
+              <a:ext cx="1748772" cy="1262289"/>
+              <a:chOff x="2660371" y="2457455"/>
+              <a:chExt cx="1748772" cy="1262289"/>
+            </a:xfrm>
+          </p:grpSpPr>
+          <p:sp>
+            <p:nvSpPr>
+              <p:cNvPr id="45" name="Rectangle 44">
+                <a:extLst>
+                  <a:ext uri="{FF2B5EF4-FFF2-40B4-BE49-F238E27FC236}">
+                    <a16:creationId xmlns:a16="http://schemas.microsoft.com/office/drawing/2014/main" id="{805E7D3D-81C4-4A2B-819D-574FEB4F0DE1}"/>
+                  </a:ext>
+                </a:extLst>
+              </p:cNvPr>
+              <p:cNvSpPr/>
+              <p:nvPr/>
+            </p:nvSpPr>
+            <p:spPr>
+              <a:xfrm>
+                <a:off x="2660371" y="2457455"/>
+                <a:ext cx="1671963" cy="1262289"/>
+              </a:xfrm>
+              <a:prstGeom prst="rect">
+                <a:avLst/>
+              </a:prstGeom>
+            </p:spPr>
+            <p:style>
+              <a:lnRef idx="2">
+                <a:schemeClr val="accent1">
+                  <a:shade val="50000"/>
+                </a:schemeClr>
+              </a:lnRef>
+              <a:fillRef idx="1">
+                <a:schemeClr val="accent1"/>
+              </a:fillRef>
+              <a:effectRef idx="0">
+                <a:schemeClr val="accent1"/>
+              </a:effectRef>
+              <a:fontRef idx="minor">
+                <a:schemeClr val="lt1"/>
+              </a:fontRef>
+            </p:style>
+            <p:txBody>
+              <a:bodyPr rtlCol="0" anchor="ctr"/>
+              <a:lstStyle/>
+              <a:p>
+                <a:pPr algn="ctr"/>
+                <a:endParaRPr lang="en-US"/>
+              </a:p>
+            </p:txBody>
+          </p:sp>
+          <p:sp>
+            <p:nvSpPr>
+              <p:cNvPr id="46" name="TextBox 45">
+                <a:extLst>
+                  <a:ext uri="{FF2B5EF4-FFF2-40B4-BE49-F238E27FC236}">
+                    <a16:creationId xmlns:a16="http://schemas.microsoft.com/office/drawing/2014/main" id="{A88792EF-768E-4129-B663-09223EFBCB1D}"/>
+                  </a:ext>
+                </a:extLst>
+              </p:cNvPr>
+              <p:cNvSpPr txBox="1"/>
+              <p:nvPr/>
+            </p:nvSpPr>
+            <p:spPr>
+              <a:xfrm>
+                <a:off x="2700835" y="2457455"/>
+                <a:ext cx="1708308" cy="523220"/>
+              </a:xfrm>
+              <a:prstGeom prst="rect">
+                <a:avLst/>
+              </a:prstGeom>
+              <a:noFill/>
+            </p:spPr>
+            <p:txBody>
+              <a:bodyPr wrap="square" rtlCol="0">
+                <a:spAutoFit/>
+              </a:bodyPr>
+              <a:lstStyle/>
+              <a:p>
+                <a:pPr algn="ctr"/>
+                <a:r>
+                  <a:rPr lang="en-US" sz="1400" b="1" dirty="0"/>
+                  <a:t>Width</a:t>
+                </a:r>
+                <a:r>
+                  <a:rPr lang="en-US" sz="1400" dirty="0"/>
+                  <a:t> : sqrt(numPhotons)</a:t>
+                </a:r>
+              </a:p>
+            </p:txBody>
+          </p:sp>
+          <p:sp>
+            <p:nvSpPr>
+              <p:cNvPr id="49" name="TextBox 48">
+                <a:extLst>
+                  <a:ext uri="{FF2B5EF4-FFF2-40B4-BE49-F238E27FC236}">
+                    <a16:creationId xmlns:a16="http://schemas.microsoft.com/office/drawing/2014/main" id="{354A2C09-918E-45DA-8A3B-1AD0A4FED8FF}"/>
+                  </a:ext>
+                </a:extLst>
+              </p:cNvPr>
+              <p:cNvSpPr txBox="1"/>
+              <p:nvPr/>
+            </p:nvSpPr>
+            <p:spPr>
+              <a:xfrm>
+                <a:off x="2684494" y="2883471"/>
+                <a:ext cx="1708308" cy="523220"/>
+              </a:xfrm>
+              <a:prstGeom prst="rect">
+                <a:avLst/>
+              </a:prstGeom>
+              <a:noFill/>
+            </p:spPr>
+            <p:txBody>
+              <a:bodyPr wrap="square" rtlCol="0">
+                <a:spAutoFit/>
+              </a:bodyPr>
+              <a:lstStyle/>
+              <a:p>
+                <a:pPr algn="ctr"/>
+                <a:r>
+                  <a:rPr lang="en-US" sz="1400" b="1" dirty="0"/>
+                  <a:t>Height</a:t>
+                </a:r>
+                <a:r>
+                  <a:rPr lang="en-US" sz="1400" dirty="0"/>
+                  <a:t> : sqrt(numPhotons)</a:t>
+                </a:r>
+              </a:p>
+            </p:txBody>
+          </p:sp>
+          <p:sp>
+            <p:nvSpPr>
+              <p:cNvPr id="50" name="TextBox 49">
+                <a:extLst>
+                  <a:ext uri="{FF2B5EF4-FFF2-40B4-BE49-F238E27FC236}">
+                    <a16:creationId xmlns:a16="http://schemas.microsoft.com/office/drawing/2014/main" id="{70393A1C-8D95-4E0C-9274-2DE1D7A7E8AD}"/>
+                  </a:ext>
+                </a:extLst>
+              </p:cNvPr>
+              <p:cNvSpPr txBox="1"/>
+              <p:nvPr/>
+            </p:nvSpPr>
+            <p:spPr>
+              <a:xfrm>
+                <a:off x="2676712" y="3344424"/>
+                <a:ext cx="1708308" cy="307777"/>
+              </a:xfrm>
+              <a:prstGeom prst="rect">
+                <a:avLst/>
+              </a:prstGeom>
+              <a:noFill/>
+            </p:spPr>
+            <p:txBody>
+              <a:bodyPr wrap="square" rtlCol="0">
+                <a:spAutoFit/>
+              </a:bodyPr>
+              <a:lstStyle/>
+              <a:p>
+                <a:pPr algn="ctr"/>
+                <a:r>
+                  <a:rPr lang="en-US" sz="1400" b="1" dirty="0"/>
+                  <a:t>Depth</a:t>
+                </a:r>
+                <a:r>
+                  <a:rPr lang="en-US" sz="1400" dirty="0"/>
+                  <a:t> : MaxBounces</a:t>
+                </a:r>
+              </a:p>
+            </p:txBody>
+          </p:sp>
+        </p:grpSp>
+        <p:grpSp>
+          <p:nvGrpSpPr>
+            <p:cNvPr id="67" name="Group 66">
+              <a:extLst>
+                <a:ext uri="{FF2B5EF4-FFF2-40B4-BE49-F238E27FC236}">
+                  <a16:creationId xmlns:a16="http://schemas.microsoft.com/office/drawing/2014/main" id="{42C5AFB2-7C6F-4D0A-9AF3-377125D4455C}"/>
+                </a:ext>
+              </a:extLst>
+            </p:cNvPr>
+            <p:cNvGrpSpPr/>
+            <p:nvPr/>
+          </p:nvGrpSpPr>
+          <p:grpSpPr>
+            <a:xfrm>
+              <a:off x="6382741" y="4079102"/>
+              <a:ext cx="1838287" cy="1262289"/>
+              <a:chOff x="2611721" y="2457455"/>
+              <a:chExt cx="1838287" cy="1262289"/>
+            </a:xfrm>
+          </p:grpSpPr>
+          <p:sp>
+            <p:nvSpPr>
+              <p:cNvPr id="68" name="Rectangle 67">
+                <a:extLst>
+                  <a:ext uri="{FF2B5EF4-FFF2-40B4-BE49-F238E27FC236}">
+                    <a16:creationId xmlns:a16="http://schemas.microsoft.com/office/drawing/2014/main" id="{7E9FD372-3214-4916-A6EE-887179228AAE}"/>
+                  </a:ext>
+                </a:extLst>
+              </p:cNvPr>
+              <p:cNvSpPr/>
+              <p:nvPr/>
+            </p:nvSpPr>
+            <p:spPr>
+              <a:xfrm>
+                <a:off x="2660371" y="2457455"/>
+                <a:ext cx="1671963" cy="1262289"/>
+              </a:xfrm>
+              <a:prstGeom prst="rect">
+                <a:avLst/>
+              </a:prstGeom>
+            </p:spPr>
+            <p:style>
+              <a:lnRef idx="2">
+                <a:schemeClr val="accent1">
+                  <a:shade val="50000"/>
+                </a:schemeClr>
+              </a:lnRef>
+              <a:fillRef idx="1">
+                <a:schemeClr val="accent1"/>
+              </a:fillRef>
+              <a:effectRef idx="0">
+                <a:schemeClr val="accent1"/>
+              </a:effectRef>
+              <a:fontRef idx="minor">
+                <a:schemeClr val="lt1"/>
+              </a:fontRef>
+            </p:style>
+            <p:txBody>
+              <a:bodyPr rtlCol="0" anchor="ctr"/>
+              <a:lstStyle/>
+              <a:p>
+                <a:pPr algn="ctr"/>
+                <a:endParaRPr lang="en-US"/>
+              </a:p>
+            </p:txBody>
+          </p:sp>
+          <p:sp>
+            <p:nvSpPr>
+              <p:cNvPr id="69" name="TextBox 68">
+                <a:extLst>
+                  <a:ext uri="{FF2B5EF4-FFF2-40B4-BE49-F238E27FC236}">
+                    <a16:creationId xmlns:a16="http://schemas.microsoft.com/office/drawing/2014/main" id="{2C61262B-6017-4515-A45B-650223D7C4F5}"/>
+                  </a:ext>
+                </a:extLst>
+              </p:cNvPr>
+              <p:cNvSpPr txBox="1"/>
+              <p:nvPr/>
+            </p:nvSpPr>
+            <p:spPr>
+              <a:xfrm>
+                <a:off x="2639819" y="2476580"/>
+                <a:ext cx="1708308" cy="307777"/>
+              </a:xfrm>
+              <a:prstGeom prst="rect">
+                <a:avLst/>
+              </a:prstGeom>
+              <a:noFill/>
+            </p:spPr>
+            <p:txBody>
+              <a:bodyPr wrap="square" rtlCol="0">
+                <a:spAutoFit/>
+              </a:bodyPr>
+              <a:lstStyle/>
+              <a:p>
+                <a:r>
+                  <a:rPr lang="en-US" sz="1400" b="1" dirty="0"/>
+                  <a:t>Width</a:t>
+                </a:r>
+                <a:r>
+                  <a:rPr lang="en-US" sz="1400" dirty="0"/>
+                  <a:t> : ScreenWidth</a:t>
+                </a:r>
+              </a:p>
+            </p:txBody>
+          </p:sp>
+          <p:sp>
+            <p:nvSpPr>
+              <p:cNvPr id="70" name="TextBox 69">
+                <a:extLst>
+                  <a:ext uri="{FF2B5EF4-FFF2-40B4-BE49-F238E27FC236}">
+                    <a16:creationId xmlns:a16="http://schemas.microsoft.com/office/drawing/2014/main" id="{0BFD17F3-3E28-4DBF-8082-091F07ABFBE3}"/>
+                  </a:ext>
+                </a:extLst>
+              </p:cNvPr>
+              <p:cNvSpPr txBox="1"/>
+              <p:nvPr/>
+            </p:nvSpPr>
+            <p:spPr>
+              <a:xfrm>
+                <a:off x="2611721" y="2875695"/>
+                <a:ext cx="1838287" cy="307777"/>
+              </a:xfrm>
+              <a:prstGeom prst="rect">
+                <a:avLst/>
+              </a:prstGeom>
+              <a:noFill/>
+            </p:spPr>
+            <p:txBody>
+              <a:bodyPr wrap="square" rtlCol="0">
+                <a:spAutoFit/>
+              </a:bodyPr>
+              <a:lstStyle/>
+              <a:p>
+                <a:r>
+                  <a:rPr lang="en-US" sz="1400" b="1" dirty="0"/>
+                  <a:t>Height</a:t>
+                </a:r>
+                <a:r>
+                  <a:rPr lang="en-US" sz="1400" dirty="0"/>
+                  <a:t> : ScreenHeight</a:t>
+                </a:r>
+              </a:p>
+            </p:txBody>
+          </p:sp>
+          <p:sp>
+            <p:nvSpPr>
+              <p:cNvPr id="71" name="TextBox 70">
+                <a:extLst>
+                  <a:ext uri="{FF2B5EF4-FFF2-40B4-BE49-F238E27FC236}">
+                    <a16:creationId xmlns:a16="http://schemas.microsoft.com/office/drawing/2014/main" id="{57E33C97-6F07-4AA6-8769-4E491ED9116F}"/>
+                  </a:ext>
+                </a:extLst>
+              </p:cNvPr>
+              <p:cNvSpPr txBox="1"/>
+              <p:nvPr/>
+            </p:nvSpPr>
+            <p:spPr>
+              <a:xfrm>
+                <a:off x="2694450" y="3253203"/>
+                <a:ext cx="1708308" cy="307777"/>
+              </a:xfrm>
+              <a:prstGeom prst="rect">
+                <a:avLst/>
+              </a:prstGeom>
+              <a:noFill/>
+            </p:spPr>
+            <p:txBody>
+              <a:bodyPr wrap="square" rtlCol="0">
+                <a:spAutoFit/>
+              </a:bodyPr>
+              <a:lstStyle/>
+              <a:p>
+                <a:pPr algn="ctr"/>
+                <a:r>
+                  <a:rPr lang="en-US" sz="1400" b="1" dirty="0"/>
+                  <a:t>Depth</a:t>
+                </a:r>
+                <a:r>
+                  <a:rPr lang="en-US" sz="1400" dirty="0"/>
+                  <a:t> : 1</a:t>
+                </a:r>
+              </a:p>
+            </p:txBody>
+          </p:sp>
+        </p:grpSp>
+        <p:sp>
+          <p:nvSpPr>
+            <p:cNvPr id="77" name="TextBox 76">
+              <a:extLst>
+                <a:ext uri="{FF2B5EF4-FFF2-40B4-BE49-F238E27FC236}">
+                  <a16:creationId xmlns:a16="http://schemas.microsoft.com/office/drawing/2014/main" id="{607D87FC-4E76-4676-8002-59FD2C19DB96}"/>
+                </a:ext>
+              </a:extLst>
+            </p:cNvPr>
+            <p:cNvSpPr txBox="1"/>
+            <p:nvPr/>
+          </p:nvSpPr>
+          <p:spPr>
+            <a:xfrm>
+              <a:off x="3650103" y="2072375"/>
+              <a:ext cx="1604928" cy="369332"/>
+            </a:xfrm>
+            <a:prstGeom prst="rect">
+              <a:avLst/>
+            </a:prstGeom>
+            <a:noFill/>
+          </p:spPr>
+          <p:txBody>
+            <a:bodyPr wrap="none" rtlCol="0">
+              <a:spAutoFit/>
+            </a:bodyPr>
+            <a:lstStyle/>
+            <a:p>
+              <a:pPr algn="ctr"/>
+              <a:r>
+                <a:rPr lang="en-US" i="1" dirty="0">
+                  <a:solidFill>
+                    <a:schemeClr val="bg1"/>
+                  </a:solidFill>
+                </a:rPr>
+                <a:t>once per scene</a:t>
+              </a:r>
+            </a:p>
+          </p:txBody>
+        </p:sp>
+        <p:sp>
+          <p:nvSpPr>
+            <p:cNvPr id="78" name="TextBox 77">
+              <a:extLst>
+                <a:ext uri="{FF2B5EF4-FFF2-40B4-BE49-F238E27FC236}">
+                  <a16:creationId xmlns:a16="http://schemas.microsoft.com/office/drawing/2014/main" id="{ED8C8E61-5E37-4FA9-9B8D-44DF2CB82317}"/>
+                </a:ext>
+              </a:extLst>
+            </p:cNvPr>
+            <p:cNvSpPr txBox="1"/>
+            <p:nvPr/>
+          </p:nvSpPr>
+          <p:spPr>
+            <a:xfrm>
+              <a:off x="6528996" y="2075082"/>
+              <a:ext cx="1303306" cy="369332"/>
+            </a:xfrm>
+            <a:prstGeom prst="rect">
+              <a:avLst/>
+            </a:prstGeom>
+            <a:noFill/>
+          </p:spPr>
+          <p:txBody>
+            <a:bodyPr wrap="none" rtlCol="0">
+              <a:spAutoFit/>
+            </a:bodyPr>
+            <a:lstStyle/>
+            <a:p>
+              <a:pPr algn="ctr"/>
+              <a:r>
+                <a:rPr lang="en-US" i="1" dirty="0">
+                  <a:solidFill>
+                    <a:schemeClr val="bg1"/>
+                  </a:solidFill>
+                </a:rPr>
+                <a:t>every frame</a:t>
+              </a:r>
+            </a:p>
+          </p:txBody>
+        </p:sp>
+        <p:sp>
+          <p:nvSpPr>
+            <p:cNvPr id="79" name="TextBox 78">
+              <a:extLst>
+                <a:ext uri="{FF2B5EF4-FFF2-40B4-BE49-F238E27FC236}">
+                  <a16:creationId xmlns:a16="http://schemas.microsoft.com/office/drawing/2014/main" id="{9250683C-A166-429A-9B0A-75F34423C84E}"/>
+                </a:ext>
+              </a:extLst>
+            </p:cNvPr>
+            <p:cNvSpPr txBox="1"/>
+            <p:nvPr/>
+          </p:nvSpPr>
+          <p:spPr>
+            <a:xfrm>
+              <a:off x="4601312" y="1369040"/>
+              <a:ext cx="2980624" cy="369332"/>
+            </a:xfrm>
+            <a:prstGeom prst="rect">
+              <a:avLst/>
+            </a:prstGeom>
+            <a:noFill/>
+          </p:spPr>
+          <p:txBody>
+            <a:bodyPr wrap="none" rtlCol="0">
+              <a:spAutoFit/>
+            </a:bodyPr>
+            <a:lstStyle/>
+            <a:p>
+              <a:r>
+                <a:rPr lang="en-US" b="1" dirty="0">
+                  <a:solidFill>
+                    <a:schemeClr val="bg1"/>
+                  </a:solidFill>
+                </a:rPr>
+                <a:t>Pixel Major Iterator Renderer</a:t>
+              </a:r>
+            </a:p>
+          </p:txBody>
+        </p:sp>
+      </p:grpSp>
+    </p:spTree>
+    <p:extLst>
+      <p:ext uri="{BB962C8B-B14F-4D97-AF65-F5344CB8AC3E}">
+        <p14:creationId xmlns:p14="http://schemas.microsoft.com/office/powerpoint/2010/main" val="3028053189"/>
+      </p:ext>
+    </p:extLst>
+  </p:cSld>
+  <p:clrMapOvr>
+    <a:masterClrMapping/>
+  </p:clrMapOvr>
+</p:sld>
+</file>
+
 <file path=ppt/theme/theme1.xml><?xml version="1.0" encoding="utf-8"?>
 <a:theme xmlns:a="http://schemas.openxmlformats.org/drawingml/2006/main" name="Office Theme">
   <a:themeElements>

--- a/Docs/images/New Microsoft PowerPoint Presentation.pptx
+++ b/Docs/images/New Microsoft PowerPoint Presentation.pptx
@@ -11,6 +11,9 @@
     <p:sldId id="259" r:id="rId5"/>
     <p:sldId id="260" r:id="rId6"/>
     <p:sldId id="261" r:id="rId7"/>
+    <p:sldId id="262" r:id="rId8"/>
+    <p:sldId id="264" r:id="rId9"/>
+    <p:sldId id="265" r:id="rId10"/>
   </p:sldIdLst>
   <p:sldSz cx="12192000" cy="6858000"/>
   <p:notesSz cx="6858000" cy="9144000"/>
@@ -264,7 +267,7 @@
           <a:p>
             <a:fld id="{D3372D3B-FF1E-40D4-AFA5-7E302EC565F0}" type="datetimeFigureOut">
               <a:rPr lang="en-US" smtClean="0"/>
-              <a:t>11/26/2018</a:t>
+              <a:t>12/3/2018</a:t>
             </a:fld>
             <a:endParaRPr lang="en-US"/>
           </a:p>
@@ -462,7 +465,7 @@
           <a:p>
             <a:fld id="{D3372D3B-FF1E-40D4-AFA5-7E302EC565F0}" type="datetimeFigureOut">
               <a:rPr lang="en-US" smtClean="0"/>
-              <a:t>11/26/2018</a:t>
+              <a:t>12/3/2018</a:t>
             </a:fld>
             <a:endParaRPr lang="en-US"/>
           </a:p>
@@ -670,7 +673,7 @@
           <a:p>
             <a:fld id="{D3372D3B-FF1E-40D4-AFA5-7E302EC565F0}" type="datetimeFigureOut">
               <a:rPr lang="en-US" smtClean="0"/>
-              <a:t>11/26/2018</a:t>
+              <a:t>12/3/2018</a:t>
             </a:fld>
             <a:endParaRPr lang="en-US"/>
           </a:p>
@@ -868,7 +871,7 @@
           <a:p>
             <a:fld id="{D3372D3B-FF1E-40D4-AFA5-7E302EC565F0}" type="datetimeFigureOut">
               <a:rPr lang="en-US" smtClean="0"/>
-              <a:t>11/26/2018</a:t>
+              <a:t>12/3/2018</a:t>
             </a:fld>
             <a:endParaRPr lang="en-US"/>
           </a:p>
@@ -1143,7 +1146,7 @@
           <a:p>
             <a:fld id="{D3372D3B-FF1E-40D4-AFA5-7E302EC565F0}" type="datetimeFigureOut">
               <a:rPr lang="en-US" smtClean="0"/>
-              <a:t>11/26/2018</a:t>
+              <a:t>12/3/2018</a:t>
             </a:fld>
             <a:endParaRPr lang="en-US"/>
           </a:p>
@@ -1408,7 +1411,7 @@
           <a:p>
             <a:fld id="{D3372D3B-FF1E-40D4-AFA5-7E302EC565F0}" type="datetimeFigureOut">
               <a:rPr lang="en-US" smtClean="0"/>
-              <a:t>11/26/2018</a:t>
+              <a:t>12/3/2018</a:t>
             </a:fld>
             <a:endParaRPr lang="en-US"/>
           </a:p>
@@ -1820,7 +1823,7 @@
           <a:p>
             <a:fld id="{D3372D3B-FF1E-40D4-AFA5-7E302EC565F0}" type="datetimeFigureOut">
               <a:rPr lang="en-US" smtClean="0"/>
-              <a:t>11/26/2018</a:t>
+              <a:t>12/3/2018</a:t>
             </a:fld>
             <a:endParaRPr lang="en-US"/>
           </a:p>
@@ -1961,7 +1964,7 @@
           <a:p>
             <a:fld id="{D3372D3B-FF1E-40D4-AFA5-7E302EC565F0}" type="datetimeFigureOut">
               <a:rPr lang="en-US" smtClean="0"/>
-              <a:t>11/26/2018</a:t>
+              <a:t>12/3/2018</a:t>
             </a:fld>
             <a:endParaRPr lang="en-US"/>
           </a:p>
@@ -2074,7 +2077,7 @@
           <a:p>
             <a:fld id="{D3372D3B-FF1E-40D4-AFA5-7E302EC565F0}" type="datetimeFigureOut">
               <a:rPr lang="en-US" smtClean="0"/>
-              <a:t>11/26/2018</a:t>
+              <a:t>12/3/2018</a:t>
             </a:fld>
             <a:endParaRPr lang="en-US"/>
           </a:p>
@@ -2385,7 +2388,7 @@
           <a:p>
             <a:fld id="{D3372D3B-FF1E-40D4-AFA5-7E302EC565F0}" type="datetimeFigureOut">
               <a:rPr lang="en-US" smtClean="0"/>
-              <a:t>11/26/2018</a:t>
+              <a:t>12/3/2018</a:t>
             </a:fld>
             <a:endParaRPr lang="en-US"/>
           </a:p>
@@ -2673,7 +2676,7 @@
           <a:p>
             <a:fld id="{D3372D3B-FF1E-40D4-AFA5-7E302EC565F0}" type="datetimeFigureOut">
               <a:rPr lang="en-US" smtClean="0"/>
-              <a:t>11/26/2018</a:t>
+              <a:t>12/3/2018</a:t>
             </a:fld>
             <a:endParaRPr lang="en-US"/>
           </a:p>
@@ -2914,7 +2917,7 @@
           <a:p>
             <a:fld id="{D3372D3B-FF1E-40D4-AFA5-7E302EC565F0}" type="datetimeFigureOut">
               <a:rPr lang="en-US" smtClean="0"/>
-              <a:t>11/26/2018</a:t>
+              <a:t>12/3/2018</a:t>
             </a:fld>
             <a:endParaRPr lang="en-US"/>
           </a:p>
@@ -9432,6 +9435,5465 @@
 </p:sld>
 </file>
 
+<file path=ppt/slides/slide7.xml><?xml version="1.0" encoding="utf-8"?>
+<p:sld xmlns:a="http://schemas.openxmlformats.org/drawingml/2006/main" xmlns:r="http://schemas.openxmlformats.org/officeDocument/2006/relationships" xmlns:p="http://schemas.openxmlformats.org/presentationml/2006/main">
+  <p:cSld>
+    <p:spTree>
+      <p:nvGrpSpPr>
+        <p:cNvPr id="1" name=""/>
+        <p:cNvGrpSpPr/>
+        <p:nvPr/>
+      </p:nvGrpSpPr>
+      <p:grpSpPr>
+        <a:xfrm>
+          <a:off x="0" y="0"/>
+          <a:ext cx="0" cy="0"/>
+          <a:chOff x="0" y="0"/>
+          <a:chExt cx="0" cy="0"/>
+        </a:xfrm>
+      </p:grpSpPr>
+      <p:grpSp>
+        <p:nvGrpSpPr>
+          <p:cNvPr id="28" name="Group 27">
+            <a:extLst>
+              <a:ext uri="{FF2B5EF4-FFF2-40B4-BE49-F238E27FC236}">
+                <a16:creationId xmlns:a16="http://schemas.microsoft.com/office/drawing/2014/main" id="{5E6FACA9-7852-4E3E-8FB3-3C334C86492B}"/>
+              </a:ext>
+            </a:extLst>
+          </p:cNvPr>
+          <p:cNvGrpSpPr/>
+          <p:nvPr/>
+        </p:nvGrpSpPr>
+        <p:grpSpPr>
+          <a:xfrm>
+            <a:off x="1498861" y="635342"/>
+            <a:ext cx="9194278" cy="5644347"/>
+            <a:chOff x="1498861" y="635342"/>
+            <a:chExt cx="9194278" cy="5644347"/>
+          </a:xfrm>
+        </p:grpSpPr>
+        <p:sp>
+          <p:nvSpPr>
+            <p:cNvPr id="23" name="Rectangle 22">
+              <a:extLst>
+                <a:ext uri="{FF2B5EF4-FFF2-40B4-BE49-F238E27FC236}">
+                  <a16:creationId xmlns:a16="http://schemas.microsoft.com/office/drawing/2014/main" id="{170EB901-9BCC-4D13-AA07-05C1B45249CD}"/>
+                </a:ext>
+              </a:extLst>
+            </p:cNvPr>
+            <p:cNvSpPr/>
+            <p:nvPr/>
+          </p:nvSpPr>
+          <p:spPr>
+            <a:xfrm>
+              <a:off x="1498861" y="635342"/>
+              <a:ext cx="9194278" cy="5644347"/>
+            </a:xfrm>
+            <a:prstGeom prst="rect">
+              <a:avLst/>
+            </a:prstGeom>
+            <a:solidFill>
+              <a:schemeClr val="tx1">
+                <a:lumMod val="75000"/>
+                <a:lumOff val="25000"/>
+              </a:schemeClr>
+            </a:solidFill>
+          </p:spPr>
+          <p:style>
+            <a:lnRef idx="2">
+              <a:schemeClr val="accent3">
+                <a:shade val="50000"/>
+              </a:schemeClr>
+            </a:lnRef>
+            <a:fillRef idx="1">
+              <a:schemeClr val="accent3"/>
+            </a:fillRef>
+            <a:effectRef idx="0">
+              <a:schemeClr val="accent3"/>
+            </a:effectRef>
+            <a:fontRef idx="minor">
+              <a:schemeClr val="lt1"/>
+            </a:fontRef>
+          </p:style>
+          <p:txBody>
+            <a:bodyPr rtlCol="0" anchor="ctr"/>
+            <a:lstStyle/>
+            <a:p>
+              <a:pPr algn="ctr"/>
+              <a:endParaRPr lang="en-US" dirty="0"/>
+            </a:p>
+          </p:txBody>
+        </p:sp>
+        <p:sp>
+          <p:nvSpPr>
+            <p:cNvPr id="3" name="Cube 2">
+              <a:extLst>
+                <a:ext uri="{FF2B5EF4-FFF2-40B4-BE49-F238E27FC236}">
+                  <a16:creationId xmlns:a16="http://schemas.microsoft.com/office/drawing/2014/main" id="{12B8B8D0-86EF-4973-80D0-00AC954DADC0}"/>
+                </a:ext>
+              </a:extLst>
+            </p:cNvPr>
+            <p:cNvSpPr/>
+            <p:nvPr/>
+          </p:nvSpPr>
+          <p:spPr>
+            <a:xfrm>
+              <a:off x="3602837" y="1536038"/>
+              <a:ext cx="4307165" cy="3812959"/>
+            </a:xfrm>
+            <a:prstGeom prst="cube">
+              <a:avLst/>
+            </a:prstGeom>
+            <a:noFill/>
+            <a:ln w="38100"/>
+          </p:spPr>
+          <p:style>
+            <a:lnRef idx="2">
+              <a:schemeClr val="accent2">
+                <a:shade val="50000"/>
+              </a:schemeClr>
+            </a:lnRef>
+            <a:fillRef idx="1">
+              <a:schemeClr val="accent2"/>
+            </a:fillRef>
+            <a:effectRef idx="0">
+              <a:schemeClr val="accent2"/>
+            </a:effectRef>
+            <a:fontRef idx="minor">
+              <a:schemeClr val="lt1"/>
+            </a:fontRef>
+          </p:style>
+          <p:txBody>
+            <a:bodyPr rtlCol="0" anchor="ctr"/>
+            <a:lstStyle/>
+            <a:p>
+              <a:pPr algn="ctr"/>
+              <a:endParaRPr lang="en-US"/>
+            </a:p>
+          </p:txBody>
+        </p:sp>
+        <p:cxnSp>
+          <p:nvCxnSpPr>
+            <p:cNvPr id="36" name="Straight Connector 35">
+              <a:extLst>
+                <a:ext uri="{FF2B5EF4-FFF2-40B4-BE49-F238E27FC236}">
+                  <a16:creationId xmlns:a16="http://schemas.microsoft.com/office/drawing/2014/main" id="{57DE906E-D778-4E68-B0D6-631C44F6CD7A}"/>
+                </a:ext>
+              </a:extLst>
+            </p:cNvPr>
+            <p:cNvCxnSpPr>
+              <a:cxnSpLocks/>
+            </p:cNvCxnSpPr>
+            <p:nvPr/>
+          </p:nvCxnSpPr>
+          <p:spPr>
+            <a:xfrm flipH="1">
+              <a:off x="3582862" y="2956466"/>
+              <a:ext cx="3364637" cy="0"/>
+            </a:xfrm>
+            <a:prstGeom prst="line">
+              <a:avLst/>
+            </a:prstGeom>
+            <a:ln>
+              <a:prstDash val="solid"/>
+            </a:ln>
+          </p:spPr>
+          <p:style>
+            <a:lnRef idx="1">
+              <a:schemeClr val="accent2"/>
+            </a:lnRef>
+            <a:fillRef idx="0">
+              <a:schemeClr val="accent2"/>
+            </a:fillRef>
+            <a:effectRef idx="0">
+              <a:schemeClr val="accent2"/>
+            </a:effectRef>
+            <a:fontRef idx="minor">
+              <a:schemeClr val="tx1"/>
+            </a:fontRef>
+          </p:style>
+        </p:cxnSp>
+        <p:cxnSp>
+          <p:nvCxnSpPr>
+            <p:cNvPr id="40" name="Straight Connector 39">
+              <a:extLst>
+                <a:ext uri="{FF2B5EF4-FFF2-40B4-BE49-F238E27FC236}">
+                  <a16:creationId xmlns:a16="http://schemas.microsoft.com/office/drawing/2014/main" id="{71F9EE56-66A9-40B5-946F-A6219A3F84D2}"/>
+                </a:ext>
+              </a:extLst>
+            </p:cNvPr>
+            <p:cNvCxnSpPr>
+              <a:cxnSpLocks/>
+            </p:cNvCxnSpPr>
+            <p:nvPr/>
+          </p:nvCxnSpPr>
+          <p:spPr>
+            <a:xfrm flipH="1">
+              <a:off x="6964517" y="2014693"/>
+              <a:ext cx="942528" cy="958788"/>
+            </a:xfrm>
+            <a:prstGeom prst="line">
+              <a:avLst/>
+            </a:prstGeom>
+            <a:ln>
+              <a:prstDash val="solid"/>
+            </a:ln>
+          </p:spPr>
+          <p:style>
+            <a:lnRef idx="1">
+              <a:schemeClr val="accent2"/>
+            </a:lnRef>
+            <a:fillRef idx="0">
+              <a:schemeClr val="accent2"/>
+            </a:fillRef>
+            <a:effectRef idx="0">
+              <a:schemeClr val="accent2"/>
+            </a:effectRef>
+            <a:fontRef idx="minor">
+              <a:schemeClr val="tx1"/>
+            </a:fontRef>
+          </p:style>
+        </p:cxnSp>
+        <p:cxnSp>
+          <p:nvCxnSpPr>
+            <p:cNvPr id="54" name="Straight Connector 53">
+              <a:extLst>
+                <a:ext uri="{FF2B5EF4-FFF2-40B4-BE49-F238E27FC236}">
+                  <a16:creationId xmlns:a16="http://schemas.microsoft.com/office/drawing/2014/main" id="{D6E4E5C8-8BFD-4B67-ADA1-0DF56F72ACC9}"/>
+                </a:ext>
+              </a:extLst>
+            </p:cNvPr>
+            <p:cNvCxnSpPr>
+              <a:cxnSpLocks/>
+            </p:cNvCxnSpPr>
+            <p:nvPr/>
+          </p:nvCxnSpPr>
+          <p:spPr>
+            <a:xfrm flipH="1">
+              <a:off x="3599880" y="3442517"/>
+              <a:ext cx="3364637" cy="0"/>
+            </a:xfrm>
+            <a:prstGeom prst="line">
+              <a:avLst/>
+            </a:prstGeom>
+            <a:ln>
+              <a:prstDash val="solid"/>
+            </a:ln>
+          </p:spPr>
+          <p:style>
+            <a:lnRef idx="1">
+              <a:schemeClr val="accent2"/>
+            </a:lnRef>
+            <a:fillRef idx="0">
+              <a:schemeClr val="accent2"/>
+            </a:fillRef>
+            <a:effectRef idx="0">
+              <a:schemeClr val="accent2"/>
+            </a:effectRef>
+            <a:fontRef idx="minor">
+              <a:schemeClr val="tx1"/>
+            </a:fontRef>
+          </p:style>
+        </p:cxnSp>
+        <p:cxnSp>
+          <p:nvCxnSpPr>
+            <p:cNvPr id="57" name="Straight Connector 56">
+              <a:extLst>
+                <a:ext uri="{FF2B5EF4-FFF2-40B4-BE49-F238E27FC236}">
+                  <a16:creationId xmlns:a16="http://schemas.microsoft.com/office/drawing/2014/main" id="{462F89E7-54E6-4FD8-A775-6E9F191116C0}"/>
+                </a:ext>
+              </a:extLst>
+            </p:cNvPr>
+            <p:cNvCxnSpPr>
+              <a:cxnSpLocks/>
+            </p:cNvCxnSpPr>
+            <p:nvPr/>
+          </p:nvCxnSpPr>
+          <p:spPr>
+            <a:xfrm flipH="1">
+              <a:off x="6965589" y="2498728"/>
+              <a:ext cx="942528" cy="958788"/>
+            </a:xfrm>
+            <a:prstGeom prst="line">
+              <a:avLst/>
+            </a:prstGeom>
+            <a:ln>
+              <a:prstDash val="solid"/>
+            </a:ln>
+          </p:spPr>
+          <p:style>
+            <a:lnRef idx="1">
+              <a:schemeClr val="accent2"/>
+            </a:lnRef>
+            <a:fillRef idx="0">
+              <a:schemeClr val="accent2"/>
+            </a:fillRef>
+            <a:effectRef idx="0">
+              <a:schemeClr val="accent2"/>
+            </a:effectRef>
+            <a:fontRef idx="minor">
+              <a:schemeClr val="tx1"/>
+            </a:fontRef>
+          </p:style>
+        </p:cxnSp>
+        <p:cxnSp>
+          <p:nvCxnSpPr>
+            <p:cNvPr id="60" name="Straight Connector 59">
+              <a:extLst>
+                <a:ext uri="{FF2B5EF4-FFF2-40B4-BE49-F238E27FC236}">
+                  <a16:creationId xmlns:a16="http://schemas.microsoft.com/office/drawing/2014/main" id="{2B348E58-629E-4F0A-822D-FE5FACE7DE5B}"/>
+                </a:ext>
+              </a:extLst>
+            </p:cNvPr>
+            <p:cNvCxnSpPr>
+              <a:cxnSpLocks/>
+            </p:cNvCxnSpPr>
+            <p:nvPr/>
+          </p:nvCxnSpPr>
+          <p:spPr>
+            <a:xfrm flipH="1">
+              <a:off x="4132532" y="1555274"/>
+              <a:ext cx="942528" cy="958788"/>
+            </a:xfrm>
+            <a:prstGeom prst="line">
+              <a:avLst/>
+            </a:prstGeom>
+            <a:ln>
+              <a:prstDash val="solid"/>
+            </a:ln>
+          </p:spPr>
+          <p:style>
+            <a:lnRef idx="1">
+              <a:schemeClr val="accent2"/>
+            </a:lnRef>
+            <a:fillRef idx="0">
+              <a:schemeClr val="accent2"/>
+            </a:fillRef>
+            <a:effectRef idx="0">
+              <a:schemeClr val="accent2"/>
+            </a:effectRef>
+            <a:fontRef idx="minor">
+              <a:schemeClr val="tx1"/>
+            </a:fontRef>
+          </p:style>
+        </p:cxnSp>
+        <p:cxnSp>
+          <p:nvCxnSpPr>
+            <p:cNvPr id="61" name="Straight Connector 60">
+              <a:extLst>
+                <a:ext uri="{FF2B5EF4-FFF2-40B4-BE49-F238E27FC236}">
+                  <a16:creationId xmlns:a16="http://schemas.microsoft.com/office/drawing/2014/main" id="{272F4887-1A8F-4990-83A5-A9B985663729}"/>
+                </a:ext>
+              </a:extLst>
+            </p:cNvPr>
+            <p:cNvCxnSpPr>
+              <a:cxnSpLocks/>
+            </p:cNvCxnSpPr>
+            <p:nvPr/>
+          </p:nvCxnSpPr>
+          <p:spPr>
+            <a:xfrm flipH="1">
+              <a:off x="4674047" y="1548619"/>
+              <a:ext cx="942528" cy="958788"/>
+            </a:xfrm>
+            <a:prstGeom prst="line">
+              <a:avLst/>
+            </a:prstGeom>
+            <a:ln>
+              <a:prstDash val="solid"/>
+            </a:ln>
+          </p:spPr>
+          <p:style>
+            <a:lnRef idx="1">
+              <a:schemeClr val="accent2"/>
+            </a:lnRef>
+            <a:fillRef idx="0">
+              <a:schemeClr val="accent2"/>
+            </a:fillRef>
+            <a:effectRef idx="0">
+              <a:schemeClr val="accent2"/>
+            </a:effectRef>
+            <a:fontRef idx="minor">
+              <a:schemeClr val="tx1"/>
+            </a:fontRef>
+          </p:style>
+        </p:cxnSp>
+        <p:cxnSp>
+          <p:nvCxnSpPr>
+            <p:cNvPr id="62" name="Straight Connector 61">
+              <a:extLst>
+                <a:ext uri="{FF2B5EF4-FFF2-40B4-BE49-F238E27FC236}">
+                  <a16:creationId xmlns:a16="http://schemas.microsoft.com/office/drawing/2014/main" id="{4228D188-52C9-43A7-B5AC-5D2CFF7E9B7B}"/>
+                </a:ext>
+              </a:extLst>
+            </p:cNvPr>
+            <p:cNvCxnSpPr>
+              <a:cxnSpLocks/>
+            </p:cNvCxnSpPr>
+            <p:nvPr/>
+          </p:nvCxnSpPr>
+          <p:spPr>
+            <a:xfrm>
+              <a:off x="4125486" y="2523676"/>
+              <a:ext cx="0" cy="2854171"/>
+            </a:xfrm>
+            <a:prstGeom prst="line">
+              <a:avLst/>
+            </a:prstGeom>
+            <a:ln>
+              <a:prstDash val="solid"/>
+            </a:ln>
+          </p:spPr>
+          <p:style>
+            <a:lnRef idx="1">
+              <a:schemeClr val="accent2"/>
+            </a:lnRef>
+            <a:fillRef idx="0">
+              <a:schemeClr val="accent2"/>
+            </a:fillRef>
+            <a:effectRef idx="0">
+              <a:schemeClr val="accent2"/>
+            </a:effectRef>
+            <a:fontRef idx="minor">
+              <a:schemeClr val="tx1"/>
+            </a:fontRef>
+          </p:style>
+        </p:cxnSp>
+        <p:cxnSp>
+          <p:nvCxnSpPr>
+            <p:cNvPr id="63" name="Straight Connector 62">
+              <a:extLst>
+                <a:ext uri="{FF2B5EF4-FFF2-40B4-BE49-F238E27FC236}">
+                  <a16:creationId xmlns:a16="http://schemas.microsoft.com/office/drawing/2014/main" id="{5AA293BA-71CD-48EB-A1B8-B3335F344AD7}"/>
+                </a:ext>
+              </a:extLst>
+            </p:cNvPr>
+            <p:cNvCxnSpPr>
+              <a:cxnSpLocks/>
+            </p:cNvCxnSpPr>
+            <p:nvPr/>
+          </p:nvCxnSpPr>
+          <p:spPr>
+            <a:xfrm>
+              <a:off x="4666679" y="2507401"/>
+              <a:ext cx="0" cy="2854171"/>
+            </a:xfrm>
+            <a:prstGeom prst="line">
+              <a:avLst/>
+            </a:prstGeom>
+            <a:ln>
+              <a:prstDash val="solid"/>
+            </a:ln>
+          </p:spPr>
+          <p:style>
+            <a:lnRef idx="1">
+              <a:schemeClr val="accent2"/>
+            </a:lnRef>
+            <a:fillRef idx="0">
+              <a:schemeClr val="accent2"/>
+            </a:fillRef>
+            <a:effectRef idx="0">
+              <a:schemeClr val="accent2"/>
+            </a:effectRef>
+            <a:fontRef idx="minor">
+              <a:schemeClr val="tx1"/>
+            </a:fontRef>
+          </p:style>
+        </p:cxnSp>
+        <p:cxnSp>
+          <p:nvCxnSpPr>
+            <p:cNvPr id="75" name="Straight Connector 74">
+              <a:extLst>
+                <a:ext uri="{FF2B5EF4-FFF2-40B4-BE49-F238E27FC236}">
+                  <a16:creationId xmlns:a16="http://schemas.microsoft.com/office/drawing/2014/main" id="{2AD5772B-C54A-42BF-BB06-4C1B2B15AE40}"/>
+                </a:ext>
+              </a:extLst>
+            </p:cNvPr>
+            <p:cNvCxnSpPr>
+              <a:cxnSpLocks/>
+            </p:cNvCxnSpPr>
+            <p:nvPr/>
+          </p:nvCxnSpPr>
+          <p:spPr>
+            <a:xfrm>
+              <a:off x="7155402" y="2278985"/>
+              <a:ext cx="0" cy="2854171"/>
+            </a:xfrm>
+            <a:prstGeom prst="line">
+              <a:avLst/>
+            </a:prstGeom>
+            <a:ln>
+              <a:prstDash val="solid"/>
+            </a:ln>
+          </p:spPr>
+          <p:style>
+            <a:lnRef idx="1">
+              <a:schemeClr val="accent2"/>
+            </a:lnRef>
+            <a:fillRef idx="0">
+              <a:schemeClr val="accent2"/>
+            </a:fillRef>
+            <a:effectRef idx="0">
+              <a:schemeClr val="accent2"/>
+            </a:effectRef>
+            <a:fontRef idx="minor">
+              <a:schemeClr val="tx1"/>
+            </a:fontRef>
+          </p:style>
+        </p:cxnSp>
+        <p:cxnSp>
+          <p:nvCxnSpPr>
+            <p:cNvPr id="80" name="Straight Connector 79">
+              <a:extLst>
+                <a:ext uri="{FF2B5EF4-FFF2-40B4-BE49-F238E27FC236}">
+                  <a16:creationId xmlns:a16="http://schemas.microsoft.com/office/drawing/2014/main" id="{0AFA3D94-9EC8-470A-A585-A9EC20306F5A}"/>
+                </a:ext>
+              </a:extLst>
+            </p:cNvPr>
+            <p:cNvCxnSpPr>
+              <a:cxnSpLocks/>
+            </p:cNvCxnSpPr>
+            <p:nvPr/>
+          </p:nvCxnSpPr>
+          <p:spPr>
+            <a:xfrm flipH="1">
+              <a:off x="3790765" y="2278061"/>
+              <a:ext cx="3364637" cy="0"/>
+            </a:xfrm>
+            <a:prstGeom prst="line">
+              <a:avLst/>
+            </a:prstGeom>
+            <a:ln>
+              <a:prstDash val="solid"/>
+            </a:ln>
+          </p:spPr>
+          <p:style>
+            <a:lnRef idx="1">
+              <a:schemeClr val="accent2"/>
+            </a:lnRef>
+            <a:fillRef idx="0">
+              <a:schemeClr val="accent2"/>
+            </a:fillRef>
+            <a:effectRef idx="0">
+              <a:schemeClr val="accent2"/>
+            </a:effectRef>
+            <a:fontRef idx="minor">
+              <a:schemeClr val="tx1"/>
+            </a:fontRef>
+          </p:style>
+        </p:cxnSp>
+        <p:sp>
+          <p:nvSpPr>
+            <p:cNvPr id="84" name="TextBox 83">
+              <a:extLst>
+                <a:ext uri="{FF2B5EF4-FFF2-40B4-BE49-F238E27FC236}">
+                  <a16:creationId xmlns:a16="http://schemas.microsoft.com/office/drawing/2014/main" id="{9DE8B2CC-72B3-448B-B890-BF3DD26073C9}"/>
+                </a:ext>
+              </a:extLst>
+            </p:cNvPr>
+            <p:cNvSpPr txBox="1"/>
+            <p:nvPr/>
+          </p:nvSpPr>
+          <p:spPr>
+            <a:xfrm>
+              <a:off x="4833197" y="833024"/>
+              <a:ext cx="3288208" cy="369332"/>
+            </a:xfrm>
+            <a:prstGeom prst="rect">
+              <a:avLst/>
+            </a:prstGeom>
+            <a:noFill/>
+          </p:spPr>
+          <p:txBody>
+            <a:bodyPr wrap="none" rtlCol="0">
+              <a:spAutoFit/>
+            </a:bodyPr>
+            <a:lstStyle/>
+            <a:p>
+              <a:r>
+                <a:rPr lang="en-US" b="1" dirty="0">
+                  <a:solidFill>
+                    <a:schemeClr val="bg1"/>
+                  </a:solidFill>
+                </a:rPr>
+                <a:t>Scene Division into cell structure</a:t>
+              </a:r>
+            </a:p>
+          </p:txBody>
+        </p:sp>
+        <p:cxnSp>
+          <p:nvCxnSpPr>
+            <p:cNvPr id="22" name="Straight Arrow Connector 21">
+              <a:extLst>
+                <a:ext uri="{FF2B5EF4-FFF2-40B4-BE49-F238E27FC236}">
+                  <a16:creationId xmlns:a16="http://schemas.microsoft.com/office/drawing/2014/main" id="{F0DE22E4-E0A2-4274-A7C9-0AC35EB0C26F}"/>
+                </a:ext>
+              </a:extLst>
+            </p:cNvPr>
+            <p:cNvCxnSpPr/>
+            <p:nvPr/>
+          </p:nvCxnSpPr>
+          <p:spPr>
+            <a:xfrm>
+              <a:off x="3565846" y="5635301"/>
+              <a:ext cx="3398671" cy="12575"/>
+            </a:xfrm>
+            <a:prstGeom prst="straightConnector1">
+              <a:avLst/>
+            </a:prstGeom>
+            <a:ln w="38100">
+              <a:headEnd type="triangle"/>
+              <a:tailEnd type="triangle"/>
+            </a:ln>
+          </p:spPr>
+          <p:style>
+            <a:lnRef idx="1">
+              <a:schemeClr val="accent1"/>
+            </a:lnRef>
+            <a:fillRef idx="0">
+              <a:schemeClr val="accent1"/>
+            </a:fillRef>
+            <a:effectRef idx="0">
+              <a:schemeClr val="accent1"/>
+            </a:effectRef>
+            <a:fontRef idx="minor">
+              <a:schemeClr val="tx1"/>
+            </a:fontRef>
+          </p:style>
+        </p:cxnSp>
+        <p:sp>
+          <p:nvSpPr>
+            <p:cNvPr id="24" name="TextBox 23">
+              <a:extLst>
+                <a:ext uri="{FF2B5EF4-FFF2-40B4-BE49-F238E27FC236}">
+                  <a16:creationId xmlns:a16="http://schemas.microsoft.com/office/drawing/2014/main" id="{A61BCF72-7E5C-4B26-830A-B641CD51F572}"/>
+                </a:ext>
+              </a:extLst>
+            </p:cNvPr>
+            <p:cNvSpPr txBox="1"/>
+            <p:nvPr/>
+          </p:nvSpPr>
+          <p:spPr>
+            <a:xfrm>
+              <a:off x="4125486" y="5767727"/>
+              <a:ext cx="2024913" cy="369332"/>
+            </a:xfrm>
+            <a:prstGeom prst="rect">
+              <a:avLst/>
+            </a:prstGeom>
+            <a:noFill/>
+          </p:spPr>
+          <p:txBody>
+            <a:bodyPr wrap="none" rtlCol="0">
+              <a:spAutoFit/>
+            </a:bodyPr>
+            <a:lstStyle/>
+            <a:p>
+              <a:r>
+                <a:rPr lang="en-US" dirty="0">
+                  <a:solidFill>
+                    <a:schemeClr val="bg1"/>
+                  </a:solidFill>
+                </a:rPr>
+                <a:t>Scene bounds of 16</a:t>
+              </a:r>
+            </a:p>
+          </p:txBody>
+        </p:sp>
+        <p:cxnSp>
+          <p:nvCxnSpPr>
+            <p:cNvPr id="26" name="Straight Arrow Connector 25">
+              <a:extLst>
+                <a:ext uri="{FF2B5EF4-FFF2-40B4-BE49-F238E27FC236}">
+                  <a16:creationId xmlns:a16="http://schemas.microsoft.com/office/drawing/2014/main" id="{5921D2AF-67D0-48F8-9FA4-4DEEFE542E75}"/>
+                </a:ext>
+              </a:extLst>
+            </p:cNvPr>
+            <p:cNvCxnSpPr>
+              <a:cxnSpLocks/>
+            </p:cNvCxnSpPr>
+            <p:nvPr/>
+          </p:nvCxnSpPr>
+          <p:spPr>
+            <a:xfrm flipV="1">
+              <a:off x="7128768" y="5310981"/>
+              <a:ext cx="213064" cy="208741"/>
+            </a:xfrm>
+            <a:prstGeom prst="straightConnector1">
+              <a:avLst/>
+            </a:prstGeom>
+            <a:ln w="38100">
+              <a:headEnd type="triangle"/>
+              <a:tailEnd type="triangle"/>
+            </a:ln>
+          </p:spPr>
+          <p:style>
+            <a:lnRef idx="1">
+              <a:schemeClr val="accent1"/>
+            </a:lnRef>
+            <a:fillRef idx="0">
+              <a:schemeClr val="accent1"/>
+            </a:fillRef>
+            <a:effectRef idx="0">
+              <a:schemeClr val="accent1"/>
+            </a:effectRef>
+            <a:fontRef idx="minor">
+              <a:schemeClr val="tx1"/>
+            </a:fontRef>
+          </p:style>
+        </p:cxnSp>
+        <p:sp>
+          <p:nvSpPr>
+            <p:cNvPr id="89" name="TextBox 88">
+              <a:extLst>
+                <a:ext uri="{FF2B5EF4-FFF2-40B4-BE49-F238E27FC236}">
+                  <a16:creationId xmlns:a16="http://schemas.microsoft.com/office/drawing/2014/main" id="{ED564A0C-F4F8-45B9-9822-61DBD3F0FEB6}"/>
+                </a:ext>
+              </a:extLst>
+            </p:cNvPr>
+            <p:cNvSpPr txBox="1"/>
+            <p:nvPr/>
+          </p:nvSpPr>
+          <p:spPr>
+            <a:xfrm>
+              <a:off x="7491274" y="5249693"/>
+              <a:ext cx="1633396" cy="369332"/>
+            </a:xfrm>
+            <a:prstGeom prst="rect">
+              <a:avLst/>
+            </a:prstGeom>
+            <a:noFill/>
+          </p:spPr>
+          <p:txBody>
+            <a:bodyPr wrap="none" rtlCol="0">
+              <a:spAutoFit/>
+            </a:bodyPr>
+            <a:lstStyle/>
+            <a:p>
+              <a:r>
+                <a:rPr lang="en-US" dirty="0">
+                  <a:solidFill>
+                    <a:schemeClr val="bg1"/>
+                  </a:solidFill>
+                </a:rPr>
+                <a:t>Cell size of 0.25</a:t>
+              </a:r>
+            </a:p>
+          </p:txBody>
+        </p:sp>
+        <p:sp>
+          <p:nvSpPr>
+            <p:cNvPr id="90" name="Oval 89">
+              <a:extLst>
+                <a:ext uri="{FF2B5EF4-FFF2-40B4-BE49-F238E27FC236}">
+                  <a16:creationId xmlns:a16="http://schemas.microsoft.com/office/drawing/2014/main" id="{27A7C0E8-C3DE-4E1C-87C7-D272F2BA551C}"/>
+                </a:ext>
+              </a:extLst>
+            </p:cNvPr>
+            <p:cNvSpPr/>
+            <p:nvPr/>
+          </p:nvSpPr>
+          <p:spPr>
+            <a:xfrm>
+              <a:off x="5078795" y="3892320"/>
+              <a:ext cx="45719" cy="53266"/>
+            </a:xfrm>
+            <a:prstGeom prst="ellipse">
+              <a:avLst/>
+            </a:prstGeom>
+          </p:spPr>
+          <p:style>
+            <a:lnRef idx="2">
+              <a:schemeClr val="accent2">
+                <a:shade val="50000"/>
+              </a:schemeClr>
+            </a:lnRef>
+            <a:fillRef idx="1">
+              <a:schemeClr val="accent2"/>
+            </a:fillRef>
+            <a:effectRef idx="0">
+              <a:schemeClr val="accent2"/>
+            </a:effectRef>
+            <a:fontRef idx="minor">
+              <a:schemeClr val="lt1"/>
+            </a:fontRef>
+          </p:style>
+          <p:txBody>
+            <a:bodyPr rtlCol="0" anchor="ctr"/>
+            <a:lstStyle/>
+            <a:p>
+              <a:pPr algn="ctr"/>
+              <a:endParaRPr lang="en-US"/>
+            </a:p>
+          </p:txBody>
+        </p:sp>
+        <p:sp>
+          <p:nvSpPr>
+            <p:cNvPr id="91" name="Oval 90">
+              <a:extLst>
+                <a:ext uri="{FF2B5EF4-FFF2-40B4-BE49-F238E27FC236}">
+                  <a16:creationId xmlns:a16="http://schemas.microsoft.com/office/drawing/2014/main" id="{B7E89DCB-5DE1-4C85-A82A-D293D588E926}"/>
+                </a:ext>
+              </a:extLst>
+            </p:cNvPr>
+            <p:cNvSpPr/>
+            <p:nvPr/>
+          </p:nvSpPr>
+          <p:spPr>
+            <a:xfrm>
+              <a:off x="5352522" y="3892320"/>
+              <a:ext cx="45719" cy="53266"/>
+            </a:xfrm>
+            <a:prstGeom prst="ellipse">
+              <a:avLst/>
+            </a:prstGeom>
+          </p:spPr>
+          <p:style>
+            <a:lnRef idx="2">
+              <a:schemeClr val="accent2">
+                <a:shade val="50000"/>
+              </a:schemeClr>
+            </a:lnRef>
+            <a:fillRef idx="1">
+              <a:schemeClr val="accent2"/>
+            </a:fillRef>
+            <a:effectRef idx="0">
+              <a:schemeClr val="accent2"/>
+            </a:effectRef>
+            <a:fontRef idx="minor">
+              <a:schemeClr val="lt1"/>
+            </a:fontRef>
+          </p:style>
+          <p:txBody>
+            <a:bodyPr rtlCol="0" anchor="ctr"/>
+            <a:lstStyle/>
+            <a:p>
+              <a:pPr algn="ctr"/>
+              <a:endParaRPr lang="en-US"/>
+            </a:p>
+          </p:txBody>
+        </p:sp>
+        <p:sp>
+          <p:nvSpPr>
+            <p:cNvPr id="92" name="Oval 91">
+              <a:extLst>
+                <a:ext uri="{FF2B5EF4-FFF2-40B4-BE49-F238E27FC236}">
+                  <a16:creationId xmlns:a16="http://schemas.microsoft.com/office/drawing/2014/main" id="{2025E145-757C-4E37-88FC-E653701CFDFA}"/>
+                </a:ext>
+              </a:extLst>
+            </p:cNvPr>
+            <p:cNvSpPr/>
+            <p:nvPr/>
+          </p:nvSpPr>
+          <p:spPr>
+            <a:xfrm>
+              <a:off x="5626249" y="3901198"/>
+              <a:ext cx="45719" cy="53266"/>
+            </a:xfrm>
+            <a:prstGeom prst="ellipse">
+              <a:avLst/>
+            </a:prstGeom>
+          </p:spPr>
+          <p:style>
+            <a:lnRef idx="2">
+              <a:schemeClr val="accent2">
+                <a:shade val="50000"/>
+              </a:schemeClr>
+            </a:lnRef>
+            <a:fillRef idx="1">
+              <a:schemeClr val="accent2"/>
+            </a:fillRef>
+            <a:effectRef idx="0">
+              <a:schemeClr val="accent2"/>
+            </a:effectRef>
+            <a:fontRef idx="minor">
+              <a:schemeClr val="lt1"/>
+            </a:fontRef>
+          </p:style>
+          <p:txBody>
+            <a:bodyPr rtlCol="0" anchor="ctr"/>
+            <a:lstStyle/>
+            <a:p>
+              <a:pPr algn="ctr"/>
+              <a:endParaRPr lang="en-US"/>
+            </a:p>
+          </p:txBody>
+        </p:sp>
+      </p:grpSp>
+    </p:spTree>
+    <p:extLst>
+      <p:ext uri="{BB962C8B-B14F-4D97-AF65-F5344CB8AC3E}">
+        <p14:creationId xmlns:p14="http://schemas.microsoft.com/office/powerpoint/2010/main" val="2201436439"/>
+      </p:ext>
+    </p:extLst>
+  </p:cSld>
+  <p:clrMapOvr>
+    <a:masterClrMapping/>
+  </p:clrMapOvr>
+</p:sld>
+</file>
+
+<file path=ppt/slides/slide8.xml><?xml version="1.0" encoding="utf-8"?>
+<p:sld xmlns:a="http://schemas.openxmlformats.org/drawingml/2006/main" xmlns:r="http://schemas.openxmlformats.org/officeDocument/2006/relationships" xmlns:p="http://schemas.openxmlformats.org/presentationml/2006/main">
+  <p:cSld>
+    <p:spTree>
+      <p:nvGrpSpPr>
+        <p:cNvPr id="1" name=""/>
+        <p:cNvGrpSpPr/>
+        <p:nvPr/>
+      </p:nvGrpSpPr>
+      <p:grpSpPr>
+        <a:xfrm>
+          <a:off x="0" y="0"/>
+          <a:ext cx="0" cy="0"/>
+          <a:chOff x="0" y="0"/>
+          <a:chExt cx="0" cy="0"/>
+        </a:xfrm>
+      </p:grpSpPr>
+      <p:grpSp>
+        <p:nvGrpSpPr>
+          <p:cNvPr id="32" name="Group 31">
+            <a:extLst>
+              <a:ext uri="{FF2B5EF4-FFF2-40B4-BE49-F238E27FC236}">
+                <a16:creationId xmlns:a16="http://schemas.microsoft.com/office/drawing/2014/main" id="{19FDDF7E-E2A1-442B-819B-89EE5E4916F9}"/>
+              </a:ext>
+            </a:extLst>
+          </p:cNvPr>
+          <p:cNvGrpSpPr/>
+          <p:nvPr/>
+        </p:nvGrpSpPr>
+        <p:grpSpPr>
+          <a:xfrm>
+            <a:off x="1109826" y="0"/>
+            <a:ext cx="9194278" cy="6662688"/>
+            <a:chOff x="1109826" y="0"/>
+            <a:chExt cx="9194278" cy="6662688"/>
+          </a:xfrm>
+        </p:grpSpPr>
+        <p:sp>
+          <p:nvSpPr>
+            <p:cNvPr id="23" name="Rectangle 22">
+              <a:extLst>
+                <a:ext uri="{FF2B5EF4-FFF2-40B4-BE49-F238E27FC236}">
+                  <a16:creationId xmlns:a16="http://schemas.microsoft.com/office/drawing/2014/main" id="{170EB901-9BCC-4D13-AA07-05C1B45249CD}"/>
+                </a:ext>
+              </a:extLst>
+            </p:cNvPr>
+            <p:cNvSpPr/>
+            <p:nvPr/>
+          </p:nvSpPr>
+          <p:spPr>
+            <a:xfrm>
+              <a:off x="1109826" y="0"/>
+              <a:ext cx="9194278" cy="6662688"/>
+            </a:xfrm>
+            <a:prstGeom prst="rect">
+              <a:avLst/>
+            </a:prstGeom>
+            <a:solidFill>
+              <a:schemeClr val="tx1">
+                <a:lumMod val="75000"/>
+                <a:lumOff val="25000"/>
+              </a:schemeClr>
+            </a:solidFill>
+          </p:spPr>
+          <p:style>
+            <a:lnRef idx="2">
+              <a:schemeClr val="accent3">
+                <a:shade val="50000"/>
+              </a:schemeClr>
+            </a:lnRef>
+            <a:fillRef idx="1">
+              <a:schemeClr val="accent3"/>
+            </a:fillRef>
+            <a:effectRef idx="0">
+              <a:schemeClr val="accent3"/>
+            </a:effectRef>
+            <a:fontRef idx="minor">
+              <a:schemeClr val="lt1"/>
+            </a:fontRef>
+          </p:style>
+          <p:txBody>
+            <a:bodyPr rtlCol="0" anchor="ctr"/>
+            <a:lstStyle/>
+            <a:p>
+              <a:pPr algn="ctr"/>
+              <a:endParaRPr lang="en-US" dirty="0"/>
+            </a:p>
+          </p:txBody>
+        </p:sp>
+        <p:sp>
+          <p:nvSpPr>
+            <p:cNvPr id="2" name="Rectangle 1">
+              <a:extLst>
+                <a:ext uri="{FF2B5EF4-FFF2-40B4-BE49-F238E27FC236}">
+                  <a16:creationId xmlns:a16="http://schemas.microsoft.com/office/drawing/2014/main" id="{2AE8FE89-B57E-48D0-93FC-78599AA0A09E}"/>
+                </a:ext>
+              </a:extLst>
+            </p:cNvPr>
+            <p:cNvSpPr/>
+            <p:nvPr/>
+          </p:nvSpPr>
+          <p:spPr>
+            <a:xfrm>
+              <a:off x="1995997" y="890059"/>
+              <a:ext cx="7989903" cy="585926"/>
+            </a:xfrm>
+            <a:prstGeom prst="rect">
+              <a:avLst/>
+            </a:prstGeom>
+            <a:noFill/>
+            <a:ln w="28575"/>
+          </p:spPr>
+          <p:style>
+            <a:lnRef idx="2">
+              <a:schemeClr val="accent2">
+                <a:shade val="50000"/>
+              </a:schemeClr>
+            </a:lnRef>
+            <a:fillRef idx="1">
+              <a:schemeClr val="accent2"/>
+            </a:fillRef>
+            <a:effectRef idx="0">
+              <a:schemeClr val="accent2"/>
+            </a:effectRef>
+            <a:fontRef idx="minor">
+              <a:schemeClr val="lt1"/>
+            </a:fontRef>
+          </p:style>
+          <p:txBody>
+            <a:bodyPr rtlCol="0" anchor="ctr"/>
+            <a:lstStyle/>
+            <a:p>
+              <a:pPr algn="ctr"/>
+              <a:endParaRPr lang="en-US"/>
+            </a:p>
+          </p:txBody>
+        </p:sp>
+        <p:cxnSp>
+          <p:nvCxnSpPr>
+            <p:cNvPr id="5" name="Straight Connector 4">
+              <a:extLst>
+                <a:ext uri="{FF2B5EF4-FFF2-40B4-BE49-F238E27FC236}">
+                  <a16:creationId xmlns:a16="http://schemas.microsoft.com/office/drawing/2014/main" id="{8A53AB78-84FC-4B5A-B099-B2F26A157D96}"/>
+                </a:ext>
+              </a:extLst>
+            </p:cNvPr>
+            <p:cNvCxnSpPr/>
+            <p:nvPr/>
+          </p:nvCxnSpPr>
+          <p:spPr>
+            <a:xfrm>
+              <a:off x="2636668" y="890059"/>
+              <a:ext cx="0" cy="585926"/>
+            </a:xfrm>
+            <a:prstGeom prst="line">
+              <a:avLst/>
+            </a:prstGeom>
+            <a:ln>
+              <a:solidFill>
+                <a:schemeClr val="accent2"/>
+              </a:solidFill>
+            </a:ln>
+          </p:spPr>
+          <p:style>
+            <a:lnRef idx="1">
+              <a:schemeClr val="accent1"/>
+            </a:lnRef>
+            <a:fillRef idx="0">
+              <a:schemeClr val="accent1"/>
+            </a:fillRef>
+            <a:effectRef idx="0">
+              <a:schemeClr val="accent1"/>
+            </a:effectRef>
+            <a:fontRef idx="minor">
+              <a:schemeClr val="tx1"/>
+            </a:fontRef>
+          </p:style>
+        </p:cxnSp>
+        <p:cxnSp>
+          <p:nvCxnSpPr>
+            <p:cNvPr id="17" name="Straight Connector 16">
+              <a:extLst>
+                <a:ext uri="{FF2B5EF4-FFF2-40B4-BE49-F238E27FC236}">
+                  <a16:creationId xmlns:a16="http://schemas.microsoft.com/office/drawing/2014/main" id="{BFC7A37E-ADF4-4F3D-B74E-191035C5C7CD}"/>
+                </a:ext>
+              </a:extLst>
+            </p:cNvPr>
+            <p:cNvCxnSpPr/>
+            <p:nvPr/>
+          </p:nvCxnSpPr>
+          <p:spPr>
+            <a:xfrm>
+              <a:off x="3259584" y="890059"/>
+              <a:ext cx="0" cy="585926"/>
+            </a:xfrm>
+            <a:prstGeom prst="line">
+              <a:avLst/>
+            </a:prstGeom>
+            <a:ln>
+              <a:solidFill>
+                <a:schemeClr val="accent2"/>
+              </a:solidFill>
+            </a:ln>
+          </p:spPr>
+          <p:style>
+            <a:lnRef idx="1">
+              <a:schemeClr val="accent1"/>
+            </a:lnRef>
+            <a:fillRef idx="0">
+              <a:schemeClr val="accent1"/>
+            </a:fillRef>
+            <a:effectRef idx="0">
+              <a:schemeClr val="accent1"/>
+            </a:effectRef>
+            <a:fontRef idx="minor">
+              <a:schemeClr val="tx1"/>
+            </a:fontRef>
+          </p:style>
+        </p:cxnSp>
+        <p:cxnSp>
+          <p:nvCxnSpPr>
+            <p:cNvPr id="18" name="Straight Connector 17">
+              <a:extLst>
+                <a:ext uri="{FF2B5EF4-FFF2-40B4-BE49-F238E27FC236}">
+                  <a16:creationId xmlns:a16="http://schemas.microsoft.com/office/drawing/2014/main" id="{9C94D911-85E9-4BC3-8983-3C75A3A35D20}"/>
+                </a:ext>
+              </a:extLst>
+            </p:cNvPr>
+            <p:cNvCxnSpPr/>
+            <p:nvPr/>
+          </p:nvCxnSpPr>
+          <p:spPr>
+            <a:xfrm>
+              <a:off x="3836633" y="890059"/>
+              <a:ext cx="0" cy="585926"/>
+            </a:xfrm>
+            <a:prstGeom prst="line">
+              <a:avLst/>
+            </a:prstGeom>
+            <a:ln>
+              <a:solidFill>
+                <a:schemeClr val="accent2"/>
+              </a:solidFill>
+            </a:ln>
+          </p:spPr>
+          <p:style>
+            <a:lnRef idx="1">
+              <a:schemeClr val="accent1"/>
+            </a:lnRef>
+            <a:fillRef idx="0">
+              <a:schemeClr val="accent1"/>
+            </a:fillRef>
+            <a:effectRef idx="0">
+              <a:schemeClr val="accent1"/>
+            </a:effectRef>
+            <a:fontRef idx="minor">
+              <a:schemeClr val="tx1"/>
+            </a:fontRef>
+          </p:style>
+        </p:cxnSp>
+        <p:cxnSp>
+          <p:nvCxnSpPr>
+            <p:cNvPr id="19" name="Straight Connector 18">
+              <a:extLst>
+                <a:ext uri="{FF2B5EF4-FFF2-40B4-BE49-F238E27FC236}">
+                  <a16:creationId xmlns:a16="http://schemas.microsoft.com/office/drawing/2014/main" id="{169E1FF8-E144-4509-93CE-E049A417139D}"/>
+                </a:ext>
+              </a:extLst>
+            </p:cNvPr>
+            <p:cNvCxnSpPr/>
+            <p:nvPr/>
+          </p:nvCxnSpPr>
+          <p:spPr>
+            <a:xfrm>
+              <a:off x="4449192" y="890059"/>
+              <a:ext cx="0" cy="585926"/>
+            </a:xfrm>
+            <a:prstGeom prst="line">
+              <a:avLst/>
+            </a:prstGeom>
+            <a:ln>
+              <a:solidFill>
+                <a:schemeClr val="accent2"/>
+              </a:solidFill>
+            </a:ln>
+          </p:spPr>
+          <p:style>
+            <a:lnRef idx="1">
+              <a:schemeClr val="accent1"/>
+            </a:lnRef>
+            <a:fillRef idx="0">
+              <a:schemeClr val="accent1"/>
+            </a:fillRef>
+            <a:effectRef idx="0">
+              <a:schemeClr val="accent1"/>
+            </a:effectRef>
+            <a:fontRef idx="minor">
+              <a:schemeClr val="tx1"/>
+            </a:fontRef>
+          </p:style>
+        </p:cxnSp>
+        <p:cxnSp>
+          <p:nvCxnSpPr>
+            <p:cNvPr id="20" name="Straight Connector 19">
+              <a:extLst>
+                <a:ext uri="{FF2B5EF4-FFF2-40B4-BE49-F238E27FC236}">
+                  <a16:creationId xmlns:a16="http://schemas.microsoft.com/office/drawing/2014/main" id="{34CAFB6B-407C-4625-A8C5-FE652162ED55}"/>
+                </a:ext>
+              </a:extLst>
+            </p:cNvPr>
+            <p:cNvCxnSpPr/>
+            <p:nvPr/>
+          </p:nvCxnSpPr>
+          <p:spPr>
+            <a:xfrm>
+              <a:off x="5061751" y="890059"/>
+              <a:ext cx="0" cy="585926"/>
+            </a:xfrm>
+            <a:prstGeom prst="line">
+              <a:avLst/>
+            </a:prstGeom>
+            <a:ln>
+              <a:solidFill>
+                <a:schemeClr val="accent2"/>
+              </a:solidFill>
+            </a:ln>
+          </p:spPr>
+          <p:style>
+            <a:lnRef idx="1">
+              <a:schemeClr val="accent1"/>
+            </a:lnRef>
+            <a:fillRef idx="0">
+              <a:schemeClr val="accent1"/>
+            </a:fillRef>
+            <a:effectRef idx="0">
+              <a:schemeClr val="accent1"/>
+            </a:effectRef>
+            <a:fontRef idx="minor">
+              <a:schemeClr val="tx1"/>
+            </a:fontRef>
+          </p:style>
+        </p:cxnSp>
+        <p:sp>
+          <p:nvSpPr>
+            <p:cNvPr id="6" name="Oval 5">
+              <a:extLst>
+                <a:ext uri="{FF2B5EF4-FFF2-40B4-BE49-F238E27FC236}">
+                  <a16:creationId xmlns:a16="http://schemas.microsoft.com/office/drawing/2014/main" id="{08958699-AACD-43DE-AE76-06653DCFEB8F}"/>
+                </a:ext>
+              </a:extLst>
+            </p:cNvPr>
+            <p:cNvSpPr/>
+            <p:nvPr/>
+          </p:nvSpPr>
+          <p:spPr>
+            <a:xfrm>
+              <a:off x="5521911" y="1120878"/>
+              <a:ext cx="45719" cy="53266"/>
+            </a:xfrm>
+            <a:prstGeom prst="ellipse">
+              <a:avLst/>
+            </a:prstGeom>
+          </p:spPr>
+          <p:style>
+            <a:lnRef idx="2">
+              <a:schemeClr val="accent1">
+                <a:shade val="50000"/>
+              </a:schemeClr>
+            </a:lnRef>
+            <a:fillRef idx="1">
+              <a:schemeClr val="accent1"/>
+            </a:fillRef>
+            <a:effectRef idx="0">
+              <a:schemeClr val="accent1"/>
+            </a:effectRef>
+            <a:fontRef idx="minor">
+              <a:schemeClr val="lt1"/>
+            </a:fontRef>
+          </p:style>
+          <p:txBody>
+            <a:bodyPr rtlCol="0" anchor="ctr"/>
+            <a:lstStyle/>
+            <a:p>
+              <a:pPr algn="ctr"/>
+              <a:endParaRPr lang="en-US"/>
+            </a:p>
+          </p:txBody>
+        </p:sp>
+        <p:sp>
+          <p:nvSpPr>
+            <p:cNvPr id="24" name="Oval 23">
+              <a:extLst>
+                <a:ext uri="{FF2B5EF4-FFF2-40B4-BE49-F238E27FC236}">
+                  <a16:creationId xmlns:a16="http://schemas.microsoft.com/office/drawing/2014/main" id="{6DAE7183-D5E3-49E8-98DD-FE6ED11C992E}"/>
+                </a:ext>
+              </a:extLst>
+            </p:cNvPr>
+            <p:cNvSpPr/>
+            <p:nvPr/>
+          </p:nvSpPr>
+          <p:spPr>
+            <a:xfrm>
+              <a:off x="5795638" y="1120878"/>
+              <a:ext cx="45719" cy="53266"/>
+            </a:xfrm>
+            <a:prstGeom prst="ellipse">
+              <a:avLst/>
+            </a:prstGeom>
+          </p:spPr>
+          <p:style>
+            <a:lnRef idx="2">
+              <a:schemeClr val="accent1">
+                <a:shade val="50000"/>
+              </a:schemeClr>
+            </a:lnRef>
+            <a:fillRef idx="1">
+              <a:schemeClr val="accent1"/>
+            </a:fillRef>
+            <a:effectRef idx="0">
+              <a:schemeClr val="accent1"/>
+            </a:effectRef>
+            <a:fontRef idx="minor">
+              <a:schemeClr val="lt1"/>
+            </a:fontRef>
+          </p:style>
+          <p:txBody>
+            <a:bodyPr rtlCol="0" anchor="ctr"/>
+            <a:lstStyle/>
+            <a:p>
+              <a:pPr algn="ctr"/>
+              <a:endParaRPr lang="en-US"/>
+            </a:p>
+          </p:txBody>
+        </p:sp>
+        <p:sp>
+          <p:nvSpPr>
+            <p:cNvPr id="25" name="Oval 24">
+              <a:extLst>
+                <a:ext uri="{FF2B5EF4-FFF2-40B4-BE49-F238E27FC236}">
+                  <a16:creationId xmlns:a16="http://schemas.microsoft.com/office/drawing/2014/main" id="{26F50960-A8F6-49F3-8E60-347FDA5946AC}"/>
+                </a:ext>
+              </a:extLst>
+            </p:cNvPr>
+            <p:cNvSpPr/>
+            <p:nvPr/>
+          </p:nvSpPr>
+          <p:spPr>
+            <a:xfrm>
+              <a:off x="6069365" y="1129756"/>
+              <a:ext cx="45719" cy="53266"/>
+            </a:xfrm>
+            <a:prstGeom prst="ellipse">
+              <a:avLst/>
+            </a:prstGeom>
+          </p:spPr>
+          <p:style>
+            <a:lnRef idx="2">
+              <a:schemeClr val="accent1">
+                <a:shade val="50000"/>
+              </a:schemeClr>
+            </a:lnRef>
+            <a:fillRef idx="1">
+              <a:schemeClr val="accent1"/>
+            </a:fillRef>
+            <a:effectRef idx="0">
+              <a:schemeClr val="accent1"/>
+            </a:effectRef>
+            <a:fontRef idx="minor">
+              <a:schemeClr val="lt1"/>
+            </a:fontRef>
+          </p:style>
+          <p:txBody>
+            <a:bodyPr rtlCol="0" anchor="ctr"/>
+            <a:lstStyle/>
+            <a:p>
+              <a:pPr algn="ctr"/>
+              <a:endParaRPr lang="en-US"/>
+            </a:p>
+          </p:txBody>
+        </p:sp>
+        <p:sp>
+          <p:nvSpPr>
+            <p:cNvPr id="7" name="TextBox 6">
+              <a:extLst>
+                <a:ext uri="{FF2B5EF4-FFF2-40B4-BE49-F238E27FC236}">
+                  <a16:creationId xmlns:a16="http://schemas.microsoft.com/office/drawing/2014/main" id="{007273E1-6DE6-495E-A5B0-100109BA139A}"/>
+                </a:ext>
+              </a:extLst>
+            </p:cNvPr>
+            <p:cNvSpPr txBox="1"/>
+            <p:nvPr/>
+          </p:nvSpPr>
+          <p:spPr>
+            <a:xfrm>
+              <a:off x="2128424" y="971723"/>
+              <a:ext cx="426720" cy="369332"/>
+            </a:xfrm>
+            <a:prstGeom prst="rect">
+              <a:avLst/>
+            </a:prstGeom>
+            <a:noFill/>
+          </p:spPr>
+          <p:txBody>
+            <a:bodyPr wrap="none" rtlCol="0">
+              <a:spAutoFit/>
+            </a:bodyPr>
+            <a:lstStyle/>
+            <a:p>
+              <a:r>
+                <a:rPr lang="en-US" dirty="0">
+                  <a:solidFill>
+                    <a:schemeClr val="bg1"/>
+                  </a:solidFill>
+                </a:rPr>
+                <a:t>B1</a:t>
+              </a:r>
+            </a:p>
+          </p:txBody>
+        </p:sp>
+        <p:sp>
+          <p:nvSpPr>
+            <p:cNvPr id="28" name="TextBox 27">
+              <a:extLst>
+                <a:ext uri="{FF2B5EF4-FFF2-40B4-BE49-F238E27FC236}">
+                  <a16:creationId xmlns:a16="http://schemas.microsoft.com/office/drawing/2014/main" id="{6FB3D2A5-EC6E-48EC-ADC0-7AACF21AE6EB}"/>
+                </a:ext>
+              </a:extLst>
+            </p:cNvPr>
+            <p:cNvSpPr txBox="1"/>
+            <p:nvPr/>
+          </p:nvSpPr>
+          <p:spPr>
+            <a:xfrm>
+              <a:off x="2713755" y="971723"/>
+              <a:ext cx="426720" cy="369332"/>
+            </a:xfrm>
+            <a:prstGeom prst="rect">
+              <a:avLst/>
+            </a:prstGeom>
+            <a:noFill/>
+          </p:spPr>
+          <p:txBody>
+            <a:bodyPr wrap="none" rtlCol="0">
+              <a:spAutoFit/>
+            </a:bodyPr>
+            <a:lstStyle/>
+            <a:p>
+              <a:r>
+                <a:rPr lang="en-US" dirty="0">
+                  <a:solidFill>
+                    <a:schemeClr val="bg1"/>
+                  </a:solidFill>
+                </a:rPr>
+                <a:t>B2</a:t>
+              </a:r>
+            </a:p>
+          </p:txBody>
+        </p:sp>
+        <p:sp>
+          <p:nvSpPr>
+            <p:cNvPr id="29" name="TextBox 28">
+              <a:extLst>
+                <a:ext uri="{FF2B5EF4-FFF2-40B4-BE49-F238E27FC236}">
+                  <a16:creationId xmlns:a16="http://schemas.microsoft.com/office/drawing/2014/main" id="{B506176B-3663-4B16-883D-A26171758A72}"/>
+                </a:ext>
+              </a:extLst>
+            </p:cNvPr>
+            <p:cNvSpPr txBox="1"/>
+            <p:nvPr/>
+          </p:nvSpPr>
+          <p:spPr>
+            <a:xfrm>
+              <a:off x="3310558" y="962844"/>
+              <a:ext cx="426720" cy="369332"/>
+            </a:xfrm>
+            <a:prstGeom prst="rect">
+              <a:avLst/>
+            </a:prstGeom>
+            <a:noFill/>
+          </p:spPr>
+          <p:txBody>
+            <a:bodyPr wrap="none" rtlCol="0">
+              <a:spAutoFit/>
+            </a:bodyPr>
+            <a:lstStyle/>
+            <a:p>
+              <a:r>
+                <a:rPr lang="en-US" dirty="0">
+                  <a:solidFill>
+                    <a:schemeClr val="bg1"/>
+                  </a:solidFill>
+                </a:rPr>
+                <a:t>B3</a:t>
+              </a:r>
+            </a:p>
+          </p:txBody>
+        </p:sp>
+        <p:sp>
+          <p:nvSpPr>
+            <p:cNvPr id="30" name="TextBox 29">
+              <a:extLst>
+                <a:ext uri="{FF2B5EF4-FFF2-40B4-BE49-F238E27FC236}">
+                  <a16:creationId xmlns:a16="http://schemas.microsoft.com/office/drawing/2014/main" id="{D00896DE-0DAD-4D4C-806A-F3E8C101287D}"/>
+                </a:ext>
+              </a:extLst>
+            </p:cNvPr>
+            <p:cNvSpPr txBox="1"/>
+            <p:nvPr/>
+          </p:nvSpPr>
+          <p:spPr>
+            <a:xfrm>
+              <a:off x="3916505" y="962844"/>
+              <a:ext cx="426720" cy="369332"/>
+            </a:xfrm>
+            <a:prstGeom prst="rect">
+              <a:avLst/>
+            </a:prstGeom>
+            <a:noFill/>
+          </p:spPr>
+          <p:txBody>
+            <a:bodyPr wrap="none" rtlCol="0">
+              <a:spAutoFit/>
+            </a:bodyPr>
+            <a:lstStyle/>
+            <a:p>
+              <a:r>
+                <a:rPr lang="en-US" dirty="0">
+                  <a:solidFill>
+                    <a:schemeClr val="bg1"/>
+                  </a:solidFill>
+                </a:rPr>
+                <a:t>B4</a:t>
+              </a:r>
+            </a:p>
+          </p:txBody>
+        </p:sp>
+        <p:sp>
+          <p:nvSpPr>
+            <p:cNvPr id="31" name="TextBox 30">
+              <a:extLst>
+                <a:ext uri="{FF2B5EF4-FFF2-40B4-BE49-F238E27FC236}">
+                  <a16:creationId xmlns:a16="http://schemas.microsoft.com/office/drawing/2014/main" id="{C217C645-2BEF-4BFE-828B-3FEC46F991F2}"/>
+                </a:ext>
+              </a:extLst>
+            </p:cNvPr>
+            <p:cNvSpPr txBox="1"/>
+            <p:nvPr/>
+          </p:nvSpPr>
+          <p:spPr>
+            <a:xfrm>
+              <a:off x="4530287" y="971723"/>
+              <a:ext cx="426720" cy="369332"/>
+            </a:xfrm>
+            <a:prstGeom prst="rect">
+              <a:avLst/>
+            </a:prstGeom>
+            <a:noFill/>
+          </p:spPr>
+          <p:txBody>
+            <a:bodyPr wrap="none" rtlCol="0">
+              <a:spAutoFit/>
+            </a:bodyPr>
+            <a:lstStyle/>
+            <a:p>
+              <a:r>
+                <a:rPr lang="en-US" dirty="0">
+                  <a:solidFill>
+                    <a:schemeClr val="bg1"/>
+                  </a:solidFill>
+                </a:rPr>
+                <a:t>B5</a:t>
+              </a:r>
+            </a:p>
+          </p:txBody>
+        </p:sp>
+        <p:cxnSp>
+          <p:nvCxnSpPr>
+            <p:cNvPr id="9" name="Connector: Curved 8">
+              <a:extLst>
+                <a:ext uri="{FF2B5EF4-FFF2-40B4-BE49-F238E27FC236}">
+                  <a16:creationId xmlns:a16="http://schemas.microsoft.com/office/drawing/2014/main" id="{6FE30EB5-A03F-4838-9A3B-3C76822F5824}"/>
+                </a:ext>
+              </a:extLst>
+            </p:cNvPr>
+            <p:cNvCxnSpPr/>
+            <p:nvPr/>
+          </p:nvCxnSpPr>
+          <p:spPr>
+            <a:xfrm rot="5400000">
+              <a:off x="1396164" y="1944133"/>
+              <a:ext cx="1413769" cy="477473"/>
+            </a:xfrm>
+            <a:prstGeom prst="curvedConnector3">
+              <a:avLst>
+                <a:gd name="adj1" fmla="val 63187"/>
+              </a:avLst>
+            </a:prstGeom>
+            <a:ln w="19050">
+              <a:tailEnd type="triangle"/>
+            </a:ln>
+          </p:spPr>
+          <p:style>
+            <a:lnRef idx="1">
+              <a:schemeClr val="accent4"/>
+            </a:lnRef>
+            <a:fillRef idx="0">
+              <a:schemeClr val="accent4"/>
+            </a:fillRef>
+            <a:effectRef idx="0">
+              <a:schemeClr val="accent4"/>
+            </a:effectRef>
+            <a:fontRef idx="minor">
+              <a:schemeClr val="tx1"/>
+            </a:fontRef>
+          </p:style>
+        </p:cxnSp>
+        <p:cxnSp>
+          <p:nvCxnSpPr>
+            <p:cNvPr id="12" name="Connector: Curved 11">
+              <a:extLst>
+                <a:ext uri="{FF2B5EF4-FFF2-40B4-BE49-F238E27FC236}">
+                  <a16:creationId xmlns:a16="http://schemas.microsoft.com/office/drawing/2014/main" id="{BBC88E34-EF25-46A4-8FF2-C0C352E15101}"/>
+                </a:ext>
+              </a:extLst>
+            </p:cNvPr>
+            <p:cNvCxnSpPr/>
+            <p:nvPr/>
+          </p:nvCxnSpPr>
+          <p:spPr>
+            <a:xfrm rot="16200000" flipH="1">
+              <a:off x="2411359" y="1991740"/>
+              <a:ext cx="1413769" cy="382257"/>
+            </a:xfrm>
+            <a:prstGeom prst="curvedConnector3">
+              <a:avLst/>
+            </a:prstGeom>
+            <a:ln w="19050">
+              <a:tailEnd type="triangle"/>
+            </a:ln>
+          </p:spPr>
+          <p:style>
+            <a:lnRef idx="1">
+              <a:schemeClr val="accent4"/>
+            </a:lnRef>
+            <a:fillRef idx="0">
+              <a:schemeClr val="accent4"/>
+            </a:fillRef>
+            <a:effectRef idx="0">
+              <a:schemeClr val="accent4"/>
+            </a:effectRef>
+            <a:fontRef idx="minor">
+              <a:schemeClr val="tx1"/>
+            </a:fontRef>
+          </p:style>
+        </p:cxnSp>
+        <p:sp>
+          <p:nvSpPr>
+            <p:cNvPr id="15" name="Rectangle 14">
+              <a:extLst>
+                <a:ext uri="{FF2B5EF4-FFF2-40B4-BE49-F238E27FC236}">
+                  <a16:creationId xmlns:a16="http://schemas.microsoft.com/office/drawing/2014/main" id="{E34D1631-E20D-4A2E-8494-B97B2B8FE7CE}"/>
+                </a:ext>
+              </a:extLst>
+            </p:cNvPr>
+            <p:cNvSpPr/>
+            <p:nvPr/>
+          </p:nvSpPr>
+          <p:spPr>
+            <a:xfrm>
+              <a:off x="1467039" y="2889753"/>
+              <a:ext cx="1322770" cy="1604640"/>
+            </a:xfrm>
+            <a:prstGeom prst="rect">
+              <a:avLst/>
+            </a:prstGeom>
+          </p:spPr>
+          <p:style>
+            <a:lnRef idx="2">
+              <a:schemeClr val="accent5">
+                <a:shade val="50000"/>
+              </a:schemeClr>
+            </a:lnRef>
+            <a:fillRef idx="1">
+              <a:schemeClr val="accent5"/>
+            </a:fillRef>
+            <a:effectRef idx="0">
+              <a:schemeClr val="accent5"/>
+            </a:effectRef>
+            <a:fontRef idx="minor">
+              <a:schemeClr val="lt1"/>
+            </a:fontRef>
+          </p:style>
+          <p:txBody>
+            <a:bodyPr rtlCol="0" anchor="ctr"/>
+            <a:lstStyle/>
+            <a:p>
+              <a:pPr algn="ctr"/>
+              <a:endParaRPr lang="en-US"/>
+            </a:p>
+          </p:txBody>
+        </p:sp>
+        <p:cxnSp>
+          <p:nvCxnSpPr>
+            <p:cNvPr id="39" name="Connector: Curved 38">
+              <a:extLst>
+                <a:ext uri="{FF2B5EF4-FFF2-40B4-BE49-F238E27FC236}">
+                  <a16:creationId xmlns:a16="http://schemas.microsoft.com/office/drawing/2014/main" id="{89A51D80-B983-4994-88CB-83524D549E80}"/>
+                </a:ext>
+              </a:extLst>
+            </p:cNvPr>
+            <p:cNvCxnSpPr/>
+            <p:nvPr/>
+          </p:nvCxnSpPr>
+          <p:spPr>
+            <a:xfrm rot="16200000" flipH="1">
+              <a:off x="3459078" y="1540822"/>
+              <a:ext cx="1349408" cy="1219729"/>
+            </a:xfrm>
+            <a:prstGeom prst="curvedConnector3">
+              <a:avLst/>
+            </a:prstGeom>
+            <a:ln w="19050">
+              <a:tailEnd type="triangle"/>
+            </a:ln>
+          </p:spPr>
+          <p:style>
+            <a:lnRef idx="1">
+              <a:schemeClr val="accent4"/>
+            </a:lnRef>
+            <a:fillRef idx="0">
+              <a:schemeClr val="accent4"/>
+            </a:fillRef>
+            <a:effectRef idx="0">
+              <a:schemeClr val="accent4"/>
+            </a:effectRef>
+            <a:fontRef idx="minor">
+              <a:schemeClr val="tx1"/>
+            </a:fontRef>
+          </p:style>
+        </p:cxnSp>
+        <p:sp>
+          <p:nvSpPr>
+            <p:cNvPr id="44" name="Rectangle 43">
+              <a:extLst>
+                <a:ext uri="{FF2B5EF4-FFF2-40B4-BE49-F238E27FC236}">
+                  <a16:creationId xmlns:a16="http://schemas.microsoft.com/office/drawing/2014/main" id="{F6F259F4-9367-4EB9-B5F6-B962A4DBFCA3}"/>
+                </a:ext>
+              </a:extLst>
+            </p:cNvPr>
+            <p:cNvSpPr/>
+            <p:nvPr/>
+          </p:nvSpPr>
+          <p:spPr>
+            <a:xfrm>
+              <a:off x="1617946" y="3082655"/>
+              <a:ext cx="973302" cy="272992"/>
+            </a:xfrm>
+            <a:prstGeom prst="rect">
+              <a:avLst/>
+            </a:prstGeom>
+          </p:spPr>
+          <p:style>
+            <a:lnRef idx="2">
+              <a:schemeClr val="accent1">
+                <a:shade val="50000"/>
+              </a:schemeClr>
+            </a:lnRef>
+            <a:fillRef idx="1">
+              <a:schemeClr val="accent1"/>
+            </a:fillRef>
+            <a:effectRef idx="0">
+              <a:schemeClr val="accent1"/>
+            </a:effectRef>
+            <a:fontRef idx="minor">
+              <a:schemeClr val="lt1"/>
+            </a:fontRef>
+          </p:style>
+          <p:txBody>
+            <a:bodyPr rtlCol="0" anchor="ctr"/>
+            <a:lstStyle/>
+            <a:p>
+              <a:pPr algn="ctr"/>
+              <a:r>
+                <a:rPr lang="en-US" dirty="0"/>
+                <a:t>Cell ID</a:t>
+              </a:r>
+            </a:p>
+          </p:txBody>
+        </p:sp>
+        <p:sp>
+          <p:nvSpPr>
+            <p:cNvPr id="55" name="Rectangle 54">
+              <a:extLst>
+                <a:ext uri="{FF2B5EF4-FFF2-40B4-BE49-F238E27FC236}">
+                  <a16:creationId xmlns:a16="http://schemas.microsoft.com/office/drawing/2014/main" id="{E09557F7-5DC6-485F-9AB5-7B5B11B511AE}"/>
+                </a:ext>
+              </a:extLst>
+            </p:cNvPr>
+            <p:cNvSpPr/>
+            <p:nvPr/>
+          </p:nvSpPr>
+          <p:spPr>
+            <a:xfrm>
+              <a:off x="1617058" y="3520159"/>
+              <a:ext cx="976668" cy="272992"/>
+            </a:xfrm>
+            <a:prstGeom prst="rect">
+              <a:avLst/>
+            </a:prstGeom>
+          </p:spPr>
+          <p:style>
+            <a:lnRef idx="2">
+              <a:schemeClr val="accent1">
+                <a:shade val="50000"/>
+              </a:schemeClr>
+            </a:lnRef>
+            <a:fillRef idx="1">
+              <a:schemeClr val="accent1"/>
+            </a:fillRef>
+            <a:effectRef idx="0">
+              <a:schemeClr val="accent1"/>
+            </a:effectRef>
+            <a:fontRef idx="minor">
+              <a:schemeClr val="lt1"/>
+            </a:fontRef>
+          </p:style>
+          <p:txBody>
+            <a:bodyPr rtlCol="0" anchor="ctr"/>
+            <a:lstStyle/>
+            <a:p>
+              <a:pPr algn="ctr"/>
+              <a:r>
+                <a:rPr lang="en-US" dirty="0"/>
+                <a:t>Start Idx</a:t>
+              </a:r>
+            </a:p>
+          </p:txBody>
+        </p:sp>
+        <p:sp>
+          <p:nvSpPr>
+            <p:cNvPr id="56" name="Rectangle 55">
+              <a:extLst>
+                <a:ext uri="{FF2B5EF4-FFF2-40B4-BE49-F238E27FC236}">
+                  <a16:creationId xmlns:a16="http://schemas.microsoft.com/office/drawing/2014/main" id="{6938ED6C-20C6-4881-9386-80D633EE15DA}"/>
+                </a:ext>
+              </a:extLst>
+            </p:cNvPr>
+            <p:cNvSpPr/>
+            <p:nvPr/>
+          </p:nvSpPr>
+          <p:spPr>
+            <a:xfrm>
+              <a:off x="1617058" y="3957663"/>
+              <a:ext cx="976668" cy="272992"/>
+            </a:xfrm>
+            <a:prstGeom prst="rect">
+              <a:avLst/>
+            </a:prstGeom>
+          </p:spPr>
+          <p:style>
+            <a:lnRef idx="2">
+              <a:schemeClr val="accent1">
+                <a:shade val="50000"/>
+              </a:schemeClr>
+            </a:lnRef>
+            <a:fillRef idx="1">
+              <a:schemeClr val="accent1"/>
+            </a:fillRef>
+            <a:effectRef idx="0">
+              <a:schemeClr val="accent1"/>
+            </a:effectRef>
+            <a:fontRef idx="minor">
+              <a:schemeClr val="lt1"/>
+            </a:fontRef>
+          </p:style>
+          <p:txBody>
+            <a:bodyPr rtlCol="0" anchor="ctr"/>
+            <a:lstStyle/>
+            <a:p>
+              <a:pPr algn="ctr"/>
+              <a:r>
+                <a:rPr lang="en-US" dirty="0"/>
+                <a:t>Count</a:t>
+              </a:r>
+            </a:p>
+          </p:txBody>
+        </p:sp>
+        <p:sp>
+          <p:nvSpPr>
+            <p:cNvPr id="58" name="Rectangle 57">
+              <a:extLst>
+                <a:ext uri="{FF2B5EF4-FFF2-40B4-BE49-F238E27FC236}">
+                  <a16:creationId xmlns:a16="http://schemas.microsoft.com/office/drawing/2014/main" id="{7245D64F-B6F3-46C5-89B5-5F1CF66D47FA}"/>
+                </a:ext>
+              </a:extLst>
+            </p:cNvPr>
+            <p:cNvSpPr/>
+            <p:nvPr/>
+          </p:nvSpPr>
+          <p:spPr>
+            <a:xfrm>
+              <a:off x="2939828" y="2889753"/>
+              <a:ext cx="1322770" cy="1604640"/>
+            </a:xfrm>
+            <a:prstGeom prst="rect">
+              <a:avLst/>
+            </a:prstGeom>
+          </p:spPr>
+          <p:style>
+            <a:lnRef idx="2">
+              <a:schemeClr val="accent5">
+                <a:shade val="50000"/>
+              </a:schemeClr>
+            </a:lnRef>
+            <a:fillRef idx="1">
+              <a:schemeClr val="accent5"/>
+            </a:fillRef>
+            <a:effectRef idx="0">
+              <a:schemeClr val="accent5"/>
+            </a:effectRef>
+            <a:fontRef idx="minor">
+              <a:schemeClr val="lt1"/>
+            </a:fontRef>
+          </p:style>
+          <p:txBody>
+            <a:bodyPr rtlCol="0" anchor="ctr"/>
+            <a:lstStyle/>
+            <a:p>
+              <a:pPr algn="ctr"/>
+              <a:endParaRPr lang="en-US"/>
+            </a:p>
+          </p:txBody>
+        </p:sp>
+        <p:sp>
+          <p:nvSpPr>
+            <p:cNvPr id="59" name="Rectangle 58">
+              <a:extLst>
+                <a:ext uri="{FF2B5EF4-FFF2-40B4-BE49-F238E27FC236}">
+                  <a16:creationId xmlns:a16="http://schemas.microsoft.com/office/drawing/2014/main" id="{8CBA0B3D-859F-4EFE-88F6-0215644E77BE}"/>
+                </a:ext>
+              </a:extLst>
+            </p:cNvPr>
+            <p:cNvSpPr/>
+            <p:nvPr/>
+          </p:nvSpPr>
+          <p:spPr>
+            <a:xfrm>
+              <a:off x="3090735" y="3082655"/>
+              <a:ext cx="973302" cy="272992"/>
+            </a:xfrm>
+            <a:prstGeom prst="rect">
+              <a:avLst/>
+            </a:prstGeom>
+          </p:spPr>
+          <p:style>
+            <a:lnRef idx="2">
+              <a:schemeClr val="accent1">
+                <a:shade val="50000"/>
+              </a:schemeClr>
+            </a:lnRef>
+            <a:fillRef idx="1">
+              <a:schemeClr val="accent1"/>
+            </a:fillRef>
+            <a:effectRef idx="0">
+              <a:schemeClr val="accent1"/>
+            </a:effectRef>
+            <a:fontRef idx="minor">
+              <a:schemeClr val="lt1"/>
+            </a:fontRef>
+          </p:style>
+          <p:txBody>
+            <a:bodyPr rtlCol="0" anchor="ctr"/>
+            <a:lstStyle/>
+            <a:p>
+              <a:pPr algn="ctr"/>
+              <a:r>
+                <a:rPr lang="en-US" dirty="0"/>
+                <a:t>Cell ID</a:t>
+              </a:r>
+            </a:p>
+          </p:txBody>
+        </p:sp>
+        <p:sp>
+          <p:nvSpPr>
+            <p:cNvPr id="64" name="Rectangle 63">
+              <a:extLst>
+                <a:ext uri="{FF2B5EF4-FFF2-40B4-BE49-F238E27FC236}">
+                  <a16:creationId xmlns:a16="http://schemas.microsoft.com/office/drawing/2014/main" id="{1BBF4CE5-202B-45E7-AE2E-A516EAACDE50}"/>
+                </a:ext>
+              </a:extLst>
+            </p:cNvPr>
+            <p:cNvSpPr/>
+            <p:nvPr/>
+          </p:nvSpPr>
+          <p:spPr>
+            <a:xfrm>
+              <a:off x="3089847" y="3520159"/>
+              <a:ext cx="976668" cy="272992"/>
+            </a:xfrm>
+            <a:prstGeom prst="rect">
+              <a:avLst/>
+            </a:prstGeom>
+          </p:spPr>
+          <p:style>
+            <a:lnRef idx="2">
+              <a:schemeClr val="accent1">
+                <a:shade val="50000"/>
+              </a:schemeClr>
+            </a:lnRef>
+            <a:fillRef idx="1">
+              <a:schemeClr val="accent1"/>
+            </a:fillRef>
+            <a:effectRef idx="0">
+              <a:schemeClr val="accent1"/>
+            </a:effectRef>
+            <a:fontRef idx="minor">
+              <a:schemeClr val="lt1"/>
+            </a:fontRef>
+          </p:style>
+          <p:txBody>
+            <a:bodyPr rtlCol="0" anchor="ctr"/>
+            <a:lstStyle/>
+            <a:p>
+              <a:pPr algn="ctr"/>
+              <a:r>
+                <a:rPr lang="en-US" dirty="0"/>
+                <a:t>Start Idx</a:t>
+              </a:r>
+            </a:p>
+          </p:txBody>
+        </p:sp>
+        <p:sp>
+          <p:nvSpPr>
+            <p:cNvPr id="65" name="Rectangle 64">
+              <a:extLst>
+                <a:ext uri="{FF2B5EF4-FFF2-40B4-BE49-F238E27FC236}">
+                  <a16:creationId xmlns:a16="http://schemas.microsoft.com/office/drawing/2014/main" id="{2BDF0DCE-6DB9-4F89-8AFF-A298918189FF}"/>
+                </a:ext>
+              </a:extLst>
+            </p:cNvPr>
+            <p:cNvSpPr/>
+            <p:nvPr/>
+          </p:nvSpPr>
+          <p:spPr>
+            <a:xfrm>
+              <a:off x="3089847" y="3957663"/>
+              <a:ext cx="976668" cy="272992"/>
+            </a:xfrm>
+            <a:prstGeom prst="rect">
+              <a:avLst/>
+            </a:prstGeom>
+          </p:spPr>
+          <p:style>
+            <a:lnRef idx="2">
+              <a:schemeClr val="accent1">
+                <a:shade val="50000"/>
+              </a:schemeClr>
+            </a:lnRef>
+            <a:fillRef idx="1">
+              <a:schemeClr val="accent1"/>
+            </a:fillRef>
+            <a:effectRef idx="0">
+              <a:schemeClr val="accent1"/>
+            </a:effectRef>
+            <a:fontRef idx="minor">
+              <a:schemeClr val="lt1"/>
+            </a:fontRef>
+          </p:style>
+          <p:txBody>
+            <a:bodyPr rtlCol="0" anchor="ctr"/>
+            <a:lstStyle/>
+            <a:p>
+              <a:pPr algn="ctr"/>
+              <a:r>
+                <a:rPr lang="en-US" dirty="0"/>
+                <a:t>Count</a:t>
+              </a:r>
+            </a:p>
+          </p:txBody>
+        </p:sp>
+        <p:sp>
+          <p:nvSpPr>
+            <p:cNvPr id="66" name="Rectangle 65">
+              <a:extLst>
+                <a:ext uri="{FF2B5EF4-FFF2-40B4-BE49-F238E27FC236}">
+                  <a16:creationId xmlns:a16="http://schemas.microsoft.com/office/drawing/2014/main" id="{49C53E90-805F-46BB-8D90-01746FD5C5F4}"/>
+                </a:ext>
+              </a:extLst>
+            </p:cNvPr>
+            <p:cNvSpPr/>
+            <p:nvPr/>
+          </p:nvSpPr>
+          <p:spPr>
+            <a:xfrm>
+              <a:off x="4384195" y="2889753"/>
+              <a:ext cx="1322770" cy="1604640"/>
+            </a:xfrm>
+            <a:prstGeom prst="rect">
+              <a:avLst/>
+            </a:prstGeom>
+          </p:spPr>
+          <p:style>
+            <a:lnRef idx="2">
+              <a:schemeClr val="accent5">
+                <a:shade val="50000"/>
+              </a:schemeClr>
+            </a:lnRef>
+            <a:fillRef idx="1">
+              <a:schemeClr val="accent5"/>
+            </a:fillRef>
+            <a:effectRef idx="0">
+              <a:schemeClr val="accent5"/>
+            </a:effectRef>
+            <a:fontRef idx="minor">
+              <a:schemeClr val="lt1"/>
+            </a:fontRef>
+          </p:style>
+          <p:txBody>
+            <a:bodyPr rtlCol="0" anchor="ctr"/>
+            <a:lstStyle/>
+            <a:p>
+              <a:pPr algn="ctr"/>
+              <a:endParaRPr lang="en-US"/>
+            </a:p>
+          </p:txBody>
+        </p:sp>
+        <p:sp>
+          <p:nvSpPr>
+            <p:cNvPr id="67" name="Rectangle 66">
+              <a:extLst>
+                <a:ext uri="{FF2B5EF4-FFF2-40B4-BE49-F238E27FC236}">
+                  <a16:creationId xmlns:a16="http://schemas.microsoft.com/office/drawing/2014/main" id="{EC9921E6-C982-41F0-95B3-BDF795D84D44}"/>
+                </a:ext>
+              </a:extLst>
+            </p:cNvPr>
+            <p:cNvSpPr/>
+            <p:nvPr/>
+          </p:nvSpPr>
+          <p:spPr>
+            <a:xfrm>
+              <a:off x="4535102" y="3082655"/>
+              <a:ext cx="973302" cy="272992"/>
+            </a:xfrm>
+            <a:prstGeom prst="rect">
+              <a:avLst/>
+            </a:prstGeom>
+          </p:spPr>
+          <p:style>
+            <a:lnRef idx="2">
+              <a:schemeClr val="accent1">
+                <a:shade val="50000"/>
+              </a:schemeClr>
+            </a:lnRef>
+            <a:fillRef idx="1">
+              <a:schemeClr val="accent1"/>
+            </a:fillRef>
+            <a:effectRef idx="0">
+              <a:schemeClr val="accent1"/>
+            </a:effectRef>
+            <a:fontRef idx="minor">
+              <a:schemeClr val="lt1"/>
+            </a:fontRef>
+          </p:style>
+          <p:txBody>
+            <a:bodyPr rtlCol="0" anchor="ctr"/>
+            <a:lstStyle/>
+            <a:p>
+              <a:pPr algn="ctr"/>
+              <a:r>
+                <a:rPr lang="en-US" dirty="0"/>
+                <a:t>Cell ID</a:t>
+              </a:r>
+            </a:p>
+          </p:txBody>
+        </p:sp>
+        <p:sp>
+          <p:nvSpPr>
+            <p:cNvPr id="68" name="Rectangle 67">
+              <a:extLst>
+                <a:ext uri="{FF2B5EF4-FFF2-40B4-BE49-F238E27FC236}">
+                  <a16:creationId xmlns:a16="http://schemas.microsoft.com/office/drawing/2014/main" id="{9BF0F3ED-F4EA-4751-AC6B-B359620D4CE8}"/>
+                </a:ext>
+              </a:extLst>
+            </p:cNvPr>
+            <p:cNvSpPr/>
+            <p:nvPr/>
+          </p:nvSpPr>
+          <p:spPr>
+            <a:xfrm>
+              <a:off x="4534214" y="3520159"/>
+              <a:ext cx="976668" cy="272992"/>
+            </a:xfrm>
+            <a:prstGeom prst="rect">
+              <a:avLst/>
+            </a:prstGeom>
+          </p:spPr>
+          <p:style>
+            <a:lnRef idx="2">
+              <a:schemeClr val="accent1">
+                <a:shade val="50000"/>
+              </a:schemeClr>
+            </a:lnRef>
+            <a:fillRef idx="1">
+              <a:schemeClr val="accent1"/>
+            </a:fillRef>
+            <a:effectRef idx="0">
+              <a:schemeClr val="accent1"/>
+            </a:effectRef>
+            <a:fontRef idx="minor">
+              <a:schemeClr val="lt1"/>
+            </a:fontRef>
+          </p:style>
+          <p:txBody>
+            <a:bodyPr rtlCol="0" anchor="ctr"/>
+            <a:lstStyle/>
+            <a:p>
+              <a:pPr algn="ctr"/>
+              <a:r>
+                <a:rPr lang="en-US" dirty="0"/>
+                <a:t>Start Idx</a:t>
+              </a:r>
+            </a:p>
+          </p:txBody>
+        </p:sp>
+        <p:sp>
+          <p:nvSpPr>
+            <p:cNvPr id="69" name="Rectangle 68">
+              <a:extLst>
+                <a:ext uri="{FF2B5EF4-FFF2-40B4-BE49-F238E27FC236}">
+                  <a16:creationId xmlns:a16="http://schemas.microsoft.com/office/drawing/2014/main" id="{EE448103-70FA-4812-B3C8-24D58B254DBF}"/>
+                </a:ext>
+              </a:extLst>
+            </p:cNvPr>
+            <p:cNvSpPr/>
+            <p:nvPr/>
+          </p:nvSpPr>
+          <p:spPr>
+            <a:xfrm>
+              <a:off x="4534214" y="3957663"/>
+              <a:ext cx="976668" cy="272992"/>
+            </a:xfrm>
+            <a:prstGeom prst="rect">
+              <a:avLst/>
+            </a:prstGeom>
+          </p:spPr>
+          <p:style>
+            <a:lnRef idx="2">
+              <a:schemeClr val="accent1">
+                <a:shade val="50000"/>
+              </a:schemeClr>
+            </a:lnRef>
+            <a:fillRef idx="1">
+              <a:schemeClr val="accent1"/>
+            </a:fillRef>
+            <a:effectRef idx="0">
+              <a:schemeClr val="accent1"/>
+            </a:effectRef>
+            <a:fontRef idx="minor">
+              <a:schemeClr val="lt1"/>
+            </a:fontRef>
+          </p:style>
+          <p:txBody>
+            <a:bodyPr rtlCol="0" anchor="ctr"/>
+            <a:lstStyle/>
+            <a:p>
+              <a:pPr algn="ctr"/>
+              <a:r>
+                <a:rPr lang="en-US" dirty="0"/>
+                <a:t>Count</a:t>
+              </a:r>
+            </a:p>
+          </p:txBody>
+        </p:sp>
+        <p:sp>
+          <p:nvSpPr>
+            <p:cNvPr id="70" name="TextBox 69">
+              <a:extLst>
+                <a:ext uri="{FF2B5EF4-FFF2-40B4-BE49-F238E27FC236}">
+                  <a16:creationId xmlns:a16="http://schemas.microsoft.com/office/drawing/2014/main" id="{9DC35284-C0F2-4CF3-8FE2-5AA55000E303}"/>
+                </a:ext>
+              </a:extLst>
+            </p:cNvPr>
+            <p:cNvSpPr txBox="1"/>
+            <p:nvPr/>
+          </p:nvSpPr>
+          <p:spPr>
+            <a:xfrm>
+              <a:off x="3972062" y="195312"/>
+              <a:ext cx="4037772" cy="369332"/>
+            </a:xfrm>
+            <a:prstGeom prst="rect">
+              <a:avLst/>
+            </a:prstGeom>
+            <a:noFill/>
+          </p:spPr>
+          <p:txBody>
+            <a:bodyPr wrap="none" rtlCol="0">
+              <a:spAutoFit/>
+            </a:bodyPr>
+            <a:lstStyle/>
+            <a:p>
+              <a:r>
+                <a:rPr lang="en-US" b="1" dirty="0">
+                  <a:solidFill>
+                    <a:schemeClr val="bg1"/>
+                  </a:solidFill>
+                </a:rPr>
+                <a:t>Hash Grid for Photon storage and search</a:t>
+              </a:r>
+            </a:p>
+          </p:txBody>
+        </p:sp>
+        <p:sp>
+          <p:nvSpPr>
+            <p:cNvPr id="45" name="Rectangle 44">
+              <a:extLst>
+                <a:ext uri="{FF2B5EF4-FFF2-40B4-BE49-F238E27FC236}">
+                  <a16:creationId xmlns:a16="http://schemas.microsoft.com/office/drawing/2014/main" id="{F34815F5-FA7E-4E11-AAE4-9D36DBFC3A6E}"/>
+                </a:ext>
+              </a:extLst>
+            </p:cNvPr>
+            <p:cNvSpPr/>
+            <p:nvPr/>
+          </p:nvSpPr>
+          <p:spPr>
+            <a:xfrm>
+              <a:off x="6020420" y="2825391"/>
+              <a:ext cx="3978827" cy="1662711"/>
+            </a:xfrm>
+            <a:prstGeom prst="rect">
+              <a:avLst/>
+            </a:prstGeom>
+          </p:spPr>
+          <p:style>
+            <a:lnRef idx="2">
+              <a:schemeClr val="accent5">
+                <a:shade val="50000"/>
+              </a:schemeClr>
+            </a:lnRef>
+            <a:fillRef idx="1">
+              <a:schemeClr val="accent5"/>
+            </a:fillRef>
+            <a:effectRef idx="0">
+              <a:schemeClr val="accent5"/>
+            </a:effectRef>
+            <a:fontRef idx="minor">
+              <a:schemeClr val="lt1"/>
+            </a:fontRef>
+          </p:style>
+          <p:txBody>
+            <a:bodyPr rtlCol="0" anchor="ctr"/>
+            <a:lstStyle/>
+            <a:p>
+              <a:pPr algn="ctr"/>
+              <a:endParaRPr lang="en-US"/>
+            </a:p>
+          </p:txBody>
+        </p:sp>
+        <p:sp>
+          <p:nvSpPr>
+            <p:cNvPr id="46" name="TextBox 45">
+              <a:extLst>
+                <a:ext uri="{FF2B5EF4-FFF2-40B4-BE49-F238E27FC236}">
+                  <a16:creationId xmlns:a16="http://schemas.microsoft.com/office/drawing/2014/main" id="{804EBE9B-0884-4264-8D91-E3F23326FC24}"/>
+                </a:ext>
+              </a:extLst>
+            </p:cNvPr>
+            <p:cNvSpPr txBox="1"/>
+            <p:nvPr/>
+          </p:nvSpPr>
+          <p:spPr>
+            <a:xfrm>
+              <a:off x="6240680" y="3015252"/>
+              <a:ext cx="3025187" cy="369332"/>
+            </a:xfrm>
+            <a:prstGeom prst="rect">
+              <a:avLst/>
+            </a:prstGeom>
+            <a:noFill/>
+          </p:spPr>
+          <p:txBody>
+            <a:bodyPr wrap="none" rtlCol="0">
+              <a:spAutoFit/>
+            </a:bodyPr>
+            <a:lstStyle/>
+            <a:p>
+              <a:r>
+                <a:rPr lang="en-US" dirty="0"/>
+                <a:t>Hash Function - hash6432shift</a:t>
+              </a:r>
+            </a:p>
+          </p:txBody>
+        </p:sp>
+        <p:sp>
+          <p:nvSpPr>
+            <p:cNvPr id="71" name="TextBox 70">
+              <a:extLst>
+                <a:ext uri="{FF2B5EF4-FFF2-40B4-BE49-F238E27FC236}">
+                  <a16:creationId xmlns:a16="http://schemas.microsoft.com/office/drawing/2014/main" id="{090EF208-2452-4DE1-8C2E-0FC30F1B17AE}"/>
+                </a:ext>
+              </a:extLst>
+            </p:cNvPr>
+            <p:cNvSpPr txBox="1"/>
+            <p:nvPr/>
+          </p:nvSpPr>
+          <p:spPr>
+            <a:xfrm>
+              <a:off x="6240680" y="3486457"/>
+              <a:ext cx="3699282" cy="369332"/>
+            </a:xfrm>
+            <a:prstGeom prst="rect">
+              <a:avLst/>
+            </a:prstGeom>
+            <a:noFill/>
+          </p:spPr>
+          <p:txBody>
+            <a:bodyPr wrap="none" rtlCol="0">
+              <a:spAutoFit/>
+            </a:bodyPr>
+            <a:lstStyle/>
+            <a:p>
+              <a:r>
+                <a:rPr lang="en-US" dirty="0"/>
+                <a:t>Open Addressing – Quadratic Probing</a:t>
+              </a:r>
+            </a:p>
+          </p:txBody>
+        </p:sp>
+        <p:sp>
+          <p:nvSpPr>
+            <p:cNvPr id="72" name="TextBox 71">
+              <a:extLst>
+                <a:ext uri="{FF2B5EF4-FFF2-40B4-BE49-F238E27FC236}">
+                  <a16:creationId xmlns:a16="http://schemas.microsoft.com/office/drawing/2014/main" id="{63E606B4-8A4D-4663-BD22-D692946BB34B}"/>
+                </a:ext>
+              </a:extLst>
+            </p:cNvPr>
+            <p:cNvSpPr txBox="1"/>
+            <p:nvPr/>
+          </p:nvSpPr>
+          <p:spPr>
+            <a:xfrm>
+              <a:off x="6240680" y="3957663"/>
+              <a:ext cx="2111475" cy="369332"/>
+            </a:xfrm>
+            <a:prstGeom prst="rect">
+              <a:avLst/>
+            </a:prstGeom>
+            <a:noFill/>
+          </p:spPr>
+          <p:txBody>
+            <a:bodyPr wrap="none" rtlCol="0">
+              <a:spAutoFit/>
+            </a:bodyPr>
+            <a:lstStyle/>
+            <a:p>
+              <a:r>
+                <a:rPr lang="en-US" dirty="0"/>
+                <a:t>Size of table – 2 ^ 16</a:t>
+              </a:r>
+            </a:p>
+          </p:txBody>
+        </p:sp>
+        <p:sp>
+          <p:nvSpPr>
+            <p:cNvPr id="60" name="Rectangle 59">
+              <a:extLst>
+                <a:ext uri="{FF2B5EF4-FFF2-40B4-BE49-F238E27FC236}">
+                  <a16:creationId xmlns:a16="http://schemas.microsoft.com/office/drawing/2014/main" id="{3474D02F-C584-4056-AB3F-0A87578A5C4D}"/>
+                </a:ext>
+              </a:extLst>
+            </p:cNvPr>
+            <p:cNvSpPr/>
+            <p:nvPr/>
+          </p:nvSpPr>
+          <p:spPr>
+            <a:xfrm>
+              <a:off x="1887896" y="5886277"/>
+              <a:ext cx="7989903" cy="585926"/>
+            </a:xfrm>
+            <a:prstGeom prst="rect">
+              <a:avLst/>
+            </a:prstGeom>
+            <a:noFill/>
+            <a:ln w="28575"/>
+          </p:spPr>
+          <p:style>
+            <a:lnRef idx="2">
+              <a:schemeClr val="accent2">
+                <a:shade val="50000"/>
+              </a:schemeClr>
+            </a:lnRef>
+            <a:fillRef idx="1">
+              <a:schemeClr val="accent2"/>
+            </a:fillRef>
+            <a:effectRef idx="0">
+              <a:schemeClr val="accent2"/>
+            </a:effectRef>
+            <a:fontRef idx="minor">
+              <a:schemeClr val="lt1"/>
+            </a:fontRef>
+          </p:style>
+          <p:txBody>
+            <a:bodyPr rtlCol="0" anchor="ctr"/>
+            <a:lstStyle/>
+            <a:p>
+              <a:pPr algn="ctr"/>
+              <a:endParaRPr lang="en-US"/>
+            </a:p>
+          </p:txBody>
+        </p:sp>
+        <p:cxnSp>
+          <p:nvCxnSpPr>
+            <p:cNvPr id="61" name="Straight Connector 60">
+              <a:extLst>
+                <a:ext uri="{FF2B5EF4-FFF2-40B4-BE49-F238E27FC236}">
+                  <a16:creationId xmlns:a16="http://schemas.microsoft.com/office/drawing/2014/main" id="{D51EF8A2-9B03-4A8B-8D8F-58FD823E72E7}"/>
+                </a:ext>
+              </a:extLst>
+            </p:cNvPr>
+            <p:cNvCxnSpPr/>
+            <p:nvPr/>
+          </p:nvCxnSpPr>
+          <p:spPr>
+            <a:xfrm>
+              <a:off x="2528567" y="5886277"/>
+              <a:ext cx="0" cy="585926"/>
+            </a:xfrm>
+            <a:prstGeom prst="line">
+              <a:avLst/>
+            </a:prstGeom>
+            <a:ln>
+              <a:solidFill>
+                <a:schemeClr val="accent2"/>
+              </a:solidFill>
+            </a:ln>
+          </p:spPr>
+          <p:style>
+            <a:lnRef idx="1">
+              <a:schemeClr val="accent1"/>
+            </a:lnRef>
+            <a:fillRef idx="0">
+              <a:schemeClr val="accent1"/>
+            </a:fillRef>
+            <a:effectRef idx="0">
+              <a:schemeClr val="accent1"/>
+            </a:effectRef>
+            <a:fontRef idx="minor">
+              <a:schemeClr val="tx1"/>
+            </a:fontRef>
+          </p:style>
+        </p:cxnSp>
+        <p:cxnSp>
+          <p:nvCxnSpPr>
+            <p:cNvPr id="62" name="Straight Connector 61">
+              <a:extLst>
+                <a:ext uri="{FF2B5EF4-FFF2-40B4-BE49-F238E27FC236}">
+                  <a16:creationId xmlns:a16="http://schemas.microsoft.com/office/drawing/2014/main" id="{E13C27AB-788D-4D1D-88BA-3E285922730D}"/>
+                </a:ext>
+              </a:extLst>
+            </p:cNvPr>
+            <p:cNvCxnSpPr/>
+            <p:nvPr/>
+          </p:nvCxnSpPr>
+          <p:spPr>
+            <a:xfrm>
+              <a:off x="3151483" y="5886277"/>
+              <a:ext cx="0" cy="585926"/>
+            </a:xfrm>
+            <a:prstGeom prst="line">
+              <a:avLst/>
+            </a:prstGeom>
+            <a:ln>
+              <a:solidFill>
+                <a:schemeClr val="accent2"/>
+              </a:solidFill>
+            </a:ln>
+          </p:spPr>
+          <p:style>
+            <a:lnRef idx="1">
+              <a:schemeClr val="accent1"/>
+            </a:lnRef>
+            <a:fillRef idx="0">
+              <a:schemeClr val="accent1"/>
+            </a:fillRef>
+            <a:effectRef idx="0">
+              <a:schemeClr val="accent1"/>
+            </a:effectRef>
+            <a:fontRef idx="minor">
+              <a:schemeClr val="tx1"/>
+            </a:fontRef>
+          </p:style>
+        </p:cxnSp>
+        <p:cxnSp>
+          <p:nvCxnSpPr>
+            <p:cNvPr id="63" name="Straight Connector 62">
+              <a:extLst>
+                <a:ext uri="{FF2B5EF4-FFF2-40B4-BE49-F238E27FC236}">
+                  <a16:creationId xmlns:a16="http://schemas.microsoft.com/office/drawing/2014/main" id="{94F7A250-64EF-443B-A4EB-2C7A83DC9F90}"/>
+                </a:ext>
+              </a:extLst>
+            </p:cNvPr>
+            <p:cNvCxnSpPr/>
+            <p:nvPr/>
+          </p:nvCxnSpPr>
+          <p:spPr>
+            <a:xfrm>
+              <a:off x="3728532" y="5886277"/>
+              <a:ext cx="0" cy="585926"/>
+            </a:xfrm>
+            <a:prstGeom prst="line">
+              <a:avLst/>
+            </a:prstGeom>
+            <a:ln>
+              <a:solidFill>
+                <a:schemeClr val="accent2"/>
+              </a:solidFill>
+            </a:ln>
+          </p:spPr>
+          <p:style>
+            <a:lnRef idx="1">
+              <a:schemeClr val="accent1"/>
+            </a:lnRef>
+            <a:fillRef idx="0">
+              <a:schemeClr val="accent1"/>
+            </a:fillRef>
+            <a:effectRef idx="0">
+              <a:schemeClr val="accent1"/>
+            </a:effectRef>
+            <a:fontRef idx="minor">
+              <a:schemeClr val="tx1"/>
+            </a:fontRef>
+          </p:style>
+        </p:cxnSp>
+        <p:cxnSp>
+          <p:nvCxnSpPr>
+            <p:cNvPr id="73" name="Straight Connector 72">
+              <a:extLst>
+                <a:ext uri="{FF2B5EF4-FFF2-40B4-BE49-F238E27FC236}">
+                  <a16:creationId xmlns:a16="http://schemas.microsoft.com/office/drawing/2014/main" id="{AF6FE30B-B28D-4E79-9F09-F87B3DA65A44}"/>
+                </a:ext>
+              </a:extLst>
+            </p:cNvPr>
+            <p:cNvCxnSpPr/>
+            <p:nvPr/>
+          </p:nvCxnSpPr>
+          <p:spPr>
+            <a:xfrm>
+              <a:off x="4341091" y="5886277"/>
+              <a:ext cx="0" cy="585926"/>
+            </a:xfrm>
+            <a:prstGeom prst="line">
+              <a:avLst/>
+            </a:prstGeom>
+            <a:ln>
+              <a:solidFill>
+                <a:schemeClr val="accent2"/>
+              </a:solidFill>
+            </a:ln>
+          </p:spPr>
+          <p:style>
+            <a:lnRef idx="1">
+              <a:schemeClr val="accent1"/>
+            </a:lnRef>
+            <a:fillRef idx="0">
+              <a:schemeClr val="accent1"/>
+            </a:fillRef>
+            <a:effectRef idx="0">
+              <a:schemeClr val="accent1"/>
+            </a:effectRef>
+            <a:fontRef idx="minor">
+              <a:schemeClr val="tx1"/>
+            </a:fontRef>
+          </p:style>
+        </p:cxnSp>
+        <p:cxnSp>
+          <p:nvCxnSpPr>
+            <p:cNvPr id="74" name="Straight Connector 73">
+              <a:extLst>
+                <a:ext uri="{FF2B5EF4-FFF2-40B4-BE49-F238E27FC236}">
+                  <a16:creationId xmlns:a16="http://schemas.microsoft.com/office/drawing/2014/main" id="{220CF384-D37D-4E0D-A5FE-A96BF3CFD90B}"/>
+                </a:ext>
+              </a:extLst>
+            </p:cNvPr>
+            <p:cNvCxnSpPr/>
+            <p:nvPr/>
+          </p:nvCxnSpPr>
+          <p:spPr>
+            <a:xfrm>
+              <a:off x="4953650" y="5886277"/>
+              <a:ext cx="0" cy="585926"/>
+            </a:xfrm>
+            <a:prstGeom prst="line">
+              <a:avLst/>
+            </a:prstGeom>
+            <a:ln>
+              <a:solidFill>
+                <a:schemeClr val="accent2"/>
+              </a:solidFill>
+            </a:ln>
+          </p:spPr>
+          <p:style>
+            <a:lnRef idx="1">
+              <a:schemeClr val="accent1"/>
+            </a:lnRef>
+            <a:fillRef idx="0">
+              <a:schemeClr val="accent1"/>
+            </a:fillRef>
+            <a:effectRef idx="0">
+              <a:schemeClr val="accent1"/>
+            </a:effectRef>
+            <a:fontRef idx="minor">
+              <a:schemeClr val="tx1"/>
+            </a:fontRef>
+          </p:style>
+        </p:cxnSp>
+        <p:sp>
+          <p:nvSpPr>
+            <p:cNvPr id="75" name="Oval 74">
+              <a:extLst>
+                <a:ext uri="{FF2B5EF4-FFF2-40B4-BE49-F238E27FC236}">
+                  <a16:creationId xmlns:a16="http://schemas.microsoft.com/office/drawing/2014/main" id="{BC7A71A4-FE5E-430C-9975-3791F3838546}"/>
+                </a:ext>
+              </a:extLst>
+            </p:cNvPr>
+            <p:cNvSpPr/>
+            <p:nvPr/>
+          </p:nvSpPr>
+          <p:spPr>
+            <a:xfrm>
+              <a:off x="5413810" y="6117096"/>
+              <a:ext cx="45719" cy="53266"/>
+            </a:xfrm>
+            <a:prstGeom prst="ellipse">
+              <a:avLst/>
+            </a:prstGeom>
+          </p:spPr>
+          <p:style>
+            <a:lnRef idx="2">
+              <a:schemeClr val="accent1">
+                <a:shade val="50000"/>
+              </a:schemeClr>
+            </a:lnRef>
+            <a:fillRef idx="1">
+              <a:schemeClr val="accent1"/>
+            </a:fillRef>
+            <a:effectRef idx="0">
+              <a:schemeClr val="accent1"/>
+            </a:effectRef>
+            <a:fontRef idx="minor">
+              <a:schemeClr val="lt1"/>
+            </a:fontRef>
+          </p:style>
+          <p:txBody>
+            <a:bodyPr rtlCol="0" anchor="ctr"/>
+            <a:lstStyle/>
+            <a:p>
+              <a:pPr algn="ctr"/>
+              <a:endParaRPr lang="en-US"/>
+            </a:p>
+          </p:txBody>
+        </p:sp>
+        <p:sp>
+          <p:nvSpPr>
+            <p:cNvPr id="76" name="Oval 75">
+              <a:extLst>
+                <a:ext uri="{FF2B5EF4-FFF2-40B4-BE49-F238E27FC236}">
+                  <a16:creationId xmlns:a16="http://schemas.microsoft.com/office/drawing/2014/main" id="{BFCC9E02-1573-4810-A1DF-B37A689E69BF}"/>
+                </a:ext>
+              </a:extLst>
+            </p:cNvPr>
+            <p:cNvSpPr/>
+            <p:nvPr/>
+          </p:nvSpPr>
+          <p:spPr>
+            <a:xfrm>
+              <a:off x="5687537" y="6117096"/>
+              <a:ext cx="45719" cy="53266"/>
+            </a:xfrm>
+            <a:prstGeom prst="ellipse">
+              <a:avLst/>
+            </a:prstGeom>
+          </p:spPr>
+          <p:style>
+            <a:lnRef idx="2">
+              <a:schemeClr val="accent1">
+                <a:shade val="50000"/>
+              </a:schemeClr>
+            </a:lnRef>
+            <a:fillRef idx="1">
+              <a:schemeClr val="accent1"/>
+            </a:fillRef>
+            <a:effectRef idx="0">
+              <a:schemeClr val="accent1"/>
+            </a:effectRef>
+            <a:fontRef idx="minor">
+              <a:schemeClr val="lt1"/>
+            </a:fontRef>
+          </p:style>
+          <p:txBody>
+            <a:bodyPr rtlCol="0" anchor="ctr"/>
+            <a:lstStyle/>
+            <a:p>
+              <a:pPr algn="ctr"/>
+              <a:endParaRPr lang="en-US"/>
+            </a:p>
+          </p:txBody>
+        </p:sp>
+        <p:sp>
+          <p:nvSpPr>
+            <p:cNvPr id="77" name="Oval 76">
+              <a:extLst>
+                <a:ext uri="{FF2B5EF4-FFF2-40B4-BE49-F238E27FC236}">
+                  <a16:creationId xmlns:a16="http://schemas.microsoft.com/office/drawing/2014/main" id="{E519C8DF-10E1-48E7-89C9-72C32B33161F}"/>
+                </a:ext>
+              </a:extLst>
+            </p:cNvPr>
+            <p:cNvSpPr/>
+            <p:nvPr/>
+          </p:nvSpPr>
+          <p:spPr>
+            <a:xfrm>
+              <a:off x="5961264" y="6125974"/>
+              <a:ext cx="45719" cy="53266"/>
+            </a:xfrm>
+            <a:prstGeom prst="ellipse">
+              <a:avLst/>
+            </a:prstGeom>
+          </p:spPr>
+          <p:style>
+            <a:lnRef idx="2">
+              <a:schemeClr val="accent1">
+                <a:shade val="50000"/>
+              </a:schemeClr>
+            </a:lnRef>
+            <a:fillRef idx="1">
+              <a:schemeClr val="accent1"/>
+            </a:fillRef>
+            <a:effectRef idx="0">
+              <a:schemeClr val="accent1"/>
+            </a:effectRef>
+            <a:fontRef idx="minor">
+              <a:schemeClr val="lt1"/>
+            </a:fontRef>
+          </p:style>
+          <p:txBody>
+            <a:bodyPr rtlCol="0" anchor="ctr"/>
+            <a:lstStyle/>
+            <a:p>
+              <a:pPr algn="ctr"/>
+              <a:endParaRPr lang="en-US"/>
+            </a:p>
+          </p:txBody>
+        </p:sp>
+        <p:sp>
+          <p:nvSpPr>
+            <p:cNvPr id="78" name="TextBox 77">
+              <a:extLst>
+                <a:ext uri="{FF2B5EF4-FFF2-40B4-BE49-F238E27FC236}">
+                  <a16:creationId xmlns:a16="http://schemas.microsoft.com/office/drawing/2014/main" id="{A12A3349-B7EA-45A7-A2D8-9D48BCE5FB0C}"/>
+                </a:ext>
+              </a:extLst>
+            </p:cNvPr>
+            <p:cNvSpPr txBox="1"/>
+            <p:nvPr/>
+          </p:nvSpPr>
+          <p:spPr>
+            <a:xfrm>
+              <a:off x="2020323" y="5967941"/>
+              <a:ext cx="420308" cy="369332"/>
+            </a:xfrm>
+            <a:prstGeom prst="rect">
+              <a:avLst/>
+            </a:prstGeom>
+            <a:noFill/>
+          </p:spPr>
+          <p:txBody>
+            <a:bodyPr wrap="none" rtlCol="0">
+              <a:spAutoFit/>
+            </a:bodyPr>
+            <a:lstStyle/>
+            <a:p>
+              <a:r>
+                <a:rPr lang="en-US" dirty="0">
+                  <a:solidFill>
+                    <a:schemeClr val="bg1"/>
+                  </a:solidFill>
+                </a:rPr>
+                <a:t>P1</a:t>
+              </a:r>
+            </a:p>
+          </p:txBody>
+        </p:sp>
+        <p:sp>
+          <p:nvSpPr>
+            <p:cNvPr id="79" name="TextBox 78">
+              <a:extLst>
+                <a:ext uri="{FF2B5EF4-FFF2-40B4-BE49-F238E27FC236}">
+                  <a16:creationId xmlns:a16="http://schemas.microsoft.com/office/drawing/2014/main" id="{773E73BD-BC5D-47C2-BCC2-0A9B7060840A}"/>
+                </a:ext>
+              </a:extLst>
+            </p:cNvPr>
+            <p:cNvSpPr txBox="1"/>
+            <p:nvPr/>
+          </p:nvSpPr>
+          <p:spPr>
+            <a:xfrm>
+              <a:off x="2605654" y="5967941"/>
+              <a:ext cx="420308" cy="369332"/>
+            </a:xfrm>
+            <a:prstGeom prst="rect">
+              <a:avLst/>
+            </a:prstGeom>
+            <a:noFill/>
+          </p:spPr>
+          <p:txBody>
+            <a:bodyPr wrap="none" rtlCol="0">
+              <a:spAutoFit/>
+            </a:bodyPr>
+            <a:lstStyle/>
+            <a:p>
+              <a:r>
+                <a:rPr lang="en-US" dirty="0">
+                  <a:solidFill>
+                    <a:schemeClr val="bg1"/>
+                  </a:solidFill>
+                </a:rPr>
+                <a:t>P2</a:t>
+              </a:r>
+            </a:p>
+          </p:txBody>
+        </p:sp>
+        <p:sp>
+          <p:nvSpPr>
+            <p:cNvPr id="80" name="TextBox 79">
+              <a:extLst>
+                <a:ext uri="{FF2B5EF4-FFF2-40B4-BE49-F238E27FC236}">
+                  <a16:creationId xmlns:a16="http://schemas.microsoft.com/office/drawing/2014/main" id="{E4ACABE3-877C-4D78-BA12-20A46A9020EB}"/>
+                </a:ext>
+              </a:extLst>
+            </p:cNvPr>
+            <p:cNvSpPr txBox="1"/>
+            <p:nvPr/>
+          </p:nvSpPr>
+          <p:spPr>
+            <a:xfrm>
+              <a:off x="3202457" y="5959062"/>
+              <a:ext cx="420308" cy="369332"/>
+            </a:xfrm>
+            <a:prstGeom prst="rect">
+              <a:avLst/>
+            </a:prstGeom>
+            <a:noFill/>
+          </p:spPr>
+          <p:txBody>
+            <a:bodyPr wrap="none" rtlCol="0">
+              <a:spAutoFit/>
+            </a:bodyPr>
+            <a:lstStyle/>
+            <a:p>
+              <a:r>
+                <a:rPr lang="en-US" dirty="0">
+                  <a:solidFill>
+                    <a:schemeClr val="bg1"/>
+                  </a:solidFill>
+                </a:rPr>
+                <a:t>P3</a:t>
+              </a:r>
+            </a:p>
+          </p:txBody>
+        </p:sp>
+        <p:sp>
+          <p:nvSpPr>
+            <p:cNvPr id="81" name="TextBox 80">
+              <a:extLst>
+                <a:ext uri="{FF2B5EF4-FFF2-40B4-BE49-F238E27FC236}">
+                  <a16:creationId xmlns:a16="http://schemas.microsoft.com/office/drawing/2014/main" id="{7B26A8B6-934E-4170-8DCA-9874FAB882D4}"/>
+                </a:ext>
+              </a:extLst>
+            </p:cNvPr>
+            <p:cNvSpPr txBox="1"/>
+            <p:nvPr/>
+          </p:nvSpPr>
+          <p:spPr>
+            <a:xfrm>
+              <a:off x="3808404" y="5959062"/>
+              <a:ext cx="420308" cy="369332"/>
+            </a:xfrm>
+            <a:prstGeom prst="rect">
+              <a:avLst/>
+            </a:prstGeom>
+            <a:noFill/>
+          </p:spPr>
+          <p:txBody>
+            <a:bodyPr wrap="none" rtlCol="0">
+              <a:spAutoFit/>
+            </a:bodyPr>
+            <a:lstStyle/>
+            <a:p>
+              <a:r>
+                <a:rPr lang="en-US" dirty="0">
+                  <a:solidFill>
+                    <a:schemeClr val="bg1"/>
+                  </a:solidFill>
+                </a:rPr>
+                <a:t>P4</a:t>
+              </a:r>
+            </a:p>
+          </p:txBody>
+        </p:sp>
+        <p:sp>
+          <p:nvSpPr>
+            <p:cNvPr id="82" name="TextBox 81">
+              <a:extLst>
+                <a:ext uri="{FF2B5EF4-FFF2-40B4-BE49-F238E27FC236}">
+                  <a16:creationId xmlns:a16="http://schemas.microsoft.com/office/drawing/2014/main" id="{5AFE7744-DD32-431B-B5DA-DFA16004DD51}"/>
+                </a:ext>
+              </a:extLst>
+            </p:cNvPr>
+            <p:cNvSpPr txBox="1"/>
+            <p:nvPr/>
+          </p:nvSpPr>
+          <p:spPr>
+            <a:xfrm>
+              <a:off x="4422186" y="5967941"/>
+              <a:ext cx="420308" cy="369332"/>
+            </a:xfrm>
+            <a:prstGeom prst="rect">
+              <a:avLst/>
+            </a:prstGeom>
+            <a:noFill/>
+          </p:spPr>
+          <p:txBody>
+            <a:bodyPr wrap="none" rtlCol="0">
+              <a:spAutoFit/>
+            </a:bodyPr>
+            <a:lstStyle/>
+            <a:p>
+              <a:r>
+                <a:rPr lang="en-US" dirty="0">
+                  <a:solidFill>
+                    <a:schemeClr val="bg1"/>
+                  </a:solidFill>
+                </a:rPr>
+                <a:t>P5</a:t>
+              </a:r>
+            </a:p>
+          </p:txBody>
+        </p:sp>
+        <p:sp>
+          <p:nvSpPr>
+            <p:cNvPr id="83" name="TextBox 82">
+              <a:extLst>
+                <a:ext uri="{FF2B5EF4-FFF2-40B4-BE49-F238E27FC236}">
+                  <a16:creationId xmlns:a16="http://schemas.microsoft.com/office/drawing/2014/main" id="{C4F7158A-C18C-4BF7-8732-BC81AE1DC4FF}"/>
+                </a:ext>
+              </a:extLst>
+            </p:cNvPr>
+            <p:cNvSpPr txBox="1"/>
+            <p:nvPr/>
+          </p:nvSpPr>
+          <p:spPr>
+            <a:xfrm>
+              <a:off x="1387400" y="539630"/>
+              <a:ext cx="1217193" cy="369332"/>
+            </a:xfrm>
+            <a:prstGeom prst="rect">
+              <a:avLst/>
+            </a:prstGeom>
+            <a:noFill/>
+          </p:spPr>
+          <p:txBody>
+            <a:bodyPr wrap="none" rtlCol="0">
+              <a:spAutoFit/>
+            </a:bodyPr>
+            <a:lstStyle/>
+            <a:p>
+              <a:r>
+                <a:rPr lang="en-US" b="1" dirty="0">
+                  <a:solidFill>
+                    <a:schemeClr val="bg1"/>
+                  </a:solidFill>
+                </a:rPr>
+                <a:t>Hash Table</a:t>
+              </a:r>
+            </a:p>
+          </p:txBody>
+        </p:sp>
+        <p:sp>
+          <p:nvSpPr>
+            <p:cNvPr id="84" name="TextBox 83">
+              <a:extLst>
+                <a:ext uri="{FF2B5EF4-FFF2-40B4-BE49-F238E27FC236}">
+                  <a16:creationId xmlns:a16="http://schemas.microsoft.com/office/drawing/2014/main" id="{B7CF674D-910F-4617-908F-6F8F9B2BC058}"/>
+                </a:ext>
+              </a:extLst>
+            </p:cNvPr>
+            <p:cNvSpPr txBox="1"/>
+            <p:nvPr/>
+          </p:nvSpPr>
+          <p:spPr>
+            <a:xfrm>
+              <a:off x="1279299" y="5476113"/>
+              <a:ext cx="1371850" cy="369332"/>
+            </a:xfrm>
+            <a:prstGeom prst="rect">
+              <a:avLst/>
+            </a:prstGeom>
+            <a:noFill/>
+          </p:spPr>
+          <p:txBody>
+            <a:bodyPr wrap="none" rtlCol="0">
+              <a:spAutoFit/>
+            </a:bodyPr>
+            <a:lstStyle/>
+            <a:p>
+              <a:r>
+                <a:rPr lang="en-US" b="1" dirty="0">
+                  <a:solidFill>
+                    <a:schemeClr val="bg1"/>
+                  </a:solidFill>
+                </a:rPr>
+                <a:t>Photon Map</a:t>
+              </a:r>
+            </a:p>
+          </p:txBody>
+        </p:sp>
+        <p:cxnSp>
+          <p:nvCxnSpPr>
+            <p:cNvPr id="4" name="Connector: Curved 3">
+              <a:extLst>
+                <a:ext uri="{FF2B5EF4-FFF2-40B4-BE49-F238E27FC236}">
+                  <a16:creationId xmlns:a16="http://schemas.microsoft.com/office/drawing/2014/main" id="{AC7C2B25-EDB9-47D9-B7E5-5B72B25BCB23}"/>
+                </a:ext>
+              </a:extLst>
+            </p:cNvPr>
+            <p:cNvCxnSpPr/>
+            <p:nvPr/>
+          </p:nvCxnSpPr>
+          <p:spPr>
+            <a:xfrm rot="16200000" flipH="1">
+              <a:off x="1668752" y="4627914"/>
+              <a:ext cx="2194204" cy="322522"/>
+            </a:xfrm>
+            <a:prstGeom prst="curvedConnector3">
+              <a:avLst>
+                <a:gd name="adj1" fmla="val -3811"/>
+              </a:avLst>
+            </a:prstGeom>
+            <a:ln w="19050">
+              <a:tailEnd type="triangle"/>
+            </a:ln>
+          </p:spPr>
+          <p:style>
+            <a:lnRef idx="1">
+              <a:schemeClr val="accent4"/>
+            </a:lnRef>
+            <a:fillRef idx="0">
+              <a:schemeClr val="accent4"/>
+            </a:fillRef>
+            <a:effectRef idx="0">
+              <a:schemeClr val="accent4"/>
+            </a:effectRef>
+            <a:fontRef idx="minor">
+              <a:schemeClr val="tx1"/>
+            </a:fontRef>
+          </p:style>
+        </p:cxnSp>
+        <p:cxnSp>
+          <p:nvCxnSpPr>
+            <p:cNvPr id="13" name="Connector: Curved 12">
+              <a:extLst>
+                <a:ext uri="{FF2B5EF4-FFF2-40B4-BE49-F238E27FC236}">
+                  <a16:creationId xmlns:a16="http://schemas.microsoft.com/office/drawing/2014/main" id="{8E65C641-FFAE-4E8C-B593-EC590D3974AB}"/>
+                </a:ext>
+              </a:extLst>
+            </p:cNvPr>
+            <p:cNvCxnSpPr>
+              <a:stCxn id="64" idx="3"/>
+            </p:cNvCxnSpPr>
+            <p:nvPr/>
+          </p:nvCxnSpPr>
+          <p:spPr>
+            <a:xfrm flipH="1">
+              <a:off x="4064037" y="3656655"/>
+              <a:ext cx="2478" cy="2188790"/>
+            </a:xfrm>
+            <a:prstGeom prst="curvedConnector4">
+              <a:avLst>
+                <a:gd name="adj1" fmla="val -6359120"/>
+                <a:gd name="adj2" fmla="val 93273"/>
+              </a:avLst>
+            </a:prstGeom>
+            <a:ln w="19050">
+              <a:tailEnd type="triangle"/>
+            </a:ln>
+          </p:spPr>
+          <p:style>
+            <a:lnRef idx="1">
+              <a:schemeClr val="accent4"/>
+            </a:lnRef>
+            <a:fillRef idx="0">
+              <a:schemeClr val="accent4"/>
+            </a:fillRef>
+            <a:effectRef idx="0">
+              <a:schemeClr val="accent4"/>
+            </a:effectRef>
+            <a:fontRef idx="minor">
+              <a:schemeClr val="tx1"/>
+            </a:fontRef>
+          </p:style>
+        </p:cxnSp>
+      </p:grpSp>
+    </p:spTree>
+    <p:extLst>
+      <p:ext uri="{BB962C8B-B14F-4D97-AF65-F5344CB8AC3E}">
+        <p14:creationId xmlns:p14="http://schemas.microsoft.com/office/powerpoint/2010/main" val="3471787314"/>
+      </p:ext>
+    </p:extLst>
+  </p:cSld>
+  <p:clrMapOvr>
+    <a:masterClrMapping/>
+  </p:clrMapOvr>
+</p:sld>
+</file>
+
+<file path=ppt/slides/slide9.xml><?xml version="1.0" encoding="utf-8"?>
+<p:sld xmlns:a="http://schemas.openxmlformats.org/drawingml/2006/main" xmlns:r="http://schemas.openxmlformats.org/officeDocument/2006/relationships" xmlns:p="http://schemas.openxmlformats.org/presentationml/2006/main">
+  <p:cSld>
+    <p:spTree>
+      <p:nvGrpSpPr>
+        <p:cNvPr id="1" name=""/>
+        <p:cNvGrpSpPr/>
+        <p:nvPr/>
+      </p:nvGrpSpPr>
+      <p:grpSpPr>
+        <a:xfrm>
+          <a:off x="0" y="0"/>
+          <a:ext cx="0" cy="0"/>
+          <a:chOff x="0" y="0"/>
+          <a:chExt cx="0" cy="0"/>
+        </a:xfrm>
+      </p:grpSpPr>
+      <p:grpSp>
+        <p:nvGrpSpPr>
+          <p:cNvPr id="43" name="Group 42">
+            <a:extLst>
+              <a:ext uri="{FF2B5EF4-FFF2-40B4-BE49-F238E27FC236}">
+                <a16:creationId xmlns:a16="http://schemas.microsoft.com/office/drawing/2014/main" id="{A41FD8BA-0778-4862-8D17-C27944F0432D}"/>
+              </a:ext>
+            </a:extLst>
+          </p:cNvPr>
+          <p:cNvGrpSpPr/>
+          <p:nvPr/>
+        </p:nvGrpSpPr>
+        <p:grpSpPr>
+          <a:xfrm>
+            <a:off x="1109826" y="-35511"/>
+            <a:ext cx="9194278" cy="6662688"/>
+            <a:chOff x="1109826" y="-35511"/>
+            <a:chExt cx="9194278" cy="6662688"/>
+          </a:xfrm>
+        </p:grpSpPr>
+        <p:sp>
+          <p:nvSpPr>
+            <p:cNvPr id="23" name="Rectangle 22">
+              <a:extLst>
+                <a:ext uri="{FF2B5EF4-FFF2-40B4-BE49-F238E27FC236}">
+                  <a16:creationId xmlns:a16="http://schemas.microsoft.com/office/drawing/2014/main" id="{170EB901-9BCC-4D13-AA07-05C1B45249CD}"/>
+                </a:ext>
+              </a:extLst>
+            </p:cNvPr>
+            <p:cNvSpPr/>
+            <p:nvPr/>
+          </p:nvSpPr>
+          <p:spPr>
+            <a:xfrm>
+              <a:off x="1109826" y="-35511"/>
+              <a:ext cx="9194278" cy="6662688"/>
+            </a:xfrm>
+            <a:prstGeom prst="rect">
+              <a:avLst/>
+            </a:prstGeom>
+            <a:solidFill>
+              <a:schemeClr val="tx1">
+                <a:lumMod val="75000"/>
+                <a:lumOff val="25000"/>
+              </a:schemeClr>
+            </a:solidFill>
+          </p:spPr>
+          <p:style>
+            <a:lnRef idx="2">
+              <a:schemeClr val="accent3">
+                <a:shade val="50000"/>
+              </a:schemeClr>
+            </a:lnRef>
+            <a:fillRef idx="1">
+              <a:schemeClr val="accent3"/>
+            </a:fillRef>
+            <a:effectRef idx="0">
+              <a:schemeClr val="accent3"/>
+            </a:effectRef>
+            <a:fontRef idx="minor">
+              <a:schemeClr val="lt1"/>
+            </a:fontRef>
+          </p:style>
+          <p:txBody>
+            <a:bodyPr rtlCol="0" anchor="ctr"/>
+            <a:lstStyle/>
+            <a:p>
+              <a:pPr algn="ctr"/>
+              <a:endParaRPr lang="en-US" dirty="0"/>
+            </a:p>
+          </p:txBody>
+        </p:sp>
+        <p:sp>
+          <p:nvSpPr>
+            <p:cNvPr id="2" name="Rectangle 1">
+              <a:extLst>
+                <a:ext uri="{FF2B5EF4-FFF2-40B4-BE49-F238E27FC236}">
+                  <a16:creationId xmlns:a16="http://schemas.microsoft.com/office/drawing/2014/main" id="{2AE8FE89-B57E-48D0-93FC-78599AA0A09E}"/>
+                </a:ext>
+              </a:extLst>
+            </p:cNvPr>
+            <p:cNvSpPr/>
+            <p:nvPr/>
+          </p:nvSpPr>
+          <p:spPr>
+            <a:xfrm>
+              <a:off x="2022630" y="1547006"/>
+              <a:ext cx="7989903" cy="585926"/>
+            </a:xfrm>
+            <a:prstGeom prst="rect">
+              <a:avLst/>
+            </a:prstGeom>
+            <a:noFill/>
+            <a:ln w="28575"/>
+          </p:spPr>
+          <p:style>
+            <a:lnRef idx="2">
+              <a:schemeClr val="accent2">
+                <a:shade val="50000"/>
+              </a:schemeClr>
+            </a:lnRef>
+            <a:fillRef idx="1">
+              <a:schemeClr val="accent2"/>
+            </a:fillRef>
+            <a:effectRef idx="0">
+              <a:schemeClr val="accent2"/>
+            </a:effectRef>
+            <a:fontRef idx="minor">
+              <a:schemeClr val="lt1"/>
+            </a:fontRef>
+          </p:style>
+          <p:txBody>
+            <a:bodyPr rtlCol="0" anchor="ctr"/>
+            <a:lstStyle/>
+            <a:p>
+              <a:pPr algn="ctr"/>
+              <a:endParaRPr lang="en-US"/>
+            </a:p>
+          </p:txBody>
+        </p:sp>
+        <p:cxnSp>
+          <p:nvCxnSpPr>
+            <p:cNvPr id="5" name="Straight Connector 4">
+              <a:extLst>
+                <a:ext uri="{FF2B5EF4-FFF2-40B4-BE49-F238E27FC236}">
+                  <a16:creationId xmlns:a16="http://schemas.microsoft.com/office/drawing/2014/main" id="{8A53AB78-84FC-4B5A-B099-B2F26A157D96}"/>
+                </a:ext>
+              </a:extLst>
+            </p:cNvPr>
+            <p:cNvCxnSpPr/>
+            <p:nvPr/>
+          </p:nvCxnSpPr>
+          <p:spPr>
+            <a:xfrm>
+              <a:off x="2663301" y="1547006"/>
+              <a:ext cx="0" cy="585926"/>
+            </a:xfrm>
+            <a:prstGeom prst="line">
+              <a:avLst/>
+            </a:prstGeom>
+            <a:ln>
+              <a:solidFill>
+                <a:schemeClr val="accent2"/>
+              </a:solidFill>
+            </a:ln>
+          </p:spPr>
+          <p:style>
+            <a:lnRef idx="1">
+              <a:schemeClr val="accent1"/>
+            </a:lnRef>
+            <a:fillRef idx="0">
+              <a:schemeClr val="accent1"/>
+            </a:fillRef>
+            <a:effectRef idx="0">
+              <a:schemeClr val="accent1"/>
+            </a:effectRef>
+            <a:fontRef idx="minor">
+              <a:schemeClr val="tx1"/>
+            </a:fontRef>
+          </p:style>
+        </p:cxnSp>
+        <p:cxnSp>
+          <p:nvCxnSpPr>
+            <p:cNvPr id="17" name="Straight Connector 16">
+              <a:extLst>
+                <a:ext uri="{FF2B5EF4-FFF2-40B4-BE49-F238E27FC236}">
+                  <a16:creationId xmlns:a16="http://schemas.microsoft.com/office/drawing/2014/main" id="{BFC7A37E-ADF4-4F3D-B74E-191035C5C7CD}"/>
+                </a:ext>
+              </a:extLst>
+            </p:cNvPr>
+            <p:cNvCxnSpPr/>
+            <p:nvPr/>
+          </p:nvCxnSpPr>
+          <p:spPr>
+            <a:xfrm>
+              <a:off x="3286217" y="1547006"/>
+              <a:ext cx="0" cy="585926"/>
+            </a:xfrm>
+            <a:prstGeom prst="line">
+              <a:avLst/>
+            </a:prstGeom>
+            <a:ln>
+              <a:solidFill>
+                <a:schemeClr val="accent2"/>
+              </a:solidFill>
+            </a:ln>
+          </p:spPr>
+          <p:style>
+            <a:lnRef idx="1">
+              <a:schemeClr val="accent1"/>
+            </a:lnRef>
+            <a:fillRef idx="0">
+              <a:schemeClr val="accent1"/>
+            </a:fillRef>
+            <a:effectRef idx="0">
+              <a:schemeClr val="accent1"/>
+            </a:effectRef>
+            <a:fontRef idx="minor">
+              <a:schemeClr val="tx1"/>
+            </a:fontRef>
+          </p:style>
+        </p:cxnSp>
+        <p:cxnSp>
+          <p:nvCxnSpPr>
+            <p:cNvPr id="18" name="Straight Connector 17">
+              <a:extLst>
+                <a:ext uri="{FF2B5EF4-FFF2-40B4-BE49-F238E27FC236}">
+                  <a16:creationId xmlns:a16="http://schemas.microsoft.com/office/drawing/2014/main" id="{9C94D911-85E9-4BC3-8983-3C75A3A35D20}"/>
+                </a:ext>
+              </a:extLst>
+            </p:cNvPr>
+            <p:cNvCxnSpPr/>
+            <p:nvPr/>
+          </p:nvCxnSpPr>
+          <p:spPr>
+            <a:xfrm>
+              <a:off x="3863266" y="1547006"/>
+              <a:ext cx="0" cy="585926"/>
+            </a:xfrm>
+            <a:prstGeom prst="line">
+              <a:avLst/>
+            </a:prstGeom>
+            <a:ln>
+              <a:solidFill>
+                <a:schemeClr val="accent2"/>
+              </a:solidFill>
+            </a:ln>
+          </p:spPr>
+          <p:style>
+            <a:lnRef idx="1">
+              <a:schemeClr val="accent1"/>
+            </a:lnRef>
+            <a:fillRef idx="0">
+              <a:schemeClr val="accent1"/>
+            </a:fillRef>
+            <a:effectRef idx="0">
+              <a:schemeClr val="accent1"/>
+            </a:effectRef>
+            <a:fontRef idx="minor">
+              <a:schemeClr val="tx1"/>
+            </a:fontRef>
+          </p:style>
+        </p:cxnSp>
+        <p:cxnSp>
+          <p:nvCxnSpPr>
+            <p:cNvPr id="19" name="Straight Connector 18">
+              <a:extLst>
+                <a:ext uri="{FF2B5EF4-FFF2-40B4-BE49-F238E27FC236}">
+                  <a16:creationId xmlns:a16="http://schemas.microsoft.com/office/drawing/2014/main" id="{169E1FF8-E144-4509-93CE-E049A417139D}"/>
+                </a:ext>
+              </a:extLst>
+            </p:cNvPr>
+            <p:cNvCxnSpPr/>
+            <p:nvPr/>
+          </p:nvCxnSpPr>
+          <p:spPr>
+            <a:xfrm>
+              <a:off x="4475825" y="1547006"/>
+              <a:ext cx="0" cy="585926"/>
+            </a:xfrm>
+            <a:prstGeom prst="line">
+              <a:avLst/>
+            </a:prstGeom>
+            <a:ln>
+              <a:solidFill>
+                <a:schemeClr val="accent2"/>
+              </a:solidFill>
+            </a:ln>
+          </p:spPr>
+          <p:style>
+            <a:lnRef idx="1">
+              <a:schemeClr val="accent1"/>
+            </a:lnRef>
+            <a:fillRef idx="0">
+              <a:schemeClr val="accent1"/>
+            </a:fillRef>
+            <a:effectRef idx="0">
+              <a:schemeClr val="accent1"/>
+            </a:effectRef>
+            <a:fontRef idx="minor">
+              <a:schemeClr val="tx1"/>
+            </a:fontRef>
+          </p:style>
+        </p:cxnSp>
+        <p:cxnSp>
+          <p:nvCxnSpPr>
+            <p:cNvPr id="20" name="Straight Connector 19">
+              <a:extLst>
+                <a:ext uri="{FF2B5EF4-FFF2-40B4-BE49-F238E27FC236}">
+                  <a16:creationId xmlns:a16="http://schemas.microsoft.com/office/drawing/2014/main" id="{34CAFB6B-407C-4625-A8C5-FE652162ED55}"/>
+                </a:ext>
+              </a:extLst>
+            </p:cNvPr>
+            <p:cNvCxnSpPr/>
+            <p:nvPr/>
+          </p:nvCxnSpPr>
+          <p:spPr>
+            <a:xfrm>
+              <a:off x="5088384" y="1547006"/>
+              <a:ext cx="0" cy="585926"/>
+            </a:xfrm>
+            <a:prstGeom prst="line">
+              <a:avLst/>
+            </a:prstGeom>
+            <a:ln>
+              <a:solidFill>
+                <a:schemeClr val="accent2"/>
+              </a:solidFill>
+            </a:ln>
+          </p:spPr>
+          <p:style>
+            <a:lnRef idx="1">
+              <a:schemeClr val="accent1"/>
+            </a:lnRef>
+            <a:fillRef idx="0">
+              <a:schemeClr val="accent1"/>
+            </a:fillRef>
+            <a:effectRef idx="0">
+              <a:schemeClr val="accent1"/>
+            </a:effectRef>
+            <a:fontRef idx="minor">
+              <a:schemeClr val="tx1"/>
+            </a:fontRef>
+          </p:style>
+        </p:cxnSp>
+        <p:sp>
+          <p:nvSpPr>
+            <p:cNvPr id="6" name="Oval 5">
+              <a:extLst>
+                <a:ext uri="{FF2B5EF4-FFF2-40B4-BE49-F238E27FC236}">
+                  <a16:creationId xmlns:a16="http://schemas.microsoft.com/office/drawing/2014/main" id="{08958699-AACD-43DE-AE76-06653DCFEB8F}"/>
+                </a:ext>
+              </a:extLst>
+            </p:cNvPr>
+            <p:cNvSpPr/>
+            <p:nvPr/>
+          </p:nvSpPr>
+          <p:spPr>
+            <a:xfrm>
+              <a:off x="5548544" y="1777825"/>
+              <a:ext cx="45719" cy="53266"/>
+            </a:xfrm>
+            <a:prstGeom prst="ellipse">
+              <a:avLst/>
+            </a:prstGeom>
+          </p:spPr>
+          <p:style>
+            <a:lnRef idx="2">
+              <a:schemeClr val="accent1">
+                <a:shade val="50000"/>
+              </a:schemeClr>
+            </a:lnRef>
+            <a:fillRef idx="1">
+              <a:schemeClr val="accent1"/>
+            </a:fillRef>
+            <a:effectRef idx="0">
+              <a:schemeClr val="accent1"/>
+            </a:effectRef>
+            <a:fontRef idx="minor">
+              <a:schemeClr val="lt1"/>
+            </a:fontRef>
+          </p:style>
+          <p:txBody>
+            <a:bodyPr rtlCol="0" anchor="ctr"/>
+            <a:lstStyle/>
+            <a:p>
+              <a:pPr algn="ctr"/>
+              <a:endParaRPr lang="en-US"/>
+            </a:p>
+          </p:txBody>
+        </p:sp>
+        <p:sp>
+          <p:nvSpPr>
+            <p:cNvPr id="24" name="Oval 23">
+              <a:extLst>
+                <a:ext uri="{FF2B5EF4-FFF2-40B4-BE49-F238E27FC236}">
+                  <a16:creationId xmlns:a16="http://schemas.microsoft.com/office/drawing/2014/main" id="{6DAE7183-D5E3-49E8-98DD-FE6ED11C992E}"/>
+                </a:ext>
+              </a:extLst>
+            </p:cNvPr>
+            <p:cNvSpPr/>
+            <p:nvPr/>
+          </p:nvSpPr>
+          <p:spPr>
+            <a:xfrm>
+              <a:off x="5822271" y="1777825"/>
+              <a:ext cx="45719" cy="53266"/>
+            </a:xfrm>
+            <a:prstGeom prst="ellipse">
+              <a:avLst/>
+            </a:prstGeom>
+          </p:spPr>
+          <p:style>
+            <a:lnRef idx="2">
+              <a:schemeClr val="accent1">
+                <a:shade val="50000"/>
+              </a:schemeClr>
+            </a:lnRef>
+            <a:fillRef idx="1">
+              <a:schemeClr val="accent1"/>
+            </a:fillRef>
+            <a:effectRef idx="0">
+              <a:schemeClr val="accent1"/>
+            </a:effectRef>
+            <a:fontRef idx="minor">
+              <a:schemeClr val="lt1"/>
+            </a:fontRef>
+          </p:style>
+          <p:txBody>
+            <a:bodyPr rtlCol="0" anchor="ctr"/>
+            <a:lstStyle/>
+            <a:p>
+              <a:pPr algn="ctr"/>
+              <a:endParaRPr lang="en-US"/>
+            </a:p>
+          </p:txBody>
+        </p:sp>
+        <p:sp>
+          <p:nvSpPr>
+            <p:cNvPr id="25" name="Oval 24">
+              <a:extLst>
+                <a:ext uri="{FF2B5EF4-FFF2-40B4-BE49-F238E27FC236}">
+                  <a16:creationId xmlns:a16="http://schemas.microsoft.com/office/drawing/2014/main" id="{26F50960-A8F6-49F3-8E60-347FDA5946AC}"/>
+                </a:ext>
+              </a:extLst>
+            </p:cNvPr>
+            <p:cNvSpPr/>
+            <p:nvPr/>
+          </p:nvSpPr>
+          <p:spPr>
+            <a:xfrm>
+              <a:off x="6095998" y="1786703"/>
+              <a:ext cx="45719" cy="53266"/>
+            </a:xfrm>
+            <a:prstGeom prst="ellipse">
+              <a:avLst/>
+            </a:prstGeom>
+          </p:spPr>
+          <p:style>
+            <a:lnRef idx="2">
+              <a:schemeClr val="accent1">
+                <a:shade val="50000"/>
+              </a:schemeClr>
+            </a:lnRef>
+            <a:fillRef idx="1">
+              <a:schemeClr val="accent1"/>
+            </a:fillRef>
+            <a:effectRef idx="0">
+              <a:schemeClr val="accent1"/>
+            </a:effectRef>
+            <a:fontRef idx="minor">
+              <a:schemeClr val="lt1"/>
+            </a:fontRef>
+          </p:style>
+          <p:txBody>
+            <a:bodyPr rtlCol="0" anchor="ctr"/>
+            <a:lstStyle/>
+            <a:p>
+              <a:pPr algn="ctr"/>
+              <a:endParaRPr lang="en-US"/>
+            </a:p>
+          </p:txBody>
+        </p:sp>
+        <p:sp>
+          <p:nvSpPr>
+            <p:cNvPr id="7" name="TextBox 6">
+              <a:extLst>
+                <a:ext uri="{FF2B5EF4-FFF2-40B4-BE49-F238E27FC236}">
+                  <a16:creationId xmlns:a16="http://schemas.microsoft.com/office/drawing/2014/main" id="{007273E1-6DE6-495E-A5B0-100109BA139A}"/>
+                </a:ext>
+              </a:extLst>
+            </p:cNvPr>
+            <p:cNvSpPr txBox="1"/>
+            <p:nvPr/>
+          </p:nvSpPr>
+          <p:spPr>
+            <a:xfrm>
+              <a:off x="2155057" y="1628670"/>
+              <a:ext cx="301686" cy="369332"/>
+            </a:xfrm>
+            <a:prstGeom prst="rect">
+              <a:avLst/>
+            </a:prstGeom>
+            <a:noFill/>
+          </p:spPr>
+          <p:txBody>
+            <a:bodyPr wrap="none" rtlCol="0">
+              <a:spAutoFit/>
+            </a:bodyPr>
+            <a:lstStyle/>
+            <a:p>
+              <a:r>
+                <a:rPr lang="en-US" dirty="0">
+                  <a:solidFill>
+                    <a:schemeClr val="bg1"/>
+                  </a:solidFill>
+                </a:rPr>
+                <a:t>2</a:t>
+              </a:r>
+            </a:p>
+          </p:txBody>
+        </p:sp>
+        <p:sp>
+          <p:nvSpPr>
+            <p:cNvPr id="28" name="TextBox 27">
+              <a:extLst>
+                <a:ext uri="{FF2B5EF4-FFF2-40B4-BE49-F238E27FC236}">
+                  <a16:creationId xmlns:a16="http://schemas.microsoft.com/office/drawing/2014/main" id="{6FB3D2A5-EC6E-48EC-ADC0-7AACF21AE6EB}"/>
+                </a:ext>
+              </a:extLst>
+            </p:cNvPr>
+            <p:cNvSpPr txBox="1"/>
+            <p:nvPr/>
+          </p:nvSpPr>
+          <p:spPr>
+            <a:xfrm>
+              <a:off x="2740388" y="1628670"/>
+              <a:ext cx="301686" cy="369332"/>
+            </a:xfrm>
+            <a:prstGeom prst="rect">
+              <a:avLst/>
+            </a:prstGeom>
+            <a:noFill/>
+          </p:spPr>
+          <p:txBody>
+            <a:bodyPr wrap="none" rtlCol="0">
+              <a:spAutoFit/>
+            </a:bodyPr>
+            <a:lstStyle/>
+            <a:p>
+              <a:r>
+                <a:rPr lang="en-US" dirty="0">
+                  <a:solidFill>
+                    <a:schemeClr val="bg1"/>
+                  </a:solidFill>
+                </a:rPr>
+                <a:t>0</a:t>
+              </a:r>
+            </a:p>
+          </p:txBody>
+        </p:sp>
+        <p:sp>
+          <p:nvSpPr>
+            <p:cNvPr id="29" name="TextBox 28">
+              <a:extLst>
+                <a:ext uri="{FF2B5EF4-FFF2-40B4-BE49-F238E27FC236}">
+                  <a16:creationId xmlns:a16="http://schemas.microsoft.com/office/drawing/2014/main" id="{B506176B-3663-4B16-883D-A26171758A72}"/>
+                </a:ext>
+              </a:extLst>
+            </p:cNvPr>
+            <p:cNvSpPr txBox="1"/>
+            <p:nvPr/>
+          </p:nvSpPr>
+          <p:spPr>
+            <a:xfrm>
+              <a:off x="3337191" y="1619791"/>
+              <a:ext cx="301686" cy="369332"/>
+            </a:xfrm>
+            <a:prstGeom prst="rect">
+              <a:avLst/>
+            </a:prstGeom>
+            <a:noFill/>
+          </p:spPr>
+          <p:txBody>
+            <a:bodyPr wrap="none" rtlCol="0">
+              <a:spAutoFit/>
+            </a:bodyPr>
+            <a:lstStyle/>
+            <a:p>
+              <a:r>
+                <a:rPr lang="en-US" dirty="0">
+                  <a:solidFill>
+                    <a:schemeClr val="bg1"/>
+                  </a:solidFill>
+                </a:rPr>
+                <a:t>1</a:t>
+              </a:r>
+            </a:p>
+          </p:txBody>
+        </p:sp>
+        <p:sp>
+          <p:nvSpPr>
+            <p:cNvPr id="30" name="TextBox 29">
+              <a:extLst>
+                <a:ext uri="{FF2B5EF4-FFF2-40B4-BE49-F238E27FC236}">
+                  <a16:creationId xmlns:a16="http://schemas.microsoft.com/office/drawing/2014/main" id="{D00896DE-0DAD-4D4C-806A-F3E8C101287D}"/>
+                </a:ext>
+              </a:extLst>
+            </p:cNvPr>
+            <p:cNvSpPr txBox="1"/>
+            <p:nvPr/>
+          </p:nvSpPr>
+          <p:spPr>
+            <a:xfrm>
+              <a:off x="3943138" y="1619791"/>
+              <a:ext cx="301686" cy="369332"/>
+            </a:xfrm>
+            <a:prstGeom prst="rect">
+              <a:avLst/>
+            </a:prstGeom>
+            <a:noFill/>
+          </p:spPr>
+          <p:txBody>
+            <a:bodyPr wrap="none" rtlCol="0">
+              <a:spAutoFit/>
+            </a:bodyPr>
+            <a:lstStyle/>
+            <a:p>
+              <a:r>
+                <a:rPr lang="en-US" dirty="0">
+                  <a:solidFill>
+                    <a:schemeClr val="bg1"/>
+                  </a:solidFill>
+                </a:rPr>
+                <a:t>3</a:t>
+              </a:r>
+            </a:p>
+          </p:txBody>
+        </p:sp>
+        <p:sp>
+          <p:nvSpPr>
+            <p:cNvPr id="31" name="TextBox 30">
+              <a:extLst>
+                <a:ext uri="{FF2B5EF4-FFF2-40B4-BE49-F238E27FC236}">
+                  <a16:creationId xmlns:a16="http://schemas.microsoft.com/office/drawing/2014/main" id="{C217C645-2BEF-4BFE-828B-3FEC46F991F2}"/>
+                </a:ext>
+              </a:extLst>
+            </p:cNvPr>
+            <p:cNvSpPr txBox="1"/>
+            <p:nvPr/>
+          </p:nvSpPr>
+          <p:spPr>
+            <a:xfrm>
+              <a:off x="4556920" y="1628670"/>
+              <a:ext cx="301686" cy="369332"/>
+            </a:xfrm>
+            <a:prstGeom prst="rect">
+              <a:avLst/>
+            </a:prstGeom>
+            <a:noFill/>
+          </p:spPr>
+          <p:txBody>
+            <a:bodyPr wrap="none" rtlCol="0">
+              <a:spAutoFit/>
+            </a:bodyPr>
+            <a:lstStyle/>
+            <a:p>
+              <a:r>
+                <a:rPr lang="en-US" dirty="0">
+                  <a:solidFill>
+                    <a:schemeClr val="bg1"/>
+                  </a:solidFill>
+                </a:rPr>
+                <a:t>5</a:t>
+              </a:r>
+            </a:p>
+          </p:txBody>
+        </p:sp>
+        <p:sp>
+          <p:nvSpPr>
+            <p:cNvPr id="70" name="TextBox 69">
+              <a:extLst>
+                <a:ext uri="{FF2B5EF4-FFF2-40B4-BE49-F238E27FC236}">
+                  <a16:creationId xmlns:a16="http://schemas.microsoft.com/office/drawing/2014/main" id="{9DC35284-C0F2-4CF3-8FE2-5AA55000E303}"/>
+                </a:ext>
+              </a:extLst>
+            </p:cNvPr>
+            <p:cNvSpPr txBox="1"/>
+            <p:nvPr/>
+          </p:nvSpPr>
+          <p:spPr>
+            <a:xfrm>
+              <a:off x="4056737" y="312964"/>
+              <a:ext cx="3300455" cy="369332"/>
+            </a:xfrm>
+            <a:prstGeom prst="rect">
+              <a:avLst/>
+            </a:prstGeom>
+            <a:noFill/>
+          </p:spPr>
+          <p:txBody>
+            <a:bodyPr wrap="none" rtlCol="0">
+              <a:spAutoFit/>
+            </a:bodyPr>
+            <a:lstStyle/>
+            <a:p>
+              <a:r>
+                <a:rPr lang="en-US" b="1" dirty="0">
+                  <a:solidFill>
+                    <a:schemeClr val="bg1"/>
+                  </a:solidFill>
+                </a:rPr>
+                <a:t>Customization of photon storage</a:t>
+              </a:r>
+            </a:p>
+          </p:txBody>
+        </p:sp>
+        <p:sp>
+          <p:nvSpPr>
+            <p:cNvPr id="60" name="Rectangle 59">
+              <a:extLst>
+                <a:ext uri="{FF2B5EF4-FFF2-40B4-BE49-F238E27FC236}">
+                  <a16:creationId xmlns:a16="http://schemas.microsoft.com/office/drawing/2014/main" id="{3474D02F-C584-4056-AB3F-0A87578A5C4D}"/>
+                </a:ext>
+              </a:extLst>
+            </p:cNvPr>
+            <p:cNvSpPr/>
+            <p:nvPr/>
+          </p:nvSpPr>
+          <p:spPr>
+            <a:xfrm>
+              <a:off x="1960487" y="5005346"/>
+              <a:ext cx="7989903" cy="585926"/>
+            </a:xfrm>
+            <a:prstGeom prst="rect">
+              <a:avLst/>
+            </a:prstGeom>
+            <a:noFill/>
+            <a:ln w="28575"/>
+          </p:spPr>
+          <p:style>
+            <a:lnRef idx="2">
+              <a:schemeClr val="accent2">
+                <a:shade val="50000"/>
+              </a:schemeClr>
+            </a:lnRef>
+            <a:fillRef idx="1">
+              <a:schemeClr val="accent2"/>
+            </a:fillRef>
+            <a:effectRef idx="0">
+              <a:schemeClr val="accent2"/>
+            </a:effectRef>
+            <a:fontRef idx="minor">
+              <a:schemeClr val="lt1"/>
+            </a:fontRef>
+          </p:style>
+          <p:txBody>
+            <a:bodyPr rtlCol="0" anchor="ctr"/>
+            <a:lstStyle/>
+            <a:p>
+              <a:pPr algn="ctr"/>
+              <a:endParaRPr lang="en-US"/>
+            </a:p>
+          </p:txBody>
+        </p:sp>
+        <p:cxnSp>
+          <p:nvCxnSpPr>
+            <p:cNvPr id="61" name="Straight Connector 60">
+              <a:extLst>
+                <a:ext uri="{FF2B5EF4-FFF2-40B4-BE49-F238E27FC236}">
+                  <a16:creationId xmlns:a16="http://schemas.microsoft.com/office/drawing/2014/main" id="{D51EF8A2-9B03-4A8B-8D8F-58FD823E72E7}"/>
+                </a:ext>
+              </a:extLst>
+            </p:cNvPr>
+            <p:cNvCxnSpPr/>
+            <p:nvPr/>
+          </p:nvCxnSpPr>
+          <p:spPr>
+            <a:xfrm>
+              <a:off x="2601158" y="5005346"/>
+              <a:ext cx="0" cy="585926"/>
+            </a:xfrm>
+            <a:prstGeom prst="line">
+              <a:avLst/>
+            </a:prstGeom>
+            <a:ln>
+              <a:solidFill>
+                <a:schemeClr val="accent2"/>
+              </a:solidFill>
+            </a:ln>
+          </p:spPr>
+          <p:style>
+            <a:lnRef idx="1">
+              <a:schemeClr val="accent1"/>
+            </a:lnRef>
+            <a:fillRef idx="0">
+              <a:schemeClr val="accent1"/>
+            </a:fillRef>
+            <a:effectRef idx="0">
+              <a:schemeClr val="accent1"/>
+            </a:effectRef>
+            <a:fontRef idx="minor">
+              <a:schemeClr val="tx1"/>
+            </a:fontRef>
+          </p:style>
+        </p:cxnSp>
+        <p:cxnSp>
+          <p:nvCxnSpPr>
+            <p:cNvPr id="62" name="Straight Connector 61">
+              <a:extLst>
+                <a:ext uri="{FF2B5EF4-FFF2-40B4-BE49-F238E27FC236}">
+                  <a16:creationId xmlns:a16="http://schemas.microsoft.com/office/drawing/2014/main" id="{E13C27AB-788D-4D1D-88BA-3E285922730D}"/>
+                </a:ext>
+              </a:extLst>
+            </p:cNvPr>
+            <p:cNvCxnSpPr/>
+            <p:nvPr/>
+          </p:nvCxnSpPr>
+          <p:spPr>
+            <a:xfrm>
+              <a:off x="3224074" y="5005346"/>
+              <a:ext cx="0" cy="585926"/>
+            </a:xfrm>
+            <a:prstGeom prst="line">
+              <a:avLst/>
+            </a:prstGeom>
+            <a:ln>
+              <a:solidFill>
+                <a:schemeClr val="accent2"/>
+              </a:solidFill>
+            </a:ln>
+          </p:spPr>
+          <p:style>
+            <a:lnRef idx="1">
+              <a:schemeClr val="accent1"/>
+            </a:lnRef>
+            <a:fillRef idx="0">
+              <a:schemeClr val="accent1"/>
+            </a:fillRef>
+            <a:effectRef idx="0">
+              <a:schemeClr val="accent1"/>
+            </a:effectRef>
+            <a:fontRef idx="minor">
+              <a:schemeClr val="tx1"/>
+            </a:fontRef>
+          </p:style>
+        </p:cxnSp>
+        <p:cxnSp>
+          <p:nvCxnSpPr>
+            <p:cNvPr id="63" name="Straight Connector 62">
+              <a:extLst>
+                <a:ext uri="{FF2B5EF4-FFF2-40B4-BE49-F238E27FC236}">
+                  <a16:creationId xmlns:a16="http://schemas.microsoft.com/office/drawing/2014/main" id="{94F7A250-64EF-443B-A4EB-2C7A83DC9F90}"/>
+                </a:ext>
+              </a:extLst>
+            </p:cNvPr>
+            <p:cNvCxnSpPr/>
+            <p:nvPr/>
+          </p:nvCxnSpPr>
+          <p:spPr>
+            <a:xfrm>
+              <a:off x="3801123" y="5005346"/>
+              <a:ext cx="0" cy="585926"/>
+            </a:xfrm>
+            <a:prstGeom prst="line">
+              <a:avLst/>
+            </a:prstGeom>
+            <a:ln>
+              <a:solidFill>
+                <a:schemeClr val="accent2"/>
+              </a:solidFill>
+            </a:ln>
+          </p:spPr>
+          <p:style>
+            <a:lnRef idx="1">
+              <a:schemeClr val="accent1"/>
+            </a:lnRef>
+            <a:fillRef idx="0">
+              <a:schemeClr val="accent1"/>
+            </a:fillRef>
+            <a:effectRef idx="0">
+              <a:schemeClr val="accent1"/>
+            </a:effectRef>
+            <a:fontRef idx="minor">
+              <a:schemeClr val="tx1"/>
+            </a:fontRef>
+          </p:style>
+        </p:cxnSp>
+        <p:cxnSp>
+          <p:nvCxnSpPr>
+            <p:cNvPr id="73" name="Straight Connector 72">
+              <a:extLst>
+                <a:ext uri="{FF2B5EF4-FFF2-40B4-BE49-F238E27FC236}">
+                  <a16:creationId xmlns:a16="http://schemas.microsoft.com/office/drawing/2014/main" id="{AF6FE30B-B28D-4E79-9F09-F87B3DA65A44}"/>
+                </a:ext>
+              </a:extLst>
+            </p:cNvPr>
+            <p:cNvCxnSpPr/>
+            <p:nvPr/>
+          </p:nvCxnSpPr>
+          <p:spPr>
+            <a:xfrm>
+              <a:off x="4413682" y="5005346"/>
+              <a:ext cx="0" cy="585926"/>
+            </a:xfrm>
+            <a:prstGeom prst="line">
+              <a:avLst/>
+            </a:prstGeom>
+            <a:ln>
+              <a:solidFill>
+                <a:schemeClr val="accent2"/>
+              </a:solidFill>
+            </a:ln>
+          </p:spPr>
+          <p:style>
+            <a:lnRef idx="1">
+              <a:schemeClr val="accent1"/>
+            </a:lnRef>
+            <a:fillRef idx="0">
+              <a:schemeClr val="accent1"/>
+            </a:fillRef>
+            <a:effectRef idx="0">
+              <a:schemeClr val="accent1"/>
+            </a:effectRef>
+            <a:fontRef idx="minor">
+              <a:schemeClr val="tx1"/>
+            </a:fontRef>
+          </p:style>
+        </p:cxnSp>
+        <p:cxnSp>
+          <p:nvCxnSpPr>
+            <p:cNvPr id="74" name="Straight Connector 73">
+              <a:extLst>
+                <a:ext uri="{FF2B5EF4-FFF2-40B4-BE49-F238E27FC236}">
+                  <a16:creationId xmlns:a16="http://schemas.microsoft.com/office/drawing/2014/main" id="{220CF384-D37D-4E0D-A5FE-A96BF3CFD90B}"/>
+                </a:ext>
+              </a:extLst>
+            </p:cNvPr>
+            <p:cNvCxnSpPr/>
+            <p:nvPr/>
+          </p:nvCxnSpPr>
+          <p:spPr>
+            <a:xfrm>
+              <a:off x="5026241" y="5005346"/>
+              <a:ext cx="0" cy="585926"/>
+            </a:xfrm>
+            <a:prstGeom prst="line">
+              <a:avLst/>
+            </a:prstGeom>
+            <a:ln>
+              <a:solidFill>
+                <a:schemeClr val="accent2"/>
+              </a:solidFill>
+            </a:ln>
+          </p:spPr>
+          <p:style>
+            <a:lnRef idx="1">
+              <a:schemeClr val="accent1"/>
+            </a:lnRef>
+            <a:fillRef idx="0">
+              <a:schemeClr val="accent1"/>
+            </a:fillRef>
+            <a:effectRef idx="0">
+              <a:schemeClr val="accent1"/>
+            </a:effectRef>
+            <a:fontRef idx="minor">
+              <a:schemeClr val="tx1"/>
+            </a:fontRef>
+          </p:style>
+        </p:cxnSp>
+        <p:sp>
+          <p:nvSpPr>
+            <p:cNvPr id="75" name="Oval 74">
+              <a:extLst>
+                <a:ext uri="{FF2B5EF4-FFF2-40B4-BE49-F238E27FC236}">
+                  <a16:creationId xmlns:a16="http://schemas.microsoft.com/office/drawing/2014/main" id="{BC7A71A4-FE5E-430C-9975-3791F3838546}"/>
+                </a:ext>
+              </a:extLst>
+            </p:cNvPr>
+            <p:cNvSpPr/>
+            <p:nvPr/>
+          </p:nvSpPr>
+          <p:spPr>
+            <a:xfrm>
+              <a:off x="5486401" y="5236165"/>
+              <a:ext cx="45719" cy="53266"/>
+            </a:xfrm>
+            <a:prstGeom prst="ellipse">
+              <a:avLst/>
+            </a:prstGeom>
+          </p:spPr>
+          <p:style>
+            <a:lnRef idx="2">
+              <a:schemeClr val="accent1">
+                <a:shade val="50000"/>
+              </a:schemeClr>
+            </a:lnRef>
+            <a:fillRef idx="1">
+              <a:schemeClr val="accent1"/>
+            </a:fillRef>
+            <a:effectRef idx="0">
+              <a:schemeClr val="accent1"/>
+            </a:effectRef>
+            <a:fontRef idx="minor">
+              <a:schemeClr val="lt1"/>
+            </a:fontRef>
+          </p:style>
+          <p:txBody>
+            <a:bodyPr rtlCol="0" anchor="ctr"/>
+            <a:lstStyle/>
+            <a:p>
+              <a:pPr algn="ctr"/>
+              <a:endParaRPr lang="en-US"/>
+            </a:p>
+          </p:txBody>
+        </p:sp>
+        <p:sp>
+          <p:nvSpPr>
+            <p:cNvPr id="76" name="Oval 75">
+              <a:extLst>
+                <a:ext uri="{FF2B5EF4-FFF2-40B4-BE49-F238E27FC236}">
+                  <a16:creationId xmlns:a16="http://schemas.microsoft.com/office/drawing/2014/main" id="{BFCC9E02-1573-4810-A1DF-B37A689E69BF}"/>
+                </a:ext>
+              </a:extLst>
+            </p:cNvPr>
+            <p:cNvSpPr/>
+            <p:nvPr/>
+          </p:nvSpPr>
+          <p:spPr>
+            <a:xfrm>
+              <a:off x="5760128" y="5236165"/>
+              <a:ext cx="45719" cy="53266"/>
+            </a:xfrm>
+            <a:prstGeom prst="ellipse">
+              <a:avLst/>
+            </a:prstGeom>
+          </p:spPr>
+          <p:style>
+            <a:lnRef idx="2">
+              <a:schemeClr val="accent1">
+                <a:shade val="50000"/>
+              </a:schemeClr>
+            </a:lnRef>
+            <a:fillRef idx="1">
+              <a:schemeClr val="accent1"/>
+            </a:fillRef>
+            <a:effectRef idx="0">
+              <a:schemeClr val="accent1"/>
+            </a:effectRef>
+            <a:fontRef idx="minor">
+              <a:schemeClr val="lt1"/>
+            </a:fontRef>
+          </p:style>
+          <p:txBody>
+            <a:bodyPr rtlCol="0" anchor="ctr"/>
+            <a:lstStyle/>
+            <a:p>
+              <a:pPr algn="ctr"/>
+              <a:endParaRPr lang="en-US"/>
+            </a:p>
+          </p:txBody>
+        </p:sp>
+        <p:sp>
+          <p:nvSpPr>
+            <p:cNvPr id="77" name="Oval 76">
+              <a:extLst>
+                <a:ext uri="{FF2B5EF4-FFF2-40B4-BE49-F238E27FC236}">
+                  <a16:creationId xmlns:a16="http://schemas.microsoft.com/office/drawing/2014/main" id="{E519C8DF-10E1-48E7-89C9-72C32B33161F}"/>
+                </a:ext>
+              </a:extLst>
+            </p:cNvPr>
+            <p:cNvSpPr/>
+            <p:nvPr/>
+          </p:nvSpPr>
+          <p:spPr>
+            <a:xfrm>
+              <a:off x="6033855" y="5245043"/>
+              <a:ext cx="45719" cy="53266"/>
+            </a:xfrm>
+            <a:prstGeom prst="ellipse">
+              <a:avLst/>
+            </a:prstGeom>
+          </p:spPr>
+          <p:style>
+            <a:lnRef idx="2">
+              <a:schemeClr val="accent1">
+                <a:shade val="50000"/>
+              </a:schemeClr>
+            </a:lnRef>
+            <a:fillRef idx="1">
+              <a:schemeClr val="accent1"/>
+            </a:fillRef>
+            <a:effectRef idx="0">
+              <a:schemeClr val="accent1"/>
+            </a:effectRef>
+            <a:fontRef idx="minor">
+              <a:schemeClr val="lt1"/>
+            </a:fontRef>
+          </p:style>
+          <p:txBody>
+            <a:bodyPr rtlCol="0" anchor="ctr"/>
+            <a:lstStyle/>
+            <a:p>
+              <a:pPr algn="ctr"/>
+              <a:endParaRPr lang="en-US"/>
+            </a:p>
+          </p:txBody>
+        </p:sp>
+        <p:sp>
+          <p:nvSpPr>
+            <p:cNvPr id="78" name="TextBox 77">
+              <a:extLst>
+                <a:ext uri="{FF2B5EF4-FFF2-40B4-BE49-F238E27FC236}">
+                  <a16:creationId xmlns:a16="http://schemas.microsoft.com/office/drawing/2014/main" id="{A12A3349-B7EA-45A7-A2D8-9D48BCE5FB0C}"/>
+                </a:ext>
+              </a:extLst>
+            </p:cNvPr>
+            <p:cNvSpPr txBox="1"/>
+            <p:nvPr/>
+          </p:nvSpPr>
+          <p:spPr>
+            <a:xfrm>
+              <a:off x="2092914" y="5087010"/>
+              <a:ext cx="420308" cy="369332"/>
+            </a:xfrm>
+            <a:prstGeom prst="rect">
+              <a:avLst/>
+            </a:prstGeom>
+            <a:noFill/>
+          </p:spPr>
+          <p:txBody>
+            <a:bodyPr wrap="none" rtlCol="0">
+              <a:spAutoFit/>
+            </a:bodyPr>
+            <a:lstStyle/>
+            <a:p>
+              <a:r>
+                <a:rPr lang="en-US" dirty="0">
+                  <a:solidFill>
+                    <a:schemeClr val="bg1"/>
+                  </a:solidFill>
+                </a:rPr>
+                <a:t>P1</a:t>
+              </a:r>
+            </a:p>
+          </p:txBody>
+        </p:sp>
+        <p:sp>
+          <p:nvSpPr>
+            <p:cNvPr id="79" name="TextBox 78">
+              <a:extLst>
+                <a:ext uri="{FF2B5EF4-FFF2-40B4-BE49-F238E27FC236}">
+                  <a16:creationId xmlns:a16="http://schemas.microsoft.com/office/drawing/2014/main" id="{773E73BD-BC5D-47C2-BCC2-0A9B7060840A}"/>
+                </a:ext>
+              </a:extLst>
+            </p:cNvPr>
+            <p:cNvSpPr txBox="1"/>
+            <p:nvPr/>
+          </p:nvSpPr>
+          <p:spPr>
+            <a:xfrm>
+              <a:off x="2678245" y="5087010"/>
+              <a:ext cx="420308" cy="369332"/>
+            </a:xfrm>
+            <a:prstGeom prst="rect">
+              <a:avLst/>
+            </a:prstGeom>
+            <a:noFill/>
+          </p:spPr>
+          <p:txBody>
+            <a:bodyPr wrap="none" rtlCol="0">
+              <a:spAutoFit/>
+            </a:bodyPr>
+            <a:lstStyle/>
+            <a:p>
+              <a:r>
+                <a:rPr lang="en-US" dirty="0">
+                  <a:solidFill>
+                    <a:schemeClr val="bg1"/>
+                  </a:solidFill>
+                </a:rPr>
+                <a:t>P2</a:t>
+              </a:r>
+            </a:p>
+          </p:txBody>
+        </p:sp>
+        <p:sp>
+          <p:nvSpPr>
+            <p:cNvPr id="80" name="TextBox 79">
+              <a:extLst>
+                <a:ext uri="{FF2B5EF4-FFF2-40B4-BE49-F238E27FC236}">
+                  <a16:creationId xmlns:a16="http://schemas.microsoft.com/office/drawing/2014/main" id="{E4ACABE3-877C-4D78-BA12-20A46A9020EB}"/>
+                </a:ext>
+              </a:extLst>
+            </p:cNvPr>
+            <p:cNvSpPr txBox="1"/>
+            <p:nvPr/>
+          </p:nvSpPr>
+          <p:spPr>
+            <a:xfrm>
+              <a:off x="3275048" y="5078131"/>
+              <a:ext cx="420308" cy="369332"/>
+            </a:xfrm>
+            <a:prstGeom prst="rect">
+              <a:avLst/>
+            </a:prstGeom>
+            <a:noFill/>
+          </p:spPr>
+          <p:txBody>
+            <a:bodyPr wrap="none" rtlCol="0">
+              <a:spAutoFit/>
+            </a:bodyPr>
+            <a:lstStyle/>
+            <a:p>
+              <a:r>
+                <a:rPr lang="en-US" dirty="0">
+                  <a:solidFill>
+                    <a:schemeClr val="bg1"/>
+                  </a:solidFill>
+                </a:rPr>
+                <a:t>P3</a:t>
+              </a:r>
+            </a:p>
+          </p:txBody>
+        </p:sp>
+        <p:sp>
+          <p:nvSpPr>
+            <p:cNvPr id="81" name="TextBox 80">
+              <a:extLst>
+                <a:ext uri="{FF2B5EF4-FFF2-40B4-BE49-F238E27FC236}">
+                  <a16:creationId xmlns:a16="http://schemas.microsoft.com/office/drawing/2014/main" id="{7B26A8B6-934E-4170-8DCA-9874FAB882D4}"/>
+                </a:ext>
+              </a:extLst>
+            </p:cNvPr>
+            <p:cNvSpPr txBox="1"/>
+            <p:nvPr/>
+          </p:nvSpPr>
+          <p:spPr>
+            <a:xfrm>
+              <a:off x="3880995" y="5078131"/>
+              <a:ext cx="420308" cy="369332"/>
+            </a:xfrm>
+            <a:prstGeom prst="rect">
+              <a:avLst/>
+            </a:prstGeom>
+            <a:noFill/>
+          </p:spPr>
+          <p:txBody>
+            <a:bodyPr wrap="none" rtlCol="0">
+              <a:spAutoFit/>
+            </a:bodyPr>
+            <a:lstStyle/>
+            <a:p>
+              <a:r>
+                <a:rPr lang="en-US" dirty="0">
+                  <a:solidFill>
+                    <a:schemeClr val="bg1"/>
+                  </a:solidFill>
+                </a:rPr>
+                <a:t>P4</a:t>
+              </a:r>
+            </a:p>
+          </p:txBody>
+        </p:sp>
+        <p:sp>
+          <p:nvSpPr>
+            <p:cNvPr id="82" name="TextBox 81">
+              <a:extLst>
+                <a:ext uri="{FF2B5EF4-FFF2-40B4-BE49-F238E27FC236}">
+                  <a16:creationId xmlns:a16="http://schemas.microsoft.com/office/drawing/2014/main" id="{5AFE7744-DD32-431B-B5DA-DFA16004DD51}"/>
+                </a:ext>
+              </a:extLst>
+            </p:cNvPr>
+            <p:cNvSpPr txBox="1"/>
+            <p:nvPr/>
+          </p:nvSpPr>
+          <p:spPr>
+            <a:xfrm>
+              <a:off x="4494777" y="5087010"/>
+              <a:ext cx="420308" cy="369332"/>
+            </a:xfrm>
+            <a:prstGeom prst="rect">
+              <a:avLst/>
+            </a:prstGeom>
+            <a:noFill/>
+          </p:spPr>
+          <p:txBody>
+            <a:bodyPr wrap="none" rtlCol="0">
+              <a:spAutoFit/>
+            </a:bodyPr>
+            <a:lstStyle/>
+            <a:p>
+              <a:r>
+                <a:rPr lang="en-US" dirty="0">
+                  <a:solidFill>
+                    <a:schemeClr val="bg1"/>
+                  </a:solidFill>
+                </a:rPr>
+                <a:t>P5</a:t>
+              </a:r>
+            </a:p>
+          </p:txBody>
+        </p:sp>
+        <p:sp>
+          <p:nvSpPr>
+            <p:cNvPr id="83" name="TextBox 82">
+              <a:extLst>
+                <a:ext uri="{FF2B5EF4-FFF2-40B4-BE49-F238E27FC236}">
+                  <a16:creationId xmlns:a16="http://schemas.microsoft.com/office/drawing/2014/main" id="{C4F7158A-C18C-4BF7-8732-BC81AE1DC4FF}"/>
+                </a:ext>
+              </a:extLst>
+            </p:cNvPr>
+            <p:cNvSpPr txBox="1"/>
+            <p:nvPr/>
+          </p:nvSpPr>
+          <p:spPr>
+            <a:xfrm>
+              <a:off x="1414033" y="1196577"/>
+              <a:ext cx="2252989" cy="369332"/>
+            </a:xfrm>
+            <a:prstGeom prst="rect">
+              <a:avLst/>
+            </a:prstGeom>
+            <a:noFill/>
+          </p:spPr>
+          <p:txBody>
+            <a:bodyPr wrap="none" rtlCol="0">
+              <a:spAutoFit/>
+            </a:bodyPr>
+            <a:lstStyle/>
+            <a:p>
+              <a:r>
+                <a:rPr lang="en-US" b="1" dirty="0">
+                  <a:solidFill>
+                    <a:schemeClr val="bg1"/>
+                  </a:solidFill>
+                </a:rPr>
+                <a:t>Photon Count per cell</a:t>
+              </a:r>
+            </a:p>
+          </p:txBody>
+        </p:sp>
+        <p:sp>
+          <p:nvSpPr>
+            <p:cNvPr id="84" name="TextBox 83">
+              <a:extLst>
+                <a:ext uri="{FF2B5EF4-FFF2-40B4-BE49-F238E27FC236}">
+                  <a16:creationId xmlns:a16="http://schemas.microsoft.com/office/drawing/2014/main" id="{B7CF674D-910F-4617-908F-6F8F9B2BC058}"/>
+                </a:ext>
+              </a:extLst>
+            </p:cNvPr>
+            <p:cNvSpPr txBox="1"/>
+            <p:nvPr/>
+          </p:nvSpPr>
+          <p:spPr>
+            <a:xfrm>
+              <a:off x="1361712" y="4533932"/>
+              <a:ext cx="1371850" cy="369332"/>
+            </a:xfrm>
+            <a:prstGeom prst="rect">
+              <a:avLst/>
+            </a:prstGeom>
+            <a:noFill/>
+          </p:spPr>
+          <p:txBody>
+            <a:bodyPr wrap="none" rtlCol="0">
+              <a:spAutoFit/>
+            </a:bodyPr>
+            <a:lstStyle/>
+            <a:p>
+              <a:r>
+                <a:rPr lang="en-US" b="1" dirty="0">
+                  <a:solidFill>
+                    <a:schemeClr val="bg1"/>
+                  </a:solidFill>
+                </a:rPr>
+                <a:t>Photon Map</a:t>
+              </a:r>
+            </a:p>
+          </p:txBody>
+        </p:sp>
+        <p:sp>
+          <p:nvSpPr>
+            <p:cNvPr id="100" name="Rectangle 99">
+              <a:extLst>
+                <a:ext uri="{FF2B5EF4-FFF2-40B4-BE49-F238E27FC236}">
+                  <a16:creationId xmlns:a16="http://schemas.microsoft.com/office/drawing/2014/main" id="{8927D3FF-37E7-4D39-AD99-17671C1F4886}"/>
+                </a:ext>
+              </a:extLst>
+            </p:cNvPr>
+            <p:cNvSpPr/>
+            <p:nvPr/>
+          </p:nvSpPr>
+          <p:spPr>
+            <a:xfrm>
+              <a:off x="2015804" y="3323891"/>
+              <a:ext cx="7989903" cy="585926"/>
+            </a:xfrm>
+            <a:prstGeom prst="rect">
+              <a:avLst/>
+            </a:prstGeom>
+            <a:noFill/>
+            <a:ln w="28575"/>
+          </p:spPr>
+          <p:style>
+            <a:lnRef idx="2">
+              <a:schemeClr val="accent2">
+                <a:shade val="50000"/>
+              </a:schemeClr>
+            </a:lnRef>
+            <a:fillRef idx="1">
+              <a:schemeClr val="accent2"/>
+            </a:fillRef>
+            <a:effectRef idx="0">
+              <a:schemeClr val="accent2"/>
+            </a:effectRef>
+            <a:fontRef idx="minor">
+              <a:schemeClr val="lt1"/>
+            </a:fontRef>
+          </p:style>
+          <p:txBody>
+            <a:bodyPr rtlCol="0" anchor="ctr"/>
+            <a:lstStyle/>
+            <a:p>
+              <a:pPr algn="ctr"/>
+              <a:endParaRPr lang="en-US"/>
+            </a:p>
+          </p:txBody>
+        </p:sp>
+        <p:cxnSp>
+          <p:nvCxnSpPr>
+            <p:cNvPr id="101" name="Straight Connector 100">
+              <a:extLst>
+                <a:ext uri="{FF2B5EF4-FFF2-40B4-BE49-F238E27FC236}">
+                  <a16:creationId xmlns:a16="http://schemas.microsoft.com/office/drawing/2014/main" id="{D2C764AB-97BE-4754-BE1C-662031086966}"/>
+                </a:ext>
+              </a:extLst>
+            </p:cNvPr>
+            <p:cNvCxnSpPr/>
+            <p:nvPr/>
+          </p:nvCxnSpPr>
+          <p:spPr>
+            <a:xfrm>
+              <a:off x="2656475" y="3323891"/>
+              <a:ext cx="0" cy="585926"/>
+            </a:xfrm>
+            <a:prstGeom prst="line">
+              <a:avLst/>
+            </a:prstGeom>
+            <a:ln>
+              <a:solidFill>
+                <a:schemeClr val="accent2"/>
+              </a:solidFill>
+            </a:ln>
+          </p:spPr>
+          <p:style>
+            <a:lnRef idx="1">
+              <a:schemeClr val="accent1"/>
+            </a:lnRef>
+            <a:fillRef idx="0">
+              <a:schemeClr val="accent1"/>
+            </a:fillRef>
+            <a:effectRef idx="0">
+              <a:schemeClr val="accent1"/>
+            </a:effectRef>
+            <a:fontRef idx="minor">
+              <a:schemeClr val="tx1"/>
+            </a:fontRef>
+          </p:style>
+        </p:cxnSp>
+        <p:cxnSp>
+          <p:nvCxnSpPr>
+            <p:cNvPr id="102" name="Straight Connector 101">
+              <a:extLst>
+                <a:ext uri="{FF2B5EF4-FFF2-40B4-BE49-F238E27FC236}">
+                  <a16:creationId xmlns:a16="http://schemas.microsoft.com/office/drawing/2014/main" id="{A7F71E20-B0C0-4CA4-BFD2-F844EE61B83C}"/>
+                </a:ext>
+              </a:extLst>
+            </p:cNvPr>
+            <p:cNvCxnSpPr/>
+            <p:nvPr/>
+          </p:nvCxnSpPr>
+          <p:spPr>
+            <a:xfrm>
+              <a:off x="3279391" y="3323891"/>
+              <a:ext cx="0" cy="585926"/>
+            </a:xfrm>
+            <a:prstGeom prst="line">
+              <a:avLst/>
+            </a:prstGeom>
+            <a:ln>
+              <a:solidFill>
+                <a:schemeClr val="accent2"/>
+              </a:solidFill>
+            </a:ln>
+          </p:spPr>
+          <p:style>
+            <a:lnRef idx="1">
+              <a:schemeClr val="accent1"/>
+            </a:lnRef>
+            <a:fillRef idx="0">
+              <a:schemeClr val="accent1"/>
+            </a:fillRef>
+            <a:effectRef idx="0">
+              <a:schemeClr val="accent1"/>
+            </a:effectRef>
+            <a:fontRef idx="minor">
+              <a:schemeClr val="tx1"/>
+            </a:fontRef>
+          </p:style>
+        </p:cxnSp>
+        <p:cxnSp>
+          <p:nvCxnSpPr>
+            <p:cNvPr id="103" name="Straight Connector 102">
+              <a:extLst>
+                <a:ext uri="{FF2B5EF4-FFF2-40B4-BE49-F238E27FC236}">
+                  <a16:creationId xmlns:a16="http://schemas.microsoft.com/office/drawing/2014/main" id="{C35FC03C-BAA6-40E4-B3A4-E0DEE85CF5F8}"/>
+                </a:ext>
+              </a:extLst>
+            </p:cNvPr>
+            <p:cNvCxnSpPr/>
+            <p:nvPr/>
+          </p:nvCxnSpPr>
+          <p:spPr>
+            <a:xfrm>
+              <a:off x="3856440" y="3323891"/>
+              <a:ext cx="0" cy="585926"/>
+            </a:xfrm>
+            <a:prstGeom prst="line">
+              <a:avLst/>
+            </a:prstGeom>
+            <a:ln>
+              <a:solidFill>
+                <a:schemeClr val="accent2"/>
+              </a:solidFill>
+            </a:ln>
+          </p:spPr>
+          <p:style>
+            <a:lnRef idx="1">
+              <a:schemeClr val="accent1"/>
+            </a:lnRef>
+            <a:fillRef idx="0">
+              <a:schemeClr val="accent1"/>
+            </a:fillRef>
+            <a:effectRef idx="0">
+              <a:schemeClr val="accent1"/>
+            </a:effectRef>
+            <a:fontRef idx="minor">
+              <a:schemeClr val="tx1"/>
+            </a:fontRef>
+          </p:style>
+        </p:cxnSp>
+        <p:cxnSp>
+          <p:nvCxnSpPr>
+            <p:cNvPr id="104" name="Straight Connector 103">
+              <a:extLst>
+                <a:ext uri="{FF2B5EF4-FFF2-40B4-BE49-F238E27FC236}">
+                  <a16:creationId xmlns:a16="http://schemas.microsoft.com/office/drawing/2014/main" id="{13C76CC8-F78C-4680-BCF9-C8DE7777F0B7}"/>
+                </a:ext>
+              </a:extLst>
+            </p:cNvPr>
+            <p:cNvCxnSpPr/>
+            <p:nvPr/>
+          </p:nvCxnSpPr>
+          <p:spPr>
+            <a:xfrm>
+              <a:off x="4468999" y="3323891"/>
+              <a:ext cx="0" cy="585926"/>
+            </a:xfrm>
+            <a:prstGeom prst="line">
+              <a:avLst/>
+            </a:prstGeom>
+            <a:ln>
+              <a:solidFill>
+                <a:schemeClr val="accent2"/>
+              </a:solidFill>
+            </a:ln>
+          </p:spPr>
+          <p:style>
+            <a:lnRef idx="1">
+              <a:schemeClr val="accent1"/>
+            </a:lnRef>
+            <a:fillRef idx="0">
+              <a:schemeClr val="accent1"/>
+            </a:fillRef>
+            <a:effectRef idx="0">
+              <a:schemeClr val="accent1"/>
+            </a:effectRef>
+            <a:fontRef idx="minor">
+              <a:schemeClr val="tx1"/>
+            </a:fontRef>
+          </p:style>
+        </p:cxnSp>
+        <p:cxnSp>
+          <p:nvCxnSpPr>
+            <p:cNvPr id="105" name="Straight Connector 104">
+              <a:extLst>
+                <a:ext uri="{FF2B5EF4-FFF2-40B4-BE49-F238E27FC236}">
+                  <a16:creationId xmlns:a16="http://schemas.microsoft.com/office/drawing/2014/main" id="{0D172EE5-48A6-4241-AC73-57365044451C}"/>
+                </a:ext>
+              </a:extLst>
+            </p:cNvPr>
+            <p:cNvCxnSpPr/>
+            <p:nvPr/>
+          </p:nvCxnSpPr>
+          <p:spPr>
+            <a:xfrm>
+              <a:off x="5081558" y="3323891"/>
+              <a:ext cx="0" cy="585926"/>
+            </a:xfrm>
+            <a:prstGeom prst="line">
+              <a:avLst/>
+            </a:prstGeom>
+            <a:ln>
+              <a:solidFill>
+                <a:schemeClr val="accent2"/>
+              </a:solidFill>
+            </a:ln>
+          </p:spPr>
+          <p:style>
+            <a:lnRef idx="1">
+              <a:schemeClr val="accent1"/>
+            </a:lnRef>
+            <a:fillRef idx="0">
+              <a:schemeClr val="accent1"/>
+            </a:fillRef>
+            <a:effectRef idx="0">
+              <a:schemeClr val="accent1"/>
+            </a:effectRef>
+            <a:fontRef idx="minor">
+              <a:schemeClr val="tx1"/>
+            </a:fontRef>
+          </p:style>
+        </p:cxnSp>
+        <p:sp>
+          <p:nvSpPr>
+            <p:cNvPr id="106" name="Oval 105">
+              <a:extLst>
+                <a:ext uri="{FF2B5EF4-FFF2-40B4-BE49-F238E27FC236}">
+                  <a16:creationId xmlns:a16="http://schemas.microsoft.com/office/drawing/2014/main" id="{33427848-8CD2-48D7-8A19-8926695AACCA}"/>
+                </a:ext>
+              </a:extLst>
+            </p:cNvPr>
+            <p:cNvSpPr/>
+            <p:nvPr/>
+          </p:nvSpPr>
+          <p:spPr>
+            <a:xfrm>
+              <a:off x="5541718" y="3554710"/>
+              <a:ext cx="45719" cy="53266"/>
+            </a:xfrm>
+            <a:prstGeom prst="ellipse">
+              <a:avLst/>
+            </a:prstGeom>
+          </p:spPr>
+          <p:style>
+            <a:lnRef idx="2">
+              <a:schemeClr val="accent1">
+                <a:shade val="50000"/>
+              </a:schemeClr>
+            </a:lnRef>
+            <a:fillRef idx="1">
+              <a:schemeClr val="accent1"/>
+            </a:fillRef>
+            <a:effectRef idx="0">
+              <a:schemeClr val="accent1"/>
+            </a:effectRef>
+            <a:fontRef idx="minor">
+              <a:schemeClr val="lt1"/>
+            </a:fontRef>
+          </p:style>
+          <p:txBody>
+            <a:bodyPr rtlCol="0" anchor="ctr"/>
+            <a:lstStyle/>
+            <a:p>
+              <a:pPr algn="ctr"/>
+              <a:endParaRPr lang="en-US"/>
+            </a:p>
+          </p:txBody>
+        </p:sp>
+        <p:sp>
+          <p:nvSpPr>
+            <p:cNvPr id="107" name="Oval 106">
+              <a:extLst>
+                <a:ext uri="{FF2B5EF4-FFF2-40B4-BE49-F238E27FC236}">
+                  <a16:creationId xmlns:a16="http://schemas.microsoft.com/office/drawing/2014/main" id="{85384F1F-B099-4231-AF8A-16F65A63661D}"/>
+                </a:ext>
+              </a:extLst>
+            </p:cNvPr>
+            <p:cNvSpPr/>
+            <p:nvPr/>
+          </p:nvSpPr>
+          <p:spPr>
+            <a:xfrm>
+              <a:off x="5815445" y="3554710"/>
+              <a:ext cx="45719" cy="53266"/>
+            </a:xfrm>
+            <a:prstGeom prst="ellipse">
+              <a:avLst/>
+            </a:prstGeom>
+          </p:spPr>
+          <p:style>
+            <a:lnRef idx="2">
+              <a:schemeClr val="accent1">
+                <a:shade val="50000"/>
+              </a:schemeClr>
+            </a:lnRef>
+            <a:fillRef idx="1">
+              <a:schemeClr val="accent1"/>
+            </a:fillRef>
+            <a:effectRef idx="0">
+              <a:schemeClr val="accent1"/>
+            </a:effectRef>
+            <a:fontRef idx="minor">
+              <a:schemeClr val="lt1"/>
+            </a:fontRef>
+          </p:style>
+          <p:txBody>
+            <a:bodyPr rtlCol="0" anchor="ctr"/>
+            <a:lstStyle/>
+            <a:p>
+              <a:pPr algn="ctr"/>
+              <a:endParaRPr lang="en-US"/>
+            </a:p>
+          </p:txBody>
+        </p:sp>
+        <p:sp>
+          <p:nvSpPr>
+            <p:cNvPr id="108" name="Oval 107">
+              <a:extLst>
+                <a:ext uri="{FF2B5EF4-FFF2-40B4-BE49-F238E27FC236}">
+                  <a16:creationId xmlns:a16="http://schemas.microsoft.com/office/drawing/2014/main" id="{14919840-9BA2-426B-9F5B-F9044B0C39C3}"/>
+                </a:ext>
+              </a:extLst>
+            </p:cNvPr>
+            <p:cNvSpPr/>
+            <p:nvPr/>
+          </p:nvSpPr>
+          <p:spPr>
+            <a:xfrm>
+              <a:off x="6089172" y="3563588"/>
+              <a:ext cx="45719" cy="53266"/>
+            </a:xfrm>
+            <a:prstGeom prst="ellipse">
+              <a:avLst/>
+            </a:prstGeom>
+          </p:spPr>
+          <p:style>
+            <a:lnRef idx="2">
+              <a:schemeClr val="accent1">
+                <a:shade val="50000"/>
+              </a:schemeClr>
+            </a:lnRef>
+            <a:fillRef idx="1">
+              <a:schemeClr val="accent1"/>
+            </a:fillRef>
+            <a:effectRef idx="0">
+              <a:schemeClr val="accent1"/>
+            </a:effectRef>
+            <a:fontRef idx="minor">
+              <a:schemeClr val="lt1"/>
+            </a:fontRef>
+          </p:style>
+          <p:txBody>
+            <a:bodyPr rtlCol="0" anchor="ctr"/>
+            <a:lstStyle/>
+            <a:p>
+              <a:pPr algn="ctr"/>
+              <a:endParaRPr lang="en-US"/>
+            </a:p>
+          </p:txBody>
+        </p:sp>
+        <p:sp>
+          <p:nvSpPr>
+            <p:cNvPr id="109" name="TextBox 108">
+              <a:extLst>
+                <a:ext uri="{FF2B5EF4-FFF2-40B4-BE49-F238E27FC236}">
+                  <a16:creationId xmlns:a16="http://schemas.microsoft.com/office/drawing/2014/main" id="{BD571C2F-24EF-41A4-9A64-69020A034D0A}"/>
+                </a:ext>
+              </a:extLst>
+            </p:cNvPr>
+            <p:cNvSpPr txBox="1"/>
+            <p:nvPr/>
+          </p:nvSpPr>
+          <p:spPr>
+            <a:xfrm>
+              <a:off x="2148231" y="3405555"/>
+              <a:ext cx="301686" cy="369332"/>
+            </a:xfrm>
+            <a:prstGeom prst="rect">
+              <a:avLst/>
+            </a:prstGeom>
+            <a:noFill/>
+          </p:spPr>
+          <p:txBody>
+            <a:bodyPr wrap="none" rtlCol="0">
+              <a:spAutoFit/>
+            </a:bodyPr>
+            <a:lstStyle/>
+            <a:p>
+              <a:r>
+                <a:rPr lang="en-US" dirty="0">
+                  <a:solidFill>
+                    <a:schemeClr val="bg1"/>
+                  </a:solidFill>
+                </a:rPr>
+                <a:t>0</a:t>
+              </a:r>
+            </a:p>
+          </p:txBody>
+        </p:sp>
+        <p:sp>
+          <p:nvSpPr>
+            <p:cNvPr id="110" name="TextBox 109">
+              <a:extLst>
+                <a:ext uri="{FF2B5EF4-FFF2-40B4-BE49-F238E27FC236}">
+                  <a16:creationId xmlns:a16="http://schemas.microsoft.com/office/drawing/2014/main" id="{9883463D-71C6-45CE-84DF-F714867CE7E8}"/>
+                </a:ext>
+              </a:extLst>
+            </p:cNvPr>
+            <p:cNvSpPr txBox="1"/>
+            <p:nvPr/>
+          </p:nvSpPr>
+          <p:spPr>
+            <a:xfrm>
+              <a:off x="2733562" y="3405555"/>
+              <a:ext cx="301686" cy="369332"/>
+            </a:xfrm>
+            <a:prstGeom prst="rect">
+              <a:avLst/>
+            </a:prstGeom>
+            <a:noFill/>
+          </p:spPr>
+          <p:txBody>
+            <a:bodyPr wrap="none" rtlCol="0">
+              <a:spAutoFit/>
+            </a:bodyPr>
+            <a:lstStyle/>
+            <a:p>
+              <a:r>
+                <a:rPr lang="en-US" dirty="0">
+                  <a:solidFill>
+                    <a:schemeClr val="bg1"/>
+                  </a:solidFill>
+                </a:rPr>
+                <a:t>2</a:t>
+              </a:r>
+            </a:p>
+          </p:txBody>
+        </p:sp>
+        <p:sp>
+          <p:nvSpPr>
+            <p:cNvPr id="111" name="TextBox 110">
+              <a:extLst>
+                <a:ext uri="{FF2B5EF4-FFF2-40B4-BE49-F238E27FC236}">
+                  <a16:creationId xmlns:a16="http://schemas.microsoft.com/office/drawing/2014/main" id="{5D61C455-0BA7-4F3F-B8A5-9325D5422A6F}"/>
+                </a:ext>
+              </a:extLst>
+            </p:cNvPr>
+            <p:cNvSpPr txBox="1"/>
+            <p:nvPr/>
+          </p:nvSpPr>
+          <p:spPr>
+            <a:xfrm>
+              <a:off x="3330365" y="3396676"/>
+              <a:ext cx="301686" cy="369332"/>
+            </a:xfrm>
+            <a:prstGeom prst="rect">
+              <a:avLst/>
+            </a:prstGeom>
+            <a:noFill/>
+          </p:spPr>
+          <p:txBody>
+            <a:bodyPr wrap="none" rtlCol="0">
+              <a:spAutoFit/>
+            </a:bodyPr>
+            <a:lstStyle/>
+            <a:p>
+              <a:r>
+                <a:rPr lang="en-US" dirty="0">
+                  <a:solidFill>
+                    <a:schemeClr val="bg1"/>
+                  </a:solidFill>
+                </a:rPr>
+                <a:t>2</a:t>
+              </a:r>
+            </a:p>
+          </p:txBody>
+        </p:sp>
+        <p:sp>
+          <p:nvSpPr>
+            <p:cNvPr id="112" name="TextBox 111">
+              <a:extLst>
+                <a:ext uri="{FF2B5EF4-FFF2-40B4-BE49-F238E27FC236}">
+                  <a16:creationId xmlns:a16="http://schemas.microsoft.com/office/drawing/2014/main" id="{33239EC6-3F10-4EFF-836E-BFBCE8CA83A5}"/>
+                </a:ext>
+              </a:extLst>
+            </p:cNvPr>
+            <p:cNvSpPr txBox="1"/>
+            <p:nvPr/>
+          </p:nvSpPr>
+          <p:spPr>
+            <a:xfrm>
+              <a:off x="3936312" y="3396676"/>
+              <a:ext cx="301686" cy="369332"/>
+            </a:xfrm>
+            <a:prstGeom prst="rect">
+              <a:avLst/>
+            </a:prstGeom>
+            <a:noFill/>
+          </p:spPr>
+          <p:txBody>
+            <a:bodyPr wrap="none" rtlCol="0">
+              <a:spAutoFit/>
+            </a:bodyPr>
+            <a:lstStyle/>
+            <a:p>
+              <a:r>
+                <a:rPr lang="en-US" dirty="0">
+                  <a:solidFill>
+                    <a:schemeClr val="bg1"/>
+                  </a:solidFill>
+                </a:rPr>
+                <a:t>3</a:t>
+              </a:r>
+            </a:p>
+          </p:txBody>
+        </p:sp>
+        <p:sp>
+          <p:nvSpPr>
+            <p:cNvPr id="113" name="TextBox 112">
+              <a:extLst>
+                <a:ext uri="{FF2B5EF4-FFF2-40B4-BE49-F238E27FC236}">
+                  <a16:creationId xmlns:a16="http://schemas.microsoft.com/office/drawing/2014/main" id="{8A1E0442-B148-4F1C-B75A-5BAA2534A826}"/>
+                </a:ext>
+              </a:extLst>
+            </p:cNvPr>
+            <p:cNvSpPr txBox="1"/>
+            <p:nvPr/>
+          </p:nvSpPr>
+          <p:spPr>
+            <a:xfrm>
+              <a:off x="4550094" y="3405555"/>
+              <a:ext cx="301686" cy="369332"/>
+            </a:xfrm>
+            <a:prstGeom prst="rect">
+              <a:avLst/>
+            </a:prstGeom>
+            <a:noFill/>
+          </p:spPr>
+          <p:txBody>
+            <a:bodyPr wrap="none" rtlCol="0">
+              <a:spAutoFit/>
+            </a:bodyPr>
+            <a:lstStyle/>
+            <a:p>
+              <a:r>
+                <a:rPr lang="en-US" dirty="0">
+                  <a:solidFill>
+                    <a:schemeClr val="bg1"/>
+                  </a:solidFill>
+                </a:rPr>
+                <a:t>6</a:t>
+              </a:r>
+            </a:p>
+          </p:txBody>
+        </p:sp>
+        <p:sp>
+          <p:nvSpPr>
+            <p:cNvPr id="114" name="TextBox 113">
+              <a:extLst>
+                <a:ext uri="{FF2B5EF4-FFF2-40B4-BE49-F238E27FC236}">
+                  <a16:creationId xmlns:a16="http://schemas.microsoft.com/office/drawing/2014/main" id="{5045A5C5-2F85-4E91-9515-721BC4EA30AA}"/>
+                </a:ext>
+              </a:extLst>
+            </p:cNvPr>
+            <p:cNvSpPr txBox="1"/>
+            <p:nvPr/>
+          </p:nvSpPr>
+          <p:spPr>
+            <a:xfrm>
+              <a:off x="1407207" y="2973462"/>
+              <a:ext cx="5838842" cy="369332"/>
+            </a:xfrm>
+            <a:prstGeom prst="rect">
+              <a:avLst/>
+            </a:prstGeom>
+            <a:noFill/>
+          </p:spPr>
+          <p:txBody>
+            <a:bodyPr wrap="none" rtlCol="0">
+              <a:spAutoFit/>
+            </a:bodyPr>
+            <a:lstStyle/>
+            <a:p>
+              <a:r>
+                <a:rPr lang="en-US" b="1" dirty="0">
+                  <a:solidFill>
+                    <a:schemeClr val="bg1"/>
+                  </a:solidFill>
+                </a:rPr>
+                <a:t>Exclusive Scan on Count – Starting index for sorted photons</a:t>
+              </a:r>
+            </a:p>
+          </p:txBody>
+        </p:sp>
+        <p:sp>
+          <p:nvSpPr>
+            <p:cNvPr id="3" name="Arrow: Down 2">
+              <a:extLst>
+                <a:ext uri="{FF2B5EF4-FFF2-40B4-BE49-F238E27FC236}">
+                  <a16:creationId xmlns:a16="http://schemas.microsoft.com/office/drawing/2014/main" id="{E34EEFA1-1237-407B-8997-7C913F668B20}"/>
+                </a:ext>
+              </a:extLst>
+            </p:cNvPr>
+            <p:cNvSpPr/>
+            <p:nvPr/>
+          </p:nvSpPr>
+          <p:spPr>
+            <a:xfrm>
+              <a:off x="5202315" y="2372629"/>
+              <a:ext cx="283847" cy="485980"/>
+            </a:xfrm>
+            <a:prstGeom prst="downArrow">
+              <a:avLst/>
+            </a:prstGeom>
+          </p:spPr>
+          <p:style>
+            <a:lnRef idx="2">
+              <a:schemeClr val="accent4">
+                <a:shade val="50000"/>
+              </a:schemeClr>
+            </a:lnRef>
+            <a:fillRef idx="1">
+              <a:schemeClr val="accent4"/>
+            </a:fillRef>
+            <a:effectRef idx="0">
+              <a:schemeClr val="accent4"/>
+            </a:effectRef>
+            <a:fontRef idx="minor">
+              <a:schemeClr val="lt1"/>
+            </a:fontRef>
+          </p:style>
+          <p:txBody>
+            <a:bodyPr rtlCol="0" anchor="ctr"/>
+            <a:lstStyle/>
+            <a:p>
+              <a:pPr algn="ctr"/>
+              <a:endParaRPr lang="en-US"/>
+            </a:p>
+          </p:txBody>
+        </p:sp>
+        <p:sp>
+          <p:nvSpPr>
+            <p:cNvPr id="32" name="Multiplication Sign 31">
+              <a:extLst>
+                <a:ext uri="{FF2B5EF4-FFF2-40B4-BE49-F238E27FC236}">
+                  <a16:creationId xmlns:a16="http://schemas.microsoft.com/office/drawing/2014/main" id="{984BE8FE-7153-4387-A545-5393E5C24D2C}"/>
+                </a:ext>
+              </a:extLst>
+            </p:cNvPr>
+            <p:cNvSpPr/>
+            <p:nvPr/>
+          </p:nvSpPr>
+          <p:spPr>
+            <a:xfrm>
+              <a:off x="2896311" y="4453927"/>
+              <a:ext cx="229902" cy="216594"/>
+            </a:xfrm>
+            <a:prstGeom prst="mathMultiply">
+              <a:avLst/>
+            </a:prstGeom>
+            <a:ln>
+              <a:solidFill>
+                <a:schemeClr val="accent2">
+                  <a:lumMod val="75000"/>
+                </a:schemeClr>
+              </a:solidFill>
+            </a:ln>
+          </p:spPr>
+          <p:style>
+            <a:lnRef idx="2">
+              <a:schemeClr val="accent2">
+                <a:shade val="50000"/>
+              </a:schemeClr>
+            </a:lnRef>
+            <a:fillRef idx="1">
+              <a:schemeClr val="accent2"/>
+            </a:fillRef>
+            <a:effectRef idx="0">
+              <a:schemeClr val="accent2"/>
+            </a:effectRef>
+            <a:fontRef idx="minor">
+              <a:schemeClr val="lt1"/>
+            </a:fontRef>
+          </p:style>
+          <p:txBody>
+            <a:bodyPr rtlCol="0" anchor="ctr"/>
+            <a:lstStyle/>
+            <a:p>
+              <a:pPr algn="ctr"/>
+              <a:endParaRPr lang="en-US"/>
+            </a:p>
+          </p:txBody>
+        </p:sp>
+        <p:cxnSp>
+          <p:nvCxnSpPr>
+            <p:cNvPr id="36" name="Straight Arrow Connector 35">
+              <a:extLst>
+                <a:ext uri="{FF2B5EF4-FFF2-40B4-BE49-F238E27FC236}">
+                  <a16:creationId xmlns:a16="http://schemas.microsoft.com/office/drawing/2014/main" id="{A1C3131E-4ABD-437D-90D0-74CA6D6E1880}"/>
+                </a:ext>
+              </a:extLst>
+            </p:cNvPr>
+            <p:cNvCxnSpPr/>
+            <p:nvPr/>
+          </p:nvCxnSpPr>
+          <p:spPr>
+            <a:xfrm>
+              <a:off x="2299074" y="3952780"/>
+              <a:ext cx="6826" cy="1052566"/>
+            </a:xfrm>
+            <a:prstGeom prst="straightConnector1">
+              <a:avLst/>
+            </a:prstGeom>
+            <a:ln w="12700">
+              <a:tailEnd type="triangle"/>
+            </a:ln>
+          </p:spPr>
+          <p:style>
+            <a:lnRef idx="1">
+              <a:schemeClr val="accent4"/>
+            </a:lnRef>
+            <a:fillRef idx="0">
+              <a:schemeClr val="accent4"/>
+            </a:fillRef>
+            <a:effectRef idx="0">
+              <a:schemeClr val="accent4"/>
+            </a:effectRef>
+            <a:fontRef idx="minor">
+              <a:schemeClr val="tx1"/>
+            </a:fontRef>
+          </p:style>
+        </p:cxnSp>
+        <p:cxnSp>
+          <p:nvCxnSpPr>
+            <p:cNvPr id="38" name="Straight Arrow Connector 37">
+              <a:extLst>
+                <a:ext uri="{FF2B5EF4-FFF2-40B4-BE49-F238E27FC236}">
+                  <a16:creationId xmlns:a16="http://schemas.microsoft.com/office/drawing/2014/main" id="{489F3994-A419-400C-8C69-5782B997585E}"/>
+                </a:ext>
+              </a:extLst>
+            </p:cNvPr>
+            <p:cNvCxnSpPr/>
+            <p:nvPr/>
+          </p:nvCxnSpPr>
+          <p:spPr>
+            <a:xfrm>
+              <a:off x="2964689" y="3909817"/>
+              <a:ext cx="46573" cy="575141"/>
+            </a:xfrm>
+            <a:prstGeom prst="straightConnector1">
+              <a:avLst/>
+            </a:prstGeom>
+            <a:ln w="12700">
+              <a:tailEnd type="triangle"/>
+            </a:ln>
+          </p:spPr>
+          <p:style>
+            <a:lnRef idx="1">
+              <a:schemeClr val="accent4"/>
+            </a:lnRef>
+            <a:fillRef idx="0">
+              <a:schemeClr val="accent4"/>
+            </a:fillRef>
+            <a:effectRef idx="0">
+              <a:schemeClr val="accent4"/>
+            </a:effectRef>
+            <a:fontRef idx="minor">
+              <a:schemeClr val="tx1"/>
+            </a:fontRef>
+          </p:style>
+        </p:cxnSp>
+        <p:cxnSp>
+          <p:nvCxnSpPr>
+            <p:cNvPr id="115" name="Straight Arrow Connector 114">
+              <a:extLst>
+                <a:ext uri="{FF2B5EF4-FFF2-40B4-BE49-F238E27FC236}">
+                  <a16:creationId xmlns:a16="http://schemas.microsoft.com/office/drawing/2014/main" id="{79DA251D-75D7-430B-8F1A-41F8FFC433D0}"/>
+                </a:ext>
+              </a:extLst>
+            </p:cNvPr>
+            <p:cNvCxnSpPr>
+              <a:cxnSpLocks/>
+            </p:cNvCxnSpPr>
+            <p:nvPr/>
+          </p:nvCxnSpPr>
+          <p:spPr>
+            <a:xfrm>
+              <a:off x="3515811" y="3919811"/>
+              <a:ext cx="9704" cy="1085535"/>
+            </a:xfrm>
+            <a:prstGeom prst="straightConnector1">
+              <a:avLst/>
+            </a:prstGeom>
+            <a:ln w="12700">
+              <a:tailEnd type="triangle"/>
+            </a:ln>
+          </p:spPr>
+          <p:style>
+            <a:lnRef idx="1">
+              <a:schemeClr val="accent4"/>
+            </a:lnRef>
+            <a:fillRef idx="0">
+              <a:schemeClr val="accent4"/>
+            </a:fillRef>
+            <a:effectRef idx="0">
+              <a:schemeClr val="accent4"/>
+            </a:effectRef>
+            <a:fontRef idx="minor">
+              <a:schemeClr val="tx1"/>
+            </a:fontRef>
+          </p:style>
+        </p:cxnSp>
+      </p:grpSp>
+    </p:spTree>
+    <p:extLst>
+      <p:ext uri="{BB962C8B-B14F-4D97-AF65-F5344CB8AC3E}">
+        <p14:creationId xmlns:p14="http://schemas.microsoft.com/office/powerpoint/2010/main" val="661440340"/>
+      </p:ext>
+    </p:extLst>
+  </p:cSld>
+  <p:clrMapOvr>
+    <a:masterClrMapping/>
+  </p:clrMapOvr>
+</p:sld>
+</file>
+
 <file path=ppt/theme/theme1.xml><?xml version="1.0" encoding="utf-8"?>
 <a:theme xmlns:a="http://schemas.openxmlformats.org/drawingml/2006/main" name="Office Theme">
   <a:themeElements>

--- a/Docs/images/New Microsoft PowerPoint Presentation.pptx
+++ b/Docs/images/New Microsoft PowerPoint Presentation.pptx
@@ -12,11 +12,14 @@
     <p:sldId id="260" r:id="rId6"/>
     <p:sldId id="261" r:id="rId7"/>
     <p:sldId id="262" r:id="rId8"/>
-    <p:sldId id="268" r:id="rId9"/>
-    <p:sldId id="267" r:id="rId10"/>
-    <p:sldId id="264" r:id="rId11"/>
-    <p:sldId id="265" r:id="rId12"/>
-    <p:sldId id="266" r:id="rId13"/>
+    <p:sldId id="269" r:id="rId9"/>
+    <p:sldId id="268" r:id="rId10"/>
+    <p:sldId id="267" r:id="rId11"/>
+    <p:sldId id="264" r:id="rId12"/>
+    <p:sldId id="265" r:id="rId13"/>
+    <p:sldId id="266" r:id="rId14"/>
+    <p:sldId id="270" r:id="rId15"/>
+    <p:sldId id="271" r:id="rId16"/>
   </p:sldIdLst>
   <p:sldSz cx="12192000" cy="6858000"/>
   <p:notesSz cx="6858000" cy="9144000"/>
@@ -163,8 +166,8 @@
               </a:defRPr>
             </a:pPr>
             <a:r>
-              <a:rPr lang="en-US"/>
-              <a:t>Performance Comparison between different approaches</a:t>
+              <a:rPr lang="en-US" dirty="0"/>
+              <a:t>Performance of Naïve Search</a:t>
             </a:r>
           </a:p>
         </c:rich>
@@ -322,16 +325,996 @@
           </c:dLbls>
           <c:cat>
             <c:strRef>
-              <c:f>Sheet1!$A$2:$A$4</c:f>
+              <c:f>Sheet1!$A$2</c:f>
               <c:strCache>
-                <c:ptCount val="3"/>
+                <c:ptCount val="1"/>
                 <c:pt idx="0">
-                  <c:v>Photon Major</c:v>
-                </c:pt>
-                <c:pt idx="1">
                   <c:v>Pixel Major Naïve</c:v>
                 </c:pt>
-                <c:pt idx="2">
+              </c:strCache>
+            </c:strRef>
+          </c:cat>
+          <c:val>
+            <c:numRef>
+              <c:f>Sheet1!$B$2</c:f>
+              <c:numCache>
+                <c:formatCode>General</c:formatCode>
+                <c:ptCount val="1"/>
+                <c:pt idx="0">
+                  <c:v>65</c:v>
+                </c:pt>
+              </c:numCache>
+            </c:numRef>
+          </c:val>
+          <c:extLst>
+            <c:ext xmlns:c16="http://schemas.microsoft.com/office/drawing/2014/chart" uri="{C3380CC4-5D6E-409C-BE32-E72D297353CC}">
+              <c16:uniqueId val="{00000000-7019-4971-8AEC-1736BE0C4087}"/>
+            </c:ext>
+          </c:extLst>
+        </c:ser>
+        <c:ser>
+          <c:idx val="1"/>
+          <c:order val="1"/>
+          <c:tx>
+            <c:strRef>
+              <c:f>Sheet1!$C$1</c:f>
+              <c:strCache>
+                <c:ptCount val="1"/>
+                <c:pt idx="0">
+                  <c:v>10 K </c:v>
+                </c:pt>
+              </c:strCache>
+            </c:strRef>
+          </c:tx>
+          <c:spPr>
+            <a:gradFill rotWithShape="1">
+              <a:gsLst>
+                <a:gs pos="0">
+                  <a:schemeClr val="accent2">
+                    <a:satMod val="103000"/>
+                    <a:lumMod val="102000"/>
+                    <a:tint val="94000"/>
+                  </a:schemeClr>
+                </a:gs>
+                <a:gs pos="50000">
+                  <a:schemeClr val="accent2">
+                    <a:satMod val="110000"/>
+                    <a:lumMod val="100000"/>
+                    <a:shade val="100000"/>
+                  </a:schemeClr>
+                </a:gs>
+                <a:gs pos="100000">
+                  <a:schemeClr val="accent2">
+                    <a:lumMod val="99000"/>
+                    <a:satMod val="120000"/>
+                    <a:shade val="78000"/>
+                  </a:schemeClr>
+                </a:gs>
+              </a:gsLst>
+              <a:lin ang="5400000" scaled="0"/>
+            </a:gradFill>
+            <a:ln>
+              <a:noFill/>
+            </a:ln>
+            <a:effectLst>
+              <a:outerShdw blurRad="57150" dist="19050" dir="5400000" algn="ctr" rotWithShape="0">
+                <a:srgbClr val="000000">
+                  <a:alpha val="63000"/>
+                </a:srgbClr>
+              </a:outerShdw>
+            </a:effectLst>
+          </c:spPr>
+          <c:invertIfNegative val="0"/>
+          <c:dLbls>
+            <c:spPr>
+              <a:noFill/>
+              <a:ln>
+                <a:noFill/>
+              </a:ln>
+              <a:effectLst/>
+            </c:spPr>
+            <c:txPr>
+              <a:bodyPr rot="0" spcFirstLastPara="1" vertOverflow="ellipsis" vert="horz" wrap="square" lIns="38100" tIns="19050" rIns="38100" bIns="19050" anchor="ctr" anchorCtr="1">
+                <a:spAutoFit/>
+              </a:bodyPr>
+              <a:lstStyle/>
+              <a:p>
+                <a:pPr>
+                  <a:defRPr sz="1197" b="0" i="0" u="none" strike="noStrike" kern="1200" baseline="0">
+                    <a:solidFill>
+                      <a:schemeClr val="lt1">
+                        <a:lumMod val="85000"/>
+                      </a:schemeClr>
+                    </a:solidFill>
+                    <a:latin typeface="+mn-lt"/>
+                    <a:ea typeface="+mn-ea"/>
+                    <a:cs typeface="+mn-cs"/>
+                  </a:defRPr>
+                </a:pPr>
+                <a:endParaRPr lang="en-US"/>
+              </a:p>
+            </c:txPr>
+            <c:dLblPos val="outEnd"/>
+            <c:showLegendKey val="0"/>
+            <c:showVal val="1"/>
+            <c:showCatName val="0"/>
+            <c:showSerName val="0"/>
+            <c:showPercent val="0"/>
+            <c:showBubbleSize val="0"/>
+            <c:showLeaderLines val="0"/>
+            <c:extLst>
+              <c:ext xmlns:c15="http://schemas.microsoft.com/office/drawing/2012/chart" uri="{CE6537A1-D6FC-4f65-9D91-7224C49458BB}">
+                <c15:showLeaderLines val="1"/>
+                <c15:leaderLines>
+                  <c:spPr>
+                    <a:ln w="9525">
+                      <a:solidFill>
+                        <a:schemeClr val="lt1">
+                          <a:lumMod val="95000"/>
+                          <a:alpha val="54000"/>
+                        </a:schemeClr>
+                      </a:solidFill>
+                    </a:ln>
+                    <a:effectLst/>
+                  </c:spPr>
+                </c15:leaderLines>
+              </c:ext>
+            </c:extLst>
+          </c:dLbls>
+          <c:cat>
+            <c:strRef>
+              <c:f>Sheet1!$A$2</c:f>
+              <c:strCache>
+                <c:ptCount val="1"/>
+                <c:pt idx="0">
+                  <c:v>Pixel Major Naïve</c:v>
+                </c:pt>
+              </c:strCache>
+            </c:strRef>
+          </c:cat>
+          <c:val>
+            <c:numRef>
+              <c:f>Sheet1!$C$2</c:f>
+              <c:numCache>
+                <c:formatCode>General</c:formatCode>
+                <c:ptCount val="1"/>
+                <c:pt idx="0">
+                  <c:v>10</c:v>
+                </c:pt>
+              </c:numCache>
+            </c:numRef>
+          </c:val>
+          <c:extLst>
+            <c:ext xmlns:c16="http://schemas.microsoft.com/office/drawing/2014/chart" uri="{C3380CC4-5D6E-409C-BE32-E72D297353CC}">
+              <c16:uniqueId val="{00000001-7019-4971-8AEC-1736BE0C4087}"/>
+            </c:ext>
+          </c:extLst>
+        </c:ser>
+        <c:ser>
+          <c:idx val="2"/>
+          <c:order val="2"/>
+          <c:tx>
+            <c:strRef>
+              <c:f>Sheet1!$D$1</c:f>
+              <c:strCache>
+                <c:ptCount val="1"/>
+                <c:pt idx="0">
+                  <c:v>100 K</c:v>
+                </c:pt>
+              </c:strCache>
+            </c:strRef>
+          </c:tx>
+          <c:spPr>
+            <a:gradFill rotWithShape="1">
+              <a:gsLst>
+                <a:gs pos="0">
+                  <a:schemeClr val="accent3">
+                    <a:satMod val="103000"/>
+                    <a:lumMod val="102000"/>
+                    <a:tint val="94000"/>
+                  </a:schemeClr>
+                </a:gs>
+                <a:gs pos="50000">
+                  <a:schemeClr val="accent3">
+                    <a:satMod val="110000"/>
+                    <a:lumMod val="100000"/>
+                    <a:shade val="100000"/>
+                  </a:schemeClr>
+                </a:gs>
+                <a:gs pos="100000">
+                  <a:schemeClr val="accent3">
+                    <a:lumMod val="99000"/>
+                    <a:satMod val="120000"/>
+                    <a:shade val="78000"/>
+                  </a:schemeClr>
+                </a:gs>
+              </a:gsLst>
+              <a:lin ang="5400000" scaled="0"/>
+            </a:gradFill>
+            <a:ln>
+              <a:noFill/>
+            </a:ln>
+            <a:effectLst>
+              <a:outerShdw blurRad="57150" dist="19050" dir="5400000" algn="ctr" rotWithShape="0">
+                <a:srgbClr val="000000">
+                  <a:alpha val="63000"/>
+                </a:srgbClr>
+              </a:outerShdw>
+            </a:effectLst>
+          </c:spPr>
+          <c:invertIfNegative val="0"/>
+          <c:dLbls>
+            <c:spPr>
+              <a:noFill/>
+              <a:ln>
+                <a:noFill/>
+              </a:ln>
+              <a:effectLst/>
+            </c:spPr>
+            <c:txPr>
+              <a:bodyPr rot="0" spcFirstLastPara="1" vertOverflow="ellipsis" vert="horz" wrap="square" lIns="38100" tIns="19050" rIns="38100" bIns="19050" anchor="ctr" anchorCtr="1">
+                <a:spAutoFit/>
+              </a:bodyPr>
+              <a:lstStyle/>
+              <a:p>
+                <a:pPr>
+                  <a:defRPr sz="1197" b="0" i="0" u="none" strike="noStrike" kern="1200" baseline="0">
+                    <a:solidFill>
+                      <a:schemeClr val="lt1">
+                        <a:lumMod val="85000"/>
+                      </a:schemeClr>
+                    </a:solidFill>
+                    <a:latin typeface="+mn-lt"/>
+                    <a:ea typeface="+mn-ea"/>
+                    <a:cs typeface="+mn-cs"/>
+                  </a:defRPr>
+                </a:pPr>
+                <a:endParaRPr lang="en-US"/>
+              </a:p>
+            </c:txPr>
+            <c:dLblPos val="outEnd"/>
+            <c:showLegendKey val="0"/>
+            <c:showVal val="1"/>
+            <c:showCatName val="0"/>
+            <c:showSerName val="0"/>
+            <c:showPercent val="0"/>
+            <c:showBubbleSize val="0"/>
+            <c:showLeaderLines val="0"/>
+            <c:extLst>
+              <c:ext xmlns:c15="http://schemas.microsoft.com/office/drawing/2012/chart" uri="{CE6537A1-D6FC-4f65-9D91-7224C49458BB}">
+                <c15:showLeaderLines val="1"/>
+                <c15:leaderLines>
+                  <c:spPr>
+                    <a:ln w="9525">
+                      <a:solidFill>
+                        <a:schemeClr val="lt1">
+                          <a:lumMod val="95000"/>
+                          <a:alpha val="54000"/>
+                        </a:schemeClr>
+                      </a:solidFill>
+                    </a:ln>
+                    <a:effectLst/>
+                  </c:spPr>
+                </c15:leaderLines>
+              </c:ext>
+            </c:extLst>
+          </c:dLbls>
+          <c:cat>
+            <c:strRef>
+              <c:f>Sheet1!$A$2</c:f>
+              <c:strCache>
+                <c:ptCount val="1"/>
+                <c:pt idx="0">
+                  <c:v>Pixel Major Naïve</c:v>
+                </c:pt>
+              </c:strCache>
+            </c:strRef>
+          </c:cat>
+          <c:val>
+            <c:numRef>
+              <c:f>Sheet1!$D$2</c:f>
+              <c:numCache>
+                <c:formatCode>General</c:formatCode>
+                <c:ptCount val="1"/>
+                <c:pt idx="0">
+                  <c:v>0</c:v>
+                </c:pt>
+              </c:numCache>
+            </c:numRef>
+          </c:val>
+          <c:extLst>
+            <c:ext xmlns:c16="http://schemas.microsoft.com/office/drawing/2014/chart" uri="{C3380CC4-5D6E-409C-BE32-E72D297353CC}">
+              <c16:uniqueId val="{00000002-7019-4971-8AEC-1736BE0C4087}"/>
+            </c:ext>
+          </c:extLst>
+        </c:ser>
+        <c:ser>
+          <c:idx val="3"/>
+          <c:order val="3"/>
+          <c:tx>
+            <c:strRef>
+              <c:f>Sheet1!$E$1</c:f>
+              <c:strCache>
+                <c:ptCount val="1"/>
+                <c:pt idx="0">
+                  <c:v>1 M</c:v>
+                </c:pt>
+              </c:strCache>
+            </c:strRef>
+          </c:tx>
+          <c:spPr>
+            <a:gradFill rotWithShape="1">
+              <a:gsLst>
+                <a:gs pos="0">
+                  <a:schemeClr val="accent4">
+                    <a:satMod val="103000"/>
+                    <a:lumMod val="102000"/>
+                    <a:tint val="94000"/>
+                  </a:schemeClr>
+                </a:gs>
+                <a:gs pos="50000">
+                  <a:schemeClr val="accent4">
+                    <a:satMod val="110000"/>
+                    <a:lumMod val="100000"/>
+                    <a:shade val="100000"/>
+                  </a:schemeClr>
+                </a:gs>
+                <a:gs pos="100000">
+                  <a:schemeClr val="accent4">
+                    <a:lumMod val="99000"/>
+                    <a:satMod val="120000"/>
+                    <a:shade val="78000"/>
+                  </a:schemeClr>
+                </a:gs>
+              </a:gsLst>
+              <a:lin ang="5400000" scaled="0"/>
+            </a:gradFill>
+            <a:ln>
+              <a:noFill/>
+            </a:ln>
+            <a:effectLst>
+              <a:outerShdw blurRad="57150" dist="19050" dir="5400000" algn="ctr" rotWithShape="0">
+                <a:srgbClr val="000000">
+                  <a:alpha val="63000"/>
+                </a:srgbClr>
+              </a:outerShdw>
+            </a:effectLst>
+          </c:spPr>
+          <c:invertIfNegative val="0"/>
+          <c:dLbls>
+            <c:spPr>
+              <a:noFill/>
+              <a:ln>
+                <a:noFill/>
+              </a:ln>
+              <a:effectLst/>
+            </c:spPr>
+            <c:txPr>
+              <a:bodyPr rot="0" spcFirstLastPara="1" vertOverflow="ellipsis" vert="horz" wrap="square" lIns="38100" tIns="19050" rIns="38100" bIns="19050" anchor="ctr" anchorCtr="1">
+                <a:spAutoFit/>
+              </a:bodyPr>
+              <a:lstStyle/>
+              <a:p>
+                <a:pPr>
+                  <a:defRPr sz="1197" b="0" i="0" u="none" strike="noStrike" kern="1200" baseline="0">
+                    <a:solidFill>
+                      <a:schemeClr val="lt1">
+                        <a:lumMod val="85000"/>
+                      </a:schemeClr>
+                    </a:solidFill>
+                    <a:latin typeface="+mn-lt"/>
+                    <a:ea typeface="+mn-ea"/>
+                    <a:cs typeface="+mn-cs"/>
+                  </a:defRPr>
+                </a:pPr>
+                <a:endParaRPr lang="en-US"/>
+              </a:p>
+            </c:txPr>
+            <c:dLblPos val="outEnd"/>
+            <c:showLegendKey val="0"/>
+            <c:showVal val="1"/>
+            <c:showCatName val="0"/>
+            <c:showSerName val="0"/>
+            <c:showPercent val="0"/>
+            <c:showBubbleSize val="0"/>
+            <c:showLeaderLines val="0"/>
+            <c:extLst>
+              <c:ext xmlns:c15="http://schemas.microsoft.com/office/drawing/2012/chart" uri="{CE6537A1-D6FC-4f65-9D91-7224C49458BB}">
+                <c15:showLeaderLines val="1"/>
+                <c15:leaderLines>
+                  <c:spPr>
+                    <a:ln w="9525">
+                      <a:solidFill>
+                        <a:schemeClr val="lt1">
+                          <a:lumMod val="95000"/>
+                          <a:alpha val="54000"/>
+                        </a:schemeClr>
+                      </a:solidFill>
+                    </a:ln>
+                    <a:effectLst/>
+                  </c:spPr>
+                </c15:leaderLines>
+              </c:ext>
+            </c:extLst>
+          </c:dLbls>
+          <c:cat>
+            <c:strRef>
+              <c:f>Sheet1!$A$2</c:f>
+              <c:strCache>
+                <c:ptCount val="1"/>
+                <c:pt idx="0">
+                  <c:v>Pixel Major Naïve</c:v>
+                </c:pt>
+              </c:strCache>
+            </c:strRef>
+          </c:cat>
+          <c:val>
+            <c:numRef>
+              <c:f>Sheet1!$E$2</c:f>
+              <c:numCache>
+                <c:formatCode>General</c:formatCode>
+                <c:ptCount val="1"/>
+                <c:pt idx="0">
+                  <c:v>0</c:v>
+                </c:pt>
+              </c:numCache>
+            </c:numRef>
+          </c:val>
+          <c:extLst>
+            <c:ext xmlns:c16="http://schemas.microsoft.com/office/drawing/2014/chart" uri="{C3380CC4-5D6E-409C-BE32-E72D297353CC}">
+              <c16:uniqueId val="{00000004-7019-4971-8AEC-1736BE0C4087}"/>
+            </c:ext>
+          </c:extLst>
+        </c:ser>
+        <c:dLbls>
+          <c:dLblPos val="outEnd"/>
+          <c:showLegendKey val="0"/>
+          <c:showVal val="1"/>
+          <c:showCatName val="0"/>
+          <c:showSerName val="0"/>
+          <c:showPercent val="0"/>
+          <c:showBubbleSize val="0"/>
+        </c:dLbls>
+        <c:gapWidth val="115"/>
+        <c:overlap val="-20"/>
+        <c:axId val="438506160"/>
+        <c:axId val="438506480"/>
+      </c:barChart>
+      <c:catAx>
+        <c:axId val="438506160"/>
+        <c:scaling>
+          <c:orientation val="minMax"/>
+        </c:scaling>
+        <c:delete val="0"/>
+        <c:axPos val="l"/>
+        <c:title>
+          <c:tx>
+            <c:rich>
+              <a:bodyPr rot="-5400000" spcFirstLastPara="1" vertOverflow="ellipsis" vert="horz" wrap="square" anchor="ctr" anchorCtr="1"/>
+              <a:lstStyle/>
+              <a:p>
+                <a:pPr>
+                  <a:defRPr sz="1197" b="1" i="0" u="none" strike="noStrike" kern="1200" cap="all" baseline="0">
+                    <a:solidFill>
+                      <a:schemeClr val="lt1">
+                        <a:lumMod val="85000"/>
+                      </a:schemeClr>
+                    </a:solidFill>
+                    <a:latin typeface="+mn-lt"/>
+                    <a:ea typeface="+mn-ea"/>
+                    <a:cs typeface="+mn-cs"/>
+                  </a:defRPr>
+                </a:pPr>
+                <a:r>
+                  <a:rPr lang="en-US"/>
+                  <a:t>Iterator Algorithm</a:t>
+                </a:r>
+              </a:p>
+            </c:rich>
+          </c:tx>
+          <c:overlay val="0"/>
+          <c:spPr>
+            <a:noFill/>
+            <a:ln>
+              <a:noFill/>
+            </a:ln>
+            <a:effectLst/>
+          </c:spPr>
+          <c:txPr>
+            <a:bodyPr rot="-5400000" spcFirstLastPara="1" vertOverflow="ellipsis" vert="horz" wrap="square" anchor="ctr" anchorCtr="1"/>
+            <a:lstStyle/>
+            <a:p>
+              <a:pPr>
+                <a:defRPr sz="1197" b="1" i="0" u="none" strike="noStrike" kern="1200" cap="all" baseline="0">
+                  <a:solidFill>
+                    <a:schemeClr val="lt1">
+                      <a:lumMod val="85000"/>
+                    </a:schemeClr>
+                  </a:solidFill>
+                  <a:latin typeface="+mn-lt"/>
+                  <a:ea typeface="+mn-ea"/>
+                  <a:cs typeface="+mn-cs"/>
+                </a:defRPr>
+              </a:pPr>
+              <a:endParaRPr lang="en-US"/>
+            </a:p>
+          </c:txPr>
+        </c:title>
+        <c:numFmt formatCode="General" sourceLinked="1"/>
+        <c:majorTickMark val="none"/>
+        <c:minorTickMark val="none"/>
+        <c:tickLblPos val="nextTo"/>
+        <c:spPr>
+          <a:noFill/>
+          <a:ln w="12700" cap="flat" cmpd="sng" algn="ctr">
+            <a:solidFill>
+              <a:schemeClr val="lt1">
+                <a:lumMod val="95000"/>
+                <a:alpha val="54000"/>
+              </a:schemeClr>
+            </a:solidFill>
+            <a:round/>
+          </a:ln>
+          <a:effectLst/>
+        </c:spPr>
+        <c:txPr>
+          <a:bodyPr rot="-60000000" spcFirstLastPara="1" vertOverflow="ellipsis" vert="horz" wrap="square" anchor="ctr" anchorCtr="1"/>
+          <a:lstStyle/>
+          <a:p>
+            <a:pPr>
+              <a:defRPr sz="1197" b="0" i="0" u="none" strike="noStrike" kern="1200" baseline="0">
+                <a:solidFill>
+                  <a:schemeClr val="lt1">
+                    <a:lumMod val="85000"/>
+                  </a:schemeClr>
+                </a:solidFill>
+                <a:latin typeface="+mn-lt"/>
+                <a:ea typeface="+mn-ea"/>
+                <a:cs typeface="+mn-cs"/>
+              </a:defRPr>
+            </a:pPr>
+            <a:endParaRPr lang="en-US"/>
+          </a:p>
+        </c:txPr>
+        <c:crossAx val="438506480"/>
+        <c:crosses val="autoZero"/>
+        <c:auto val="1"/>
+        <c:lblAlgn val="ctr"/>
+        <c:lblOffset val="100"/>
+        <c:noMultiLvlLbl val="0"/>
+      </c:catAx>
+      <c:valAx>
+        <c:axId val="438506480"/>
+        <c:scaling>
+          <c:orientation val="minMax"/>
+        </c:scaling>
+        <c:delete val="0"/>
+        <c:axPos val="b"/>
+        <c:majorGridlines>
+          <c:spPr>
+            <a:ln w="9525" cap="flat" cmpd="sng" algn="ctr">
+              <a:solidFill>
+                <a:schemeClr val="lt1">
+                  <a:lumMod val="95000"/>
+                  <a:alpha val="10000"/>
+                </a:schemeClr>
+              </a:solidFill>
+              <a:round/>
+            </a:ln>
+            <a:effectLst/>
+          </c:spPr>
+        </c:majorGridlines>
+        <c:title>
+          <c:tx>
+            <c:rich>
+              <a:bodyPr rot="0" spcFirstLastPara="1" vertOverflow="ellipsis" vert="horz" wrap="square" anchor="ctr" anchorCtr="1"/>
+              <a:lstStyle/>
+              <a:p>
+                <a:pPr>
+                  <a:defRPr sz="1197" b="1" i="0" u="none" strike="noStrike" kern="1200" cap="all" baseline="0">
+                    <a:solidFill>
+                      <a:schemeClr val="lt1">
+                        <a:lumMod val="85000"/>
+                      </a:schemeClr>
+                    </a:solidFill>
+                    <a:latin typeface="+mn-lt"/>
+                    <a:ea typeface="+mn-ea"/>
+                    <a:cs typeface="+mn-cs"/>
+                  </a:defRPr>
+                </a:pPr>
+                <a:r>
+                  <a:rPr lang="en-US" dirty="0"/>
+                  <a:t>Frames </a:t>
+                </a:r>
+                <a:r>
+                  <a:rPr lang="en-US" sz="1197" b="1" i="0" u="none" strike="noStrike" kern="1200" cap="all" baseline="0" dirty="0">
+                    <a:solidFill>
+                      <a:prstClr val="white">
+                        <a:lumMod val="85000"/>
+                      </a:prstClr>
+                    </a:solidFill>
+                    <a:latin typeface="+mn-lt"/>
+                    <a:ea typeface="+mn-ea"/>
+                    <a:cs typeface="+mn-cs"/>
+                  </a:rPr>
+                  <a:t>Per</a:t>
+                </a:r>
+                <a:r>
+                  <a:rPr lang="en-US" dirty="0"/>
+                  <a:t> Second (Higher is better)</a:t>
+                </a:r>
+              </a:p>
+            </c:rich>
+          </c:tx>
+          <c:layout>
+            <c:manualLayout>
+              <c:xMode val="edge"/>
+              <c:yMode val="edge"/>
+              <c:x val="0.3747936737828117"/>
+              <c:y val="0.87092046807821921"/>
+            </c:manualLayout>
+          </c:layout>
+          <c:overlay val="0"/>
+          <c:spPr>
+            <a:noFill/>
+            <a:ln>
+              <a:noFill/>
+            </a:ln>
+            <a:effectLst/>
+          </c:spPr>
+          <c:txPr>
+            <a:bodyPr rot="0" spcFirstLastPara="1" vertOverflow="ellipsis" vert="horz" wrap="square" anchor="ctr" anchorCtr="1"/>
+            <a:lstStyle/>
+            <a:p>
+              <a:pPr>
+                <a:defRPr sz="1197" b="1" i="0" u="none" strike="noStrike" kern="1200" cap="all" baseline="0">
+                  <a:solidFill>
+                    <a:schemeClr val="lt1">
+                      <a:lumMod val="85000"/>
+                    </a:schemeClr>
+                  </a:solidFill>
+                  <a:latin typeface="+mn-lt"/>
+                  <a:ea typeface="+mn-ea"/>
+                  <a:cs typeface="+mn-cs"/>
+                </a:defRPr>
+              </a:pPr>
+              <a:endParaRPr lang="en-US"/>
+            </a:p>
+          </c:txPr>
+        </c:title>
+        <c:numFmt formatCode="General" sourceLinked="1"/>
+        <c:majorTickMark val="none"/>
+        <c:minorTickMark val="none"/>
+        <c:tickLblPos val="nextTo"/>
+        <c:spPr>
+          <a:noFill/>
+          <a:ln>
+            <a:noFill/>
+          </a:ln>
+          <a:effectLst/>
+        </c:spPr>
+        <c:txPr>
+          <a:bodyPr rot="-60000000" spcFirstLastPara="1" vertOverflow="ellipsis" vert="horz" wrap="square" anchor="ctr" anchorCtr="1"/>
+          <a:lstStyle/>
+          <a:p>
+            <a:pPr>
+              <a:defRPr sz="1197" b="0" i="0" u="none" strike="noStrike" kern="1200" baseline="0">
+                <a:solidFill>
+                  <a:schemeClr val="lt1">
+                    <a:lumMod val="85000"/>
+                  </a:schemeClr>
+                </a:solidFill>
+                <a:latin typeface="+mn-lt"/>
+                <a:ea typeface="+mn-ea"/>
+                <a:cs typeface="+mn-cs"/>
+              </a:defRPr>
+            </a:pPr>
+            <a:endParaRPr lang="en-US"/>
+          </a:p>
+        </c:txPr>
+        <c:crossAx val="438506160"/>
+        <c:crosses val="autoZero"/>
+        <c:crossBetween val="between"/>
+      </c:valAx>
+      <c:spPr>
+        <a:noFill/>
+        <a:ln>
+          <a:noFill/>
+        </a:ln>
+        <a:effectLst/>
+      </c:spPr>
+    </c:plotArea>
+    <c:legend>
+      <c:legendPos val="b"/>
+      <c:overlay val="0"/>
+      <c:spPr>
+        <a:noFill/>
+        <a:ln>
+          <a:noFill/>
+        </a:ln>
+        <a:effectLst/>
+      </c:spPr>
+      <c:txPr>
+        <a:bodyPr rot="0" spcFirstLastPara="1" vertOverflow="ellipsis" vert="horz" wrap="square" anchor="ctr" anchorCtr="1"/>
+        <a:lstStyle/>
+        <a:p>
+          <a:pPr>
+            <a:defRPr sz="1197" b="0" i="0" u="none" strike="noStrike" kern="1200" baseline="0">
+              <a:solidFill>
+                <a:schemeClr val="lt1">
+                  <a:lumMod val="85000"/>
+                </a:schemeClr>
+              </a:solidFill>
+              <a:latin typeface="+mn-lt"/>
+              <a:ea typeface="+mn-ea"/>
+              <a:cs typeface="+mn-cs"/>
+            </a:defRPr>
+          </a:pPr>
+          <a:endParaRPr lang="en-US"/>
+        </a:p>
+      </c:txPr>
+    </c:legend>
+    <c:plotVisOnly val="1"/>
+    <c:dispBlanksAs val="gap"/>
+    <c:extLst>
+      <c:ext xmlns:c16r3="http://schemas.microsoft.com/office/drawing/2017/03/chart" uri="{56B9EC1D-385E-4148-901F-78D8002777C0}">
+        <c16r3:dataDisplayOptions16>
+          <c16r3:dispNaAsBlank val="1"/>
+        </c16r3:dataDisplayOptions16>
+      </c:ext>
+    </c:extLst>
+    <c:showDLblsOverMax val="0"/>
+  </c:chart>
+  <c:spPr>
+    <a:gradFill flip="none" rotWithShape="1">
+      <a:gsLst>
+        <a:gs pos="0">
+          <a:schemeClr val="dk1">
+            <a:lumMod val="65000"/>
+            <a:lumOff val="35000"/>
+          </a:schemeClr>
+        </a:gs>
+        <a:gs pos="100000">
+          <a:schemeClr val="dk1">
+            <a:lumMod val="85000"/>
+            <a:lumOff val="15000"/>
+          </a:schemeClr>
+        </a:gs>
+      </a:gsLst>
+      <a:path path="circle">
+        <a:fillToRect l="50000" t="50000" r="50000" b="50000"/>
+      </a:path>
+      <a:tileRect/>
+    </a:gradFill>
+    <a:ln>
+      <a:noFill/>
+    </a:ln>
+    <a:effectLst/>
+  </c:spPr>
+  <c:txPr>
+    <a:bodyPr/>
+    <a:lstStyle/>
+    <a:p>
+      <a:pPr>
+        <a:defRPr/>
+      </a:pPr>
+      <a:endParaRPr lang="en-US"/>
+    </a:p>
+  </c:txPr>
+  <c:externalData r:id="rId3">
+    <c:autoUpdate val="0"/>
+  </c:externalData>
+</c:chartSpace>
+</file>
+
+<file path=ppt/charts/chart2.xml><?xml version="1.0" encoding="utf-8"?>
+<c:chartSpace xmlns:c="http://schemas.openxmlformats.org/drawingml/2006/chart" xmlns:a="http://schemas.openxmlformats.org/drawingml/2006/main" xmlns:r="http://schemas.openxmlformats.org/officeDocument/2006/relationships" xmlns:c16r2="http://schemas.microsoft.com/office/drawing/2015/06/chart">
+  <c:date1904 val="0"/>
+  <c:lang val="en-US"/>
+  <c:roundedCorners val="0"/>
+  <mc:AlternateContent xmlns:mc="http://schemas.openxmlformats.org/markup-compatibility/2006">
+    <mc:Choice xmlns:c14="http://schemas.microsoft.com/office/drawing/2007/8/2/chart" Requires="c14">
+      <c14:style val="102"/>
+    </mc:Choice>
+    <mc:Fallback>
+      <c:style val="2"/>
+    </mc:Fallback>
+  </mc:AlternateContent>
+  <c:chart>
+    <c:title>
+      <c:tx>
+        <c:rich>
+          <a:bodyPr rot="0" spcFirstLastPara="1" vertOverflow="ellipsis" vert="horz" wrap="square" anchor="ctr" anchorCtr="1"/>
+          <a:lstStyle/>
+          <a:p>
+            <a:pPr>
+              <a:defRPr sz="2128" b="1" i="0" u="none" strike="noStrike" kern="1200" spc="100" baseline="0">
+                <a:solidFill>
+                  <a:schemeClr val="lt1">
+                    <a:lumMod val="95000"/>
+                  </a:schemeClr>
+                </a:solidFill>
+                <a:effectLst>
+                  <a:outerShdw blurRad="50800" dist="38100" dir="5400000" algn="t" rotWithShape="0">
+                    <a:prstClr val="black">
+                      <a:alpha val="40000"/>
+                    </a:prstClr>
+                  </a:outerShdw>
+                </a:effectLst>
+                <a:latin typeface="+mn-lt"/>
+                <a:ea typeface="+mn-ea"/>
+                <a:cs typeface="+mn-cs"/>
+              </a:defRPr>
+            </a:pPr>
+            <a:r>
+              <a:rPr lang="en-US" dirty="0"/>
+              <a:t>Performance Pixel Major – Sorted</a:t>
+            </a:r>
+            <a:r>
+              <a:rPr lang="en-US" baseline="0" dirty="0"/>
+              <a:t> Photons</a:t>
+            </a:r>
+            <a:endParaRPr lang="en-US" dirty="0"/>
+          </a:p>
+        </c:rich>
+      </c:tx>
+      <c:overlay val="0"/>
+      <c:spPr>
+        <a:noFill/>
+        <a:ln>
+          <a:noFill/>
+        </a:ln>
+        <a:effectLst/>
+      </c:spPr>
+      <c:txPr>
+        <a:bodyPr rot="0" spcFirstLastPara="1" vertOverflow="ellipsis" vert="horz" wrap="square" anchor="ctr" anchorCtr="1"/>
+        <a:lstStyle/>
+        <a:p>
+          <a:pPr>
+            <a:defRPr sz="2128" b="1" i="0" u="none" strike="noStrike" kern="1200" spc="100" baseline="0">
+              <a:solidFill>
+                <a:schemeClr val="lt1">
+                  <a:lumMod val="95000"/>
+                </a:schemeClr>
+              </a:solidFill>
+              <a:effectLst>
+                <a:outerShdw blurRad="50800" dist="38100" dir="5400000" algn="t" rotWithShape="0">
+                  <a:prstClr val="black">
+                    <a:alpha val="40000"/>
+                  </a:prstClr>
+                </a:outerShdw>
+              </a:effectLst>
+              <a:latin typeface="+mn-lt"/>
+              <a:ea typeface="+mn-ea"/>
+              <a:cs typeface="+mn-cs"/>
+            </a:defRPr>
+          </a:pPr>
+          <a:endParaRPr lang="en-US"/>
+        </a:p>
+      </c:txPr>
+    </c:title>
+    <c:autoTitleDeleted val="0"/>
+    <c:plotArea>
+      <c:layout/>
+      <c:barChart>
+        <c:barDir val="bar"/>
+        <c:grouping val="clustered"/>
+        <c:varyColors val="0"/>
+        <c:ser>
+          <c:idx val="0"/>
+          <c:order val="0"/>
+          <c:tx>
+            <c:strRef>
+              <c:f>Sheet1!$B$1</c:f>
+              <c:strCache>
+                <c:ptCount val="1"/>
+                <c:pt idx="0">
+                  <c:v>1 K</c:v>
+                </c:pt>
+              </c:strCache>
+            </c:strRef>
+          </c:tx>
+          <c:spPr>
+            <a:gradFill rotWithShape="1">
+              <a:gsLst>
+                <a:gs pos="0">
+                  <a:schemeClr val="accent1">
+                    <a:satMod val="103000"/>
+                    <a:lumMod val="102000"/>
+                    <a:tint val="94000"/>
+                  </a:schemeClr>
+                </a:gs>
+                <a:gs pos="50000">
+                  <a:schemeClr val="accent1">
+                    <a:satMod val="110000"/>
+                    <a:lumMod val="100000"/>
+                    <a:shade val="100000"/>
+                  </a:schemeClr>
+                </a:gs>
+                <a:gs pos="100000">
+                  <a:schemeClr val="accent1">
+                    <a:lumMod val="99000"/>
+                    <a:satMod val="120000"/>
+                    <a:shade val="78000"/>
+                  </a:schemeClr>
+                </a:gs>
+              </a:gsLst>
+              <a:lin ang="5400000" scaled="0"/>
+            </a:gradFill>
+            <a:ln>
+              <a:noFill/>
+            </a:ln>
+            <a:effectLst>
+              <a:outerShdw blurRad="57150" dist="19050" dir="5400000" algn="ctr" rotWithShape="0">
+                <a:srgbClr val="000000">
+                  <a:alpha val="63000"/>
+                </a:srgbClr>
+              </a:outerShdw>
+            </a:effectLst>
+          </c:spPr>
+          <c:invertIfNegative val="0"/>
+          <c:dLbls>
+            <c:spPr>
+              <a:noFill/>
+              <a:ln>
+                <a:noFill/>
+              </a:ln>
+              <a:effectLst/>
+            </c:spPr>
+            <c:txPr>
+              <a:bodyPr rot="0" spcFirstLastPara="1" vertOverflow="ellipsis" vert="horz" wrap="square" lIns="38100" tIns="19050" rIns="38100" bIns="19050" anchor="ctr" anchorCtr="1">
+                <a:spAutoFit/>
+              </a:bodyPr>
+              <a:lstStyle/>
+              <a:p>
+                <a:pPr>
+                  <a:defRPr sz="1197" b="0" i="0" u="none" strike="noStrike" kern="1200" baseline="0">
+                    <a:solidFill>
+                      <a:schemeClr val="lt1">
+                        <a:lumMod val="85000"/>
+                      </a:schemeClr>
+                    </a:solidFill>
+                    <a:latin typeface="+mn-lt"/>
+                    <a:ea typeface="+mn-ea"/>
+                    <a:cs typeface="+mn-cs"/>
+                  </a:defRPr>
+                </a:pPr>
+                <a:endParaRPr lang="en-US"/>
+              </a:p>
+            </c:txPr>
+            <c:dLblPos val="outEnd"/>
+            <c:showLegendKey val="0"/>
+            <c:showVal val="1"/>
+            <c:showCatName val="0"/>
+            <c:showSerName val="0"/>
+            <c:showPercent val="0"/>
+            <c:showBubbleSize val="0"/>
+            <c:showLeaderLines val="0"/>
+            <c:extLst>
+              <c:ext xmlns:c15="http://schemas.microsoft.com/office/drawing/2012/chart" uri="{CE6537A1-D6FC-4f65-9D91-7224C49458BB}">
+                <c15:showLeaderLines val="1"/>
+                <c15:leaderLines>
+                  <c:spPr>
+                    <a:ln w="9525">
+                      <a:solidFill>
+                        <a:schemeClr val="lt1">
+                          <a:lumMod val="95000"/>
+                          <a:alpha val="54000"/>
+                        </a:schemeClr>
+                      </a:solidFill>
+                    </a:ln>
+                    <a:effectLst/>
+                  </c:spPr>
+                </c15:leaderLines>
+              </c:ext>
+            </c:extLst>
+          </c:dLbls>
+          <c:cat>
+            <c:strRef>
+              <c:f>Sheet1!$A$2</c:f>
+              <c:strCache>
+                <c:ptCount val="1"/>
+                <c:pt idx="0">
                   <c:v>Pixel Major Sorted</c:v>
                 </c:pt>
               </c:strCache>
@@ -339,17 +1322,11 @@
           </c:cat>
           <c:val>
             <c:numRef>
-              <c:f>Sheet1!$B$2:$B$4</c:f>
+              <c:f>Sheet1!$B$2</c:f>
               <c:numCache>
                 <c:formatCode>General</c:formatCode>
-                <c:ptCount val="3"/>
+                <c:ptCount val="1"/>
                 <c:pt idx="0">
-                  <c:v>1000</c:v>
-                </c:pt>
-                <c:pt idx="1">
-                  <c:v>65</c:v>
-                </c:pt>
-                <c:pt idx="2">
                   <c:v>650</c:v>
                 </c:pt>
               </c:numCache>
@@ -472,16 +1449,10 @@
           </c:dLbls>
           <c:cat>
             <c:strRef>
-              <c:f>Sheet1!$A$2:$A$4</c:f>
+              <c:f>Sheet1!$A$2</c:f>
               <c:strCache>
-                <c:ptCount val="3"/>
+                <c:ptCount val="1"/>
                 <c:pt idx="0">
-                  <c:v>Photon Major</c:v>
-                </c:pt>
-                <c:pt idx="1">
-                  <c:v>Pixel Major Naïve</c:v>
-                </c:pt>
-                <c:pt idx="2">
                   <c:v>Pixel Major Sorted</c:v>
                 </c:pt>
               </c:strCache>
@@ -489,17 +1460,11 @@
           </c:cat>
           <c:val>
             <c:numRef>
-              <c:f>Sheet1!$C$2:$C$4</c:f>
+              <c:f>Sheet1!$C$2</c:f>
               <c:numCache>
                 <c:formatCode>General</c:formatCode>
-                <c:ptCount val="3"/>
+                <c:ptCount val="1"/>
                 <c:pt idx="0">
-                  <c:v>780</c:v>
-                </c:pt>
-                <c:pt idx="1">
-                  <c:v>10</c:v>
-                </c:pt>
-                <c:pt idx="2">
                   <c:v>430</c:v>
                 </c:pt>
               </c:numCache>
@@ -622,16 +1587,10 @@
           </c:dLbls>
           <c:cat>
             <c:strRef>
-              <c:f>Sheet1!$A$2:$A$4</c:f>
+              <c:f>Sheet1!$A$2</c:f>
               <c:strCache>
-                <c:ptCount val="3"/>
+                <c:ptCount val="1"/>
                 <c:pt idx="0">
-                  <c:v>Photon Major</c:v>
-                </c:pt>
-                <c:pt idx="1">
-                  <c:v>Pixel Major Naïve</c:v>
-                </c:pt>
-                <c:pt idx="2">
                   <c:v>Pixel Major Sorted</c:v>
                 </c:pt>
               </c:strCache>
@@ -639,17 +1598,11 @@
           </c:cat>
           <c:val>
             <c:numRef>
-              <c:f>Sheet1!$D$2:$D$4</c:f>
+              <c:f>Sheet1!$D$2</c:f>
               <c:numCache>
                 <c:formatCode>General</c:formatCode>
-                <c:ptCount val="3"/>
+                <c:ptCount val="1"/>
                 <c:pt idx="0">
-                  <c:v>450</c:v>
-                </c:pt>
-                <c:pt idx="1">
-                  <c:v>0</c:v>
-                </c:pt>
-                <c:pt idx="2">
                   <c:v>73</c:v>
                 </c:pt>
               </c:numCache>
@@ -772,16 +1725,10 @@
           </c:dLbls>
           <c:cat>
             <c:strRef>
-              <c:f>Sheet1!$A$2:$A$4</c:f>
+              <c:f>Sheet1!$A$2</c:f>
               <c:strCache>
-                <c:ptCount val="3"/>
+                <c:ptCount val="1"/>
                 <c:pt idx="0">
-                  <c:v>Photon Major</c:v>
-                </c:pt>
-                <c:pt idx="1">
-                  <c:v>Pixel Major Naïve</c:v>
-                </c:pt>
-                <c:pt idx="2">
                   <c:v>Pixel Major Sorted</c:v>
                 </c:pt>
               </c:strCache>
@@ -789,17 +1736,11 @@
           </c:cat>
           <c:val>
             <c:numRef>
-              <c:f>Sheet1!$E$2:$E$4</c:f>
+              <c:f>Sheet1!$E$2</c:f>
               <c:numCache>
                 <c:formatCode>General</c:formatCode>
-                <c:ptCount val="3"/>
+                <c:ptCount val="1"/>
                 <c:pt idx="0">
-                  <c:v>67</c:v>
-                </c:pt>
-                <c:pt idx="1">
-                  <c:v>0</c:v>
-                </c:pt>
-                <c:pt idx="2">
                   <c:v>10</c:v>
                 </c:pt>
               </c:numCache>
@@ -1061,28 +2002,833 @@
         <c:crosses val="autoZero"/>
         <c:crossBetween val="between"/>
       </c:valAx>
-      <c:dTable>
-        <c:showHorzBorder val="1"/>
-        <c:showVertBorder val="1"/>
-        <c:showOutline val="1"/>
-        <c:showKeys val="1"/>
+      <c:spPr>
+        <a:noFill/>
+        <a:ln>
+          <a:noFill/>
+        </a:ln>
+        <a:effectLst/>
+      </c:spPr>
+    </c:plotArea>
+    <c:legend>
+      <c:legendPos val="b"/>
+      <c:overlay val="0"/>
+      <c:spPr>
+        <a:noFill/>
+        <a:ln>
+          <a:noFill/>
+        </a:ln>
+        <a:effectLst/>
+      </c:spPr>
+      <c:txPr>
+        <a:bodyPr rot="0" spcFirstLastPara="1" vertOverflow="ellipsis" vert="horz" wrap="square" anchor="ctr" anchorCtr="1"/>
+        <a:lstStyle/>
+        <a:p>
+          <a:pPr>
+            <a:defRPr sz="1197" b="0" i="0" u="none" strike="noStrike" kern="1200" baseline="0">
+              <a:solidFill>
+                <a:schemeClr val="lt1">
+                  <a:lumMod val="85000"/>
+                </a:schemeClr>
+              </a:solidFill>
+              <a:latin typeface="+mn-lt"/>
+              <a:ea typeface="+mn-ea"/>
+              <a:cs typeface="+mn-cs"/>
+            </a:defRPr>
+          </a:pPr>
+          <a:endParaRPr lang="en-US"/>
+        </a:p>
+      </c:txPr>
+    </c:legend>
+    <c:plotVisOnly val="1"/>
+    <c:dispBlanksAs val="gap"/>
+    <c:extLst>
+      <c:ext xmlns:c16r3="http://schemas.microsoft.com/office/drawing/2017/03/chart" uri="{56B9EC1D-385E-4148-901F-78D8002777C0}">
+        <c16r3:dataDisplayOptions16>
+          <c16r3:dispNaAsBlank val="1"/>
+        </c16r3:dataDisplayOptions16>
+      </c:ext>
+    </c:extLst>
+    <c:showDLblsOverMax val="0"/>
+  </c:chart>
+  <c:spPr>
+    <a:gradFill flip="none" rotWithShape="1">
+      <a:gsLst>
+        <a:gs pos="0">
+          <a:schemeClr val="dk1">
+            <a:lumMod val="65000"/>
+            <a:lumOff val="35000"/>
+          </a:schemeClr>
+        </a:gs>
+        <a:gs pos="100000">
+          <a:schemeClr val="dk1">
+            <a:lumMod val="85000"/>
+            <a:lumOff val="15000"/>
+          </a:schemeClr>
+        </a:gs>
+      </a:gsLst>
+      <a:path path="circle">
+        <a:fillToRect l="50000" t="50000" r="50000" b="50000"/>
+      </a:path>
+      <a:tileRect/>
+    </a:gradFill>
+    <a:ln>
+      <a:noFill/>
+    </a:ln>
+    <a:effectLst/>
+  </c:spPr>
+  <c:txPr>
+    <a:bodyPr/>
+    <a:lstStyle/>
+    <a:p>
+      <a:pPr>
+        <a:defRPr/>
+      </a:pPr>
+      <a:endParaRPr lang="en-US"/>
+    </a:p>
+  </c:txPr>
+  <c:externalData r:id="rId3">
+    <c:autoUpdate val="0"/>
+  </c:externalData>
+</c:chartSpace>
+</file>
+
+<file path=ppt/charts/chart3.xml><?xml version="1.0" encoding="utf-8"?>
+<c:chartSpace xmlns:c="http://schemas.openxmlformats.org/drawingml/2006/chart" xmlns:a="http://schemas.openxmlformats.org/drawingml/2006/main" xmlns:r="http://schemas.openxmlformats.org/officeDocument/2006/relationships" xmlns:c16r2="http://schemas.microsoft.com/office/drawing/2015/06/chart">
+  <c:date1904 val="0"/>
+  <c:lang val="en-US"/>
+  <c:roundedCorners val="0"/>
+  <mc:AlternateContent xmlns:mc="http://schemas.openxmlformats.org/markup-compatibility/2006">
+    <mc:Choice xmlns:c14="http://schemas.microsoft.com/office/drawing/2007/8/2/chart" Requires="c14">
+      <c14:style val="102"/>
+    </mc:Choice>
+    <mc:Fallback>
+      <c:style val="2"/>
+    </mc:Fallback>
+  </mc:AlternateContent>
+  <c:chart>
+    <c:title>
+      <c:tx>
+        <c:rich>
+          <a:bodyPr rot="0" spcFirstLastPara="1" vertOverflow="ellipsis" vert="horz" wrap="square" anchor="ctr" anchorCtr="1"/>
+          <a:lstStyle/>
+          <a:p>
+            <a:pPr>
+              <a:defRPr sz="2128" b="1" i="0" u="none" strike="noStrike" kern="1200" spc="100" baseline="0">
+                <a:solidFill>
+                  <a:schemeClr val="lt1">
+                    <a:lumMod val="95000"/>
+                  </a:schemeClr>
+                </a:solidFill>
+                <a:effectLst>
+                  <a:outerShdw blurRad="50800" dist="38100" dir="5400000" algn="t" rotWithShape="0">
+                    <a:prstClr val="black">
+                      <a:alpha val="40000"/>
+                    </a:prstClr>
+                  </a:outerShdw>
+                </a:effectLst>
+                <a:latin typeface="+mn-lt"/>
+                <a:ea typeface="+mn-ea"/>
+                <a:cs typeface="+mn-cs"/>
+              </a:defRPr>
+            </a:pPr>
+            <a:r>
+              <a:rPr lang="en-US" dirty="0"/>
+              <a:t>Performance of Photon Major Iterator</a:t>
+            </a:r>
+          </a:p>
+        </c:rich>
+      </c:tx>
+      <c:overlay val="0"/>
+      <c:spPr>
+        <a:noFill/>
+        <a:ln>
+          <a:noFill/>
+        </a:ln>
+        <a:effectLst/>
+      </c:spPr>
+      <c:txPr>
+        <a:bodyPr rot="0" spcFirstLastPara="1" vertOverflow="ellipsis" vert="horz" wrap="square" anchor="ctr" anchorCtr="1"/>
+        <a:lstStyle/>
+        <a:p>
+          <a:pPr>
+            <a:defRPr sz="2128" b="1" i="0" u="none" strike="noStrike" kern="1200" spc="100" baseline="0">
+              <a:solidFill>
+                <a:schemeClr val="lt1">
+                  <a:lumMod val="95000"/>
+                </a:schemeClr>
+              </a:solidFill>
+              <a:effectLst>
+                <a:outerShdw blurRad="50800" dist="38100" dir="5400000" algn="t" rotWithShape="0">
+                  <a:prstClr val="black">
+                    <a:alpha val="40000"/>
+                  </a:prstClr>
+                </a:outerShdw>
+              </a:effectLst>
+              <a:latin typeface="+mn-lt"/>
+              <a:ea typeface="+mn-ea"/>
+              <a:cs typeface="+mn-cs"/>
+            </a:defRPr>
+          </a:pPr>
+          <a:endParaRPr lang="en-US"/>
+        </a:p>
+      </c:txPr>
+    </c:title>
+    <c:autoTitleDeleted val="0"/>
+    <c:plotArea>
+      <c:layout/>
+      <c:barChart>
+        <c:barDir val="bar"/>
+        <c:grouping val="clustered"/>
+        <c:varyColors val="0"/>
+        <c:ser>
+          <c:idx val="0"/>
+          <c:order val="0"/>
+          <c:tx>
+            <c:strRef>
+              <c:f>Sheet1!$B$1</c:f>
+              <c:strCache>
+                <c:ptCount val="1"/>
+                <c:pt idx="0">
+                  <c:v>1 K</c:v>
+                </c:pt>
+              </c:strCache>
+            </c:strRef>
+          </c:tx>
+          <c:spPr>
+            <a:gradFill rotWithShape="1">
+              <a:gsLst>
+                <a:gs pos="0">
+                  <a:schemeClr val="accent1">
+                    <a:satMod val="103000"/>
+                    <a:lumMod val="102000"/>
+                    <a:tint val="94000"/>
+                  </a:schemeClr>
+                </a:gs>
+                <a:gs pos="50000">
+                  <a:schemeClr val="accent1">
+                    <a:satMod val="110000"/>
+                    <a:lumMod val="100000"/>
+                    <a:shade val="100000"/>
+                  </a:schemeClr>
+                </a:gs>
+                <a:gs pos="100000">
+                  <a:schemeClr val="accent1">
+                    <a:lumMod val="99000"/>
+                    <a:satMod val="120000"/>
+                    <a:shade val="78000"/>
+                  </a:schemeClr>
+                </a:gs>
+              </a:gsLst>
+              <a:lin ang="5400000" scaled="0"/>
+            </a:gradFill>
+            <a:ln>
+              <a:noFill/>
+            </a:ln>
+            <a:effectLst>
+              <a:outerShdw blurRad="57150" dist="19050" dir="5400000" algn="ctr" rotWithShape="0">
+                <a:srgbClr val="000000">
+                  <a:alpha val="63000"/>
+                </a:srgbClr>
+              </a:outerShdw>
+            </a:effectLst>
+          </c:spPr>
+          <c:invertIfNegative val="0"/>
+          <c:dLbls>
+            <c:spPr>
+              <a:noFill/>
+              <a:ln>
+                <a:noFill/>
+              </a:ln>
+              <a:effectLst/>
+            </c:spPr>
+            <c:txPr>
+              <a:bodyPr rot="0" spcFirstLastPara="1" vertOverflow="ellipsis" vert="horz" wrap="square" lIns="38100" tIns="19050" rIns="38100" bIns="19050" anchor="ctr" anchorCtr="1">
+                <a:spAutoFit/>
+              </a:bodyPr>
+              <a:lstStyle/>
+              <a:p>
+                <a:pPr>
+                  <a:defRPr sz="1197" b="0" i="0" u="none" strike="noStrike" kern="1200" baseline="0">
+                    <a:solidFill>
+                      <a:schemeClr val="lt1">
+                        <a:lumMod val="85000"/>
+                      </a:schemeClr>
+                    </a:solidFill>
+                    <a:latin typeface="+mn-lt"/>
+                    <a:ea typeface="+mn-ea"/>
+                    <a:cs typeface="+mn-cs"/>
+                  </a:defRPr>
+                </a:pPr>
+                <a:endParaRPr lang="en-US"/>
+              </a:p>
+            </c:txPr>
+            <c:dLblPos val="outEnd"/>
+            <c:showLegendKey val="0"/>
+            <c:showVal val="1"/>
+            <c:showCatName val="0"/>
+            <c:showSerName val="0"/>
+            <c:showPercent val="0"/>
+            <c:showBubbleSize val="0"/>
+            <c:showLeaderLines val="0"/>
+            <c:extLst>
+              <c:ext xmlns:c15="http://schemas.microsoft.com/office/drawing/2012/chart" uri="{CE6537A1-D6FC-4f65-9D91-7224C49458BB}">
+                <c15:showLeaderLines val="1"/>
+                <c15:leaderLines>
+                  <c:spPr>
+                    <a:ln w="9525">
+                      <a:solidFill>
+                        <a:schemeClr val="lt1">
+                          <a:lumMod val="95000"/>
+                          <a:alpha val="54000"/>
+                        </a:schemeClr>
+                      </a:solidFill>
+                    </a:ln>
+                    <a:effectLst/>
+                  </c:spPr>
+                </c15:leaderLines>
+              </c:ext>
+            </c:extLst>
+          </c:dLbls>
+          <c:cat>
+            <c:strRef>
+              <c:f>Sheet1!$A$2</c:f>
+              <c:strCache>
+                <c:ptCount val="1"/>
+                <c:pt idx="0">
+                  <c:v>Photon Major</c:v>
+                </c:pt>
+              </c:strCache>
+            </c:strRef>
+          </c:cat>
+          <c:val>
+            <c:numRef>
+              <c:f>Sheet1!$B$2</c:f>
+              <c:numCache>
+                <c:formatCode>General</c:formatCode>
+                <c:ptCount val="1"/>
+                <c:pt idx="0">
+                  <c:v>1000</c:v>
+                </c:pt>
+              </c:numCache>
+            </c:numRef>
+          </c:val>
+          <c:extLst>
+            <c:ext xmlns:c16="http://schemas.microsoft.com/office/drawing/2014/chart" uri="{C3380CC4-5D6E-409C-BE32-E72D297353CC}">
+              <c16:uniqueId val="{00000000-7019-4971-8AEC-1736BE0C4087}"/>
+            </c:ext>
+          </c:extLst>
+        </c:ser>
+        <c:ser>
+          <c:idx val="1"/>
+          <c:order val="1"/>
+          <c:tx>
+            <c:strRef>
+              <c:f>Sheet1!$C$1</c:f>
+              <c:strCache>
+                <c:ptCount val="1"/>
+                <c:pt idx="0">
+                  <c:v>10 K </c:v>
+                </c:pt>
+              </c:strCache>
+            </c:strRef>
+          </c:tx>
+          <c:spPr>
+            <a:gradFill rotWithShape="1">
+              <a:gsLst>
+                <a:gs pos="0">
+                  <a:schemeClr val="accent2">
+                    <a:satMod val="103000"/>
+                    <a:lumMod val="102000"/>
+                    <a:tint val="94000"/>
+                  </a:schemeClr>
+                </a:gs>
+                <a:gs pos="50000">
+                  <a:schemeClr val="accent2">
+                    <a:satMod val="110000"/>
+                    <a:lumMod val="100000"/>
+                    <a:shade val="100000"/>
+                  </a:schemeClr>
+                </a:gs>
+                <a:gs pos="100000">
+                  <a:schemeClr val="accent2">
+                    <a:lumMod val="99000"/>
+                    <a:satMod val="120000"/>
+                    <a:shade val="78000"/>
+                  </a:schemeClr>
+                </a:gs>
+              </a:gsLst>
+              <a:lin ang="5400000" scaled="0"/>
+            </a:gradFill>
+            <a:ln>
+              <a:noFill/>
+            </a:ln>
+            <a:effectLst>
+              <a:outerShdw blurRad="57150" dist="19050" dir="5400000" algn="ctr" rotWithShape="0">
+                <a:srgbClr val="000000">
+                  <a:alpha val="63000"/>
+                </a:srgbClr>
+              </a:outerShdw>
+            </a:effectLst>
+          </c:spPr>
+          <c:invertIfNegative val="0"/>
+          <c:dLbls>
+            <c:spPr>
+              <a:noFill/>
+              <a:ln>
+                <a:noFill/>
+              </a:ln>
+              <a:effectLst/>
+            </c:spPr>
+            <c:txPr>
+              <a:bodyPr rot="0" spcFirstLastPara="1" vertOverflow="ellipsis" vert="horz" wrap="square" lIns="38100" tIns="19050" rIns="38100" bIns="19050" anchor="ctr" anchorCtr="1">
+                <a:spAutoFit/>
+              </a:bodyPr>
+              <a:lstStyle/>
+              <a:p>
+                <a:pPr>
+                  <a:defRPr sz="1197" b="0" i="0" u="none" strike="noStrike" kern="1200" baseline="0">
+                    <a:solidFill>
+                      <a:schemeClr val="lt1">
+                        <a:lumMod val="85000"/>
+                      </a:schemeClr>
+                    </a:solidFill>
+                    <a:latin typeface="+mn-lt"/>
+                    <a:ea typeface="+mn-ea"/>
+                    <a:cs typeface="+mn-cs"/>
+                  </a:defRPr>
+                </a:pPr>
+                <a:endParaRPr lang="en-US"/>
+              </a:p>
+            </c:txPr>
+            <c:dLblPos val="outEnd"/>
+            <c:showLegendKey val="0"/>
+            <c:showVal val="1"/>
+            <c:showCatName val="0"/>
+            <c:showSerName val="0"/>
+            <c:showPercent val="0"/>
+            <c:showBubbleSize val="0"/>
+            <c:showLeaderLines val="0"/>
+            <c:extLst>
+              <c:ext xmlns:c15="http://schemas.microsoft.com/office/drawing/2012/chart" uri="{CE6537A1-D6FC-4f65-9D91-7224C49458BB}">
+                <c15:showLeaderLines val="1"/>
+                <c15:leaderLines>
+                  <c:spPr>
+                    <a:ln w="9525">
+                      <a:solidFill>
+                        <a:schemeClr val="lt1">
+                          <a:lumMod val="95000"/>
+                          <a:alpha val="54000"/>
+                        </a:schemeClr>
+                      </a:solidFill>
+                    </a:ln>
+                    <a:effectLst/>
+                  </c:spPr>
+                </c15:leaderLines>
+              </c:ext>
+            </c:extLst>
+          </c:dLbls>
+          <c:cat>
+            <c:strRef>
+              <c:f>Sheet1!$A$2</c:f>
+              <c:strCache>
+                <c:ptCount val="1"/>
+                <c:pt idx="0">
+                  <c:v>Photon Major</c:v>
+                </c:pt>
+              </c:strCache>
+            </c:strRef>
+          </c:cat>
+          <c:val>
+            <c:numRef>
+              <c:f>Sheet1!$C$2</c:f>
+              <c:numCache>
+                <c:formatCode>General</c:formatCode>
+                <c:ptCount val="1"/>
+                <c:pt idx="0">
+                  <c:v>780</c:v>
+                </c:pt>
+              </c:numCache>
+            </c:numRef>
+          </c:val>
+          <c:extLst>
+            <c:ext xmlns:c16="http://schemas.microsoft.com/office/drawing/2014/chart" uri="{C3380CC4-5D6E-409C-BE32-E72D297353CC}">
+              <c16:uniqueId val="{00000001-7019-4971-8AEC-1736BE0C4087}"/>
+            </c:ext>
+          </c:extLst>
+        </c:ser>
+        <c:ser>
+          <c:idx val="2"/>
+          <c:order val="2"/>
+          <c:tx>
+            <c:strRef>
+              <c:f>Sheet1!$D$1</c:f>
+              <c:strCache>
+                <c:ptCount val="1"/>
+                <c:pt idx="0">
+                  <c:v>100 K</c:v>
+                </c:pt>
+              </c:strCache>
+            </c:strRef>
+          </c:tx>
+          <c:spPr>
+            <a:gradFill rotWithShape="1">
+              <a:gsLst>
+                <a:gs pos="0">
+                  <a:schemeClr val="accent3">
+                    <a:satMod val="103000"/>
+                    <a:lumMod val="102000"/>
+                    <a:tint val="94000"/>
+                  </a:schemeClr>
+                </a:gs>
+                <a:gs pos="50000">
+                  <a:schemeClr val="accent3">
+                    <a:satMod val="110000"/>
+                    <a:lumMod val="100000"/>
+                    <a:shade val="100000"/>
+                  </a:schemeClr>
+                </a:gs>
+                <a:gs pos="100000">
+                  <a:schemeClr val="accent3">
+                    <a:lumMod val="99000"/>
+                    <a:satMod val="120000"/>
+                    <a:shade val="78000"/>
+                  </a:schemeClr>
+                </a:gs>
+              </a:gsLst>
+              <a:lin ang="5400000" scaled="0"/>
+            </a:gradFill>
+            <a:ln>
+              <a:noFill/>
+            </a:ln>
+            <a:effectLst>
+              <a:outerShdw blurRad="57150" dist="19050" dir="5400000" algn="ctr" rotWithShape="0">
+                <a:srgbClr val="000000">
+                  <a:alpha val="63000"/>
+                </a:srgbClr>
+              </a:outerShdw>
+            </a:effectLst>
+          </c:spPr>
+          <c:invertIfNegative val="0"/>
+          <c:dLbls>
+            <c:spPr>
+              <a:noFill/>
+              <a:ln>
+                <a:noFill/>
+              </a:ln>
+              <a:effectLst/>
+            </c:spPr>
+            <c:txPr>
+              <a:bodyPr rot="0" spcFirstLastPara="1" vertOverflow="ellipsis" vert="horz" wrap="square" lIns="38100" tIns="19050" rIns="38100" bIns="19050" anchor="ctr" anchorCtr="1">
+                <a:spAutoFit/>
+              </a:bodyPr>
+              <a:lstStyle/>
+              <a:p>
+                <a:pPr>
+                  <a:defRPr sz="1197" b="0" i="0" u="none" strike="noStrike" kern="1200" baseline="0">
+                    <a:solidFill>
+                      <a:schemeClr val="lt1">
+                        <a:lumMod val="85000"/>
+                      </a:schemeClr>
+                    </a:solidFill>
+                    <a:latin typeface="+mn-lt"/>
+                    <a:ea typeface="+mn-ea"/>
+                    <a:cs typeface="+mn-cs"/>
+                  </a:defRPr>
+                </a:pPr>
+                <a:endParaRPr lang="en-US"/>
+              </a:p>
+            </c:txPr>
+            <c:dLblPos val="outEnd"/>
+            <c:showLegendKey val="0"/>
+            <c:showVal val="1"/>
+            <c:showCatName val="0"/>
+            <c:showSerName val="0"/>
+            <c:showPercent val="0"/>
+            <c:showBubbleSize val="0"/>
+            <c:showLeaderLines val="0"/>
+            <c:extLst>
+              <c:ext xmlns:c15="http://schemas.microsoft.com/office/drawing/2012/chart" uri="{CE6537A1-D6FC-4f65-9D91-7224C49458BB}">
+                <c15:showLeaderLines val="1"/>
+                <c15:leaderLines>
+                  <c:spPr>
+                    <a:ln w="9525">
+                      <a:solidFill>
+                        <a:schemeClr val="lt1">
+                          <a:lumMod val="95000"/>
+                          <a:alpha val="54000"/>
+                        </a:schemeClr>
+                      </a:solidFill>
+                    </a:ln>
+                    <a:effectLst/>
+                  </c:spPr>
+                </c15:leaderLines>
+              </c:ext>
+            </c:extLst>
+          </c:dLbls>
+          <c:cat>
+            <c:strRef>
+              <c:f>Sheet1!$A$2</c:f>
+              <c:strCache>
+                <c:ptCount val="1"/>
+                <c:pt idx="0">
+                  <c:v>Photon Major</c:v>
+                </c:pt>
+              </c:strCache>
+            </c:strRef>
+          </c:cat>
+          <c:val>
+            <c:numRef>
+              <c:f>Sheet1!$D$2</c:f>
+              <c:numCache>
+                <c:formatCode>General</c:formatCode>
+                <c:ptCount val="1"/>
+                <c:pt idx="0">
+                  <c:v>450</c:v>
+                </c:pt>
+              </c:numCache>
+            </c:numRef>
+          </c:val>
+          <c:extLst>
+            <c:ext xmlns:c16="http://schemas.microsoft.com/office/drawing/2014/chart" uri="{C3380CC4-5D6E-409C-BE32-E72D297353CC}">
+              <c16:uniqueId val="{00000002-7019-4971-8AEC-1736BE0C4087}"/>
+            </c:ext>
+          </c:extLst>
+        </c:ser>
+        <c:ser>
+          <c:idx val="3"/>
+          <c:order val="3"/>
+          <c:tx>
+            <c:strRef>
+              <c:f>Sheet1!$E$1</c:f>
+              <c:strCache>
+                <c:ptCount val="1"/>
+                <c:pt idx="0">
+                  <c:v>1 M</c:v>
+                </c:pt>
+              </c:strCache>
+            </c:strRef>
+          </c:tx>
+          <c:spPr>
+            <a:gradFill rotWithShape="1">
+              <a:gsLst>
+                <a:gs pos="0">
+                  <a:schemeClr val="accent4">
+                    <a:satMod val="103000"/>
+                    <a:lumMod val="102000"/>
+                    <a:tint val="94000"/>
+                  </a:schemeClr>
+                </a:gs>
+                <a:gs pos="50000">
+                  <a:schemeClr val="accent4">
+                    <a:satMod val="110000"/>
+                    <a:lumMod val="100000"/>
+                    <a:shade val="100000"/>
+                  </a:schemeClr>
+                </a:gs>
+                <a:gs pos="100000">
+                  <a:schemeClr val="accent4">
+                    <a:lumMod val="99000"/>
+                    <a:satMod val="120000"/>
+                    <a:shade val="78000"/>
+                  </a:schemeClr>
+                </a:gs>
+              </a:gsLst>
+              <a:lin ang="5400000" scaled="0"/>
+            </a:gradFill>
+            <a:ln>
+              <a:noFill/>
+            </a:ln>
+            <a:effectLst>
+              <a:outerShdw blurRad="57150" dist="19050" dir="5400000" algn="ctr" rotWithShape="0">
+                <a:srgbClr val="000000">
+                  <a:alpha val="63000"/>
+                </a:srgbClr>
+              </a:outerShdw>
+            </a:effectLst>
+          </c:spPr>
+          <c:invertIfNegative val="0"/>
+          <c:dLbls>
+            <c:spPr>
+              <a:noFill/>
+              <a:ln>
+                <a:noFill/>
+              </a:ln>
+              <a:effectLst/>
+            </c:spPr>
+            <c:txPr>
+              <a:bodyPr rot="0" spcFirstLastPara="1" vertOverflow="ellipsis" vert="horz" wrap="square" lIns="38100" tIns="19050" rIns="38100" bIns="19050" anchor="ctr" anchorCtr="1">
+                <a:spAutoFit/>
+              </a:bodyPr>
+              <a:lstStyle/>
+              <a:p>
+                <a:pPr>
+                  <a:defRPr sz="1197" b="0" i="0" u="none" strike="noStrike" kern="1200" baseline="0">
+                    <a:solidFill>
+                      <a:schemeClr val="lt1">
+                        <a:lumMod val="85000"/>
+                      </a:schemeClr>
+                    </a:solidFill>
+                    <a:latin typeface="+mn-lt"/>
+                    <a:ea typeface="+mn-ea"/>
+                    <a:cs typeface="+mn-cs"/>
+                  </a:defRPr>
+                </a:pPr>
+                <a:endParaRPr lang="en-US"/>
+              </a:p>
+            </c:txPr>
+            <c:dLblPos val="outEnd"/>
+            <c:showLegendKey val="0"/>
+            <c:showVal val="1"/>
+            <c:showCatName val="0"/>
+            <c:showSerName val="0"/>
+            <c:showPercent val="0"/>
+            <c:showBubbleSize val="0"/>
+            <c:showLeaderLines val="0"/>
+            <c:extLst>
+              <c:ext xmlns:c15="http://schemas.microsoft.com/office/drawing/2012/chart" uri="{CE6537A1-D6FC-4f65-9D91-7224C49458BB}">
+                <c15:showLeaderLines val="1"/>
+                <c15:leaderLines>
+                  <c:spPr>
+                    <a:ln w="9525">
+                      <a:solidFill>
+                        <a:schemeClr val="lt1">
+                          <a:lumMod val="95000"/>
+                          <a:alpha val="54000"/>
+                        </a:schemeClr>
+                      </a:solidFill>
+                    </a:ln>
+                    <a:effectLst/>
+                  </c:spPr>
+                </c15:leaderLines>
+              </c:ext>
+            </c:extLst>
+          </c:dLbls>
+          <c:cat>
+            <c:strRef>
+              <c:f>Sheet1!$A$2</c:f>
+              <c:strCache>
+                <c:ptCount val="1"/>
+                <c:pt idx="0">
+                  <c:v>Photon Major</c:v>
+                </c:pt>
+              </c:strCache>
+            </c:strRef>
+          </c:cat>
+          <c:val>
+            <c:numRef>
+              <c:f>Sheet1!$E$2</c:f>
+              <c:numCache>
+                <c:formatCode>General</c:formatCode>
+                <c:ptCount val="1"/>
+                <c:pt idx="0">
+                  <c:v>67</c:v>
+                </c:pt>
+              </c:numCache>
+            </c:numRef>
+          </c:val>
+          <c:extLst>
+            <c:ext xmlns:c16="http://schemas.microsoft.com/office/drawing/2014/chart" uri="{C3380CC4-5D6E-409C-BE32-E72D297353CC}">
+              <c16:uniqueId val="{00000004-7019-4971-8AEC-1736BE0C4087}"/>
+            </c:ext>
+          </c:extLst>
+        </c:ser>
+        <c:dLbls>
+          <c:dLblPos val="outEnd"/>
+          <c:showLegendKey val="0"/>
+          <c:showVal val="1"/>
+          <c:showCatName val="0"/>
+          <c:showSerName val="0"/>
+          <c:showPercent val="0"/>
+          <c:showBubbleSize val="0"/>
+        </c:dLbls>
+        <c:gapWidth val="115"/>
+        <c:overlap val="-20"/>
+        <c:axId val="438506160"/>
+        <c:axId val="438506480"/>
+      </c:barChart>
+      <c:catAx>
+        <c:axId val="438506160"/>
+        <c:scaling>
+          <c:orientation val="minMax"/>
+        </c:scaling>
+        <c:delete val="0"/>
+        <c:axPos val="l"/>
+        <c:title>
+          <c:tx>
+            <c:rich>
+              <a:bodyPr rot="-5400000" spcFirstLastPara="1" vertOverflow="ellipsis" vert="horz" wrap="square" anchor="ctr" anchorCtr="1"/>
+              <a:lstStyle/>
+              <a:p>
+                <a:pPr>
+                  <a:defRPr sz="1197" b="1" i="0" u="none" strike="noStrike" kern="1200" cap="all" baseline="0">
+                    <a:solidFill>
+                      <a:schemeClr val="lt1">
+                        <a:lumMod val="85000"/>
+                      </a:schemeClr>
+                    </a:solidFill>
+                    <a:latin typeface="+mn-lt"/>
+                    <a:ea typeface="+mn-ea"/>
+                    <a:cs typeface="+mn-cs"/>
+                  </a:defRPr>
+                </a:pPr>
+                <a:r>
+                  <a:rPr lang="en-US"/>
+                  <a:t>Iterator Algorithm</a:t>
+                </a:r>
+              </a:p>
+            </c:rich>
+          </c:tx>
+          <c:overlay val="0"/>
+          <c:spPr>
+            <a:noFill/>
+            <a:ln>
+              <a:noFill/>
+            </a:ln>
+            <a:effectLst/>
+          </c:spPr>
+          <c:txPr>
+            <a:bodyPr rot="-5400000" spcFirstLastPara="1" vertOverflow="ellipsis" vert="horz" wrap="square" anchor="ctr" anchorCtr="1"/>
+            <a:lstStyle/>
+            <a:p>
+              <a:pPr>
+                <a:defRPr sz="1197" b="1" i="0" u="none" strike="noStrike" kern="1200" cap="all" baseline="0">
+                  <a:solidFill>
+                    <a:schemeClr val="lt1">
+                      <a:lumMod val="85000"/>
+                    </a:schemeClr>
+                  </a:solidFill>
+                  <a:latin typeface="+mn-lt"/>
+                  <a:ea typeface="+mn-ea"/>
+                  <a:cs typeface="+mn-cs"/>
+                </a:defRPr>
+              </a:pPr>
+              <a:endParaRPr lang="en-US"/>
+            </a:p>
+          </c:txPr>
+        </c:title>
+        <c:numFmt formatCode="General" sourceLinked="1"/>
+        <c:majorTickMark val="none"/>
+        <c:minorTickMark val="none"/>
+        <c:tickLblPos val="nextTo"/>
         <c:spPr>
           <a:noFill/>
-          <a:ln w="9525">
+          <a:ln w="12700" cap="flat" cmpd="sng" algn="ctr">
             <a:solidFill>
               <a:schemeClr val="lt1">
                 <a:lumMod val="95000"/>
                 <a:alpha val="54000"/>
               </a:schemeClr>
             </a:solidFill>
+            <a:round/>
           </a:ln>
           <a:effectLst/>
         </c:spPr>
         <c:txPr>
-          <a:bodyPr rot="0" spcFirstLastPara="1" vertOverflow="ellipsis" vert="horz" wrap="square" anchor="ctr" anchorCtr="1"/>
+          <a:bodyPr rot="-60000000" spcFirstLastPara="1" vertOverflow="ellipsis" vert="horz" wrap="square" anchor="ctr" anchorCtr="1"/>
           <a:lstStyle/>
           <a:p>
-            <a:pPr rtl="0">
+            <a:pPr>
               <a:defRPr sz="1197" b="0" i="0" u="none" strike="noStrike" kern="1200" baseline="0">
                 <a:solidFill>
                   <a:schemeClr val="lt1">
@@ -1097,7 +2843,146 @@
             <a:endParaRPr lang="en-US"/>
           </a:p>
         </c:txPr>
-      </c:dTable>
+        <c:crossAx val="438506480"/>
+        <c:crosses val="autoZero"/>
+        <c:auto val="1"/>
+        <c:lblAlgn val="ctr"/>
+        <c:lblOffset val="100"/>
+        <c:noMultiLvlLbl val="0"/>
+      </c:catAx>
+      <c:valAx>
+        <c:axId val="438506480"/>
+        <c:scaling>
+          <c:orientation val="minMax"/>
+        </c:scaling>
+        <c:delete val="0"/>
+        <c:axPos val="b"/>
+        <c:majorGridlines>
+          <c:spPr>
+            <a:ln w="9525" cap="flat" cmpd="sng" algn="ctr">
+              <a:solidFill>
+                <a:schemeClr val="lt1">
+                  <a:lumMod val="95000"/>
+                  <a:alpha val="10000"/>
+                </a:schemeClr>
+              </a:solidFill>
+              <a:round/>
+            </a:ln>
+            <a:effectLst/>
+          </c:spPr>
+        </c:majorGridlines>
+        <c:title>
+          <c:tx>
+            <c:rich>
+              <a:bodyPr rot="0" spcFirstLastPara="1" vertOverflow="ellipsis" vert="horz" wrap="square" anchor="ctr" anchorCtr="1"/>
+              <a:lstStyle/>
+              <a:p>
+                <a:pPr>
+                  <a:defRPr sz="1197" b="1" i="0" u="none" strike="noStrike" kern="1200" cap="all" baseline="0">
+                    <a:solidFill>
+                      <a:schemeClr val="lt1">
+                        <a:lumMod val="85000"/>
+                      </a:schemeClr>
+                    </a:solidFill>
+                    <a:latin typeface="+mn-lt"/>
+                    <a:ea typeface="+mn-ea"/>
+                    <a:cs typeface="+mn-cs"/>
+                  </a:defRPr>
+                </a:pPr>
+                <a:r>
+                  <a:rPr lang="en-US" dirty="0"/>
+                  <a:t>Frames </a:t>
+                </a:r>
+                <a:r>
+                  <a:rPr lang="en-US" sz="1197" b="1" i="0" u="none" strike="noStrike" kern="1200" cap="all" baseline="0" dirty="0">
+                    <a:solidFill>
+                      <a:prstClr val="white">
+                        <a:lumMod val="85000"/>
+                      </a:prstClr>
+                    </a:solidFill>
+                    <a:latin typeface="+mn-lt"/>
+                    <a:ea typeface="+mn-ea"/>
+                    <a:cs typeface="+mn-cs"/>
+                  </a:rPr>
+                  <a:t>Per</a:t>
+                </a:r>
+                <a:r>
+                  <a:rPr lang="en-US" dirty="0"/>
+                  <a:t> Second (Higher is better)</a:t>
+                </a:r>
+              </a:p>
+            </c:rich>
+          </c:tx>
+          <c:layout>
+            <c:manualLayout>
+              <c:xMode val="edge"/>
+              <c:yMode val="edge"/>
+              <c:x val="0.3747936737828117"/>
+              <c:y val="0.87092046807821921"/>
+            </c:manualLayout>
+          </c:layout>
+          <c:overlay val="0"/>
+          <c:spPr>
+            <a:noFill/>
+            <a:ln>
+              <a:noFill/>
+            </a:ln>
+            <a:effectLst/>
+          </c:spPr>
+          <c:txPr>
+            <a:bodyPr rot="0" spcFirstLastPara="1" vertOverflow="ellipsis" vert="horz" wrap="square" anchor="ctr" anchorCtr="1"/>
+            <a:lstStyle/>
+            <a:p>
+              <a:pPr>
+                <a:defRPr sz="1197" b="1" i="0" u="none" strike="noStrike" kern="1200" cap="all" baseline="0">
+                  <a:solidFill>
+                    <a:schemeClr val="lt1">
+                      <a:lumMod val="85000"/>
+                    </a:schemeClr>
+                  </a:solidFill>
+                  <a:latin typeface="+mn-lt"/>
+                  <a:ea typeface="+mn-ea"/>
+                  <a:cs typeface="+mn-cs"/>
+                </a:defRPr>
+              </a:pPr>
+              <a:endParaRPr lang="en-US"/>
+            </a:p>
+          </c:txPr>
+        </c:title>
+        <c:numFmt formatCode="General" sourceLinked="1"/>
+        <c:majorTickMark val="none"/>
+        <c:minorTickMark val="none"/>
+        <c:tickLblPos val="nextTo"/>
+        <c:spPr>
+          <a:noFill/>
+          <a:ln>
+            <a:noFill/>
+          </a:ln>
+          <a:effectLst/>
+        </c:spPr>
+        <c:txPr>
+          <a:bodyPr rot="-60000000" spcFirstLastPara="1" vertOverflow="ellipsis" vert="horz" wrap="square" anchor="ctr" anchorCtr="1"/>
+          <a:lstStyle/>
+          <a:p>
+            <a:pPr>
+              <a:defRPr sz="1197" b="0" i="0" u="none" strike="noStrike" kern="1200" baseline="0">
+                <a:solidFill>
+                  <a:schemeClr val="lt1">
+                    <a:lumMod val="85000"/>
+                  </a:schemeClr>
+                </a:solidFill>
+                <a:latin typeface="+mn-lt"/>
+                <a:ea typeface="+mn-ea"/>
+                <a:cs typeface="+mn-cs"/>
+              </a:defRPr>
+            </a:pPr>
+            <a:endParaRPr lang="en-US"/>
+          </a:p>
+        </c:txPr>
+        <c:crossAx val="438506160"/>
+        <c:crosses val="autoZero"/>
+        <c:crossBetween val="between"/>
+      </c:valAx>
       <c:spPr>
         <a:noFill/>
         <a:ln>
@@ -1229,7 +3114,1079 @@
 </cs:colorStyle>
 </file>
 
+<file path=ppt/charts/colors2.xml><?xml version="1.0" encoding="utf-8"?>
+<cs:colorStyle xmlns:cs="http://schemas.microsoft.com/office/drawing/2012/chartStyle" xmlns:a="http://schemas.openxmlformats.org/drawingml/2006/main" meth="cycle" id="10">
+  <a:schemeClr val="accent1"/>
+  <a:schemeClr val="accent2"/>
+  <a:schemeClr val="accent3"/>
+  <a:schemeClr val="accent4"/>
+  <a:schemeClr val="accent5"/>
+  <a:schemeClr val="accent6"/>
+  <cs:variation/>
+  <cs:variation>
+    <a:lumMod val="60000"/>
+  </cs:variation>
+  <cs:variation>
+    <a:lumMod val="80000"/>
+    <a:lumOff val="20000"/>
+  </cs:variation>
+  <cs:variation>
+    <a:lumMod val="80000"/>
+  </cs:variation>
+  <cs:variation>
+    <a:lumMod val="60000"/>
+    <a:lumOff val="40000"/>
+  </cs:variation>
+  <cs:variation>
+    <a:lumMod val="50000"/>
+  </cs:variation>
+  <cs:variation>
+    <a:lumMod val="70000"/>
+    <a:lumOff val="30000"/>
+  </cs:variation>
+  <cs:variation>
+    <a:lumMod val="70000"/>
+  </cs:variation>
+  <cs:variation>
+    <a:lumMod val="50000"/>
+    <a:lumOff val="50000"/>
+  </cs:variation>
+</cs:colorStyle>
+</file>
+
+<file path=ppt/charts/colors3.xml><?xml version="1.0" encoding="utf-8"?>
+<cs:colorStyle xmlns:cs="http://schemas.microsoft.com/office/drawing/2012/chartStyle" xmlns:a="http://schemas.openxmlformats.org/drawingml/2006/main" meth="cycle" id="10">
+  <a:schemeClr val="accent1"/>
+  <a:schemeClr val="accent2"/>
+  <a:schemeClr val="accent3"/>
+  <a:schemeClr val="accent4"/>
+  <a:schemeClr val="accent5"/>
+  <a:schemeClr val="accent6"/>
+  <cs:variation/>
+  <cs:variation>
+    <a:lumMod val="60000"/>
+  </cs:variation>
+  <cs:variation>
+    <a:lumMod val="80000"/>
+    <a:lumOff val="20000"/>
+  </cs:variation>
+  <cs:variation>
+    <a:lumMod val="80000"/>
+  </cs:variation>
+  <cs:variation>
+    <a:lumMod val="60000"/>
+    <a:lumOff val="40000"/>
+  </cs:variation>
+  <cs:variation>
+    <a:lumMod val="50000"/>
+  </cs:variation>
+  <cs:variation>
+    <a:lumMod val="70000"/>
+    <a:lumOff val="30000"/>
+  </cs:variation>
+  <cs:variation>
+    <a:lumMod val="70000"/>
+  </cs:variation>
+  <cs:variation>
+    <a:lumMod val="50000"/>
+    <a:lumOff val="50000"/>
+  </cs:variation>
+</cs:colorStyle>
+</file>
+
 <file path=ppt/charts/style1.xml><?xml version="1.0" encoding="utf-8"?>
+<cs:chartStyle xmlns:cs="http://schemas.microsoft.com/office/drawing/2012/chartStyle" xmlns:a="http://schemas.openxmlformats.org/drawingml/2006/main" id="222">
+  <cs:axisTitle>
+    <cs:lnRef idx="0"/>
+    <cs:fillRef idx="0"/>
+    <cs:effectRef idx="0"/>
+    <cs:fontRef idx="minor">
+      <a:schemeClr val="lt1">
+        <a:lumMod val="85000"/>
+      </a:schemeClr>
+    </cs:fontRef>
+    <cs:defRPr sz="1197" b="1" kern="1200" cap="all"/>
+  </cs:axisTitle>
+  <cs:categoryAxis>
+    <cs:lnRef idx="0"/>
+    <cs:fillRef idx="0"/>
+    <cs:effectRef idx="0"/>
+    <cs:fontRef idx="minor">
+      <a:schemeClr val="lt1">
+        <a:lumMod val="85000"/>
+      </a:schemeClr>
+    </cs:fontRef>
+    <cs:spPr>
+      <a:ln w="12700" cap="flat" cmpd="sng" algn="ctr">
+        <a:solidFill>
+          <a:schemeClr val="lt1">
+            <a:lumMod val="95000"/>
+            <a:alpha val="54000"/>
+          </a:schemeClr>
+        </a:solidFill>
+        <a:round/>
+      </a:ln>
+    </cs:spPr>
+    <cs:defRPr sz="1197" kern="1200"/>
+  </cs:categoryAxis>
+  <cs:chartArea>
+    <cs:lnRef idx="0"/>
+    <cs:fillRef idx="0"/>
+    <cs:effectRef idx="0"/>
+    <cs:fontRef idx="minor">
+      <a:schemeClr val="dk1"/>
+    </cs:fontRef>
+    <cs:spPr>
+      <a:gradFill flip="none" rotWithShape="1">
+        <a:gsLst>
+          <a:gs pos="0">
+            <a:schemeClr val="dk1">
+              <a:lumMod val="65000"/>
+              <a:lumOff val="35000"/>
+            </a:schemeClr>
+          </a:gs>
+          <a:gs pos="100000">
+            <a:schemeClr val="dk1">
+              <a:lumMod val="85000"/>
+              <a:lumOff val="15000"/>
+            </a:schemeClr>
+          </a:gs>
+        </a:gsLst>
+        <a:path path="circle">
+          <a:fillToRect l="50000" t="50000" r="50000" b="50000"/>
+        </a:path>
+        <a:tileRect/>
+      </a:gradFill>
+    </cs:spPr>
+    <cs:defRPr sz="1330" kern="1200"/>
+  </cs:chartArea>
+  <cs:dataLabel>
+    <cs:lnRef idx="0"/>
+    <cs:fillRef idx="0"/>
+    <cs:effectRef idx="0"/>
+    <cs:fontRef idx="minor">
+      <a:schemeClr val="lt1">
+        <a:lumMod val="85000"/>
+      </a:schemeClr>
+    </cs:fontRef>
+    <cs:defRPr sz="1197" kern="1200"/>
+  </cs:dataLabel>
+  <cs:dataLabelCallout>
+    <cs:lnRef idx="0"/>
+    <cs:fillRef idx="0"/>
+    <cs:effectRef idx="0"/>
+    <cs:fontRef idx="minor">
+      <a:schemeClr val="dk1">
+        <a:lumMod val="65000"/>
+        <a:lumOff val="35000"/>
+      </a:schemeClr>
+    </cs:fontRef>
+    <cs:spPr>
+      <a:solidFill>
+        <a:schemeClr val="lt1"/>
+      </a:solidFill>
+    </cs:spPr>
+    <cs:defRPr sz="1197" kern="1200"/>
+    <cs:bodyPr rot="0" spcFirstLastPara="1" vertOverflow="clip" horzOverflow="clip" vert="horz" wrap="square" lIns="36576" tIns="18288" rIns="36576" bIns="18288" anchor="ctr" anchorCtr="1">
+      <a:spAutoFit/>
+    </cs:bodyPr>
+  </cs:dataLabelCallout>
+  <cs:dataPoint>
+    <cs:lnRef idx="0"/>
+    <cs:fillRef idx="3">
+      <cs:styleClr val="auto"/>
+    </cs:fillRef>
+    <cs:effectRef idx="3"/>
+    <cs:fontRef idx="minor">
+      <a:schemeClr val="tx1"/>
+    </cs:fontRef>
+  </cs:dataPoint>
+  <cs:dataPoint3D>
+    <cs:lnRef idx="0"/>
+    <cs:fillRef idx="3">
+      <cs:styleClr val="auto"/>
+    </cs:fillRef>
+    <cs:effectRef idx="3"/>
+    <cs:fontRef idx="minor">
+      <a:schemeClr val="tx1"/>
+    </cs:fontRef>
+  </cs:dataPoint3D>
+  <cs:dataPointLine>
+    <cs:lnRef idx="0">
+      <cs:styleClr val="auto"/>
+    </cs:lnRef>
+    <cs:fillRef idx="3"/>
+    <cs:effectRef idx="3"/>
+    <cs:fontRef idx="minor">
+      <a:schemeClr val="tx1"/>
+    </cs:fontRef>
+    <cs:spPr>
+      <a:ln w="34925" cap="rnd">
+        <a:solidFill>
+          <a:schemeClr val="phClr"/>
+        </a:solidFill>
+        <a:round/>
+      </a:ln>
+    </cs:spPr>
+  </cs:dataPointLine>
+  <cs:dataPointMarker>
+    <cs:lnRef idx="0">
+      <cs:styleClr val="auto"/>
+    </cs:lnRef>
+    <cs:fillRef idx="3">
+      <cs:styleClr val="auto"/>
+    </cs:fillRef>
+    <cs:effectRef idx="3"/>
+    <cs:fontRef idx="minor">
+      <a:schemeClr val="tx1"/>
+    </cs:fontRef>
+    <cs:spPr>
+      <a:ln w="9525">
+        <a:solidFill>
+          <a:schemeClr val="phClr"/>
+        </a:solidFill>
+        <a:round/>
+      </a:ln>
+    </cs:spPr>
+  </cs:dataPointMarker>
+  <cs:dataPointMarkerLayout size="5"/>
+  <cs:dataPointWireframe>
+    <cs:lnRef idx="0">
+      <cs:styleClr val="auto"/>
+    </cs:lnRef>
+    <cs:fillRef idx="3"/>
+    <cs:effectRef idx="3"/>
+    <cs:fontRef idx="minor">
+      <a:schemeClr val="tx1"/>
+    </cs:fontRef>
+    <cs:spPr>
+      <a:ln w="9525" cap="rnd">
+        <a:solidFill>
+          <a:schemeClr val="phClr"/>
+        </a:solidFill>
+        <a:round/>
+      </a:ln>
+    </cs:spPr>
+  </cs:dataPointWireframe>
+  <cs:dataTable>
+    <cs:lnRef idx="0"/>
+    <cs:fillRef idx="0"/>
+    <cs:effectRef idx="0"/>
+    <cs:fontRef idx="minor">
+      <a:schemeClr val="lt1">
+        <a:lumMod val="85000"/>
+      </a:schemeClr>
+    </cs:fontRef>
+    <cs:spPr>
+      <a:ln w="9525">
+        <a:solidFill>
+          <a:schemeClr val="lt1">
+            <a:lumMod val="95000"/>
+            <a:alpha val="54000"/>
+          </a:schemeClr>
+        </a:solidFill>
+      </a:ln>
+    </cs:spPr>
+    <cs:defRPr sz="1197" kern="1200"/>
+  </cs:dataTable>
+  <cs:downBar>
+    <cs:lnRef idx="0"/>
+    <cs:fillRef idx="0"/>
+    <cs:effectRef idx="0"/>
+    <cs:fontRef idx="minor">
+      <a:schemeClr val="tx1"/>
+    </cs:fontRef>
+    <cs:spPr>
+      <a:solidFill>
+        <a:schemeClr val="dk1">
+          <a:lumMod val="75000"/>
+          <a:lumOff val="25000"/>
+        </a:schemeClr>
+      </a:solidFill>
+      <a:ln w="9525">
+        <a:solidFill>
+          <a:schemeClr val="lt1">
+            <a:lumMod val="95000"/>
+            <a:alpha val="54000"/>
+          </a:schemeClr>
+        </a:solidFill>
+      </a:ln>
+    </cs:spPr>
+  </cs:downBar>
+  <cs:dropLine>
+    <cs:lnRef idx="0"/>
+    <cs:fillRef idx="0"/>
+    <cs:effectRef idx="0"/>
+    <cs:fontRef idx="minor">
+      <a:schemeClr val="tx1"/>
+    </cs:fontRef>
+    <cs:spPr>
+      <a:ln w="9525">
+        <a:solidFill>
+          <a:schemeClr val="lt1">
+            <a:lumMod val="95000"/>
+            <a:alpha val="54000"/>
+          </a:schemeClr>
+        </a:solidFill>
+        <a:prstDash val="dash"/>
+      </a:ln>
+    </cs:spPr>
+  </cs:dropLine>
+  <cs:errorBar>
+    <cs:lnRef idx="0"/>
+    <cs:fillRef idx="0"/>
+    <cs:effectRef idx="0"/>
+    <cs:fontRef idx="minor">
+      <a:schemeClr val="tx1"/>
+    </cs:fontRef>
+    <cs:spPr>
+      <a:ln w="9525" cap="flat" cmpd="sng" algn="ctr">
+        <a:solidFill>
+          <a:schemeClr val="lt1">
+            <a:lumMod val="95000"/>
+          </a:schemeClr>
+        </a:solidFill>
+        <a:round/>
+      </a:ln>
+    </cs:spPr>
+  </cs:errorBar>
+  <cs:floor>
+    <cs:lnRef idx="0"/>
+    <cs:fillRef idx="0"/>
+    <cs:effectRef idx="0"/>
+    <cs:fontRef idx="minor">
+      <a:schemeClr val="tx1"/>
+    </cs:fontRef>
+  </cs:floor>
+  <cs:gridlineMajor>
+    <cs:lnRef idx="0"/>
+    <cs:fillRef idx="0"/>
+    <cs:effectRef idx="0"/>
+    <cs:fontRef idx="minor">
+      <a:schemeClr val="tx1"/>
+    </cs:fontRef>
+    <cs:spPr>
+      <a:ln w="9525" cap="flat" cmpd="sng" algn="ctr">
+        <a:solidFill>
+          <a:schemeClr val="lt1">
+            <a:lumMod val="95000"/>
+            <a:alpha val="10000"/>
+          </a:schemeClr>
+        </a:solidFill>
+        <a:round/>
+      </a:ln>
+    </cs:spPr>
+  </cs:gridlineMajor>
+  <cs:gridlineMinor>
+    <cs:lnRef idx="0"/>
+    <cs:fillRef idx="0"/>
+    <cs:effectRef idx="0"/>
+    <cs:fontRef idx="minor">
+      <a:schemeClr val="tx1"/>
+    </cs:fontRef>
+    <cs:spPr>
+      <a:ln>
+        <a:solidFill>
+          <a:schemeClr val="lt1">
+            <a:lumMod val="95000"/>
+            <a:alpha val="5000"/>
+          </a:schemeClr>
+        </a:solidFill>
+      </a:ln>
+    </cs:spPr>
+  </cs:gridlineMinor>
+  <cs:hiLoLine>
+    <cs:lnRef idx="0"/>
+    <cs:fillRef idx="0"/>
+    <cs:effectRef idx="0"/>
+    <cs:fontRef idx="minor">
+      <a:schemeClr val="tx1"/>
+    </cs:fontRef>
+    <cs:spPr>
+      <a:ln w="9525">
+        <a:solidFill>
+          <a:schemeClr val="lt1">
+            <a:lumMod val="95000"/>
+            <a:alpha val="54000"/>
+          </a:schemeClr>
+        </a:solidFill>
+        <a:prstDash val="dash"/>
+      </a:ln>
+    </cs:spPr>
+  </cs:hiLoLine>
+  <cs:leaderLine>
+    <cs:lnRef idx="0"/>
+    <cs:fillRef idx="0"/>
+    <cs:effectRef idx="0"/>
+    <cs:fontRef idx="minor">
+      <a:schemeClr val="tx1"/>
+    </cs:fontRef>
+    <cs:spPr>
+      <a:ln w="9525">
+        <a:solidFill>
+          <a:schemeClr val="lt1">
+            <a:lumMod val="95000"/>
+            <a:alpha val="54000"/>
+          </a:schemeClr>
+        </a:solidFill>
+      </a:ln>
+    </cs:spPr>
+  </cs:leaderLine>
+  <cs:legend>
+    <cs:lnRef idx="0"/>
+    <cs:fillRef idx="0"/>
+    <cs:effectRef idx="0"/>
+    <cs:fontRef idx="minor">
+      <a:schemeClr val="lt1">
+        <a:lumMod val="85000"/>
+      </a:schemeClr>
+    </cs:fontRef>
+    <cs:defRPr sz="1197" kern="1200"/>
+  </cs:legend>
+  <cs:plotArea>
+    <cs:lnRef idx="0"/>
+    <cs:fillRef idx="0"/>
+    <cs:effectRef idx="0"/>
+    <cs:fontRef idx="minor">
+      <a:schemeClr val="tx1"/>
+    </cs:fontRef>
+  </cs:plotArea>
+  <cs:plotArea3D>
+    <cs:lnRef idx="0"/>
+    <cs:fillRef idx="0"/>
+    <cs:effectRef idx="0"/>
+    <cs:fontRef idx="minor">
+      <a:schemeClr val="tx1"/>
+    </cs:fontRef>
+  </cs:plotArea3D>
+  <cs:seriesAxis>
+    <cs:lnRef idx="0"/>
+    <cs:fillRef idx="0"/>
+    <cs:effectRef idx="0"/>
+    <cs:fontRef idx="minor">
+      <a:schemeClr val="lt1">
+        <a:lumMod val="85000"/>
+      </a:schemeClr>
+    </cs:fontRef>
+    <cs:spPr>
+      <a:ln w="12700" cap="flat" cmpd="sng" algn="ctr">
+        <a:solidFill>
+          <a:schemeClr val="lt1">
+            <a:lumMod val="95000"/>
+            <a:alpha val="54000"/>
+          </a:schemeClr>
+        </a:solidFill>
+        <a:round/>
+      </a:ln>
+    </cs:spPr>
+    <cs:defRPr sz="1197" kern="1200"/>
+  </cs:seriesAxis>
+  <cs:seriesLine>
+    <cs:lnRef idx="0"/>
+    <cs:fillRef idx="0"/>
+    <cs:effectRef idx="0"/>
+    <cs:fontRef idx="minor">
+      <a:schemeClr val="lt1"/>
+    </cs:fontRef>
+    <cs:spPr>
+      <a:ln w="9525" cap="flat" cmpd="sng" algn="ctr">
+        <a:solidFill>
+          <a:schemeClr val="lt1">
+            <a:lumMod val="95000"/>
+            <a:alpha val="54000"/>
+          </a:schemeClr>
+        </a:solidFill>
+        <a:round/>
+      </a:ln>
+    </cs:spPr>
+  </cs:seriesLine>
+  <cs:title>
+    <cs:lnRef idx="0"/>
+    <cs:fillRef idx="0"/>
+    <cs:effectRef idx="0"/>
+    <cs:fontRef idx="minor">
+      <a:schemeClr val="lt1">
+        <a:lumMod val="95000"/>
+      </a:schemeClr>
+    </cs:fontRef>
+    <cs:defRPr sz="2128" b="1" kern="1200" spc="100" baseline="0">
+      <a:effectLst>
+        <a:outerShdw blurRad="50800" dist="38100" dir="5400000" algn="t" rotWithShape="0">
+          <a:prstClr val="black">
+            <a:alpha val="40000"/>
+          </a:prstClr>
+        </a:outerShdw>
+      </a:effectLst>
+    </cs:defRPr>
+  </cs:title>
+  <cs:trendline>
+    <cs:lnRef idx="0">
+      <cs:styleClr val="auto"/>
+    </cs:lnRef>
+    <cs:fillRef idx="0"/>
+    <cs:effectRef idx="0"/>
+    <cs:fontRef idx="minor">
+      <a:schemeClr val="tx1"/>
+    </cs:fontRef>
+    <cs:spPr>
+      <a:ln w="19050" cap="rnd">
+        <a:solidFill>
+          <a:schemeClr val="phClr"/>
+        </a:solidFill>
+      </a:ln>
+    </cs:spPr>
+  </cs:trendline>
+  <cs:trendlineLabel>
+    <cs:lnRef idx="0"/>
+    <cs:fillRef idx="0"/>
+    <cs:effectRef idx="0"/>
+    <cs:fontRef idx="minor">
+      <a:schemeClr val="lt1">
+        <a:lumMod val="85000"/>
+      </a:schemeClr>
+    </cs:fontRef>
+    <cs:defRPr sz="1197" kern="1200"/>
+  </cs:trendlineLabel>
+  <cs:upBar>
+    <cs:lnRef idx="0"/>
+    <cs:fillRef idx="0"/>
+    <cs:effectRef idx="0"/>
+    <cs:fontRef idx="minor">
+      <a:schemeClr val="tx1"/>
+    </cs:fontRef>
+    <cs:spPr>
+      <a:solidFill>
+        <a:schemeClr val="lt1"/>
+      </a:solidFill>
+      <a:ln w="9525">
+        <a:solidFill>
+          <a:schemeClr val="lt1">
+            <a:lumMod val="95000"/>
+            <a:alpha val="54000"/>
+          </a:schemeClr>
+        </a:solidFill>
+      </a:ln>
+    </cs:spPr>
+  </cs:upBar>
+  <cs:valueAxis>
+    <cs:lnRef idx="0"/>
+    <cs:fillRef idx="0"/>
+    <cs:effectRef idx="0"/>
+    <cs:fontRef idx="minor">
+      <a:schemeClr val="lt1">
+        <a:lumMod val="85000"/>
+      </a:schemeClr>
+    </cs:fontRef>
+    <cs:defRPr sz="1197" kern="1200"/>
+  </cs:valueAxis>
+  <cs:wall>
+    <cs:lnRef idx="0"/>
+    <cs:fillRef idx="0"/>
+    <cs:effectRef idx="0"/>
+    <cs:fontRef idx="minor">
+      <a:schemeClr val="tx1"/>
+    </cs:fontRef>
+  </cs:wall>
+</cs:chartStyle>
+</file>
+
+<file path=ppt/charts/style2.xml><?xml version="1.0" encoding="utf-8"?>
+<cs:chartStyle xmlns:cs="http://schemas.microsoft.com/office/drawing/2012/chartStyle" xmlns:a="http://schemas.openxmlformats.org/drawingml/2006/main" id="222">
+  <cs:axisTitle>
+    <cs:lnRef idx="0"/>
+    <cs:fillRef idx="0"/>
+    <cs:effectRef idx="0"/>
+    <cs:fontRef idx="minor">
+      <a:schemeClr val="lt1">
+        <a:lumMod val="85000"/>
+      </a:schemeClr>
+    </cs:fontRef>
+    <cs:defRPr sz="1197" b="1" kern="1200" cap="all"/>
+  </cs:axisTitle>
+  <cs:categoryAxis>
+    <cs:lnRef idx="0"/>
+    <cs:fillRef idx="0"/>
+    <cs:effectRef idx="0"/>
+    <cs:fontRef idx="minor">
+      <a:schemeClr val="lt1">
+        <a:lumMod val="85000"/>
+      </a:schemeClr>
+    </cs:fontRef>
+    <cs:spPr>
+      <a:ln w="12700" cap="flat" cmpd="sng" algn="ctr">
+        <a:solidFill>
+          <a:schemeClr val="lt1">
+            <a:lumMod val="95000"/>
+            <a:alpha val="54000"/>
+          </a:schemeClr>
+        </a:solidFill>
+        <a:round/>
+      </a:ln>
+    </cs:spPr>
+    <cs:defRPr sz="1197" kern="1200"/>
+  </cs:categoryAxis>
+  <cs:chartArea>
+    <cs:lnRef idx="0"/>
+    <cs:fillRef idx="0"/>
+    <cs:effectRef idx="0"/>
+    <cs:fontRef idx="minor">
+      <a:schemeClr val="dk1"/>
+    </cs:fontRef>
+    <cs:spPr>
+      <a:gradFill flip="none" rotWithShape="1">
+        <a:gsLst>
+          <a:gs pos="0">
+            <a:schemeClr val="dk1">
+              <a:lumMod val="65000"/>
+              <a:lumOff val="35000"/>
+            </a:schemeClr>
+          </a:gs>
+          <a:gs pos="100000">
+            <a:schemeClr val="dk1">
+              <a:lumMod val="85000"/>
+              <a:lumOff val="15000"/>
+            </a:schemeClr>
+          </a:gs>
+        </a:gsLst>
+        <a:path path="circle">
+          <a:fillToRect l="50000" t="50000" r="50000" b="50000"/>
+        </a:path>
+        <a:tileRect/>
+      </a:gradFill>
+    </cs:spPr>
+    <cs:defRPr sz="1330" kern="1200"/>
+  </cs:chartArea>
+  <cs:dataLabel>
+    <cs:lnRef idx="0"/>
+    <cs:fillRef idx="0"/>
+    <cs:effectRef idx="0"/>
+    <cs:fontRef idx="minor">
+      <a:schemeClr val="lt1">
+        <a:lumMod val="85000"/>
+      </a:schemeClr>
+    </cs:fontRef>
+    <cs:defRPr sz="1197" kern="1200"/>
+  </cs:dataLabel>
+  <cs:dataLabelCallout>
+    <cs:lnRef idx="0"/>
+    <cs:fillRef idx="0"/>
+    <cs:effectRef idx="0"/>
+    <cs:fontRef idx="minor">
+      <a:schemeClr val="dk1">
+        <a:lumMod val="65000"/>
+        <a:lumOff val="35000"/>
+      </a:schemeClr>
+    </cs:fontRef>
+    <cs:spPr>
+      <a:solidFill>
+        <a:schemeClr val="lt1"/>
+      </a:solidFill>
+    </cs:spPr>
+    <cs:defRPr sz="1197" kern="1200"/>
+    <cs:bodyPr rot="0" spcFirstLastPara="1" vertOverflow="clip" horzOverflow="clip" vert="horz" wrap="square" lIns="36576" tIns="18288" rIns="36576" bIns="18288" anchor="ctr" anchorCtr="1">
+      <a:spAutoFit/>
+    </cs:bodyPr>
+  </cs:dataLabelCallout>
+  <cs:dataPoint>
+    <cs:lnRef idx="0"/>
+    <cs:fillRef idx="3">
+      <cs:styleClr val="auto"/>
+    </cs:fillRef>
+    <cs:effectRef idx="3"/>
+    <cs:fontRef idx="minor">
+      <a:schemeClr val="tx1"/>
+    </cs:fontRef>
+  </cs:dataPoint>
+  <cs:dataPoint3D>
+    <cs:lnRef idx="0"/>
+    <cs:fillRef idx="3">
+      <cs:styleClr val="auto"/>
+    </cs:fillRef>
+    <cs:effectRef idx="3"/>
+    <cs:fontRef idx="minor">
+      <a:schemeClr val="tx1"/>
+    </cs:fontRef>
+  </cs:dataPoint3D>
+  <cs:dataPointLine>
+    <cs:lnRef idx="0">
+      <cs:styleClr val="auto"/>
+    </cs:lnRef>
+    <cs:fillRef idx="3"/>
+    <cs:effectRef idx="3"/>
+    <cs:fontRef idx="minor">
+      <a:schemeClr val="tx1"/>
+    </cs:fontRef>
+    <cs:spPr>
+      <a:ln w="34925" cap="rnd">
+        <a:solidFill>
+          <a:schemeClr val="phClr"/>
+        </a:solidFill>
+        <a:round/>
+      </a:ln>
+    </cs:spPr>
+  </cs:dataPointLine>
+  <cs:dataPointMarker>
+    <cs:lnRef idx="0">
+      <cs:styleClr val="auto"/>
+    </cs:lnRef>
+    <cs:fillRef idx="3">
+      <cs:styleClr val="auto"/>
+    </cs:fillRef>
+    <cs:effectRef idx="3"/>
+    <cs:fontRef idx="minor">
+      <a:schemeClr val="tx1"/>
+    </cs:fontRef>
+    <cs:spPr>
+      <a:ln w="9525">
+        <a:solidFill>
+          <a:schemeClr val="phClr"/>
+        </a:solidFill>
+        <a:round/>
+      </a:ln>
+    </cs:spPr>
+  </cs:dataPointMarker>
+  <cs:dataPointMarkerLayout size="5"/>
+  <cs:dataPointWireframe>
+    <cs:lnRef idx="0">
+      <cs:styleClr val="auto"/>
+    </cs:lnRef>
+    <cs:fillRef idx="3"/>
+    <cs:effectRef idx="3"/>
+    <cs:fontRef idx="minor">
+      <a:schemeClr val="tx1"/>
+    </cs:fontRef>
+    <cs:spPr>
+      <a:ln w="9525" cap="rnd">
+        <a:solidFill>
+          <a:schemeClr val="phClr"/>
+        </a:solidFill>
+        <a:round/>
+      </a:ln>
+    </cs:spPr>
+  </cs:dataPointWireframe>
+  <cs:dataTable>
+    <cs:lnRef idx="0"/>
+    <cs:fillRef idx="0"/>
+    <cs:effectRef idx="0"/>
+    <cs:fontRef idx="minor">
+      <a:schemeClr val="lt1">
+        <a:lumMod val="85000"/>
+      </a:schemeClr>
+    </cs:fontRef>
+    <cs:spPr>
+      <a:ln w="9525">
+        <a:solidFill>
+          <a:schemeClr val="lt1">
+            <a:lumMod val="95000"/>
+            <a:alpha val="54000"/>
+          </a:schemeClr>
+        </a:solidFill>
+      </a:ln>
+    </cs:spPr>
+    <cs:defRPr sz="1197" kern="1200"/>
+  </cs:dataTable>
+  <cs:downBar>
+    <cs:lnRef idx="0"/>
+    <cs:fillRef idx="0"/>
+    <cs:effectRef idx="0"/>
+    <cs:fontRef idx="minor">
+      <a:schemeClr val="tx1"/>
+    </cs:fontRef>
+    <cs:spPr>
+      <a:solidFill>
+        <a:schemeClr val="dk1">
+          <a:lumMod val="75000"/>
+          <a:lumOff val="25000"/>
+        </a:schemeClr>
+      </a:solidFill>
+      <a:ln w="9525">
+        <a:solidFill>
+          <a:schemeClr val="lt1">
+            <a:lumMod val="95000"/>
+            <a:alpha val="54000"/>
+          </a:schemeClr>
+        </a:solidFill>
+      </a:ln>
+    </cs:spPr>
+  </cs:downBar>
+  <cs:dropLine>
+    <cs:lnRef idx="0"/>
+    <cs:fillRef idx="0"/>
+    <cs:effectRef idx="0"/>
+    <cs:fontRef idx="minor">
+      <a:schemeClr val="tx1"/>
+    </cs:fontRef>
+    <cs:spPr>
+      <a:ln w="9525">
+        <a:solidFill>
+          <a:schemeClr val="lt1">
+            <a:lumMod val="95000"/>
+            <a:alpha val="54000"/>
+          </a:schemeClr>
+        </a:solidFill>
+        <a:prstDash val="dash"/>
+      </a:ln>
+    </cs:spPr>
+  </cs:dropLine>
+  <cs:errorBar>
+    <cs:lnRef idx="0"/>
+    <cs:fillRef idx="0"/>
+    <cs:effectRef idx="0"/>
+    <cs:fontRef idx="minor">
+      <a:schemeClr val="tx1"/>
+    </cs:fontRef>
+    <cs:spPr>
+      <a:ln w="9525" cap="flat" cmpd="sng" algn="ctr">
+        <a:solidFill>
+          <a:schemeClr val="lt1">
+            <a:lumMod val="95000"/>
+          </a:schemeClr>
+        </a:solidFill>
+        <a:round/>
+      </a:ln>
+    </cs:spPr>
+  </cs:errorBar>
+  <cs:floor>
+    <cs:lnRef idx="0"/>
+    <cs:fillRef idx="0"/>
+    <cs:effectRef idx="0"/>
+    <cs:fontRef idx="minor">
+      <a:schemeClr val="tx1"/>
+    </cs:fontRef>
+  </cs:floor>
+  <cs:gridlineMajor>
+    <cs:lnRef idx="0"/>
+    <cs:fillRef idx="0"/>
+    <cs:effectRef idx="0"/>
+    <cs:fontRef idx="minor">
+      <a:schemeClr val="tx1"/>
+    </cs:fontRef>
+    <cs:spPr>
+      <a:ln w="9525" cap="flat" cmpd="sng" algn="ctr">
+        <a:solidFill>
+          <a:schemeClr val="lt1">
+            <a:lumMod val="95000"/>
+            <a:alpha val="10000"/>
+          </a:schemeClr>
+        </a:solidFill>
+        <a:round/>
+      </a:ln>
+    </cs:spPr>
+  </cs:gridlineMajor>
+  <cs:gridlineMinor>
+    <cs:lnRef idx="0"/>
+    <cs:fillRef idx="0"/>
+    <cs:effectRef idx="0"/>
+    <cs:fontRef idx="minor">
+      <a:schemeClr val="tx1"/>
+    </cs:fontRef>
+    <cs:spPr>
+      <a:ln>
+        <a:solidFill>
+          <a:schemeClr val="lt1">
+            <a:lumMod val="95000"/>
+            <a:alpha val="5000"/>
+          </a:schemeClr>
+        </a:solidFill>
+      </a:ln>
+    </cs:spPr>
+  </cs:gridlineMinor>
+  <cs:hiLoLine>
+    <cs:lnRef idx="0"/>
+    <cs:fillRef idx="0"/>
+    <cs:effectRef idx="0"/>
+    <cs:fontRef idx="minor">
+      <a:schemeClr val="tx1"/>
+    </cs:fontRef>
+    <cs:spPr>
+      <a:ln w="9525">
+        <a:solidFill>
+          <a:schemeClr val="lt1">
+            <a:lumMod val="95000"/>
+            <a:alpha val="54000"/>
+          </a:schemeClr>
+        </a:solidFill>
+        <a:prstDash val="dash"/>
+      </a:ln>
+    </cs:spPr>
+  </cs:hiLoLine>
+  <cs:leaderLine>
+    <cs:lnRef idx="0"/>
+    <cs:fillRef idx="0"/>
+    <cs:effectRef idx="0"/>
+    <cs:fontRef idx="minor">
+      <a:schemeClr val="tx1"/>
+    </cs:fontRef>
+    <cs:spPr>
+      <a:ln w="9525">
+        <a:solidFill>
+          <a:schemeClr val="lt1">
+            <a:lumMod val="95000"/>
+            <a:alpha val="54000"/>
+          </a:schemeClr>
+        </a:solidFill>
+      </a:ln>
+    </cs:spPr>
+  </cs:leaderLine>
+  <cs:legend>
+    <cs:lnRef idx="0"/>
+    <cs:fillRef idx="0"/>
+    <cs:effectRef idx="0"/>
+    <cs:fontRef idx="minor">
+      <a:schemeClr val="lt1">
+        <a:lumMod val="85000"/>
+      </a:schemeClr>
+    </cs:fontRef>
+    <cs:defRPr sz="1197" kern="1200"/>
+  </cs:legend>
+  <cs:plotArea>
+    <cs:lnRef idx="0"/>
+    <cs:fillRef idx="0"/>
+    <cs:effectRef idx="0"/>
+    <cs:fontRef idx="minor">
+      <a:schemeClr val="tx1"/>
+    </cs:fontRef>
+  </cs:plotArea>
+  <cs:plotArea3D>
+    <cs:lnRef idx="0"/>
+    <cs:fillRef idx="0"/>
+    <cs:effectRef idx="0"/>
+    <cs:fontRef idx="minor">
+      <a:schemeClr val="tx1"/>
+    </cs:fontRef>
+  </cs:plotArea3D>
+  <cs:seriesAxis>
+    <cs:lnRef idx="0"/>
+    <cs:fillRef idx="0"/>
+    <cs:effectRef idx="0"/>
+    <cs:fontRef idx="minor">
+      <a:schemeClr val="lt1">
+        <a:lumMod val="85000"/>
+      </a:schemeClr>
+    </cs:fontRef>
+    <cs:spPr>
+      <a:ln w="12700" cap="flat" cmpd="sng" algn="ctr">
+        <a:solidFill>
+          <a:schemeClr val="lt1">
+            <a:lumMod val="95000"/>
+            <a:alpha val="54000"/>
+          </a:schemeClr>
+        </a:solidFill>
+        <a:round/>
+      </a:ln>
+    </cs:spPr>
+    <cs:defRPr sz="1197" kern="1200"/>
+  </cs:seriesAxis>
+  <cs:seriesLine>
+    <cs:lnRef idx="0"/>
+    <cs:fillRef idx="0"/>
+    <cs:effectRef idx="0"/>
+    <cs:fontRef idx="minor">
+      <a:schemeClr val="lt1"/>
+    </cs:fontRef>
+    <cs:spPr>
+      <a:ln w="9525" cap="flat" cmpd="sng" algn="ctr">
+        <a:solidFill>
+          <a:schemeClr val="lt1">
+            <a:lumMod val="95000"/>
+            <a:alpha val="54000"/>
+          </a:schemeClr>
+        </a:solidFill>
+        <a:round/>
+      </a:ln>
+    </cs:spPr>
+  </cs:seriesLine>
+  <cs:title>
+    <cs:lnRef idx="0"/>
+    <cs:fillRef idx="0"/>
+    <cs:effectRef idx="0"/>
+    <cs:fontRef idx="minor">
+      <a:schemeClr val="lt1">
+        <a:lumMod val="95000"/>
+      </a:schemeClr>
+    </cs:fontRef>
+    <cs:defRPr sz="2128" b="1" kern="1200" spc="100" baseline="0">
+      <a:effectLst>
+        <a:outerShdw blurRad="50800" dist="38100" dir="5400000" algn="t" rotWithShape="0">
+          <a:prstClr val="black">
+            <a:alpha val="40000"/>
+          </a:prstClr>
+        </a:outerShdw>
+      </a:effectLst>
+    </cs:defRPr>
+  </cs:title>
+  <cs:trendline>
+    <cs:lnRef idx="0">
+      <cs:styleClr val="auto"/>
+    </cs:lnRef>
+    <cs:fillRef idx="0"/>
+    <cs:effectRef idx="0"/>
+    <cs:fontRef idx="minor">
+      <a:schemeClr val="tx1"/>
+    </cs:fontRef>
+    <cs:spPr>
+      <a:ln w="19050" cap="rnd">
+        <a:solidFill>
+          <a:schemeClr val="phClr"/>
+        </a:solidFill>
+      </a:ln>
+    </cs:spPr>
+  </cs:trendline>
+  <cs:trendlineLabel>
+    <cs:lnRef idx="0"/>
+    <cs:fillRef idx="0"/>
+    <cs:effectRef idx="0"/>
+    <cs:fontRef idx="minor">
+      <a:schemeClr val="lt1">
+        <a:lumMod val="85000"/>
+      </a:schemeClr>
+    </cs:fontRef>
+    <cs:defRPr sz="1197" kern="1200"/>
+  </cs:trendlineLabel>
+  <cs:upBar>
+    <cs:lnRef idx="0"/>
+    <cs:fillRef idx="0"/>
+    <cs:effectRef idx="0"/>
+    <cs:fontRef idx="minor">
+      <a:schemeClr val="tx1"/>
+    </cs:fontRef>
+    <cs:spPr>
+      <a:solidFill>
+        <a:schemeClr val="lt1"/>
+      </a:solidFill>
+      <a:ln w="9525">
+        <a:solidFill>
+          <a:schemeClr val="lt1">
+            <a:lumMod val="95000"/>
+            <a:alpha val="54000"/>
+          </a:schemeClr>
+        </a:solidFill>
+      </a:ln>
+    </cs:spPr>
+  </cs:upBar>
+  <cs:valueAxis>
+    <cs:lnRef idx="0"/>
+    <cs:fillRef idx="0"/>
+    <cs:effectRef idx="0"/>
+    <cs:fontRef idx="minor">
+      <a:schemeClr val="lt1">
+        <a:lumMod val="85000"/>
+      </a:schemeClr>
+    </cs:fontRef>
+    <cs:defRPr sz="1197" kern="1200"/>
+  </cs:valueAxis>
+  <cs:wall>
+    <cs:lnRef idx="0"/>
+    <cs:fillRef idx="0"/>
+    <cs:effectRef idx="0"/>
+    <cs:fontRef idx="minor">
+      <a:schemeClr val="tx1"/>
+    </cs:fontRef>
+  </cs:wall>
+</cs:chartStyle>
+</file>
+
+<file path=ppt/charts/style3.xml><?xml version="1.0" encoding="utf-8"?>
 <cs:chartStyle xmlns:cs="http://schemas.microsoft.com/office/drawing/2012/chartStyle" xmlns:a="http://schemas.openxmlformats.org/drawingml/2006/main" id="222">
   <cs:axisTitle>
     <cs:lnRef idx="0"/>
@@ -5021,6 +7978,904 @@
       </p:grpSpPr>
       <p:grpSp>
         <p:nvGrpSpPr>
+          <p:cNvPr id="28" name="Group 27">
+            <a:extLst>
+              <a:ext uri="{FF2B5EF4-FFF2-40B4-BE49-F238E27FC236}">
+                <a16:creationId xmlns:a16="http://schemas.microsoft.com/office/drawing/2014/main" id="{5E6FACA9-7852-4E3E-8FB3-3C334C86492B}"/>
+              </a:ext>
+            </a:extLst>
+          </p:cNvPr>
+          <p:cNvGrpSpPr/>
+          <p:nvPr/>
+        </p:nvGrpSpPr>
+        <p:grpSpPr>
+          <a:xfrm>
+            <a:off x="1498861" y="635342"/>
+            <a:ext cx="9194278" cy="5644347"/>
+            <a:chOff x="1498861" y="635342"/>
+            <a:chExt cx="9194278" cy="5644347"/>
+          </a:xfrm>
+        </p:grpSpPr>
+        <p:sp>
+          <p:nvSpPr>
+            <p:cNvPr id="23" name="Rectangle 22">
+              <a:extLst>
+                <a:ext uri="{FF2B5EF4-FFF2-40B4-BE49-F238E27FC236}">
+                  <a16:creationId xmlns:a16="http://schemas.microsoft.com/office/drawing/2014/main" id="{170EB901-9BCC-4D13-AA07-05C1B45249CD}"/>
+                </a:ext>
+              </a:extLst>
+            </p:cNvPr>
+            <p:cNvSpPr/>
+            <p:nvPr/>
+          </p:nvSpPr>
+          <p:spPr>
+            <a:xfrm>
+              <a:off x="1498861" y="635342"/>
+              <a:ext cx="9194278" cy="5644347"/>
+            </a:xfrm>
+            <a:prstGeom prst="rect">
+              <a:avLst/>
+            </a:prstGeom>
+            <a:solidFill>
+              <a:schemeClr val="tx1">
+                <a:lumMod val="75000"/>
+                <a:lumOff val="25000"/>
+              </a:schemeClr>
+            </a:solidFill>
+          </p:spPr>
+          <p:style>
+            <a:lnRef idx="2">
+              <a:schemeClr val="accent3">
+                <a:shade val="50000"/>
+              </a:schemeClr>
+            </a:lnRef>
+            <a:fillRef idx="1">
+              <a:schemeClr val="accent3"/>
+            </a:fillRef>
+            <a:effectRef idx="0">
+              <a:schemeClr val="accent3"/>
+            </a:effectRef>
+            <a:fontRef idx="minor">
+              <a:schemeClr val="lt1"/>
+            </a:fontRef>
+          </p:style>
+          <p:txBody>
+            <a:bodyPr rtlCol="0" anchor="ctr"/>
+            <a:lstStyle/>
+            <a:p>
+              <a:pPr algn="ctr"/>
+              <a:endParaRPr lang="en-US" dirty="0"/>
+            </a:p>
+          </p:txBody>
+        </p:sp>
+        <p:sp>
+          <p:nvSpPr>
+            <p:cNvPr id="3" name="Cube 2">
+              <a:extLst>
+                <a:ext uri="{FF2B5EF4-FFF2-40B4-BE49-F238E27FC236}">
+                  <a16:creationId xmlns:a16="http://schemas.microsoft.com/office/drawing/2014/main" id="{12B8B8D0-86EF-4973-80D0-00AC954DADC0}"/>
+                </a:ext>
+              </a:extLst>
+            </p:cNvPr>
+            <p:cNvSpPr/>
+            <p:nvPr/>
+          </p:nvSpPr>
+          <p:spPr>
+            <a:xfrm>
+              <a:off x="3602837" y="1536038"/>
+              <a:ext cx="4307165" cy="3812959"/>
+            </a:xfrm>
+            <a:prstGeom prst="cube">
+              <a:avLst/>
+            </a:prstGeom>
+            <a:noFill/>
+            <a:ln w="38100"/>
+          </p:spPr>
+          <p:style>
+            <a:lnRef idx="2">
+              <a:schemeClr val="accent2">
+                <a:shade val="50000"/>
+              </a:schemeClr>
+            </a:lnRef>
+            <a:fillRef idx="1">
+              <a:schemeClr val="accent2"/>
+            </a:fillRef>
+            <a:effectRef idx="0">
+              <a:schemeClr val="accent2"/>
+            </a:effectRef>
+            <a:fontRef idx="minor">
+              <a:schemeClr val="lt1"/>
+            </a:fontRef>
+          </p:style>
+          <p:txBody>
+            <a:bodyPr rtlCol="0" anchor="ctr"/>
+            <a:lstStyle/>
+            <a:p>
+              <a:pPr algn="ctr"/>
+              <a:endParaRPr lang="en-US"/>
+            </a:p>
+          </p:txBody>
+        </p:sp>
+        <p:cxnSp>
+          <p:nvCxnSpPr>
+            <p:cNvPr id="36" name="Straight Connector 35">
+              <a:extLst>
+                <a:ext uri="{FF2B5EF4-FFF2-40B4-BE49-F238E27FC236}">
+                  <a16:creationId xmlns:a16="http://schemas.microsoft.com/office/drawing/2014/main" id="{57DE906E-D778-4E68-B0D6-631C44F6CD7A}"/>
+                </a:ext>
+              </a:extLst>
+            </p:cNvPr>
+            <p:cNvCxnSpPr>
+              <a:cxnSpLocks/>
+            </p:cNvCxnSpPr>
+            <p:nvPr/>
+          </p:nvCxnSpPr>
+          <p:spPr>
+            <a:xfrm flipH="1">
+              <a:off x="3582862" y="2956466"/>
+              <a:ext cx="3364637" cy="0"/>
+            </a:xfrm>
+            <a:prstGeom prst="line">
+              <a:avLst/>
+            </a:prstGeom>
+            <a:ln>
+              <a:prstDash val="solid"/>
+            </a:ln>
+          </p:spPr>
+          <p:style>
+            <a:lnRef idx="1">
+              <a:schemeClr val="accent2"/>
+            </a:lnRef>
+            <a:fillRef idx="0">
+              <a:schemeClr val="accent2"/>
+            </a:fillRef>
+            <a:effectRef idx="0">
+              <a:schemeClr val="accent2"/>
+            </a:effectRef>
+            <a:fontRef idx="minor">
+              <a:schemeClr val="tx1"/>
+            </a:fontRef>
+          </p:style>
+        </p:cxnSp>
+        <p:cxnSp>
+          <p:nvCxnSpPr>
+            <p:cNvPr id="40" name="Straight Connector 39">
+              <a:extLst>
+                <a:ext uri="{FF2B5EF4-FFF2-40B4-BE49-F238E27FC236}">
+                  <a16:creationId xmlns:a16="http://schemas.microsoft.com/office/drawing/2014/main" id="{71F9EE56-66A9-40B5-946F-A6219A3F84D2}"/>
+                </a:ext>
+              </a:extLst>
+            </p:cNvPr>
+            <p:cNvCxnSpPr>
+              <a:cxnSpLocks/>
+            </p:cNvCxnSpPr>
+            <p:nvPr/>
+          </p:nvCxnSpPr>
+          <p:spPr>
+            <a:xfrm flipH="1">
+              <a:off x="6964517" y="2014693"/>
+              <a:ext cx="942528" cy="958788"/>
+            </a:xfrm>
+            <a:prstGeom prst="line">
+              <a:avLst/>
+            </a:prstGeom>
+            <a:ln>
+              <a:prstDash val="solid"/>
+            </a:ln>
+          </p:spPr>
+          <p:style>
+            <a:lnRef idx="1">
+              <a:schemeClr val="accent2"/>
+            </a:lnRef>
+            <a:fillRef idx="0">
+              <a:schemeClr val="accent2"/>
+            </a:fillRef>
+            <a:effectRef idx="0">
+              <a:schemeClr val="accent2"/>
+            </a:effectRef>
+            <a:fontRef idx="minor">
+              <a:schemeClr val="tx1"/>
+            </a:fontRef>
+          </p:style>
+        </p:cxnSp>
+        <p:cxnSp>
+          <p:nvCxnSpPr>
+            <p:cNvPr id="54" name="Straight Connector 53">
+              <a:extLst>
+                <a:ext uri="{FF2B5EF4-FFF2-40B4-BE49-F238E27FC236}">
+                  <a16:creationId xmlns:a16="http://schemas.microsoft.com/office/drawing/2014/main" id="{D6E4E5C8-8BFD-4B67-ADA1-0DF56F72ACC9}"/>
+                </a:ext>
+              </a:extLst>
+            </p:cNvPr>
+            <p:cNvCxnSpPr>
+              <a:cxnSpLocks/>
+            </p:cNvCxnSpPr>
+            <p:nvPr/>
+          </p:nvCxnSpPr>
+          <p:spPr>
+            <a:xfrm flipH="1">
+              <a:off x="3599880" y="3442517"/>
+              <a:ext cx="3364637" cy="0"/>
+            </a:xfrm>
+            <a:prstGeom prst="line">
+              <a:avLst/>
+            </a:prstGeom>
+            <a:ln>
+              <a:prstDash val="solid"/>
+            </a:ln>
+          </p:spPr>
+          <p:style>
+            <a:lnRef idx="1">
+              <a:schemeClr val="accent2"/>
+            </a:lnRef>
+            <a:fillRef idx="0">
+              <a:schemeClr val="accent2"/>
+            </a:fillRef>
+            <a:effectRef idx="0">
+              <a:schemeClr val="accent2"/>
+            </a:effectRef>
+            <a:fontRef idx="minor">
+              <a:schemeClr val="tx1"/>
+            </a:fontRef>
+          </p:style>
+        </p:cxnSp>
+        <p:cxnSp>
+          <p:nvCxnSpPr>
+            <p:cNvPr id="57" name="Straight Connector 56">
+              <a:extLst>
+                <a:ext uri="{FF2B5EF4-FFF2-40B4-BE49-F238E27FC236}">
+                  <a16:creationId xmlns:a16="http://schemas.microsoft.com/office/drawing/2014/main" id="{462F89E7-54E6-4FD8-A775-6E9F191116C0}"/>
+                </a:ext>
+              </a:extLst>
+            </p:cNvPr>
+            <p:cNvCxnSpPr>
+              <a:cxnSpLocks/>
+            </p:cNvCxnSpPr>
+            <p:nvPr/>
+          </p:nvCxnSpPr>
+          <p:spPr>
+            <a:xfrm flipH="1">
+              <a:off x="6965589" y="2498728"/>
+              <a:ext cx="942528" cy="958788"/>
+            </a:xfrm>
+            <a:prstGeom prst="line">
+              <a:avLst/>
+            </a:prstGeom>
+            <a:ln>
+              <a:prstDash val="solid"/>
+            </a:ln>
+          </p:spPr>
+          <p:style>
+            <a:lnRef idx="1">
+              <a:schemeClr val="accent2"/>
+            </a:lnRef>
+            <a:fillRef idx="0">
+              <a:schemeClr val="accent2"/>
+            </a:fillRef>
+            <a:effectRef idx="0">
+              <a:schemeClr val="accent2"/>
+            </a:effectRef>
+            <a:fontRef idx="minor">
+              <a:schemeClr val="tx1"/>
+            </a:fontRef>
+          </p:style>
+        </p:cxnSp>
+        <p:cxnSp>
+          <p:nvCxnSpPr>
+            <p:cNvPr id="60" name="Straight Connector 59">
+              <a:extLst>
+                <a:ext uri="{FF2B5EF4-FFF2-40B4-BE49-F238E27FC236}">
+                  <a16:creationId xmlns:a16="http://schemas.microsoft.com/office/drawing/2014/main" id="{2B348E58-629E-4F0A-822D-FE5FACE7DE5B}"/>
+                </a:ext>
+              </a:extLst>
+            </p:cNvPr>
+            <p:cNvCxnSpPr>
+              <a:cxnSpLocks/>
+            </p:cNvCxnSpPr>
+            <p:nvPr/>
+          </p:nvCxnSpPr>
+          <p:spPr>
+            <a:xfrm flipH="1">
+              <a:off x="4132532" y="1555274"/>
+              <a:ext cx="942528" cy="958788"/>
+            </a:xfrm>
+            <a:prstGeom prst="line">
+              <a:avLst/>
+            </a:prstGeom>
+            <a:ln>
+              <a:prstDash val="solid"/>
+            </a:ln>
+          </p:spPr>
+          <p:style>
+            <a:lnRef idx="1">
+              <a:schemeClr val="accent2"/>
+            </a:lnRef>
+            <a:fillRef idx="0">
+              <a:schemeClr val="accent2"/>
+            </a:fillRef>
+            <a:effectRef idx="0">
+              <a:schemeClr val="accent2"/>
+            </a:effectRef>
+            <a:fontRef idx="minor">
+              <a:schemeClr val="tx1"/>
+            </a:fontRef>
+          </p:style>
+        </p:cxnSp>
+        <p:cxnSp>
+          <p:nvCxnSpPr>
+            <p:cNvPr id="61" name="Straight Connector 60">
+              <a:extLst>
+                <a:ext uri="{FF2B5EF4-FFF2-40B4-BE49-F238E27FC236}">
+                  <a16:creationId xmlns:a16="http://schemas.microsoft.com/office/drawing/2014/main" id="{272F4887-1A8F-4990-83A5-A9B985663729}"/>
+                </a:ext>
+              </a:extLst>
+            </p:cNvPr>
+            <p:cNvCxnSpPr>
+              <a:cxnSpLocks/>
+            </p:cNvCxnSpPr>
+            <p:nvPr/>
+          </p:nvCxnSpPr>
+          <p:spPr>
+            <a:xfrm flipH="1">
+              <a:off x="4674047" y="1548619"/>
+              <a:ext cx="942528" cy="958788"/>
+            </a:xfrm>
+            <a:prstGeom prst="line">
+              <a:avLst/>
+            </a:prstGeom>
+            <a:ln>
+              <a:prstDash val="solid"/>
+            </a:ln>
+          </p:spPr>
+          <p:style>
+            <a:lnRef idx="1">
+              <a:schemeClr val="accent2"/>
+            </a:lnRef>
+            <a:fillRef idx="0">
+              <a:schemeClr val="accent2"/>
+            </a:fillRef>
+            <a:effectRef idx="0">
+              <a:schemeClr val="accent2"/>
+            </a:effectRef>
+            <a:fontRef idx="minor">
+              <a:schemeClr val="tx1"/>
+            </a:fontRef>
+          </p:style>
+        </p:cxnSp>
+        <p:cxnSp>
+          <p:nvCxnSpPr>
+            <p:cNvPr id="62" name="Straight Connector 61">
+              <a:extLst>
+                <a:ext uri="{FF2B5EF4-FFF2-40B4-BE49-F238E27FC236}">
+                  <a16:creationId xmlns:a16="http://schemas.microsoft.com/office/drawing/2014/main" id="{4228D188-52C9-43A7-B5AC-5D2CFF7E9B7B}"/>
+                </a:ext>
+              </a:extLst>
+            </p:cNvPr>
+            <p:cNvCxnSpPr>
+              <a:cxnSpLocks/>
+            </p:cNvCxnSpPr>
+            <p:nvPr/>
+          </p:nvCxnSpPr>
+          <p:spPr>
+            <a:xfrm>
+              <a:off x="4125486" y="2523676"/>
+              <a:ext cx="0" cy="2854171"/>
+            </a:xfrm>
+            <a:prstGeom prst="line">
+              <a:avLst/>
+            </a:prstGeom>
+            <a:ln>
+              <a:prstDash val="solid"/>
+            </a:ln>
+          </p:spPr>
+          <p:style>
+            <a:lnRef idx="1">
+              <a:schemeClr val="accent2"/>
+            </a:lnRef>
+            <a:fillRef idx="0">
+              <a:schemeClr val="accent2"/>
+            </a:fillRef>
+            <a:effectRef idx="0">
+              <a:schemeClr val="accent2"/>
+            </a:effectRef>
+            <a:fontRef idx="minor">
+              <a:schemeClr val="tx1"/>
+            </a:fontRef>
+          </p:style>
+        </p:cxnSp>
+        <p:cxnSp>
+          <p:nvCxnSpPr>
+            <p:cNvPr id="63" name="Straight Connector 62">
+              <a:extLst>
+                <a:ext uri="{FF2B5EF4-FFF2-40B4-BE49-F238E27FC236}">
+                  <a16:creationId xmlns:a16="http://schemas.microsoft.com/office/drawing/2014/main" id="{5AA293BA-71CD-48EB-A1B8-B3335F344AD7}"/>
+                </a:ext>
+              </a:extLst>
+            </p:cNvPr>
+            <p:cNvCxnSpPr>
+              <a:cxnSpLocks/>
+            </p:cNvCxnSpPr>
+            <p:nvPr/>
+          </p:nvCxnSpPr>
+          <p:spPr>
+            <a:xfrm>
+              <a:off x="4666679" y="2507401"/>
+              <a:ext cx="0" cy="2854171"/>
+            </a:xfrm>
+            <a:prstGeom prst="line">
+              <a:avLst/>
+            </a:prstGeom>
+            <a:ln>
+              <a:prstDash val="solid"/>
+            </a:ln>
+          </p:spPr>
+          <p:style>
+            <a:lnRef idx="1">
+              <a:schemeClr val="accent2"/>
+            </a:lnRef>
+            <a:fillRef idx="0">
+              <a:schemeClr val="accent2"/>
+            </a:fillRef>
+            <a:effectRef idx="0">
+              <a:schemeClr val="accent2"/>
+            </a:effectRef>
+            <a:fontRef idx="minor">
+              <a:schemeClr val="tx1"/>
+            </a:fontRef>
+          </p:style>
+        </p:cxnSp>
+        <p:cxnSp>
+          <p:nvCxnSpPr>
+            <p:cNvPr id="75" name="Straight Connector 74">
+              <a:extLst>
+                <a:ext uri="{FF2B5EF4-FFF2-40B4-BE49-F238E27FC236}">
+                  <a16:creationId xmlns:a16="http://schemas.microsoft.com/office/drawing/2014/main" id="{2AD5772B-C54A-42BF-BB06-4C1B2B15AE40}"/>
+                </a:ext>
+              </a:extLst>
+            </p:cNvPr>
+            <p:cNvCxnSpPr>
+              <a:cxnSpLocks/>
+            </p:cNvCxnSpPr>
+            <p:nvPr/>
+          </p:nvCxnSpPr>
+          <p:spPr>
+            <a:xfrm>
+              <a:off x="7155402" y="2278985"/>
+              <a:ext cx="0" cy="2854171"/>
+            </a:xfrm>
+            <a:prstGeom prst="line">
+              <a:avLst/>
+            </a:prstGeom>
+            <a:ln>
+              <a:prstDash val="solid"/>
+            </a:ln>
+          </p:spPr>
+          <p:style>
+            <a:lnRef idx="1">
+              <a:schemeClr val="accent2"/>
+            </a:lnRef>
+            <a:fillRef idx="0">
+              <a:schemeClr val="accent2"/>
+            </a:fillRef>
+            <a:effectRef idx="0">
+              <a:schemeClr val="accent2"/>
+            </a:effectRef>
+            <a:fontRef idx="minor">
+              <a:schemeClr val="tx1"/>
+            </a:fontRef>
+          </p:style>
+        </p:cxnSp>
+        <p:cxnSp>
+          <p:nvCxnSpPr>
+            <p:cNvPr id="80" name="Straight Connector 79">
+              <a:extLst>
+                <a:ext uri="{FF2B5EF4-FFF2-40B4-BE49-F238E27FC236}">
+                  <a16:creationId xmlns:a16="http://schemas.microsoft.com/office/drawing/2014/main" id="{0AFA3D94-9EC8-470A-A585-A9EC20306F5A}"/>
+                </a:ext>
+              </a:extLst>
+            </p:cNvPr>
+            <p:cNvCxnSpPr>
+              <a:cxnSpLocks/>
+            </p:cNvCxnSpPr>
+            <p:nvPr/>
+          </p:nvCxnSpPr>
+          <p:spPr>
+            <a:xfrm flipH="1">
+              <a:off x="3790765" y="2278061"/>
+              <a:ext cx="3364637" cy="0"/>
+            </a:xfrm>
+            <a:prstGeom prst="line">
+              <a:avLst/>
+            </a:prstGeom>
+            <a:ln>
+              <a:prstDash val="solid"/>
+            </a:ln>
+          </p:spPr>
+          <p:style>
+            <a:lnRef idx="1">
+              <a:schemeClr val="accent2"/>
+            </a:lnRef>
+            <a:fillRef idx="0">
+              <a:schemeClr val="accent2"/>
+            </a:fillRef>
+            <a:effectRef idx="0">
+              <a:schemeClr val="accent2"/>
+            </a:effectRef>
+            <a:fontRef idx="minor">
+              <a:schemeClr val="tx1"/>
+            </a:fontRef>
+          </p:style>
+        </p:cxnSp>
+        <p:sp>
+          <p:nvSpPr>
+            <p:cNvPr id="84" name="TextBox 83">
+              <a:extLst>
+                <a:ext uri="{FF2B5EF4-FFF2-40B4-BE49-F238E27FC236}">
+                  <a16:creationId xmlns:a16="http://schemas.microsoft.com/office/drawing/2014/main" id="{9DE8B2CC-72B3-448B-B890-BF3DD26073C9}"/>
+                </a:ext>
+              </a:extLst>
+            </p:cNvPr>
+            <p:cNvSpPr txBox="1"/>
+            <p:nvPr/>
+          </p:nvSpPr>
+          <p:spPr>
+            <a:xfrm>
+              <a:off x="4833197" y="833024"/>
+              <a:ext cx="3288208" cy="369332"/>
+            </a:xfrm>
+            <a:prstGeom prst="rect">
+              <a:avLst/>
+            </a:prstGeom>
+            <a:noFill/>
+          </p:spPr>
+          <p:txBody>
+            <a:bodyPr wrap="none" rtlCol="0">
+              <a:spAutoFit/>
+            </a:bodyPr>
+            <a:lstStyle/>
+            <a:p>
+              <a:r>
+                <a:rPr lang="en-US" b="1" dirty="0">
+                  <a:solidFill>
+                    <a:schemeClr val="bg1"/>
+                  </a:solidFill>
+                </a:rPr>
+                <a:t>Scene Division into cell structure</a:t>
+              </a:r>
+            </a:p>
+          </p:txBody>
+        </p:sp>
+        <p:cxnSp>
+          <p:nvCxnSpPr>
+            <p:cNvPr id="22" name="Straight Arrow Connector 21">
+              <a:extLst>
+                <a:ext uri="{FF2B5EF4-FFF2-40B4-BE49-F238E27FC236}">
+                  <a16:creationId xmlns:a16="http://schemas.microsoft.com/office/drawing/2014/main" id="{F0DE22E4-E0A2-4274-A7C9-0AC35EB0C26F}"/>
+                </a:ext>
+              </a:extLst>
+            </p:cNvPr>
+            <p:cNvCxnSpPr/>
+            <p:nvPr/>
+          </p:nvCxnSpPr>
+          <p:spPr>
+            <a:xfrm>
+              <a:off x="3565846" y="5635301"/>
+              <a:ext cx="3398671" cy="12575"/>
+            </a:xfrm>
+            <a:prstGeom prst="straightConnector1">
+              <a:avLst/>
+            </a:prstGeom>
+            <a:ln w="38100">
+              <a:headEnd type="triangle"/>
+              <a:tailEnd type="triangle"/>
+            </a:ln>
+          </p:spPr>
+          <p:style>
+            <a:lnRef idx="1">
+              <a:schemeClr val="accent1"/>
+            </a:lnRef>
+            <a:fillRef idx="0">
+              <a:schemeClr val="accent1"/>
+            </a:fillRef>
+            <a:effectRef idx="0">
+              <a:schemeClr val="accent1"/>
+            </a:effectRef>
+            <a:fontRef idx="minor">
+              <a:schemeClr val="tx1"/>
+            </a:fontRef>
+          </p:style>
+        </p:cxnSp>
+        <p:sp>
+          <p:nvSpPr>
+            <p:cNvPr id="24" name="TextBox 23">
+              <a:extLst>
+                <a:ext uri="{FF2B5EF4-FFF2-40B4-BE49-F238E27FC236}">
+                  <a16:creationId xmlns:a16="http://schemas.microsoft.com/office/drawing/2014/main" id="{A61BCF72-7E5C-4B26-830A-B641CD51F572}"/>
+                </a:ext>
+              </a:extLst>
+            </p:cNvPr>
+            <p:cNvSpPr txBox="1"/>
+            <p:nvPr/>
+          </p:nvSpPr>
+          <p:spPr>
+            <a:xfrm>
+              <a:off x="4125486" y="5767727"/>
+              <a:ext cx="2024913" cy="369332"/>
+            </a:xfrm>
+            <a:prstGeom prst="rect">
+              <a:avLst/>
+            </a:prstGeom>
+            <a:noFill/>
+          </p:spPr>
+          <p:txBody>
+            <a:bodyPr wrap="none" rtlCol="0">
+              <a:spAutoFit/>
+            </a:bodyPr>
+            <a:lstStyle/>
+            <a:p>
+              <a:r>
+                <a:rPr lang="en-US" dirty="0">
+                  <a:solidFill>
+                    <a:schemeClr val="bg1"/>
+                  </a:solidFill>
+                </a:rPr>
+                <a:t>Scene bounds of 16</a:t>
+              </a:r>
+            </a:p>
+          </p:txBody>
+        </p:sp>
+        <p:cxnSp>
+          <p:nvCxnSpPr>
+            <p:cNvPr id="26" name="Straight Arrow Connector 25">
+              <a:extLst>
+                <a:ext uri="{FF2B5EF4-FFF2-40B4-BE49-F238E27FC236}">
+                  <a16:creationId xmlns:a16="http://schemas.microsoft.com/office/drawing/2014/main" id="{5921D2AF-67D0-48F8-9FA4-4DEEFE542E75}"/>
+                </a:ext>
+              </a:extLst>
+            </p:cNvPr>
+            <p:cNvCxnSpPr>
+              <a:cxnSpLocks/>
+            </p:cNvCxnSpPr>
+            <p:nvPr/>
+          </p:nvCxnSpPr>
+          <p:spPr>
+            <a:xfrm flipV="1">
+              <a:off x="7128768" y="5310981"/>
+              <a:ext cx="213064" cy="208741"/>
+            </a:xfrm>
+            <a:prstGeom prst="straightConnector1">
+              <a:avLst/>
+            </a:prstGeom>
+            <a:ln w="38100">
+              <a:headEnd type="triangle"/>
+              <a:tailEnd type="triangle"/>
+            </a:ln>
+          </p:spPr>
+          <p:style>
+            <a:lnRef idx="1">
+              <a:schemeClr val="accent1"/>
+            </a:lnRef>
+            <a:fillRef idx="0">
+              <a:schemeClr val="accent1"/>
+            </a:fillRef>
+            <a:effectRef idx="0">
+              <a:schemeClr val="accent1"/>
+            </a:effectRef>
+            <a:fontRef idx="minor">
+              <a:schemeClr val="tx1"/>
+            </a:fontRef>
+          </p:style>
+        </p:cxnSp>
+        <p:sp>
+          <p:nvSpPr>
+            <p:cNvPr id="89" name="TextBox 88">
+              <a:extLst>
+                <a:ext uri="{FF2B5EF4-FFF2-40B4-BE49-F238E27FC236}">
+                  <a16:creationId xmlns:a16="http://schemas.microsoft.com/office/drawing/2014/main" id="{ED564A0C-F4F8-45B9-9822-61DBD3F0FEB6}"/>
+                </a:ext>
+              </a:extLst>
+            </p:cNvPr>
+            <p:cNvSpPr txBox="1"/>
+            <p:nvPr/>
+          </p:nvSpPr>
+          <p:spPr>
+            <a:xfrm>
+              <a:off x="7491274" y="5249693"/>
+              <a:ext cx="1633396" cy="369332"/>
+            </a:xfrm>
+            <a:prstGeom prst="rect">
+              <a:avLst/>
+            </a:prstGeom>
+            <a:noFill/>
+          </p:spPr>
+          <p:txBody>
+            <a:bodyPr wrap="none" rtlCol="0">
+              <a:spAutoFit/>
+            </a:bodyPr>
+            <a:lstStyle/>
+            <a:p>
+              <a:r>
+                <a:rPr lang="en-US" dirty="0">
+                  <a:solidFill>
+                    <a:schemeClr val="bg1"/>
+                  </a:solidFill>
+                </a:rPr>
+                <a:t>Cell size of 0.25</a:t>
+              </a:r>
+            </a:p>
+          </p:txBody>
+        </p:sp>
+        <p:sp>
+          <p:nvSpPr>
+            <p:cNvPr id="90" name="Oval 89">
+              <a:extLst>
+                <a:ext uri="{FF2B5EF4-FFF2-40B4-BE49-F238E27FC236}">
+                  <a16:creationId xmlns:a16="http://schemas.microsoft.com/office/drawing/2014/main" id="{27A7C0E8-C3DE-4E1C-87C7-D272F2BA551C}"/>
+                </a:ext>
+              </a:extLst>
+            </p:cNvPr>
+            <p:cNvSpPr/>
+            <p:nvPr/>
+          </p:nvSpPr>
+          <p:spPr>
+            <a:xfrm>
+              <a:off x="5078795" y="3892320"/>
+              <a:ext cx="45719" cy="53266"/>
+            </a:xfrm>
+            <a:prstGeom prst="ellipse">
+              <a:avLst/>
+            </a:prstGeom>
+          </p:spPr>
+          <p:style>
+            <a:lnRef idx="2">
+              <a:schemeClr val="accent2">
+                <a:shade val="50000"/>
+              </a:schemeClr>
+            </a:lnRef>
+            <a:fillRef idx="1">
+              <a:schemeClr val="accent2"/>
+            </a:fillRef>
+            <a:effectRef idx="0">
+              <a:schemeClr val="accent2"/>
+            </a:effectRef>
+            <a:fontRef idx="minor">
+              <a:schemeClr val="lt1"/>
+            </a:fontRef>
+          </p:style>
+          <p:txBody>
+            <a:bodyPr rtlCol="0" anchor="ctr"/>
+            <a:lstStyle/>
+            <a:p>
+              <a:pPr algn="ctr"/>
+              <a:endParaRPr lang="en-US"/>
+            </a:p>
+          </p:txBody>
+        </p:sp>
+        <p:sp>
+          <p:nvSpPr>
+            <p:cNvPr id="91" name="Oval 90">
+              <a:extLst>
+                <a:ext uri="{FF2B5EF4-FFF2-40B4-BE49-F238E27FC236}">
+                  <a16:creationId xmlns:a16="http://schemas.microsoft.com/office/drawing/2014/main" id="{B7E89DCB-5DE1-4C85-A82A-D293D588E926}"/>
+                </a:ext>
+              </a:extLst>
+            </p:cNvPr>
+            <p:cNvSpPr/>
+            <p:nvPr/>
+          </p:nvSpPr>
+          <p:spPr>
+            <a:xfrm>
+              <a:off x="5352522" y="3892320"/>
+              <a:ext cx="45719" cy="53266"/>
+            </a:xfrm>
+            <a:prstGeom prst="ellipse">
+              <a:avLst/>
+            </a:prstGeom>
+          </p:spPr>
+          <p:style>
+            <a:lnRef idx="2">
+              <a:schemeClr val="accent2">
+                <a:shade val="50000"/>
+              </a:schemeClr>
+            </a:lnRef>
+            <a:fillRef idx="1">
+              <a:schemeClr val="accent2"/>
+            </a:fillRef>
+            <a:effectRef idx="0">
+              <a:schemeClr val="accent2"/>
+            </a:effectRef>
+            <a:fontRef idx="minor">
+              <a:schemeClr val="lt1"/>
+            </a:fontRef>
+          </p:style>
+          <p:txBody>
+            <a:bodyPr rtlCol="0" anchor="ctr"/>
+            <a:lstStyle/>
+            <a:p>
+              <a:pPr algn="ctr"/>
+              <a:endParaRPr lang="en-US"/>
+            </a:p>
+          </p:txBody>
+        </p:sp>
+        <p:sp>
+          <p:nvSpPr>
+            <p:cNvPr id="92" name="Oval 91">
+              <a:extLst>
+                <a:ext uri="{FF2B5EF4-FFF2-40B4-BE49-F238E27FC236}">
+                  <a16:creationId xmlns:a16="http://schemas.microsoft.com/office/drawing/2014/main" id="{2025E145-757C-4E37-88FC-E653701CFDFA}"/>
+                </a:ext>
+              </a:extLst>
+            </p:cNvPr>
+            <p:cNvSpPr/>
+            <p:nvPr/>
+          </p:nvSpPr>
+          <p:spPr>
+            <a:xfrm>
+              <a:off x="5626249" y="3901198"/>
+              <a:ext cx="45719" cy="53266"/>
+            </a:xfrm>
+            <a:prstGeom prst="ellipse">
+              <a:avLst/>
+            </a:prstGeom>
+          </p:spPr>
+          <p:style>
+            <a:lnRef idx="2">
+              <a:schemeClr val="accent2">
+                <a:shade val="50000"/>
+              </a:schemeClr>
+            </a:lnRef>
+            <a:fillRef idx="1">
+              <a:schemeClr val="accent2"/>
+            </a:fillRef>
+            <a:effectRef idx="0">
+              <a:schemeClr val="accent2"/>
+            </a:effectRef>
+            <a:fontRef idx="minor">
+              <a:schemeClr val="lt1"/>
+            </a:fontRef>
+          </p:style>
+          <p:txBody>
+            <a:bodyPr rtlCol="0" anchor="ctr"/>
+            <a:lstStyle/>
+            <a:p>
+              <a:pPr algn="ctr"/>
+              <a:endParaRPr lang="en-US"/>
+            </a:p>
+          </p:txBody>
+        </p:sp>
+      </p:grpSp>
+    </p:spTree>
+    <p:extLst>
+      <p:ext uri="{BB962C8B-B14F-4D97-AF65-F5344CB8AC3E}">
+        <p14:creationId xmlns:p14="http://schemas.microsoft.com/office/powerpoint/2010/main" val="2018809182"/>
+      </p:ext>
+    </p:extLst>
+  </p:cSld>
+  <p:clrMapOvr>
+    <a:masterClrMapping/>
+  </p:clrMapOvr>
+</p:sld>
+</file>
+
+<file path=ppt/slides/slide11.xml><?xml version="1.0" encoding="utf-8"?>
+<p:sld xmlns:a="http://schemas.openxmlformats.org/drawingml/2006/main" xmlns:r="http://schemas.openxmlformats.org/officeDocument/2006/relationships" xmlns:p="http://schemas.openxmlformats.org/presentationml/2006/main">
+  <p:cSld>
+    <p:spTree>
+      <p:nvGrpSpPr>
+        <p:cNvPr id="1" name=""/>
+        <p:cNvGrpSpPr/>
+        <p:nvPr/>
+      </p:nvGrpSpPr>
+      <p:grpSpPr>
+        <a:xfrm>
+          <a:off x="0" y="0"/>
+          <a:ext cx="0" cy="0"/>
+          <a:chOff x="0" y="0"/>
+          <a:chExt cx="0" cy="0"/>
+        </a:xfrm>
+      </p:grpSpPr>
+      <p:grpSp>
+        <p:nvGrpSpPr>
           <p:cNvPr id="32" name="Group 31">
             <a:extLst>
               <a:ext uri="{FF2B5EF4-FFF2-40B4-BE49-F238E27FC236}">
@@ -7328,7 +11183,7 @@
 </p:sld>
 </file>
 
-<file path=ppt/slides/slide11.xml><?xml version="1.0" encoding="utf-8"?>
+<file path=ppt/slides/slide12.xml><?xml version="1.0" encoding="utf-8"?>
 <p:sld xmlns:a="http://schemas.openxmlformats.org/drawingml/2006/main" xmlns:r="http://schemas.openxmlformats.org/officeDocument/2006/relationships" xmlns:p="http://schemas.openxmlformats.org/presentationml/2006/main">
   <p:cSld>
     <p:spTree>
@@ -9563,7 +13418,7 @@
 </p:sld>
 </file>
 
-<file path=ppt/slides/slide12.xml><?xml version="1.0" encoding="utf-8"?>
+<file path=ppt/slides/slide13.xml><?xml version="1.0" encoding="utf-8"?>
 <p:sld xmlns:a="http://schemas.openxmlformats.org/drawingml/2006/main" xmlns:r="http://schemas.openxmlformats.org/officeDocument/2006/relationships" xmlns:p="http://schemas.openxmlformats.org/presentationml/2006/main">
   <p:cSld>
     <p:spTree>
@@ -9613,7 +13468,7 @@
             <p:nvPr>
               <p:extLst>
                 <p:ext uri="{D42A27DB-BD31-4B8C-83A1-F6EECF244321}">
-                  <p14:modId xmlns:p14="http://schemas.microsoft.com/office/powerpoint/2010/main" val="1131869676"/>
+                  <p14:modId xmlns:p14="http://schemas.microsoft.com/office/powerpoint/2010/main" val="3166612149"/>
                 </p:ext>
               </p:extLst>
             </p:nvPr>
@@ -9686,6 +13541,270 @@
     <p:extLst>
       <p:ext uri="{BB962C8B-B14F-4D97-AF65-F5344CB8AC3E}">
         <p14:creationId xmlns:p14="http://schemas.microsoft.com/office/powerpoint/2010/main" val="1669940252"/>
+      </p:ext>
+    </p:extLst>
+  </p:cSld>
+  <p:clrMapOvr>
+    <a:masterClrMapping/>
+  </p:clrMapOvr>
+</p:sld>
+</file>
+
+<file path=ppt/slides/slide14.xml><?xml version="1.0" encoding="utf-8"?>
+<p:sld xmlns:a="http://schemas.openxmlformats.org/drawingml/2006/main" xmlns:r="http://schemas.openxmlformats.org/officeDocument/2006/relationships" xmlns:p="http://schemas.openxmlformats.org/presentationml/2006/main">
+  <p:cSld>
+    <p:spTree>
+      <p:nvGrpSpPr>
+        <p:cNvPr id="1" name=""/>
+        <p:cNvGrpSpPr/>
+        <p:nvPr/>
+      </p:nvGrpSpPr>
+      <p:grpSpPr>
+        <a:xfrm>
+          <a:off x="0" y="0"/>
+          <a:ext cx="0" cy="0"/>
+          <a:chOff x="0" y="0"/>
+          <a:chExt cx="0" cy="0"/>
+        </a:xfrm>
+      </p:grpSpPr>
+      <p:grpSp>
+        <p:nvGrpSpPr>
+          <p:cNvPr id="30" name="Group 29">
+            <a:extLst>
+              <a:ext uri="{FF2B5EF4-FFF2-40B4-BE49-F238E27FC236}">
+                <a16:creationId xmlns:a16="http://schemas.microsoft.com/office/drawing/2014/main" id="{390E6D5D-395A-4976-9720-03C4D727B7C4}"/>
+              </a:ext>
+            </a:extLst>
+          </p:cNvPr>
+          <p:cNvGrpSpPr/>
+          <p:nvPr/>
+        </p:nvGrpSpPr>
+        <p:grpSpPr>
+          <a:xfrm>
+            <a:off x="1634836" y="497993"/>
+            <a:ext cx="9430327" cy="5727316"/>
+            <a:chOff x="1634836" y="497993"/>
+            <a:chExt cx="9430327" cy="5727316"/>
+          </a:xfrm>
+        </p:grpSpPr>
+        <p:graphicFrame>
+          <p:nvGraphicFramePr>
+            <p:cNvPr id="27" name="Chart 26">
+              <a:extLst>
+                <a:ext uri="{FF2B5EF4-FFF2-40B4-BE49-F238E27FC236}">
+                  <a16:creationId xmlns:a16="http://schemas.microsoft.com/office/drawing/2014/main" id="{A8EE8C76-685B-4484-8E22-3F7FFCAB73D3}"/>
+                </a:ext>
+              </a:extLst>
+            </p:cNvPr>
+            <p:cNvGraphicFramePr/>
+            <p:nvPr>
+              <p:extLst>
+                <p:ext uri="{D42A27DB-BD31-4B8C-83A1-F6EECF244321}">
+                  <p14:modId xmlns:p14="http://schemas.microsoft.com/office/powerpoint/2010/main" val="2250659431"/>
+                </p:ext>
+              </p:extLst>
+            </p:nvPr>
+          </p:nvGraphicFramePr>
+          <p:xfrm>
+            <a:off x="1634836" y="497993"/>
+            <a:ext cx="9430327" cy="5727316"/>
+          </p:xfrm>
+          <a:graphic>
+            <a:graphicData uri="http://schemas.openxmlformats.org/drawingml/2006/chart">
+              <c:chart xmlns:c="http://schemas.openxmlformats.org/drawingml/2006/chart" xmlns:r="http://schemas.openxmlformats.org/officeDocument/2006/relationships" r:id="rId2"/>
+            </a:graphicData>
+          </a:graphic>
+        </p:graphicFrame>
+        <p:sp>
+          <p:nvSpPr>
+            <p:cNvPr id="29" name="TextBox 28">
+              <a:extLst>
+                <a:ext uri="{FF2B5EF4-FFF2-40B4-BE49-F238E27FC236}">
+                  <a16:creationId xmlns:a16="http://schemas.microsoft.com/office/drawing/2014/main" id="{7081DD4D-0852-4584-B956-60AE0CDAE6AD}"/>
+                </a:ext>
+              </a:extLst>
+            </p:cNvPr>
+            <p:cNvSpPr txBox="1"/>
+            <p:nvPr/>
+          </p:nvSpPr>
+          <p:spPr>
+            <a:xfrm>
+              <a:off x="3734796" y="5883687"/>
+              <a:ext cx="1649811" cy="276551"/>
+            </a:xfrm>
+            <a:prstGeom prst="rect">
+              <a:avLst/>
+            </a:prstGeom>
+            <a:noFill/>
+          </p:spPr>
+          <p:txBody>
+            <a:bodyPr wrap="none" rtlCol="0">
+              <a:spAutoFit/>
+            </a:bodyPr>
+            <a:lstStyle/>
+            <a:p>
+              <a:pPr algn="ctr">
+                <a:defRPr sz="1197" b="1" i="0" u="none" strike="noStrike" kern="1200" cap="all" baseline="0">
+                  <a:solidFill>
+                    <a:prstClr val="white">
+                      <a:lumMod val="85000"/>
+                    </a:prstClr>
+                  </a:solidFill>
+                  <a:latin typeface="+mn-lt"/>
+                  <a:ea typeface="+mn-ea"/>
+                  <a:cs typeface="+mn-cs"/>
+                </a:defRPr>
+              </a:pPr>
+              <a:r>
+                <a:rPr lang="en-US" sz="1197" b="1" cap="all" dirty="0">
+                  <a:solidFill>
+                    <a:prstClr val="white">
+                      <a:lumMod val="85000"/>
+                    </a:prstClr>
+                  </a:solidFill>
+                </a:rPr>
+                <a:t>Number of Photons</a:t>
+              </a:r>
+            </a:p>
+          </p:txBody>
+        </p:sp>
+      </p:grpSp>
+    </p:spTree>
+    <p:extLst>
+      <p:ext uri="{BB962C8B-B14F-4D97-AF65-F5344CB8AC3E}">
+        <p14:creationId xmlns:p14="http://schemas.microsoft.com/office/powerpoint/2010/main" val="3302411400"/>
+      </p:ext>
+    </p:extLst>
+  </p:cSld>
+  <p:clrMapOvr>
+    <a:masterClrMapping/>
+  </p:clrMapOvr>
+</p:sld>
+</file>
+
+<file path=ppt/slides/slide15.xml><?xml version="1.0" encoding="utf-8"?>
+<p:sld xmlns:a="http://schemas.openxmlformats.org/drawingml/2006/main" xmlns:r="http://schemas.openxmlformats.org/officeDocument/2006/relationships" xmlns:p="http://schemas.openxmlformats.org/presentationml/2006/main">
+  <p:cSld>
+    <p:spTree>
+      <p:nvGrpSpPr>
+        <p:cNvPr id="1" name=""/>
+        <p:cNvGrpSpPr/>
+        <p:nvPr/>
+      </p:nvGrpSpPr>
+      <p:grpSpPr>
+        <a:xfrm>
+          <a:off x="0" y="0"/>
+          <a:ext cx="0" cy="0"/>
+          <a:chOff x="0" y="0"/>
+          <a:chExt cx="0" cy="0"/>
+        </a:xfrm>
+      </p:grpSpPr>
+      <p:grpSp>
+        <p:nvGrpSpPr>
+          <p:cNvPr id="30" name="Group 29">
+            <a:extLst>
+              <a:ext uri="{FF2B5EF4-FFF2-40B4-BE49-F238E27FC236}">
+                <a16:creationId xmlns:a16="http://schemas.microsoft.com/office/drawing/2014/main" id="{390E6D5D-395A-4976-9720-03C4D727B7C4}"/>
+              </a:ext>
+            </a:extLst>
+          </p:cNvPr>
+          <p:cNvGrpSpPr/>
+          <p:nvPr/>
+        </p:nvGrpSpPr>
+        <p:grpSpPr>
+          <a:xfrm>
+            <a:off x="2004291" y="432922"/>
+            <a:ext cx="9430327" cy="5727316"/>
+            <a:chOff x="2004291" y="432922"/>
+            <a:chExt cx="9430327" cy="5727316"/>
+          </a:xfrm>
+        </p:grpSpPr>
+        <p:graphicFrame>
+          <p:nvGraphicFramePr>
+            <p:cNvPr id="27" name="Chart 26">
+              <a:extLst>
+                <a:ext uri="{FF2B5EF4-FFF2-40B4-BE49-F238E27FC236}">
+                  <a16:creationId xmlns:a16="http://schemas.microsoft.com/office/drawing/2014/main" id="{A8EE8C76-685B-4484-8E22-3F7FFCAB73D3}"/>
+                </a:ext>
+              </a:extLst>
+            </p:cNvPr>
+            <p:cNvGraphicFramePr/>
+            <p:nvPr>
+              <p:extLst>
+                <p:ext uri="{D42A27DB-BD31-4B8C-83A1-F6EECF244321}">
+                  <p14:modId xmlns:p14="http://schemas.microsoft.com/office/powerpoint/2010/main" val="2434619067"/>
+                </p:ext>
+              </p:extLst>
+            </p:nvPr>
+          </p:nvGraphicFramePr>
+          <p:xfrm>
+            <a:off x="2004291" y="432922"/>
+            <a:ext cx="9430327" cy="5727316"/>
+          </p:xfrm>
+          <a:graphic>
+            <a:graphicData uri="http://schemas.openxmlformats.org/drawingml/2006/chart">
+              <c:chart xmlns:c="http://schemas.openxmlformats.org/drawingml/2006/chart" xmlns:r="http://schemas.openxmlformats.org/officeDocument/2006/relationships" r:id="rId2"/>
+            </a:graphicData>
+          </a:graphic>
+        </p:graphicFrame>
+        <p:sp>
+          <p:nvSpPr>
+            <p:cNvPr id="29" name="TextBox 28">
+              <a:extLst>
+                <a:ext uri="{FF2B5EF4-FFF2-40B4-BE49-F238E27FC236}">
+                  <a16:creationId xmlns:a16="http://schemas.microsoft.com/office/drawing/2014/main" id="{7081DD4D-0852-4584-B956-60AE0CDAE6AD}"/>
+                </a:ext>
+              </a:extLst>
+            </p:cNvPr>
+            <p:cNvSpPr txBox="1"/>
+            <p:nvPr/>
+          </p:nvSpPr>
+          <p:spPr>
+            <a:xfrm>
+              <a:off x="3734796" y="5883687"/>
+              <a:ext cx="1649811" cy="276551"/>
+            </a:xfrm>
+            <a:prstGeom prst="rect">
+              <a:avLst/>
+            </a:prstGeom>
+            <a:noFill/>
+          </p:spPr>
+          <p:txBody>
+            <a:bodyPr wrap="none" rtlCol="0">
+              <a:spAutoFit/>
+            </a:bodyPr>
+            <a:lstStyle/>
+            <a:p>
+              <a:pPr algn="ctr">
+                <a:defRPr sz="1197" b="1" i="0" u="none" strike="noStrike" kern="1200" cap="all" baseline="0">
+                  <a:solidFill>
+                    <a:prstClr val="white">
+                      <a:lumMod val="85000"/>
+                    </a:prstClr>
+                  </a:solidFill>
+                  <a:latin typeface="+mn-lt"/>
+                  <a:ea typeface="+mn-ea"/>
+                  <a:cs typeface="+mn-cs"/>
+                </a:defRPr>
+              </a:pPr>
+              <a:r>
+                <a:rPr lang="en-US" sz="1197" b="1" cap="all" dirty="0">
+                  <a:solidFill>
+                    <a:prstClr val="white">
+                      <a:lumMod val="85000"/>
+                    </a:prstClr>
+                  </a:solidFill>
+                </a:rPr>
+                <a:t>Number of Photons</a:t>
+              </a:r>
+            </a:p>
+          </p:txBody>
+        </p:sp>
+      </p:grpSp>
+    </p:spTree>
+    <p:extLst>
+      <p:ext uri="{BB962C8B-B14F-4D97-AF65-F5344CB8AC3E}">
+        <p14:creationId xmlns:p14="http://schemas.microsoft.com/office/powerpoint/2010/main" val="2329884030"/>
       </p:ext>
     </p:extLst>
   </p:cSld>
@@ -17055,6 +21174,1311 @@
           <a:chExt cx="0" cy="0"/>
         </a:xfrm>
       </p:grpSpPr>
+      <p:sp>
+        <p:nvSpPr>
+          <p:cNvPr id="74" name="Rectangle 73">
+            <a:extLst>
+              <a:ext uri="{FF2B5EF4-FFF2-40B4-BE49-F238E27FC236}">
+                <a16:creationId xmlns:a16="http://schemas.microsoft.com/office/drawing/2014/main" id="{E3A17C0F-5BE4-4EC7-9DEB-D0DEFA65A38C}"/>
+              </a:ext>
+            </a:extLst>
+          </p:cNvPr>
+          <p:cNvSpPr/>
+          <p:nvPr/>
+        </p:nvSpPr>
+        <p:spPr>
+          <a:xfrm>
+            <a:off x="184007" y="731836"/>
+            <a:ext cx="5892313" cy="4693141"/>
+          </a:xfrm>
+          <a:prstGeom prst="rect">
+            <a:avLst/>
+          </a:prstGeom>
+          <a:solidFill>
+            <a:schemeClr val="tx1">
+              <a:lumMod val="75000"/>
+              <a:lumOff val="25000"/>
+            </a:schemeClr>
+          </a:solidFill>
+        </p:spPr>
+        <p:style>
+          <a:lnRef idx="2">
+            <a:schemeClr val="accent3">
+              <a:shade val="50000"/>
+            </a:schemeClr>
+          </a:lnRef>
+          <a:fillRef idx="1">
+            <a:schemeClr val="accent3"/>
+          </a:fillRef>
+          <a:effectRef idx="0">
+            <a:schemeClr val="accent3"/>
+          </a:effectRef>
+          <a:fontRef idx="minor">
+            <a:schemeClr val="lt1"/>
+          </a:fontRef>
+        </p:style>
+        <p:txBody>
+          <a:bodyPr rtlCol="0" anchor="ctr"/>
+          <a:lstStyle/>
+          <a:p>
+            <a:pPr algn="ctr"/>
+            <a:endParaRPr lang="en-US" dirty="0"/>
+          </a:p>
+        </p:txBody>
+      </p:sp>
+      <p:sp>
+        <p:nvSpPr>
+          <p:cNvPr id="76" name="TextBox 75">
+            <a:extLst>
+              <a:ext uri="{FF2B5EF4-FFF2-40B4-BE49-F238E27FC236}">
+                <a16:creationId xmlns:a16="http://schemas.microsoft.com/office/drawing/2014/main" id="{853ECE8F-AE86-451A-B0D7-C7C69CDEF7C4}"/>
+              </a:ext>
+            </a:extLst>
+          </p:cNvPr>
+          <p:cNvSpPr txBox="1"/>
+          <p:nvPr/>
+        </p:nvSpPr>
+        <p:spPr>
+          <a:xfrm>
+            <a:off x="728480" y="788413"/>
+            <a:ext cx="5128968" cy="369332"/>
+          </a:xfrm>
+          <a:prstGeom prst="rect">
+            <a:avLst/>
+          </a:prstGeom>
+          <a:noFill/>
+        </p:spPr>
+        <p:txBody>
+          <a:bodyPr wrap="none" rtlCol="0">
+            <a:spAutoFit/>
+          </a:bodyPr>
+          <a:lstStyle/>
+          <a:p>
+            <a:r>
+              <a:rPr lang="en-US" b="1" dirty="0">
+                <a:solidFill>
+                  <a:schemeClr val="bg1"/>
+                </a:solidFill>
+              </a:rPr>
+              <a:t>View independent Photon Generation and Traversal</a:t>
+            </a:r>
+          </a:p>
+        </p:txBody>
+      </p:sp>
+      <p:sp>
+        <p:nvSpPr>
+          <p:cNvPr id="14" name="Rectangle 13">
+            <a:extLst>
+              <a:ext uri="{FF2B5EF4-FFF2-40B4-BE49-F238E27FC236}">
+                <a16:creationId xmlns:a16="http://schemas.microsoft.com/office/drawing/2014/main" id="{331456DE-0C69-4551-8AC5-67D11A82D505}"/>
+              </a:ext>
+            </a:extLst>
+          </p:cNvPr>
+          <p:cNvSpPr/>
+          <p:nvPr/>
+        </p:nvSpPr>
+        <p:spPr>
+          <a:xfrm>
+            <a:off x="2289169" y="1566909"/>
+            <a:ext cx="1557786" cy="141857"/>
+          </a:xfrm>
+          <a:prstGeom prst="rect">
+            <a:avLst/>
+          </a:prstGeom>
+        </p:spPr>
+        <p:style>
+          <a:lnRef idx="2">
+            <a:schemeClr val="accent4">
+              <a:shade val="50000"/>
+            </a:schemeClr>
+          </a:lnRef>
+          <a:fillRef idx="1">
+            <a:schemeClr val="accent4"/>
+          </a:fillRef>
+          <a:effectRef idx="0">
+            <a:schemeClr val="accent4"/>
+          </a:effectRef>
+          <a:fontRef idx="minor">
+            <a:schemeClr val="lt1"/>
+          </a:fontRef>
+        </p:style>
+        <p:txBody>
+          <a:bodyPr rtlCol="0" anchor="ctr"/>
+          <a:lstStyle/>
+          <a:p>
+            <a:pPr algn="ctr"/>
+            <a:endParaRPr lang="en-US"/>
+          </a:p>
+        </p:txBody>
+      </p:sp>
+      <p:cxnSp>
+        <p:nvCxnSpPr>
+          <p:cNvPr id="16" name="Straight Connector 15">
+            <a:extLst>
+              <a:ext uri="{FF2B5EF4-FFF2-40B4-BE49-F238E27FC236}">
+                <a16:creationId xmlns:a16="http://schemas.microsoft.com/office/drawing/2014/main" id="{626FC337-867E-419B-9607-3B25F8B93194}"/>
+              </a:ext>
+            </a:extLst>
+          </p:cNvPr>
+          <p:cNvCxnSpPr/>
+          <p:nvPr/>
+        </p:nvCxnSpPr>
+        <p:spPr>
+          <a:xfrm>
+            <a:off x="728480" y="1722082"/>
+            <a:ext cx="0" cy="2548077"/>
+          </a:xfrm>
+          <a:prstGeom prst="line">
+            <a:avLst/>
+          </a:prstGeom>
+        </p:spPr>
+        <p:style>
+          <a:lnRef idx="3">
+            <a:schemeClr val="dk1"/>
+          </a:lnRef>
+          <a:fillRef idx="0">
+            <a:schemeClr val="dk1"/>
+          </a:fillRef>
+          <a:effectRef idx="2">
+            <a:schemeClr val="dk1"/>
+          </a:effectRef>
+          <a:fontRef idx="minor">
+            <a:schemeClr val="tx1"/>
+          </a:fontRef>
+        </p:style>
+      </p:cxnSp>
+      <p:cxnSp>
+        <p:nvCxnSpPr>
+          <p:cNvPr id="94" name="Straight Connector 93">
+            <a:extLst>
+              <a:ext uri="{FF2B5EF4-FFF2-40B4-BE49-F238E27FC236}">
+                <a16:creationId xmlns:a16="http://schemas.microsoft.com/office/drawing/2014/main" id="{8BEF7483-141C-4566-B852-0FE08B28ECA4}"/>
+              </a:ext>
+            </a:extLst>
+          </p:cNvPr>
+          <p:cNvCxnSpPr>
+            <a:cxnSpLocks/>
+          </p:cNvCxnSpPr>
+          <p:nvPr/>
+        </p:nvCxnSpPr>
+        <p:spPr>
+          <a:xfrm>
+            <a:off x="728480" y="4270159"/>
+            <a:ext cx="4679165" cy="0"/>
+          </a:xfrm>
+          <a:prstGeom prst="line">
+            <a:avLst/>
+          </a:prstGeom>
+        </p:spPr>
+        <p:style>
+          <a:lnRef idx="3">
+            <a:schemeClr val="dk1"/>
+          </a:lnRef>
+          <a:fillRef idx="0">
+            <a:schemeClr val="dk1"/>
+          </a:fillRef>
+          <a:effectRef idx="2">
+            <a:schemeClr val="dk1"/>
+          </a:effectRef>
+          <a:fontRef idx="minor">
+            <a:schemeClr val="tx1"/>
+          </a:fontRef>
+        </p:style>
+      </p:cxnSp>
+      <p:cxnSp>
+        <p:nvCxnSpPr>
+          <p:cNvPr id="95" name="Straight Connector 94">
+            <a:extLst>
+              <a:ext uri="{FF2B5EF4-FFF2-40B4-BE49-F238E27FC236}">
+                <a16:creationId xmlns:a16="http://schemas.microsoft.com/office/drawing/2014/main" id="{6ADF5362-CEE7-4310-A6A5-D410DDEE9DBD}"/>
+              </a:ext>
+            </a:extLst>
+          </p:cNvPr>
+          <p:cNvCxnSpPr/>
+          <p:nvPr/>
+        </p:nvCxnSpPr>
+        <p:spPr>
+          <a:xfrm>
+            <a:off x="5407645" y="1722082"/>
+            <a:ext cx="0" cy="2548077"/>
+          </a:xfrm>
+          <a:prstGeom prst="line">
+            <a:avLst/>
+          </a:prstGeom>
+        </p:spPr>
+        <p:style>
+          <a:lnRef idx="3">
+            <a:schemeClr val="dk1"/>
+          </a:lnRef>
+          <a:fillRef idx="0">
+            <a:schemeClr val="dk1"/>
+          </a:fillRef>
+          <a:effectRef idx="2">
+            <a:schemeClr val="dk1"/>
+          </a:effectRef>
+          <a:fontRef idx="minor">
+            <a:schemeClr val="tx1"/>
+          </a:fontRef>
+        </p:style>
+      </p:cxnSp>
+      <p:cxnSp>
+        <p:nvCxnSpPr>
+          <p:cNvPr id="20" name="Straight Arrow Connector 19">
+            <a:extLst>
+              <a:ext uri="{FF2B5EF4-FFF2-40B4-BE49-F238E27FC236}">
+                <a16:creationId xmlns:a16="http://schemas.microsoft.com/office/drawing/2014/main" id="{19FF2A49-B859-4D0B-AF12-FC71DFE216FA}"/>
+              </a:ext>
+            </a:extLst>
+          </p:cNvPr>
+          <p:cNvCxnSpPr/>
+          <p:nvPr/>
+        </p:nvCxnSpPr>
+        <p:spPr>
+          <a:xfrm flipH="1">
+            <a:off x="728480" y="1722082"/>
+            <a:ext cx="2032475" cy="1189794"/>
+          </a:xfrm>
+          <a:prstGeom prst="straightConnector1">
+            <a:avLst/>
+          </a:prstGeom>
+          <a:ln>
+            <a:tailEnd type="triangle"/>
+          </a:ln>
+        </p:spPr>
+        <p:style>
+          <a:lnRef idx="3">
+            <a:schemeClr val="accent6"/>
+          </a:lnRef>
+          <a:fillRef idx="0">
+            <a:schemeClr val="accent6"/>
+          </a:fillRef>
+          <a:effectRef idx="2">
+            <a:schemeClr val="accent6"/>
+          </a:effectRef>
+          <a:fontRef idx="minor">
+            <a:schemeClr val="tx1"/>
+          </a:fontRef>
+        </p:style>
+      </p:cxnSp>
+      <p:cxnSp>
+        <p:nvCxnSpPr>
+          <p:cNvPr id="96" name="Straight Arrow Connector 95">
+            <a:extLst>
+              <a:ext uri="{FF2B5EF4-FFF2-40B4-BE49-F238E27FC236}">
+                <a16:creationId xmlns:a16="http://schemas.microsoft.com/office/drawing/2014/main" id="{1B68B33D-E660-4504-9648-E450D0A286E0}"/>
+              </a:ext>
+            </a:extLst>
+          </p:cNvPr>
+          <p:cNvCxnSpPr>
+            <a:cxnSpLocks/>
+          </p:cNvCxnSpPr>
+          <p:nvPr/>
+        </p:nvCxnSpPr>
+        <p:spPr>
+          <a:xfrm>
+            <a:off x="728479" y="2911876"/>
+            <a:ext cx="1895176" cy="1358283"/>
+          </a:xfrm>
+          <a:prstGeom prst="straightConnector1">
+            <a:avLst/>
+          </a:prstGeom>
+          <a:ln>
+            <a:tailEnd type="triangle"/>
+          </a:ln>
+        </p:spPr>
+        <p:style>
+          <a:lnRef idx="3">
+            <a:schemeClr val="accent6"/>
+          </a:lnRef>
+          <a:fillRef idx="0">
+            <a:schemeClr val="accent6"/>
+          </a:fillRef>
+          <a:effectRef idx="2">
+            <a:schemeClr val="accent6"/>
+          </a:effectRef>
+          <a:fontRef idx="minor">
+            <a:schemeClr val="tx1"/>
+          </a:fontRef>
+        </p:style>
+      </p:cxnSp>
+      <p:cxnSp>
+        <p:nvCxnSpPr>
+          <p:cNvPr id="97" name="Straight Arrow Connector 96">
+            <a:extLst>
+              <a:ext uri="{FF2B5EF4-FFF2-40B4-BE49-F238E27FC236}">
+                <a16:creationId xmlns:a16="http://schemas.microsoft.com/office/drawing/2014/main" id="{5DEC63D2-4AA7-4E77-A1C6-72A32BBA1D06}"/>
+              </a:ext>
+            </a:extLst>
+          </p:cNvPr>
+          <p:cNvCxnSpPr>
+            <a:cxnSpLocks/>
+          </p:cNvCxnSpPr>
+          <p:nvPr/>
+        </p:nvCxnSpPr>
+        <p:spPr>
+          <a:xfrm>
+            <a:off x="3399176" y="1722081"/>
+            <a:ext cx="2008469" cy="560522"/>
+          </a:xfrm>
+          <a:prstGeom prst="straightConnector1">
+            <a:avLst/>
+          </a:prstGeom>
+          <a:ln>
+            <a:tailEnd type="triangle"/>
+          </a:ln>
+        </p:spPr>
+        <p:style>
+          <a:lnRef idx="3">
+            <a:schemeClr val="accent6"/>
+          </a:lnRef>
+          <a:fillRef idx="0">
+            <a:schemeClr val="accent6"/>
+          </a:fillRef>
+          <a:effectRef idx="2">
+            <a:schemeClr val="accent6"/>
+          </a:effectRef>
+          <a:fontRef idx="minor">
+            <a:schemeClr val="tx1"/>
+          </a:fontRef>
+        </p:style>
+      </p:cxnSp>
+      <p:cxnSp>
+        <p:nvCxnSpPr>
+          <p:cNvPr id="98" name="Straight Arrow Connector 97">
+            <a:extLst>
+              <a:ext uri="{FF2B5EF4-FFF2-40B4-BE49-F238E27FC236}">
+                <a16:creationId xmlns:a16="http://schemas.microsoft.com/office/drawing/2014/main" id="{583758F5-4F58-4F3A-80DC-045AD80C71AA}"/>
+              </a:ext>
+            </a:extLst>
+          </p:cNvPr>
+          <p:cNvCxnSpPr>
+            <a:cxnSpLocks/>
+          </p:cNvCxnSpPr>
+          <p:nvPr/>
+        </p:nvCxnSpPr>
+        <p:spPr>
+          <a:xfrm flipH="1">
+            <a:off x="4373193" y="2282604"/>
+            <a:ext cx="1012130" cy="1987555"/>
+          </a:xfrm>
+          <a:prstGeom prst="straightConnector1">
+            <a:avLst/>
+          </a:prstGeom>
+          <a:ln>
+            <a:tailEnd type="triangle"/>
+          </a:ln>
+        </p:spPr>
+        <p:style>
+          <a:lnRef idx="3">
+            <a:schemeClr val="accent6"/>
+          </a:lnRef>
+          <a:fillRef idx="0">
+            <a:schemeClr val="accent6"/>
+          </a:fillRef>
+          <a:effectRef idx="2">
+            <a:schemeClr val="accent6"/>
+          </a:effectRef>
+          <a:fontRef idx="minor">
+            <a:schemeClr val="tx1"/>
+          </a:fontRef>
+        </p:style>
+      </p:cxnSp>
+      <p:sp>
+        <p:nvSpPr>
+          <p:cNvPr id="100" name="TextBox 99">
+            <a:extLst>
+              <a:ext uri="{FF2B5EF4-FFF2-40B4-BE49-F238E27FC236}">
+                <a16:creationId xmlns:a16="http://schemas.microsoft.com/office/drawing/2014/main" id="{476088D2-AC77-4DB4-A45B-A1301E46C3E9}"/>
+              </a:ext>
+            </a:extLst>
+          </p:cNvPr>
+          <p:cNvSpPr txBox="1"/>
+          <p:nvPr/>
+        </p:nvSpPr>
+        <p:spPr>
+          <a:xfrm>
+            <a:off x="3846955" y="1377095"/>
+            <a:ext cx="641009" cy="369332"/>
+          </a:xfrm>
+          <a:prstGeom prst="rect">
+            <a:avLst/>
+          </a:prstGeom>
+          <a:noFill/>
+        </p:spPr>
+        <p:txBody>
+          <a:bodyPr wrap="none" rtlCol="0">
+            <a:spAutoFit/>
+          </a:bodyPr>
+          <a:lstStyle/>
+          <a:p>
+            <a:r>
+              <a:rPr lang="en-US" dirty="0">
+                <a:solidFill>
+                  <a:schemeClr val="bg2"/>
+                </a:solidFill>
+              </a:rPr>
+              <a:t>Light</a:t>
+            </a:r>
+          </a:p>
+        </p:txBody>
+      </p:sp>
+      <p:sp>
+        <p:nvSpPr>
+          <p:cNvPr id="101" name="Oval 100">
+            <a:extLst>
+              <a:ext uri="{FF2B5EF4-FFF2-40B4-BE49-F238E27FC236}">
+                <a16:creationId xmlns:a16="http://schemas.microsoft.com/office/drawing/2014/main" id="{DBE92636-D061-4850-8926-10F87B7E5E67}"/>
+              </a:ext>
+            </a:extLst>
+          </p:cNvPr>
+          <p:cNvSpPr/>
+          <p:nvPr/>
+        </p:nvSpPr>
+        <p:spPr>
+          <a:xfrm>
+            <a:off x="616178" y="2868366"/>
+            <a:ext cx="155550" cy="122877"/>
+          </a:xfrm>
+          <a:prstGeom prst="ellipse">
+            <a:avLst/>
+          </a:prstGeom>
+        </p:spPr>
+        <p:style>
+          <a:lnRef idx="2">
+            <a:schemeClr val="accent1">
+              <a:shade val="50000"/>
+            </a:schemeClr>
+          </a:lnRef>
+          <a:fillRef idx="1">
+            <a:schemeClr val="accent1"/>
+          </a:fillRef>
+          <a:effectRef idx="0">
+            <a:schemeClr val="accent1"/>
+          </a:effectRef>
+          <a:fontRef idx="minor">
+            <a:schemeClr val="lt1"/>
+          </a:fontRef>
+        </p:style>
+        <p:txBody>
+          <a:bodyPr rtlCol="0" anchor="ctr"/>
+          <a:lstStyle/>
+          <a:p>
+            <a:pPr algn="ctr"/>
+            <a:endParaRPr lang="en-US"/>
+          </a:p>
+        </p:txBody>
+      </p:sp>
+      <p:sp>
+        <p:nvSpPr>
+          <p:cNvPr id="102" name="Oval 101">
+            <a:extLst>
+              <a:ext uri="{FF2B5EF4-FFF2-40B4-BE49-F238E27FC236}">
+                <a16:creationId xmlns:a16="http://schemas.microsoft.com/office/drawing/2014/main" id="{7CE6E5C1-09FA-4524-B3FA-22E095E3A300}"/>
+              </a:ext>
+            </a:extLst>
+          </p:cNvPr>
+          <p:cNvSpPr/>
+          <p:nvPr/>
+        </p:nvSpPr>
+        <p:spPr>
+          <a:xfrm>
+            <a:off x="2602031" y="4208721"/>
+            <a:ext cx="155550" cy="122877"/>
+          </a:xfrm>
+          <a:prstGeom prst="ellipse">
+            <a:avLst/>
+          </a:prstGeom>
+        </p:spPr>
+        <p:style>
+          <a:lnRef idx="2">
+            <a:schemeClr val="accent1">
+              <a:shade val="50000"/>
+            </a:schemeClr>
+          </a:lnRef>
+          <a:fillRef idx="1">
+            <a:schemeClr val="accent1"/>
+          </a:fillRef>
+          <a:effectRef idx="0">
+            <a:schemeClr val="accent1"/>
+          </a:effectRef>
+          <a:fontRef idx="minor">
+            <a:schemeClr val="lt1"/>
+          </a:fontRef>
+        </p:style>
+        <p:txBody>
+          <a:bodyPr rtlCol="0" anchor="ctr"/>
+          <a:lstStyle/>
+          <a:p>
+            <a:pPr algn="ctr"/>
+            <a:endParaRPr lang="en-US"/>
+          </a:p>
+        </p:txBody>
+      </p:sp>
+      <p:sp>
+        <p:nvSpPr>
+          <p:cNvPr id="103" name="Oval 102">
+            <a:extLst>
+              <a:ext uri="{FF2B5EF4-FFF2-40B4-BE49-F238E27FC236}">
+                <a16:creationId xmlns:a16="http://schemas.microsoft.com/office/drawing/2014/main" id="{CBF51139-8869-431B-BC70-DAC8516BC6F0}"/>
+              </a:ext>
+            </a:extLst>
+          </p:cNvPr>
+          <p:cNvSpPr/>
+          <p:nvPr/>
+        </p:nvSpPr>
+        <p:spPr>
+          <a:xfrm>
+            <a:off x="4295418" y="4208721"/>
+            <a:ext cx="155550" cy="122877"/>
+          </a:xfrm>
+          <a:prstGeom prst="ellipse">
+            <a:avLst/>
+          </a:prstGeom>
+        </p:spPr>
+        <p:style>
+          <a:lnRef idx="2">
+            <a:schemeClr val="accent1">
+              <a:shade val="50000"/>
+            </a:schemeClr>
+          </a:lnRef>
+          <a:fillRef idx="1">
+            <a:schemeClr val="accent1"/>
+          </a:fillRef>
+          <a:effectRef idx="0">
+            <a:schemeClr val="accent1"/>
+          </a:effectRef>
+          <a:fontRef idx="minor">
+            <a:schemeClr val="lt1"/>
+          </a:fontRef>
+        </p:style>
+        <p:txBody>
+          <a:bodyPr rtlCol="0" anchor="ctr"/>
+          <a:lstStyle/>
+          <a:p>
+            <a:pPr algn="ctr"/>
+            <a:endParaRPr lang="en-US"/>
+          </a:p>
+        </p:txBody>
+      </p:sp>
+      <p:sp>
+        <p:nvSpPr>
+          <p:cNvPr id="104" name="Oval 103">
+            <a:extLst>
+              <a:ext uri="{FF2B5EF4-FFF2-40B4-BE49-F238E27FC236}">
+                <a16:creationId xmlns:a16="http://schemas.microsoft.com/office/drawing/2014/main" id="{9771A961-3BDD-441F-85E5-E750EB23CA4B}"/>
+              </a:ext>
+            </a:extLst>
+          </p:cNvPr>
+          <p:cNvSpPr/>
+          <p:nvPr/>
+        </p:nvSpPr>
+        <p:spPr>
+          <a:xfrm>
+            <a:off x="5357169" y="2234479"/>
+            <a:ext cx="155550" cy="122877"/>
+          </a:xfrm>
+          <a:prstGeom prst="ellipse">
+            <a:avLst/>
+          </a:prstGeom>
+        </p:spPr>
+        <p:style>
+          <a:lnRef idx="2">
+            <a:schemeClr val="accent1">
+              <a:shade val="50000"/>
+            </a:schemeClr>
+          </a:lnRef>
+          <a:fillRef idx="1">
+            <a:schemeClr val="accent1"/>
+          </a:fillRef>
+          <a:effectRef idx="0">
+            <a:schemeClr val="accent1"/>
+          </a:effectRef>
+          <a:fontRef idx="minor">
+            <a:schemeClr val="lt1"/>
+          </a:fontRef>
+        </p:style>
+        <p:txBody>
+          <a:bodyPr rtlCol="0" anchor="ctr"/>
+          <a:lstStyle/>
+          <a:p>
+            <a:pPr algn="ctr"/>
+            <a:endParaRPr lang="en-US"/>
+          </a:p>
+        </p:txBody>
+      </p:sp>
+      <p:cxnSp>
+        <p:nvCxnSpPr>
+          <p:cNvPr id="105" name="Straight Arrow Connector 104">
+            <a:extLst>
+              <a:ext uri="{FF2B5EF4-FFF2-40B4-BE49-F238E27FC236}">
+                <a16:creationId xmlns:a16="http://schemas.microsoft.com/office/drawing/2014/main" id="{D45634B6-9117-4CB2-B6EC-899C2BCA2749}"/>
+              </a:ext>
+            </a:extLst>
+          </p:cNvPr>
+          <p:cNvCxnSpPr>
+            <a:cxnSpLocks/>
+          </p:cNvCxnSpPr>
+          <p:nvPr/>
+        </p:nvCxnSpPr>
+        <p:spPr>
+          <a:xfrm flipV="1">
+            <a:off x="2711225" y="3176780"/>
+            <a:ext cx="2696420" cy="1054092"/>
+          </a:xfrm>
+          <a:prstGeom prst="straightConnector1">
+            <a:avLst/>
+          </a:prstGeom>
+          <a:ln>
+            <a:tailEnd type="triangle"/>
+          </a:ln>
+        </p:spPr>
+        <p:style>
+          <a:lnRef idx="3">
+            <a:schemeClr val="accent6"/>
+          </a:lnRef>
+          <a:fillRef idx="0">
+            <a:schemeClr val="accent6"/>
+          </a:fillRef>
+          <a:effectRef idx="2">
+            <a:schemeClr val="accent6"/>
+          </a:effectRef>
+          <a:fontRef idx="minor">
+            <a:schemeClr val="tx1"/>
+          </a:fontRef>
+        </p:style>
+      </p:cxnSp>
+      <p:sp>
+        <p:nvSpPr>
+          <p:cNvPr id="109" name="Oval 108">
+            <a:extLst>
+              <a:ext uri="{FF2B5EF4-FFF2-40B4-BE49-F238E27FC236}">
+                <a16:creationId xmlns:a16="http://schemas.microsoft.com/office/drawing/2014/main" id="{27308893-B794-4A09-95A7-F9471B3E9EC5}"/>
+              </a:ext>
+            </a:extLst>
+          </p:cNvPr>
+          <p:cNvSpPr/>
+          <p:nvPr/>
+        </p:nvSpPr>
+        <p:spPr>
+          <a:xfrm>
+            <a:off x="5361289" y="3128655"/>
+            <a:ext cx="155550" cy="122877"/>
+          </a:xfrm>
+          <a:prstGeom prst="ellipse">
+            <a:avLst/>
+          </a:prstGeom>
+        </p:spPr>
+        <p:style>
+          <a:lnRef idx="2">
+            <a:schemeClr val="accent1">
+              <a:shade val="50000"/>
+            </a:schemeClr>
+          </a:lnRef>
+          <a:fillRef idx="1">
+            <a:schemeClr val="accent1"/>
+          </a:fillRef>
+          <a:effectRef idx="0">
+            <a:schemeClr val="accent1"/>
+          </a:effectRef>
+          <a:fontRef idx="minor">
+            <a:schemeClr val="lt1"/>
+          </a:fontRef>
+        </p:style>
+        <p:txBody>
+          <a:bodyPr rtlCol="0" anchor="ctr"/>
+          <a:lstStyle/>
+          <a:p>
+            <a:pPr algn="ctr"/>
+            <a:endParaRPr lang="en-US"/>
+          </a:p>
+        </p:txBody>
+      </p:sp>
+      <p:sp>
+        <p:nvSpPr>
+          <p:cNvPr id="37" name="TextBox 36">
+            <a:extLst>
+              <a:ext uri="{FF2B5EF4-FFF2-40B4-BE49-F238E27FC236}">
+                <a16:creationId xmlns:a16="http://schemas.microsoft.com/office/drawing/2014/main" id="{C84219AA-F151-4F17-B5FD-20B8A99EF88C}"/>
+              </a:ext>
+            </a:extLst>
+          </p:cNvPr>
+          <p:cNvSpPr txBox="1"/>
+          <p:nvPr/>
+        </p:nvSpPr>
+        <p:spPr>
+          <a:xfrm>
+            <a:off x="2258986" y="4379890"/>
+            <a:ext cx="865301" cy="369332"/>
+          </a:xfrm>
+          <a:prstGeom prst="rect">
+            <a:avLst/>
+          </a:prstGeom>
+          <a:noFill/>
+        </p:spPr>
+        <p:txBody>
+          <a:bodyPr wrap="none" rtlCol="0">
+            <a:spAutoFit/>
+          </a:bodyPr>
+          <a:lstStyle/>
+          <a:p>
+            <a:r>
+              <a:rPr lang="en-US" dirty="0">
+                <a:solidFill>
+                  <a:schemeClr val="bg2"/>
+                </a:solidFill>
+              </a:rPr>
+              <a:t>Photon</a:t>
+            </a:r>
+          </a:p>
+        </p:txBody>
+      </p:sp>
+      <p:grpSp>
+        <p:nvGrpSpPr>
+          <p:cNvPr id="18" name="Group 17">
+            <a:extLst>
+              <a:ext uri="{FF2B5EF4-FFF2-40B4-BE49-F238E27FC236}">
+                <a16:creationId xmlns:a16="http://schemas.microsoft.com/office/drawing/2014/main" id="{3570EC04-6C05-4C2A-8E31-70429F71D496}"/>
+              </a:ext>
+            </a:extLst>
+          </p:cNvPr>
+          <p:cNvGrpSpPr/>
+          <p:nvPr/>
+        </p:nvGrpSpPr>
+        <p:grpSpPr>
+          <a:xfrm>
+            <a:off x="6188621" y="736248"/>
+            <a:ext cx="5892313" cy="4693141"/>
+            <a:chOff x="6188621" y="736248"/>
+            <a:chExt cx="5892313" cy="4693141"/>
+          </a:xfrm>
+        </p:grpSpPr>
+        <p:sp>
+          <p:nvSpPr>
+            <p:cNvPr id="23" name="Rectangle 22">
+              <a:extLst>
+                <a:ext uri="{FF2B5EF4-FFF2-40B4-BE49-F238E27FC236}">
+                  <a16:creationId xmlns:a16="http://schemas.microsoft.com/office/drawing/2014/main" id="{170EB901-9BCC-4D13-AA07-05C1B45249CD}"/>
+                </a:ext>
+              </a:extLst>
+            </p:cNvPr>
+            <p:cNvSpPr/>
+            <p:nvPr/>
+          </p:nvSpPr>
+          <p:spPr>
+            <a:xfrm>
+              <a:off x="6188621" y="736248"/>
+              <a:ext cx="5892313" cy="4693141"/>
+            </a:xfrm>
+            <a:prstGeom prst="rect">
+              <a:avLst/>
+            </a:prstGeom>
+            <a:solidFill>
+              <a:schemeClr val="tx1">
+                <a:lumMod val="75000"/>
+                <a:lumOff val="25000"/>
+              </a:schemeClr>
+            </a:solidFill>
+          </p:spPr>
+          <p:style>
+            <a:lnRef idx="2">
+              <a:schemeClr val="accent3">
+                <a:shade val="50000"/>
+              </a:schemeClr>
+            </a:lnRef>
+            <a:fillRef idx="1">
+              <a:schemeClr val="accent3"/>
+            </a:fillRef>
+            <a:effectRef idx="0">
+              <a:schemeClr val="accent3"/>
+            </a:effectRef>
+            <a:fontRef idx="minor">
+              <a:schemeClr val="lt1"/>
+            </a:fontRef>
+          </p:style>
+          <p:txBody>
+            <a:bodyPr rtlCol="0" anchor="ctr"/>
+            <a:lstStyle/>
+            <a:p>
+              <a:pPr algn="ctr"/>
+              <a:endParaRPr lang="en-US" dirty="0"/>
+            </a:p>
+          </p:txBody>
+        </p:sp>
+        <p:sp>
+          <p:nvSpPr>
+            <p:cNvPr id="84" name="TextBox 83">
+              <a:extLst>
+                <a:ext uri="{FF2B5EF4-FFF2-40B4-BE49-F238E27FC236}">
+                  <a16:creationId xmlns:a16="http://schemas.microsoft.com/office/drawing/2014/main" id="{9DE8B2CC-72B3-448B-B890-BF3DD26073C9}"/>
+                </a:ext>
+              </a:extLst>
+            </p:cNvPr>
+            <p:cNvSpPr txBox="1"/>
+            <p:nvPr/>
+          </p:nvSpPr>
+          <p:spPr>
+            <a:xfrm>
+              <a:off x="8141561" y="833675"/>
+              <a:ext cx="1796839" cy="369332"/>
+            </a:xfrm>
+            <a:prstGeom prst="rect">
+              <a:avLst/>
+            </a:prstGeom>
+            <a:noFill/>
+          </p:spPr>
+          <p:txBody>
+            <a:bodyPr wrap="none" rtlCol="0">
+              <a:spAutoFit/>
+            </a:bodyPr>
+            <a:lstStyle/>
+            <a:p>
+              <a:r>
+                <a:rPr lang="en-US" b="1" dirty="0">
+                  <a:solidFill>
+                    <a:schemeClr val="bg1"/>
+                  </a:solidFill>
+                </a:rPr>
+                <a:t>Ray/Path Tracing</a:t>
+              </a:r>
+            </a:p>
+          </p:txBody>
+        </p:sp>
+        <p:pic>
+          <p:nvPicPr>
+            <p:cNvPr id="4" name="Graphic 3" descr="Eye">
+              <a:extLst>
+                <a:ext uri="{FF2B5EF4-FFF2-40B4-BE49-F238E27FC236}">
+                  <a16:creationId xmlns:a16="http://schemas.microsoft.com/office/drawing/2014/main" id="{70C81FE2-2D23-4C33-826B-AF47B05CADA3}"/>
+                </a:ext>
+              </a:extLst>
+            </p:cNvPr>
+            <p:cNvPicPr>
+              <a:picLocks noChangeAspect="1"/>
+            </p:cNvPicPr>
+            <p:nvPr/>
+          </p:nvPicPr>
+          <p:blipFill>
+            <a:blip r:embed="rId2">
+              <a:extLst>
+                <a:ext uri="{28A0092B-C50C-407E-A947-70E740481C1C}">
+                  <a14:useLocalDpi xmlns:a14="http://schemas.microsoft.com/office/drawing/2010/main" val="0"/>
+                </a:ext>
+                <a:ext uri="{96DAC541-7B7A-43D3-8B79-37D633B846F1}">
+                  <asvg:svgBlip xmlns:asvg="http://schemas.microsoft.com/office/drawing/2016/SVG/main" r:embed="rId3"/>
+                </a:ext>
+              </a:extLst>
+            </a:blip>
+            <a:stretch>
+              <a:fillRect/>
+            </a:stretch>
+          </p:blipFill>
+          <p:spPr>
+            <a:xfrm>
+              <a:off x="8829240" y="4914269"/>
+              <a:ext cx="574672" cy="510708"/>
+            </a:xfrm>
+            <a:prstGeom prst="rect">
+              <a:avLst/>
+            </a:prstGeom>
+          </p:spPr>
+        </p:pic>
+        <p:sp>
+          <p:nvSpPr>
+            <p:cNvPr id="5" name="Cube 4">
+              <a:extLst>
+                <a:ext uri="{FF2B5EF4-FFF2-40B4-BE49-F238E27FC236}">
+                  <a16:creationId xmlns:a16="http://schemas.microsoft.com/office/drawing/2014/main" id="{FF981094-E326-4184-9323-0A81CEA52E26}"/>
+                </a:ext>
+              </a:extLst>
+            </p:cNvPr>
+            <p:cNvSpPr/>
+            <p:nvPr/>
+          </p:nvSpPr>
+          <p:spPr>
+            <a:xfrm>
+              <a:off x="8690279" y="1945263"/>
+              <a:ext cx="1132061" cy="929258"/>
+            </a:xfrm>
+            <a:prstGeom prst="cube">
+              <a:avLst/>
+            </a:prstGeom>
+          </p:spPr>
+          <p:style>
+            <a:lnRef idx="2">
+              <a:schemeClr val="accent1">
+                <a:shade val="50000"/>
+              </a:schemeClr>
+            </a:lnRef>
+            <a:fillRef idx="1">
+              <a:schemeClr val="accent1"/>
+            </a:fillRef>
+            <a:effectRef idx="0">
+              <a:schemeClr val="accent1"/>
+            </a:effectRef>
+            <a:fontRef idx="minor">
+              <a:schemeClr val="lt1"/>
+            </a:fontRef>
+          </p:style>
+          <p:txBody>
+            <a:bodyPr rtlCol="0" anchor="ctr"/>
+            <a:lstStyle/>
+            <a:p>
+              <a:pPr algn="ctr"/>
+              <a:endParaRPr lang="en-US"/>
+            </a:p>
+          </p:txBody>
+        </p:sp>
+        <p:sp>
+          <p:nvSpPr>
+            <p:cNvPr id="35" name="TextBox 34">
+              <a:extLst>
+                <a:ext uri="{FF2B5EF4-FFF2-40B4-BE49-F238E27FC236}">
+                  <a16:creationId xmlns:a16="http://schemas.microsoft.com/office/drawing/2014/main" id="{56A20C6A-29FC-40DE-A79C-E84C3B45E723}"/>
+                </a:ext>
+              </a:extLst>
+            </p:cNvPr>
+            <p:cNvSpPr txBox="1"/>
+            <p:nvPr/>
+          </p:nvSpPr>
+          <p:spPr>
+            <a:xfrm>
+              <a:off x="10873911" y="4419651"/>
+              <a:ext cx="818044" cy="369332"/>
+            </a:xfrm>
+            <a:prstGeom prst="rect">
+              <a:avLst/>
+            </a:prstGeom>
+            <a:noFill/>
+          </p:spPr>
+          <p:txBody>
+            <a:bodyPr wrap="none" rtlCol="0">
+              <a:spAutoFit/>
+            </a:bodyPr>
+            <a:lstStyle/>
+            <a:p>
+              <a:r>
+                <a:rPr lang="en-US" dirty="0">
+                  <a:solidFill>
+                    <a:schemeClr val="bg2"/>
+                  </a:solidFill>
+                </a:rPr>
+                <a:t>Screen</a:t>
+              </a:r>
+            </a:p>
+          </p:txBody>
+        </p:sp>
+        <p:sp>
+          <p:nvSpPr>
+            <p:cNvPr id="32" name="Rectangle 31">
+              <a:extLst>
+                <a:ext uri="{FF2B5EF4-FFF2-40B4-BE49-F238E27FC236}">
+                  <a16:creationId xmlns:a16="http://schemas.microsoft.com/office/drawing/2014/main" id="{E846A3B2-D354-4E88-8B15-410126545612}"/>
+                </a:ext>
+              </a:extLst>
+            </p:cNvPr>
+            <p:cNvSpPr/>
+            <p:nvPr/>
+          </p:nvSpPr>
+          <p:spPr>
+            <a:xfrm>
+              <a:off x="7781849" y="4527440"/>
+              <a:ext cx="2773661" cy="74232"/>
+            </a:xfrm>
+            <a:prstGeom prst="rect">
+              <a:avLst/>
+            </a:prstGeom>
+          </p:spPr>
+          <p:style>
+            <a:lnRef idx="2">
+              <a:schemeClr val="accent4">
+                <a:shade val="50000"/>
+              </a:schemeClr>
+            </a:lnRef>
+            <a:fillRef idx="1">
+              <a:schemeClr val="accent4"/>
+            </a:fillRef>
+            <a:effectRef idx="0">
+              <a:schemeClr val="accent4"/>
+            </a:effectRef>
+            <a:fontRef idx="minor">
+              <a:schemeClr val="lt1"/>
+            </a:fontRef>
+          </p:style>
+          <p:txBody>
+            <a:bodyPr rtlCol="0" anchor="ctr"/>
+            <a:lstStyle/>
+            <a:p>
+              <a:pPr algn="ctr"/>
+              <a:endParaRPr lang="en-US"/>
+            </a:p>
+          </p:txBody>
+        </p:sp>
+        <p:cxnSp>
+          <p:nvCxnSpPr>
+            <p:cNvPr id="33" name="Straight Connector 32">
+              <a:extLst>
+                <a:ext uri="{FF2B5EF4-FFF2-40B4-BE49-F238E27FC236}">
+                  <a16:creationId xmlns:a16="http://schemas.microsoft.com/office/drawing/2014/main" id="{B99CA1FB-4291-4982-A545-7C84AF3D4F25}"/>
+                </a:ext>
+              </a:extLst>
+            </p:cNvPr>
+            <p:cNvCxnSpPr/>
+            <p:nvPr/>
+          </p:nvCxnSpPr>
+          <p:spPr>
+            <a:xfrm>
+              <a:off x="6829098" y="1303911"/>
+              <a:ext cx="0" cy="2548077"/>
+            </a:xfrm>
+            <a:prstGeom prst="line">
+              <a:avLst/>
+            </a:prstGeom>
+          </p:spPr>
+          <p:style>
+            <a:lnRef idx="3">
+              <a:schemeClr val="dk1"/>
+            </a:lnRef>
+            <a:fillRef idx="0">
+              <a:schemeClr val="dk1"/>
+            </a:fillRef>
+            <a:effectRef idx="2">
+              <a:schemeClr val="dk1"/>
+            </a:effectRef>
+            <a:fontRef idx="minor">
+              <a:schemeClr val="tx1"/>
+            </a:fontRef>
+          </p:style>
+        </p:cxnSp>
+        <p:cxnSp>
+          <p:nvCxnSpPr>
+            <p:cNvPr id="36" name="Straight Connector 35">
+              <a:extLst>
+                <a:ext uri="{FF2B5EF4-FFF2-40B4-BE49-F238E27FC236}">
+                  <a16:creationId xmlns:a16="http://schemas.microsoft.com/office/drawing/2014/main" id="{CCD82B96-ECC3-4D1C-B081-D4B4ADA0C1F2}"/>
+                </a:ext>
+              </a:extLst>
+            </p:cNvPr>
+            <p:cNvCxnSpPr>
+              <a:cxnSpLocks/>
+            </p:cNvCxnSpPr>
+            <p:nvPr/>
+          </p:nvCxnSpPr>
+          <p:spPr>
+            <a:xfrm>
+              <a:off x="6829098" y="1303911"/>
+              <a:ext cx="4679165" cy="0"/>
+            </a:xfrm>
+            <a:prstGeom prst="line">
+              <a:avLst/>
+            </a:prstGeom>
+          </p:spPr>
+          <p:style>
+            <a:lnRef idx="3">
+              <a:schemeClr val="dk1"/>
+            </a:lnRef>
+            <a:fillRef idx="0">
+              <a:schemeClr val="dk1"/>
+            </a:fillRef>
+            <a:effectRef idx="2">
+              <a:schemeClr val="dk1"/>
+            </a:effectRef>
+            <a:fontRef idx="minor">
+              <a:schemeClr val="tx1"/>
+            </a:fontRef>
+          </p:style>
+        </p:cxnSp>
+        <p:cxnSp>
+          <p:nvCxnSpPr>
+            <p:cNvPr id="38" name="Straight Connector 37">
+              <a:extLst>
+                <a:ext uri="{FF2B5EF4-FFF2-40B4-BE49-F238E27FC236}">
+                  <a16:creationId xmlns:a16="http://schemas.microsoft.com/office/drawing/2014/main" id="{98BB8B38-AB3B-4102-8CA8-6B94CEC93273}"/>
+                </a:ext>
+              </a:extLst>
+            </p:cNvPr>
+            <p:cNvCxnSpPr/>
+            <p:nvPr/>
+          </p:nvCxnSpPr>
+          <p:spPr>
+            <a:xfrm>
+              <a:off x="11508263" y="1303911"/>
+              <a:ext cx="0" cy="2548077"/>
+            </a:xfrm>
+            <a:prstGeom prst="line">
+              <a:avLst/>
+            </a:prstGeom>
+          </p:spPr>
+          <p:style>
+            <a:lnRef idx="3">
+              <a:schemeClr val="dk1"/>
+            </a:lnRef>
+            <a:fillRef idx="0">
+              <a:schemeClr val="dk1"/>
+            </a:fillRef>
+            <a:effectRef idx="2">
+              <a:schemeClr val="dk1"/>
+            </a:effectRef>
+            <a:fontRef idx="minor">
+              <a:schemeClr val="tx1"/>
+            </a:fontRef>
+          </p:style>
+        </p:cxnSp>
+        <p:cxnSp>
+          <p:nvCxnSpPr>
+            <p:cNvPr id="39" name="Straight Arrow Connector 38">
+              <a:extLst>
+                <a:ext uri="{FF2B5EF4-FFF2-40B4-BE49-F238E27FC236}">
+                  <a16:creationId xmlns:a16="http://schemas.microsoft.com/office/drawing/2014/main" id="{DA60E7F2-A236-4A50-8E80-8CA16F0EFABE}"/>
+                </a:ext>
+              </a:extLst>
+            </p:cNvPr>
+            <p:cNvCxnSpPr>
+              <a:cxnSpLocks/>
+              <a:stCxn id="4" idx="0"/>
+            </p:cNvCxnSpPr>
+            <p:nvPr/>
+          </p:nvCxnSpPr>
+          <p:spPr>
+            <a:xfrm flipH="1" flipV="1">
+              <a:off x="6829098" y="2234479"/>
+              <a:ext cx="2287478" cy="2679790"/>
+            </a:xfrm>
+            <a:prstGeom prst="straightConnector1">
+              <a:avLst/>
+            </a:prstGeom>
+            <a:ln>
+              <a:tailEnd type="triangle"/>
+            </a:ln>
+          </p:spPr>
+          <p:style>
+            <a:lnRef idx="3">
+              <a:schemeClr val="accent6"/>
+            </a:lnRef>
+            <a:fillRef idx="0">
+              <a:schemeClr val="accent6"/>
+            </a:fillRef>
+            <a:effectRef idx="2">
+              <a:schemeClr val="accent6"/>
+            </a:effectRef>
+            <a:fontRef idx="minor">
+              <a:schemeClr val="tx1"/>
+            </a:fontRef>
+          </p:style>
+        </p:cxnSp>
+        <p:cxnSp>
+          <p:nvCxnSpPr>
+            <p:cNvPr id="40" name="Straight Arrow Connector 39">
+              <a:extLst>
+                <a:ext uri="{FF2B5EF4-FFF2-40B4-BE49-F238E27FC236}">
+                  <a16:creationId xmlns:a16="http://schemas.microsoft.com/office/drawing/2014/main" id="{4DFEC358-9EF3-44E7-A335-D941374A3927}"/>
+                </a:ext>
+              </a:extLst>
+            </p:cNvPr>
+            <p:cNvCxnSpPr>
+              <a:cxnSpLocks/>
+              <a:stCxn id="4" idx="0"/>
+            </p:cNvCxnSpPr>
+            <p:nvPr/>
+          </p:nvCxnSpPr>
+          <p:spPr>
+            <a:xfrm flipV="1">
+              <a:off x="9116576" y="2234479"/>
+              <a:ext cx="2346944" cy="2679790"/>
+            </a:xfrm>
+            <a:prstGeom prst="straightConnector1">
+              <a:avLst/>
+            </a:prstGeom>
+            <a:ln>
+              <a:tailEnd type="triangle"/>
+            </a:ln>
+          </p:spPr>
+          <p:style>
+            <a:lnRef idx="3">
+              <a:schemeClr val="accent6"/>
+            </a:lnRef>
+            <a:fillRef idx="0">
+              <a:schemeClr val="accent6"/>
+            </a:fillRef>
+            <a:effectRef idx="2">
+              <a:schemeClr val="accent6"/>
+            </a:effectRef>
+            <a:fontRef idx="minor">
+              <a:schemeClr val="tx1"/>
+            </a:fontRef>
+          </p:style>
+        </p:cxnSp>
+        <p:cxnSp>
+          <p:nvCxnSpPr>
+            <p:cNvPr id="44" name="Straight Arrow Connector 43">
+              <a:extLst>
+                <a:ext uri="{FF2B5EF4-FFF2-40B4-BE49-F238E27FC236}">
+                  <a16:creationId xmlns:a16="http://schemas.microsoft.com/office/drawing/2014/main" id="{66510B70-4013-425A-BA5E-6548C387AA50}"/>
+                </a:ext>
+              </a:extLst>
+            </p:cNvPr>
+            <p:cNvCxnSpPr>
+              <a:cxnSpLocks/>
+            </p:cNvCxnSpPr>
+            <p:nvPr/>
+          </p:nvCxnSpPr>
+          <p:spPr>
+            <a:xfrm flipH="1" flipV="1">
+              <a:off x="9291489" y="1299499"/>
+              <a:ext cx="2172032" cy="934980"/>
+            </a:xfrm>
+            <a:prstGeom prst="straightConnector1">
+              <a:avLst/>
+            </a:prstGeom>
+            <a:ln>
+              <a:tailEnd type="triangle"/>
+            </a:ln>
+          </p:spPr>
+          <p:style>
+            <a:lnRef idx="3">
+              <a:schemeClr val="accent6"/>
+            </a:lnRef>
+            <a:fillRef idx="0">
+              <a:schemeClr val="accent6"/>
+            </a:fillRef>
+            <a:effectRef idx="2">
+              <a:schemeClr val="accent6"/>
+            </a:effectRef>
+            <a:fontRef idx="minor">
+              <a:schemeClr val="tx1"/>
+            </a:fontRef>
+          </p:style>
+        </p:cxnSp>
+      </p:grpSp>
+    </p:spTree>
+    <p:extLst>
+      <p:ext uri="{BB962C8B-B14F-4D97-AF65-F5344CB8AC3E}">
+        <p14:creationId xmlns:p14="http://schemas.microsoft.com/office/powerpoint/2010/main" val="4228335811"/>
+      </p:ext>
+    </p:extLst>
+  </p:cSld>
+  <p:clrMapOvr>
+    <a:masterClrMapping/>
+  </p:clrMapOvr>
+</p:sld>
+</file>
+
+<file path=ppt/slides/slide9.xml><?xml version="1.0" encoding="utf-8"?>
+<p:sld xmlns:a="http://schemas.openxmlformats.org/drawingml/2006/main" xmlns:r="http://schemas.openxmlformats.org/officeDocument/2006/relationships" xmlns:p="http://schemas.openxmlformats.org/presentationml/2006/main">
+  <p:cSld>
+    <p:spTree>
+      <p:nvGrpSpPr>
+        <p:cNvPr id="1" name=""/>
+        <p:cNvGrpSpPr/>
+        <p:nvPr/>
+      </p:nvGrpSpPr>
+      <p:grpSpPr>
+        <a:xfrm>
+          <a:off x="0" y="0"/>
+          <a:ext cx="0" cy="0"/>
+          <a:chOff x="0" y="0"/>
+          <a:chExt cx="0" cy="0"/>
+        </a:xfrm>
+      </p:grpSpPr>
       <p:grpSp>
         <p:nvGrpSpPr>
           <p:cNvPr id="3" name="Group 2">
@@ -18376,904 +23800,6 @@
     <p:extLst>
       <p:ext uri="{BB962C8B-B14F-4D97-AF65-F5344CB8AC3E}">
         <p14:creationId xmlns:p14="http://schemas.microsoft.com/office/powerpoint/2010/main" val="3127386920"/>
-      </p:ext>
-    </p:extLst>
-  </p:cSld>
-  <p:clrMapOvr>
-    <a:masterClrMapping/>
-  </p:clrMapOvr>
-</p:sld>
-</file>
-
-<file path=ppt/slides/slide9.xml><?xml version="1.0" encoding="utf-8"?>
-<p:sld xmlns:a="http://schemas.openxmlformats.org/drawingml/2006/main" xmlns:r="http://schemas.openxmlformats.org/officeDocument/2006/relationships" xmlns:p="http://schemas.openxmlformats.org/presentationml/2006/main">
-  <p:cSld>
-    <p:spTree>
-      <p:nvGrpSpPr>
-        <p:cNvPr id="1" name=""/>
-        <p:cNvGrpSpPr/>
-        <p:nvPr/>
-      </p:nvGrpSpPr>
-      <p:grpSpPr>
-        <a:xfrm>
-          <a:off x="0" y="0"/>
-          <a:ext cx="0" cy="0"/>
-          <a:chOff x="0" y="0"/>
-          <a:chExt cx="0" cy="0"/>
-        </a:xfrm>
-      </p:grpSpPr>
-      <p:grpSp>
-        <p:nvGrpSpPr>
-          <p:cNvPr id="28" name="Group 27">
-            <a:extLst>
-              <a:ext uri="{FF2B5EF4-FFF2-40B4-BE49-F238E27FC236}">
-                <a16:creationId xmlns:a16="http://schemas.microsoft.com/office/drawing/2014/main" id="{5E6FACA9-7852-4E3E-8FB3-3C334C86492B}"/>
-              </a:ext>
-            </a:extLst>
-          </p:cNvPr>
-          <p:cNvGrpSpPr/>
-          <p:nvPr/>
-        </p:nvGrpSpPr>
-        <p:grpSpPr>
-          <a:xfrm>
-            <a:off x="1498861" y="635342"/>
-            <a:ext cx="9194278" cy="5644347"/>
-            <a:chOff x="1498861" y="635342"/>
-            <a:chExt cx="9194278" cy="5644347"/>
-          </a:xfrm>
-        </p:grpSpPr>
-        <p:sp>
-          <p:nvSpPr>
-            <p:cNvPr id="23" name="Rectangle 22">
-              <a:extLst>
-                <a:ext uri="{FF2B5EF4-FFF2-40B4-BE49-F238E27FC236}">
-                  <a16:creationId xmlns:a16="http://schemas.microsoft.com/office/drawing/2014/main" id="{170EB901-9BCC-4D13-AA07-05C1B45249CD}"/>
-                </a:ext>
-              </a:extLst>
-            </p:cNvPr>
-            <p:cNvSpPr/>
-            <p:nvPr/>
-          </p:nvSpPr>
-          <p:spPr>
-            <a:xfrm>
-              <a:off x="1498861" y="635342"/>
-              <a:ext cx="9194278" cy="5644347"/>
-            </a:xfrm>
-            <a:prstGeom prst="rect">
-              <a:avLst/>
-            </a:prstGeom>
-            <a:solidFill>
-              <a:schemeClr val="tx1">
-                <a:lumMod val="75000"/>
-                <a:lumOff val="25000"/>
-              </a:schemeClr>
-            </a:solidFill>
-          </p:spPr>
-          <p:style>
-            <a:lnRef idx="2">
-              <a:schemeClr val="accent3">
-                <a:shade val="50000"/>
-              </a:schemeClr>
-            </a:lnRef>
-            <a:fillRef idx="1">
-              <a:schemeClr val="accent3"/>
-            </a:fillRef>
-            <a:effectRef idx="0">
-              <a:schemeClr val="accent3"/>
-            </a:effectRef>
-            <a:fontRef idx="minor">
-              <a:schemeClr val="lt1"/>
-            </a:fontRef>
-          </p:style>
-          <p:txBody>
-            <a:bodyPr rtlCol="0" anchor="ctr"/>
-            <a:lstStyle/>
-            <a:p>
-              <a:pPr algn="ctr"/>
-              <a:endParaRPr lang="en-US" dirty="0"/>
-            </a:p>
-          </p:txBody>
-        </p:sp>
-        <p:sp>
-          <p:nvSpPr>
-            <p:cNvPr id="3" name="Cube 2">
-              <a:extLst>
-                <a:ext uri="{FF2B5EF4-FFF2-40B4-BE49-F238E27FC236}">
-                  <a16:creationId xmlns:a16="http://schemas.microsoft.com/office/drawing/2014/main" id="{12B8B8D0-86EF-4973-80D0-00AC954DADC0}"/>
-                </a:ext>
-              </a:extLst>
-            </p:cNvPr>
-            <p:cNvSpPr/>
-            <p:nvPr/>
-          </p:nvSpPr>
-          <p:spPr>
-            <a:xfrm>
-              <a:off x="3602837" y="1536038"/>
-              <a:ext cx="4307165" cy="3812959"/>
-            </a:xfrm>
-            <a:prstGeom prst="cube">
-              <a:avLst/>
-            </a:prstGeom>
-            <a:noFill/>
-            <a:ln w="38100"/>
-          </p:spPr>
-          <p:style>
-            <a:lnRef idx="2">
-              <a:schemeClr val="accent2">
-                <a:shade val="50000"/>
-              </a:schemeClr>
-            </a:lnRef>
-            <a:fillRef idx="1">
-              <a:schemeClr val="accent2"/>
-            </a:fillRef>
-            <a:effectRef idx="0">
-              <a:schemeClr val="accent2"/>
-            </a:effectRef>
-            <a:fontRef idx="minor">
-              <a:schemeClr val="lt1"/>
-            </a:fontRef>
-          </p:style>
-          <p:txBody>
-            <a:bodyPr rtlCol="0" anchor="ctr"/>
-            <a:lstStyle/>
-            <a:p>
-              <a:pPr algn="ctr"/>
-              <a:endParaRPr lang="en-US"/>
-            </a:p>
-          </p:txBody>
-        </p:sp>
-        <p:cxnSp>
-          <p:nvCxnSpPr>
-            <p:cNvPr id="36" name="Straight Connector 35">
-              <a:extLst>
-                <a:ext uri="{FF2B5EF4-FFF2-40B4-BE49-F238E27FC236}">
-                  <a16:creationId xmlns:a16="http://schemas.microsoft.com/office/drawing/2014/main" id="{57DE906E-D778-4E68-B0D6-631C44F6CD7A}"/>
-                </a:ext>
-              </a:extLst>
-            </p:cNvPr>
-            <p:cNvCxnSpPr>
-              <a:cxnSpLocks/>
-            </p:cNvCxnSpPr>
-            <p:nvPr/>
-          </p:nvCxnSpPr>
-          <p:spPr>
-            <a:xfrm flipH="1">
-              <a:off x="3582862" y="2956466"/>
-              <a:ext cx="3364637" cy="0"/>
-            </a:xfrm>
-            <a:prstGeom prst="line">
-              <a:avLst/>
-            </a:prstGeom>
-            <a:ln>
-              <a:prstDash val="solid"/>
-            </a:ln>
-          </p:spPr>
-          <p:style>
-            <a:lnRef idx="1">
-              <a:schemeClr val="accent2"/>
-            </a:lnRef>
-            <a:fillRef idx="0">
-              <a:schemeClr val="accent2"/>
-            </a:fillRef>
-            <a:effectRef idx="0">
-              <a:schemeClr val="accent2"/>
-            </a:effectRef>
-            <a:fontRef idx="minor">
-              <a:schemeClr val="tx1"/>
-            </a:fontRef>
-          </p:style>
-        </p:cxnSp>
-        <p:cxnSp>
-          <p:nvCxnSpPr>
-            <p:cNvPr id="40" name="Straight Connector 39">
-              <a:extLst>
-                <a:ext uri="{FF2B5EF4-FFF2-40B4-BE49-F238E27FC236}">
-                  <a16:creationId xmlns:a16="http://schemas.microsoft.com/office/drawing/2014/main" id="{71F9EE56-66A9-40B5-946F-A6219A3F84D2}"/>
-                </a:ext>
-              </a:extLst>
-            </p:cNvPr>
-            <p:cNvCxnSpPr>
-              <a:cxnSpLocks/>
-            </p:cNvCxnSpPr>
-            <p:nvPr/>
-          </p:nvCxnSpPr>
-          <p:spPr>
-            <a:xfrm flipH="1">
-              <a:off x="6964517" y="2014693"/>
-              <a:ext cx="942528" cy="958788"/>
-            </a:xfrm>
-            <a:prstGeom prst="line">
-              <a:avLst/>
-            </a:prstGeom>
-            <a:ln>
-              <a:prstDash val="solid"/>
-            </a:ln>
-          </p:spPr>
-          <p:style>
-            <a:lnRef idx="1">
-              <a:schemeClr val="accent2"/>
-            </a:lnRef>
-            <a:fillRef idx="0">
-              <a:schemeClr val="accent2"/>
-            </a:fillRef>
-            <a:effectRef idx="0">
-              <a:schemeClr val="accent2"/>
-            </a:effectRef>
-            <a:fontRef idx="minor">
-              <a:schemeClr val="tx1"/>
-            </a:fontRef>
-          </p:style>
-        </p:cxnSp>
-        <p:cxnSp>
-          <p:nvCxnSpPr>
-            <p:cNvPr id="54" name="Straight Connector 53">
-              <a:extLst>
-                <a:ext uri="{FF2B5EF4-FFF2-40B4-BE49-F238E27FC236}">
-                  <a16:creationId xmlns:a16="http://schemas.microsoft.com/office/drawing/2014/main" id="{D6E4E5C8-8BFD-4B67-ADA1-0DF56F72ACC9}"/>
-                </a:ext>
-              </a:extLst>
-            </p:cNvPr>
-            <p:cNvCxnSpPr>
-              <a:cxnSpLocks/>
-            </p:cNvCxnSpPr>
-            <p:nvPr/>
-          </p:nvCxnSpPr>
-          <p:spPr>
-            <a:xfrm flipH="1">
-              <a:off x="3599880" y="3442517"/>
-              <a:ext cx="3364637" cy="0"/>
-            </a:xfrm>
-            <a:prstGeom prst="line">
-              <a:avLst/>
-            </a:prstGeom>
-            <a:ln>
-              <a:prstDash val="solid"/>
-            </a:ln>
-          </p:spPr>
-          <p:style>
-            <a:lnRef idx="1">
-              <a:schemeClr val="accent2"/>
-            </a:lnRef>
-            <a:fillRef idx="0">
-              <a:schemeClr val="accent2"/>
-            </a:fillRef>
-            <a:effectRef idx="0">
-              <a:schemeClr val="accent2"/>
-            </a:effectRef>
-            <a:fontRef idx="minor">
-              <a:schemeClr val="tx1"/>
-            </a:fontRef>
-          </p:style>
-        </p:cxnSp>
-        <p:cxnSp>
-          <p:nvCxnSpPr>
-            <p:cNvPr id="57" name="Straight Connector 56">
-              <a:extLst>
-                <a:ext uri="{FF2B5EF4-FFF2-40B4-BE49-F238E27FC236}">
-                  <a16:creationId xmlns:a16="http://schemas.microsoft.com/office/drawing/2014/main" id="{462F89E7-54E6-4FD8-A775-6E9F191116C0}"/>
-                </a:ext>
-              </a:extLst>
-            </p:cNvPr>
-            <p:cNvCxnSpPr>
-              <a:cxnSpLocks/>
-            </p:cNvCxnSpPr>
-            <p:nvPr/>
-          </p:nvCxnSpPr>
-          <p:spPr>
-            <a:xfrm flipH="1">
-              <a:off x="6965589" y="2498728"/>
-              <a:ext cx="942528" cy="958788"/>
-            </a:xfrm>
-            <a:prstGeom prst="line">
-              <a:avLst/>
-            </a:prstGeom>
-            <a:ln>
-              <a:prstDash val="solid"/>
-            </a:ln>
-          </p:spPr>
-          <p:style>
-            <a:lnRef idx="1">
-              <a:schemeClr val="accent2"/>
-            </a:lnRef>
-            <a:fillRef idx="0">
-              <a:schemeClr val="accent2"/>
-            </a:fillRef>
-            <a:effectRef idx="0">
-              <a:schemeClr val="accent2"/>
-            </a:effectRef>
-            <a:fontRef idx="minor">
-              <a:schemeClr val="tx1"/>
-            </a:fontRef>
-          </p:style>
-        </p:cxnSp>
-        <p:cxnSp>
-          <p:nvCxnSpPr>
-            <p:cNvPr id="60" name="Straight Connector 59">
-              <a:extLst>
-                <a:ext uri="{FF2B5EF4-FFF2-40B4-BE49-F238E27FC236}">
-                  <a16:creationId xmlns:a16="http://schemas.microsoft.com/office/drawing/2014/main" id="{2B348E58-629E-4F0A-822D-FE5FACE7DE5B}"/>
-                </a:ext>
-              </a:extLst>
-            </p:cNvPr>
-            <p:cNvCxnSpPr>
-              <a:cxnSpLocks/>
-            </p:cNvCxnSpPr>
-            <p:nvPr/>
-          </p:nvCxnSpPr>
-          <p:spPr>
-            <a:xfrm flipH="1">
-              <a:off x="4132532" y="1555274"/>
-              <a:ext cx="942528" cy="958788"/>
-            </a:xfrm>
-            <a:prstGeom prst="line">
-              <a:avLst/>
-            </a:prstGeom>
-            <a:ln>
-              <a:prstDash val="solid"/>
-            </a:ln>
-          </p:spPr>
-          <p:style>
-            <a:lnRef idx="1">
-              <a:schemeClr val="accent2"/>
-            </a:lnRef>
-            <a:fillRef idx="0">
-              <a:schemeClr val="accent2"/>
-            </a:fillRef>
-            <a:effectRef idx="0">
-              <a:schemeClr val="accent2"/>
-            </a:effectRef>
-            <a:fontRef idx="minor">
-              <a:schemeClr val="tx1"/>
-            </a:fontRef>
-          </p:style>
-        </p:cxnSp>
-        <p:cxnSp>
-          <p:nvCxnSpPr>
-            <p:cNvPr id="61" name="Straight Connector 60">
-              <a:extLst>
-                <a:ext uri="{FF2B5EF4-FFF2-40B4-BE49-F238E27FC236}">
-                  <a16:creationId xmlns:a16="http://schemas.microsoft.com/office/drawing/2014/main" id="{272F4887-1A8F-4990-83A5-A9B985663729}"/>
-                </a:ext>
-              </a:extLst>
-            </p:cNvPr>
-            <p:cNvCxnSpPr>
-              <a:cxnSpLocks/>
-            </p:cNvCxnSpPr>
-            <p:nvPr/>
-          </p:nvCxnSpPr>
-          <p:spPr>
-            <a:xfrm flipH="1">
-              <a:off x="4674047" y="1548619"/>
-              <a:ext cx="942528" cy="958788"/>
-            </a:xfrm>
-            <a:prstGeom prst="line">
-              <a:avLst/>
-            </a:prstGeom>
-            <a:ln>
-              <a:prstDash val="solid"/>
-            </a:ln>
-          </p:spPr>
-          <p:style>
-            <a:lnRef idx="1">
-              <a:schemeClr val="accent2"/>
-            </a:lnRef>
-            <a:fillRef idx="0">
-              <a:schemeClr val="accent2"/>
-            </a:fillRef>
-            <a:effectRef idx="0">
-              <a:schemeClr val="accent2"/>
-            </a:effectRef>
-            <a:fontRef idx="minor">
-              <a:schemeClr val="tx1"/>
-            </a:fontRef>
-          </p:style>
-        </p:cxnSp>
-        <p:cxnSp>
-          <p:nvCxnSpPr>
-            <p:cNvPr id="62" name="Straight Connector 61">
-              <a:extLst>
-                <a:ext uri="{FF2B5EF4-FFF2-40B4-BE49-F238E27FC236}">
-                  <a16:creationId xmlns:a16="http://schemas.microsoft.com/office/drawing/2014/main" id="{4228D188-52C9-43A7-B5AC-5D2CFF7E9B7B}"/>
-                </a:ext>
-              </a:extLst>
-            </p:cNvPr>
-            <p:cNvCxnSpPr>
-              <a:cxnSpLocks/>
-            </p:cNvCxnSpPr>
-            <p:nvPr/>
-          </p:nvCxnSpPr>
-          <p:spPr>
-            <a:xfrm>
-              <a:off x="4125486" y="2523676"/>
-              <a:ext cx="0" cy="2854171"/>
-            </a:xfrm>
-            <a:prstGeom prst="line">
-              <a:avLst/>
-            </a:prstGeom>
-            <a:ln>
-              <a:prstDash val="solid"/>
-            </a:ln>
-          </p:spPr>
-          <p:style>
-            <a:lnRef idx="1">
-              <a:schemeClr val="accent2"/>
-            </a:lnRef>
-            <a:fillRef idx="0">
-              <a:schemeClr val="accent2"/>
-            </a:fillRef>
-            <a:effectRef idx="0">
-              <a:schemeClr val="accent2"/>
-            </a:effectRef>
-            <a:fontRef idx="minor">
-              <a:schemeClr val="tx1"/>
-            </a:fontRef>
-          </p:style>
-        </p:cxnSp>
-        <p:cxnSp>
-          <p:nvCxnSpPr>
-            <p:cNvPr id="63" name="Straight Connector 62">
-              <a:extLst>
-                <a:ext uri="{FF2B5EF4-FFF2-40B4-BE49-F238E27FC236}">
-                  <a16:creationId xmlns:a16="http://schemas.microsoft.com/office/drawing/2014/main" id="{5AA293BA-71CD-48EB-A1B8-B3335F344AD7}"/>
-                </a:ext>
-              </a:extLst>
-            </p:cNvPr>
-            <p:cNvCxnSpPr>
-              <a:cxnSpLocks/>
-            </p:cNvCxnSpPr>
-            <p:nvPr/>
-          </p:nvCxnSpPr>
-          <p:spPr>
-            <a:xfrm>
-              <a:off x="4666679" y="2507401"/>
-              <a:ext cx="0" cy="2854171"/>
-            </a:xfrm>
-            <a:prstGeom prst="line">
-              <a:avLst/>
-            </a:prstGeom>
-            <a:ln>
-              <a:prstDash val="solid"/>
-            </a:ln>
-          </p:spPr>
-          <p:style>
-            <a:lnRef idx="1">
-              <a:schemeClr val="accent2"/>
-            </a:lnRef>
-            <a:fillRef idx="0">
-              <a:schemeClr val="accent2"/>
-            </a:fillRef>
-            <a:effectRef idx="0">
-              <a:schemeClr val="accent2"/>
-            </a:effectRef>
-            <a:fontRef idx="minor">
-              <a:schemeClr val="tx1"/>
-            </a:fontRef>
-          </p:style>
-        </p:cxnSp>
-        <p:cxnSp>
-          <p:nvCxnSpPr>
-            <p:cNvPr id="75" name="Straight Connector 74">
-              <a:extLst>
-                <a:ext uri="{FF2B5EF4-FFF2-40B4-BE49-F238E27FC236}">
-                  <a16:creationId xmlns:a16="http://schemas.microsoft.com/office/drawing/2014/main" id="{2AD5772B-C54A-42BF-BB06-4C1B2B15AE40}"/>
-                </a:ext>
-              </a:extLst>
-            </p:cNvPr>
-            <p:cNvCxnSpPr>
-              <a:cxnSpLocks/>
-            </p:cNvCxnSpPr>
-            <p:nvPr/>
-          </p:nvCxnSpPr>
-          <p:spPr>
-            <a:xfrm>
-              <a:off x="7155402" y="2278985"/>
-              <a:ext cx="0" cy="2854171"/>
-            </a:xfrm>
-            <a:prstGeom prst="line">
-              <a:avLst/>
-            </a:prstGeom>
-            <a:ln>
-              <a:prstDash val="solid"/>
-            </a:ln>
-          </p:spPr>
-          <p:style>
-            <a:lnRef idx="1">
-              <a:schemeClr val="accent2"/>
-            </a:lnRef>
-            <a:fillRef idx="0">
-              <a:schemeClr val="accent2"/>
-            </a:fillRef>
-            <a:effectRef idx="0">
-              <a:schemeClr val="accent2"/>
-            </a:effectRef>
-            <a:fontRef idx="minor">
-              <a:schemeClr val="tx1"/>
-            </a:fontRef>
-          </p:style>
-        </p:cxnSp>
-        <p:cxnSp>
-          <p:nvCxnSpPr>
-            <p:cNvPr id="80" name="Straight Connector 79">
-              <a:extLst>
-                <a:ext uri="{FF2B5EF4-FFF2-40B4-BE49-F238E27FC236}">
-                  <a16:creationId xmlns:a16="http://schemas.microsoft.com/office/drawing/2014/main" id="{0AFA3D94-9EC8-470A-A585-A9EC20306F5A}"/>
-                </a:ext>
-              </a:extLst>
-            </p:cNvPr>
-            <p:cNvCxnSpPr>
-              <a:cxnSpLocks/>
-            </p:cNvCxnSpPr>
-            <p:nvPr/>
-          </p:nvCxnSpPr>
-          <p:spPr>
-            <a:xfrm flipH="1">
-              <a:off x="3790765" y="2278061"/>
-              <a:ext cx="3364637" cy="0"/>
-            </a:xfrm>
-            <a:prstGeom prst="line">
-              <a:avLst/>
-            </a:prstGeom>
-            <a:ln>
-              <a:prstDash val="solid"/>
-            </a:ln>
-          </p:spPr>
-          <p:style>
-            <a:lnRef idx="1">
-              <a:schemeClr val="accent2"/>
-            </a:lnRef>
-            <a:fillRef idx="0">
-              <a:schemeClr val="accent2"/>
-            </a:fillRef>
-            <a:effectRef idx="0">
-              <a:schemeClr val="accent2"/>
-            </a:effectRef>
-            <a:fontRef idx="minor">
-              <a:schemeClr val="tx1"/>
-            </a:fontRef>
-          </p:style>
-        </p:cxnSp>
-        <p:sp>
-          <p:nvSpPr>
-            <p:cNvPr id="84" name="TextBox 83">
-              <a:extLst>
-                <a:ext uri="{FF2B5EF4-FFF2-40B4-BE49-F238E27FC236}">
-                  <a16:creationId xmlns:a16="http://schemas.microsoft.com/office/drawing/2014/main" id="{9DE8B2CC-72B3-448B-B890-BF3DD26073C9}"/>
-                </a:ext>
-              </a:extLst>
-            </p:cNvPr>
-            <p:cNvSpPr txBox="1"/>
-            <p:nvPr/>
-          </p:nvSpPr>
-          <p:spPr>
-            <a:xfrm>
-              <a:off x="4833197" y="833024"/>
-              <a:ext cx="3288208" cy="369332"/>
-            </a:xfrm>
-            <a:prstGeom prst="rect">
-              <a:avLst/>
-            </a:prstGeom>
-            <a:noFill/>
-          </p:spPr>
-          <p:txBody>
-            <a:bodyPr wrap="none" rtlCol="0">
-              <a:spAutoFit/>
-            </a:bodyPr>
-            <a:lstStyle/>
-            <a:p>
-              <a:r>
-                <a:rPr lang="en-US" b="1" dirty="0">
-                  <a:solidFill>
-                    <a:schemeClr val="bg1"/>
-                  </a:solidFill>
-                </a:rPr>
-                <a:t>Scene Division into cell structure</a:t>
-              </a:r>
-            </a:p>
-          </p:txBody>
-        </p:sp>
-        <p:cxnSp>
-          <p:nvCxnSpPr>
-            <p:cNvPr id="22" name="Straight Arrow Connector 21">
-              <a:extLst>
-                <a:ext uri="{FF2B5EF4-FFF2-40B4-BE49-F238E27FC236}">
-                  <a16:creationId xmlns:a16="http://schemas.microsoft.com/office/drawing/2014/main" id="{F0DE22E4-E0A2-4274-A7C9-0AC35EB0C26F}"/>
-                </a:ext>
-              </a:extLst>
-            </p:cNvPr>
-            <p:cNvCxnSpPr/>
-            <p:nvPr/>
-          </p:nvCxnSpPr>
-          <p:spPr>
-            <a:xfrm>
-              <a:off x="3565846" y="5635301"/>
-              <a:ext cx="3398671" cy="12575"/>
-            </a:xfrm>
-            <a:prstGeom prst="straightConnector1">
-              <a:avLst/>
-            </a:prstGeom>
-            <a:ln w="38100">
-              <a:headEnd type="triangle"/>
-              <a:tailEnd type="triangle"/>
-            </a:ln>
-          </p:spPr>
-          <p:style>
-            <a:lnRef idx="1">
-              <a:schemeClr val="accent1"/>
-            </a:lnRef>
-            <a:fillRef idx="0">
-              <a:schemeClr val="accent1"/>
-            </a:fillRef>
-            <a:effectRef idx="0">
-              <a:schemeClr val="accent1"/>
-            </a:effectRef>
-            <a:fontRef idx="minor">
-              <a:schemeClr val="tx1"/>
-            </a:fontRef>
-          </p:style>
-        </p:cxnSp>
-        <p:sp>
-          <p:nvSpPr>
-            <p:cNvPr id="24" name="TextBox 23">
-              <a:extLst>
-                <a:ext uri="{FF2B5EF4-FFF2-40B4-BE49-F238E27FC236}">
-                  <a16:creationId xmlns:a16="http://schemas.microsoft.com/office/drawing/2014/main" id="{A61BCF72-7E5C-4B26-830A-B641CD51F572}"/>
-                </a:ext>
-              </a:extLst>
-            </p:cNvPr>
-            <p:cNvSpPr txBox="1"/>
-            <p:nvPr/>
-          </p:nvSpPr>
-          <p:spPr>
-            <a:xfrm>
-              <a:off x="4125486" y="5767727"/>
-              <a:ext cx="2024913" cy="369332"/>
-            </a:xfrm>
-            <a:prstGeom prst="rect">
-              <a:avLst/>
-            </a:prstGeom>
-            <a:noFill/>
-          </p:spPr>
-          <p:txBody>
-            <a:bodyPr wrap="none" rtlCol="0">
-              <a:spAutoFit/>
-            </a:bodyPr>
-            <a:lstStyle/>
-            <a:p>
-              <a:r>
-                <a:rPr lang="en-US" dirty="0">
-                  <a:solidFill>
-                    <a:schemeClr val="bg1"/>
-                  </a:solidFill>
-                </a:rPr>
-                <a:t>Scene bounds of 16</a:t>
-              </a:r>
-            </a:p>
-          </p:txBody>
-        </p:sp>
-        <p:cxnSp>
-          <p:nvCxnSpPr>
-            <p:cNvPr id="26" name="Straight Arrow Connector 25">
-              <a:extLst>
-                <a:ext uri="{FF2B5EF4-FFF2-40B4-BE49-F238E27FC236}">
-                  <a16:creationId xmlns:a16="http://schemas.microsoft.com/office/drawing/2014/main" id="{5921D2AF-67D0-48F8-9FA4-4DEEFE542E75}"/>
-                </a:ext>
-              </a:extLst>
-            </p:cNvPr>
-            <p:cNvCxnSpPr>
-              <a:cxnSpLocks/>
-            </p:cNvCxnSpPr>
-            <p:nvPr/>
-          </p:nvCxnSpPr>
-          <p:spPr>
-            <a:xfrm flipV="1">
-              <a:off x="7128768" y="5310981"/>
-              <a:ext cx="213064" cy="208741"/>
-            </a:xfrm>
-            <a:prstGeom prst="straightConnector1">
-              <a:avLst/>
-            </a:prstGeom>
-            <a:ln w="38100">
-              <a:headEnd type="triangle"/>
-              <a:tailEnd type="triangle"/>
-            </a:ln>
-          </p:spPr>
-          <p:style>
-            <a:lnRef idx="1">
-              <a:schemeClr val="accent1"/>
-            </a:lnRef>
-            <a:fillRef idx="0">
-              <a:schemeClr val="accent1"/>
-            </a:fillRef>
-            <a:effectRef idx="0">
-              <a:schemeClr val="accent1"/>
-            </a:effectRef>
-            <a:fontRef idx="minor">
-              <a:schemeClr val="tx1"/>
-            </a:fontRef>
-          </p:style>
-        </p:cxnSp>
-        <p:sp>
-          <p:nvSpPr>
-            <p:cNvPr id="89" name="TextBox 88">
-              <a:extLst>
-                <a:ext uri="{FF2B5EF4-FFF2-40B4-BE49-F238E27FC236}">
-                  <a16:creationId xmlns:a16="http://schemas.microsoft.com/office/drawing/2014/main" id="{ED564A0C-F4F8-45B9-9822-61DBD3F0FEB6}"/>
-                </a:ext>
-              </a:extLst>
-            </p:cNvPr>
-            <p:cNvSpPr txBox="1"/>
-            <p:nvPr/>
-          </p:nvSpPr>
-          <p:spPr>
-            <a:xfrm>
-              <a:off x="7491274" y="5249693"/>
-              <a:ext cx="1633396" cy="369332"/>
-            </a:xfrm>
-            <a:prstGeom prst="rect">
-              <a:avLst/>
-            </a:prstGeom>
-            <a:noFill/>
-          </p:spPr>
-          <p:txBody>
-            <a:bodyPr wrap="none" rtlCol="0">
-              <a:spAutoFit/>
-            </a:bodyPr>
-            <a:lstStyle/>
-            <a:p>
-              <a:r>
-                <a:rPr lang="en-US" dirty="0">
-                  <a:solidFill>
-                    <a:schemeClr val="bg1"/>
-                  </a:solidFill>
-                </a:rPr>
-                <a:t>Cell size of 0.25</a:t>
-              </a:r>
-            </a:p>
-          </p:txBody>
-        </p:sp>
-        <p:sp>
-          <p:nvSpPr>
-            <p:cNvPr id="90" name="Oval 89">
-              <a:extLst>
-                <a:ext uri="{FF2B5EF4-FFF2-40B4-BE49-F238E27FC236}">
-                  <a16:creationId xmlns:a16="http://schemas.microsoft.com/office/drawing/2014/main" id="{27A7C0E8-C3DE-4E1C-87C7-D272F2BA551C}"/>
-                </a:ext>
-              </a:extLst>
-            </p:cNvPr>
-            <p:cNvSpPr/>
-            <p:nvPr/>
-          </p:nvSpPr>
-          <p:spPr>
-            <a:xfrm>
-              <a:off x="5078795" y="3892320"/>
-              <a:ext cx="45719" cy="53266"/>
-            </a:xfrm>
-            <a:prstGeom prst="ellipse">
-              <a:avLst/>
-            </a:prstGeom>
-          </p:spPr>
-          <p:style>
-            <a:lnRef idx="2">
-              <a:schemeClr val="accent2">
-                <a:shade val="50000"/>
-              </a:schemeClr>
-            </a:lnRef>
-            <a:fillRef idx="1">
-              <a:schemeClr val="accent2"/>
-            </a:fillRef>
-            <a:effectRef idx="0">
-              <a:schemeClr val="accent2"/>
-            </a:effectRef>
-            <a:fontRef idx="minor">
-              <a:schemeClr val="lt1"/>
-            </a:fontRef>
-          </p:style>
-          <p:txBody>
-            <a:bodyPr rtlCol="0" anchor="ctr"/>
-            <a:lstStyle/>
-            <a:p>
-              <a:pPr algn="ctr"/>
-              <a:endParaRPr lang="en-US"/>
-            </a:p>
-          </p:txBody>
-        </p:sp>
-        <p:sp>
-          <p:nvSpPr>
-            <p:cNvPr id="91" name="Oval 90">
-              <a:extLst>
-                <a:ext uri="{FF2B5EF4-FFF2-40B4-BE49-F238E27FC236}">
-                  <a16:creationId xmlns:a16="http://schemas.microsoft.com/office/drawing/2014/main" id="{B7E89DCB-5DE1-4C85-A82A-D293D588E926}"/>
-                </a:ext>
-              </a:extLst>
-            </p:cNvPr>
-            <p:cNvSpPr/>
-            <p:nvPr/>
-          </p:nvSpPr>
-          <p:spPr>
-            <a:xfrm>
-              <a:off x="5352522" y="3892320"/>
-              <a:ext cx="45719" cy="53266"/>
-            </a:xfrm>
-            <a:prstGeom prst="ellipse">
-              <a:avLst/>
-            </a:prstGeom>
-          </p:spPr>
-          <p:style>
-            <a:lnRef idx="2">
-              <a:schemeClr val="accent2">
-                <a:shade val="50000"/>
-              </a:schemeClr>
-            </a:lnRef>
-            <a:fillRef idx="1">
-              <a:schemeClr val="accent2"/>
-            </a:fillRef>
-            <a:effectRef idx="0">
-              <a:schemeClr val="accent2"/>
-            </a:effectRef>
-            <a:fontRef idx="minor">
-              <a:schemeClr val="lt1"/>
-            </a:fontRef>
-          </p:style>
-          <p:txBody>
-            <a:bodyPr rtlCol="0" anchor="ctr"/>
-            <a:lstStyle/>
-            <a:p>
-              <a:pPr algn="ctr"/>
-              <a:endParaRPr lang="en-US"/>
-            </a:p>
-          </p:txBody>
-        </p:sp>
-        <p:sp>
-          <p:nvSpPr>
-            <p:cNvPr id="92" name="Oval 91">
-              <a:extLst>
-                <a:ext uri="{FF2B5EF4-FFF2-40B4-BE49-F238E27FC236}">
-                  <a16:creationId xmlns:a16="http://schemas.microsoft.com/office/drawing/2014/main" id="{2025E145-757C-4E37-88FC-E653701CFDFA}"/>
-                </a:ext>
-              </a:extLst>
-            </p:cNvPr>
-            <p:cNvSpPr/>
-            <p:nvPr/>
-          </p:nvSpPr>
-          <p:spPr>
-            <a:xfrm>
-              <a:off x="5626249" y="3901198"/>
-              <a:ext cx="45719" cy="53266"/>
-            </a:xfrm>
-            <a:prstGeom prst="ellipse">
-              <a:avLst/>
-            </a:prstGeom>
-          </p:spPr>
-          <p:style>
-            <a:lnRef idx="2">
-              <a:schemeClr val="accent2">
-                <a:shade val="50000"/>
-              </a:schemeClr>
-            </a:lnRef>
-            <a:fillRef idx="1">
-              <a:schemeClr val="accent2"/>
-            </a:fillRef>
-            <a:effectRef idx="0">
-              <a:schemeClr val="accent2"/>
-            </a:effectRef>
-            <a:fontRef idx="minor">
-              <a:schemeClr val="lt1"/>
-            </a:fontRef>
-          </p:style>
-          <p:txBody>
-            <a:bodyPr rtlCol="0" anchor="ctr"/>
-            <a:lstStyle/>
-            <a:p>
-              <a:pPr algn="ctr"/>
-              <a:endParaRPr lang="en-US"/>
-            </a:p>
-          </p:txBody>
-        </p:sp>
-      </p:grpSp>
-    </p:spTree>
-    <p:extLst>
-      <p:ext uri="{BB962C8B-B14F-4D97-AF65-F5344CB8AC3E}">
-        <p14:creationId xmlns:p14="http://schemas.microsoft.com/office/powerpoint/2010/main" val="2018809182"/>
       </p:ext>
     </p:extLst>
   </p:cSld>
